--- a/presentazione/Presentazione_Progetti_di_Dipl.pptx
+++ b/presentazione/Presentazione_Progetti_di_Dipl.pptx
@@ -265,7 +265,7 @@
             <a:fld id="{EC9388A7-5429-7442-BD81-798B3F4B5BE0}" type="datetime1">
               <a:rPr lang="it-IT"/>
               <a:pPr/>
-              <a:t>01/05/19</a:t>
+              <a:t>03/05/19</a:t>
             </a:fld>
             <a:endParaRPr lang="it-IT"/>
           </a:p>
@@ -516,14 +516,14 @@
           </a:ln>
           <a:extLst>
             <a:ext uri="{909E8E84-426E-40dd-AFC4-6F175D3DCCD1}">
-              <a14:hiddenFill xmlns="" xmlns:a14="http://schemas.microsoft.com/office/drawing/2010/main">
+              <a14:hiddenFill xmlns:a14="http://schemas.microsoft.com/office/drawing/2010/main" xmlns="">
                 <a:solidFill>
                   <a:srgbClr val="FFFFFF"/>
                 </a:solidFill>
               </a14:hiddenFill>
             </a:ext>
             <a:ext uri="{FAA26D3D-D897-4be2-8F04-BA451C77F1D7}">
-              <ma14:placeholderFlag xmlns="" xmlns:ma14="http://schemas.microsoft.com/office/mac/drawingml/2011/main" val="1"/>
+              <ma14:placeholderFlag xmlns:ma14="http://schemas.microsoft.com/office/mac/drawingml/2011/main" xmlns="" val="1"/>
             </a:ext>
           </a:extLst>
         </p:spPr>
@@ -6141,7 +6141,7 @@
             </a:pPr>
             <a:r>
               <a:rPr lang="it-IT" sz="1800" dirty="0"/>
-              <a:t>Molto facile ed intuitiva da utilizzabile</a:t>
+              <a:t>Molto facile ed intuitiva da utilizzare</a:t>
             </a:r>
           </a:p>
           <a:p>
@@ -6264,14 +6264,14 @@
         <p:spPr>
           <a:xfrm>
             <a:off x="323528" y="2314972"/>
-            <a:ext cx="8136904" cy="4248472"/>
+            <a:ext cx="4032448" cy="4248472"/>
           </a:xfrm>
         </p:spPr>
         <p:txBody>
           <a:bodyPr/>
           <a:lstStyle/>
           <a:p>
-            <a:pPr marL="285750" indent="-285750">
+            <a:pPr marL="285750" indent="-285750" algn="just">
               <a:buFont typeface="Arial" panose="020B0604020202020204" pitchFamily="34" charset="0"/>
               <a:buChar char="•"/>
             </a:pPr>
@@ -6281,14 +6281,14 @@
             </a:r>
           </a:p>
           <a:p>
-            <a:pPr marL="285750" indent="-285750">
+            <a:pPr marL="285750" indent="-285750" algn="just">
               <a:buFont typeface="Arial" panose="020B0604020202020204" pitchFamily="34" charset="0"/>
               <a:buChar char="•"/>
             </a:pPr>
             <a:endParaRPr lang="it-IT" sz="1800" dirty="0"/>
           </a:p>
           <a:p>
-            <a:pPr marL="285750" indent="-285750">
+            <a:pPr marL="285750" indent="-285750" algn="just">
               <a:buFont typeface="Arial" panose="020B0604020202020204" pitchFamily="34" charset="0"/>
               <a:buChar char="•"/>
             </a:pPr>
@@ -6321,6 +6321,36 @@
           </a:p>
         </p:txBody>
       </p:sp>
+      <p:pic>
+        <p:nvPicPr>
+          <p:cNvPr id="4" name="Immagine 3">
+            <a:extLst>
+              <a:ext uri="{FF2B5EF4-FFF2-40B4-BE49-F238E27FC236}">
+                <a16:creationId xmlns:a16="http://schemas.microsoft.com/office/drawing/2014/main" id="{4FA4F246-D783-C04F-821E-4505DBEA3E67}"/>
+              </a:ext>
+            </a:extLst>
+          </p:cNvPr>
+          <p:cNvPicPr>
+            <a:picLocks noChangeAspect="1"/>
+          </p:cNvPicPr>
+          <p:nvPr/>
+        </p:nvPicPr>
+        <p:blipFill>
+          <a:blip r:embed="rId3"/>
+          <a:stretch>
+            <a:fillRect/>
+          </a:stretch>
+        </p:blipFill>
+        <p:spPr>
+          <a:xfrm>
+            <a:off x="4427984" y="1203808"/>
+            <a:ext cx="4032448" cy="5359636"/>
+          </a:xfrm>
+          <a:prstGeom prst="rect">
+            <a:avLst/>
+          </a:prstGeom>
+        </p:spPr>
+      </p:pic>
     </p:spTree>
     <p:extLst>
       <p:ext uri="{BB962C8B-B14F-4D97-AF65-F5344CB8AC3E}">

--- a/presentazione/Presentazione_Progetti_di_Dipl.pptx
+++ b/presentazione/Presentazione_Progetti_di_Dipl.pptx
@@ -5,22 +5,23 @@
     <p:sldMasterId id="2147484139" r:id="rId1"/>
   </p:sldMasterIdLst>
   <p:notesMasterIdLst>
-    <p:notesMasterId r:id="rId12"/>
+    <p:notesMasterId r:id="rId13"/>
   </p:notesMasterIdLst>
   <p:handoutMasterIdLst>
-    <p:handoutMasterId r:id="rId13"/>
+    <p:handoutMasterId r:id="rId14"/>
   </p:handoutMasterIdLst>
   <p:sldIdLst>
     <p:sldId id="268" r:id="rId2"/>
     <p:sldId id="266" r:id="rId3"/>
     <p:sldId id="271" r:id="rId4"/>
-    <p:sldId id="272" r:id="rId5"/>
+    <p:sldId id="280" r:id="rId5"/>
     <p:sldId id="275" r:id="rId6"/>
     <p:sldId id="276" r:id="rId7"/>
     <p:sldId id="277" r:id="rId8"/>
     <p:sldId id="278" r:id="rId9"/>
     <p:sldId id="279" r:id="rId10"/>
-    <p:sldId id="269" r:id="rId11"/>
+    <p:sldId id="281" r:id="rId11"/>
+    <p:sldId id="269" r:id="rId12"/>
   </p:sldIdLst>
   <p:sldSz cx="9144000" cy="6858000" type="screen4x3"/>
   <p:notesSz cx="6858000" cy="9144000"/>
@@ -265,7 +266,7 @@
             <a:fld id="{EC9388A7-5429-7442-BD81-798B3F4B5BE0}" type="datetime1">
               <a:rPr lang="it-IT"/>
               <a:pPr/>
-              <a:t>03/05/19</a:t>
+              <a:t>13/05/19</a:t>
             </a:fld>
             <a:endParaRPr lang="it-IT"/>
           </a:p>
@@ -516,14 +517,14 @@
           </a:ln>
           <a:extLst>
             <a:ext uri="{909E8E84-426E-40dd-AFC4-6F175D3DCCD1}">
-              <a14:hiddenFill xmlns:a14="http://schemas.microsoft.com/office/drawing/2010/main" xmlns="">
+              <a14:hiddenFill xmlns="" xmlns:a14="http://schemas.microsoft.com/office/drawing/2010/main">
                 <a:solidFill>
                   <a:srgbClr val="FFFFFF"/>
                 </a:solidFill>
               </a14:hiddenFill>
             </a:ext>
             <a:ext uri="{FAA26D3D-D897-4be2-8F04-BA451C77F1D7}">
-              <ma14:placeholderFlag xmlns:ma14="http://schemas.microsoft.com/office/mac/drawingml/2011/main" xmlns="" val="1"/>
+              <ma14:placeholderFlag xmlns="" xmlns:ma14="http://schemas.microsoft.com/office/mac/drawingml/2011/main" val="1"/>
             </a:ext>
           </a:extLst>
         </p:spPr>
@@ -981,7 +982,7 @@
             <a:fld id="{F6425F76-5FCB-3E42-9F4B-C72054CFC5AB}" type="slidenum">
               <a:rPr lang="it-IT" smtClean="0"/>
               <a:pPr/>
-              <a:t>6</a:t>
+              <a:t>4</a:t>
             </a:fld>
             <a:endParaRPr lang="it-IT"/>
           </a:p>
@@ -990,7 +991,7 @@
     </p:spTree>
     <p:extLst>
       <p:ext uri="{BB962C8B-B14F-4D97-AF65-F5344CB8AC3E}">
-        <p14:creationId xmlns:p14="http://schemas.microsoft.com/office/powerpoint/2010/main" val="2909945367"/>
+        <p14:creationId xmlns:p14="http://schemas.microsoft.com/office/powerpoint/2010/main" val="3535463782"/>
       </p:ext>
     </p:extLst>
   </p:cSld>
@@ -1066,7 +1067,7 @@
             <a:fld id="{F6425F76-5FCB-3E42-9F4B-C72054CFC5AB}" type="slidenum">
               <a:rPr lang="it-IT" smtClean="0"/>
               <a:pPr/>
-              <a:t>7</a:t>
+              <a:t>6</a:t>
             </a:fld>
             <a:endParaRPr lang="it-IT"/>
           </a:p>
@@ -1075,7 +1076,7 @@
     </p:spTree>
     <p:extLst>
       <p:ext uri="{BB962C8B-B14F-4D97-AF65-F5344CB8AC3E}">
-        <p14:creationId xmlns:p14="http://schemas.microsoft.com/office/powerpoint/2010/main" val="3352507480"/>
+        <p14:creationId xmlns:p14="http://schemas.microsoft.com/office/powerpoint/2010/main" val="2909945367"/>
       </p:ext>
     </p:extLst>
   </p:cSld>
@@ -1151,7 +1152,7 @@
             <a:fld id="{F6425F76-5FCB-3E42-9F4B-C72054CFC5AB}" type="slidenum">
               <a:rPr lang="it-IT" smtClean="0"/>
               <a:pPr/>
-              <a:t>8</a:t>
+              <a:t>7</a:t>
             </a:fld>
             <a:endParaRPr lang="it-IT"/>
           </a:p>
@@ -1160,7 +1161,7 @@
     </p:spTree>
     <p:extLst>
       <p:ext uri="{BB962C8B-B14F-4D97-AF65-F5344CB8AC3E}">
-        <p14:creationId xmlns:p14="http://schemas.microsoft.com/office/powerpoint/2010/main" val="1387461529"/>
+        <p14:creationId xmlns:p14="http://schemas.microsoft.com/office/powerpoint/2010/main" val="3352507480"/>
       </p:ext>
     </p:extLst>
   </p:cSld>
@@ -1236,6 +1237,91 @@
             <a:fld id="{F6425F76-5FCB-3E42-9F4B-C72054CFC5AB}" type="slidenum">
               <a:rPr lang="it-IT" smtClean="0"/>
               <a:pPr/>
+              <a:t>8</a:t>
+            </a:fld>
+            <a:endParaRPr lang="it-IT"/>
+          </a:p>
+        </p:txBody>
+      </p:sp>
+    </p:spTree>
+    <p:extLst>
+      <p:ext uri="{BB962C8B-B14F-4D97-AF65-F5344CB8AC3E}">
+        <p14:creationId xmlns:p14="http://schemas.microsoft.com/office/powerpoint/2010/main" val="1387461529"/>
+      </p:ext>
+    </p:extLst>
+  </p:cSld>
+  <p:clrMapOvr>
+    <a:masterClrMapping/>
+  </p:clrMapOvr>
+</p:notes>
+</file>
+
+<file path=ppt/notesSlides/notesSlide6.xml><?xml version="1.0" encoding="utf-8"?>
+<p:notes xmlns:a="http://schemas.openxmlformats.org/drawingml/2006/main" xmlns:r="http://schemas.openxmlformats.org/officeDocument/2006/relationships" xmlns:p="http://schemas.openxmlformats.org/presentationml/2006/main">
+  <p:cSld>
+    <p:spTree>
+      <p:nvGrpSpPr>
+        <p:cNvPr id="1" name=""/>
+        <p:cNvGrpSpPr/>
+        <p:nvPr/>
+      </p:nvGrpSpPr>
+      <p:grpSpPr>
+        <a:xfrm>
+          <a:off x="0" y="0"/>
+          <a:ext cx="0" cy="0"/>
+          <a:chOff x="0" y="0"/>
+          <a:chExt cx="0" cy="0"/>
+        </a:xfrm>
+      </p:grpSpPr>
+      <p:sp>
+        <p:nvSpPr>
+          <p:cNvPr id="2" name="Segnaposto immagine diapositiva 1"/>
+          <p:cNvSpPr>
+            <a:spLocks noGrp="1" noRot="1" noChangeAspect="1"/>
+          </p:cNvSpPr>
+          <p:nvPr>
+            <p:ph type="sldImg"/>
+          </p:nvPr>
+        </p:nvSpPr>
+        <p:spPr/>
+      </p:sp>
+      <p:sp>
+        <p:nvSpPr>
+          <p:cNvPr id="3" name="Segnaposto note 2"/>
+          <p:cNvSpPr>
+            <a:spLocks noGrp="1"/>
+          </p:cNvSpPr>
+          <p:nvPr>
+            <p:ph type="body" idx="1"/>
+          </p:nvPr>
+        </p:nvSpPr>
+        <p:spPr/>
+        <p:txBody>
+          <a:bodyPr/>
+          <a:lstStyle/>
+          <a:p>
+            <a:endParaRPr lang="it-CH" dirty="0"/>
+          </a:p>
+        </p:txBody>
+      </p:sp>
+      <p:sp>
+        <p:nvSpPr>
+          <p:cNvPr id="4" name="Segnaposto numero diapositiva 3"/>
+          <p:cNvSpPr>
+            <a:spLocks noGrp="1"/>
+          </p:cNvSpPr>
+          <p:nvPr>
+            <p:ph type="sldNum" sz="quarter" idx="5"/>
+          </p:nvPr>
+        </p:nvSpPr>
+        <p:spPr/>
+        <p:txBody>
+          <a:bodyPr/>
+          <a:lstStyle/>
+          <a:p>
+            <a:fld id="{F6425F76-5FCB-3E42-9F4B-C72054CFC5AB}" type="slidenum">
+              <a:rPr lang="it-IT" smtClean="0"/>
+              <a:pPr/>
               <a:t>9</a:t>
             </a:fld>
             <a:endParaRPr lang="it-IT"/>
@@ -1246,6 +1332,91 @@
     <p:extLst>
       <p:ext uri="{BB962C8B-B14F-4D97-AF65-F5344CB8AC3E}">
         <p14:creationId xmlns:p14="http://schemas.microsoft.com/office/powerpoint/2010/main" val="2353701832"/>
+      </p:ext>
+    </p:extLst>
+  </p:cSld>
+  <p:clrMapOvr>
+    <a:masterClrMapping/>
+  </p:clrMapOvr>
+</p:notes>
+</file>
+
+<file path=ppt/notesSlides/notesSlide7.xml><?xml version="1.0" encoding="utf-8"?>
+<p:notes xmlns:a="http://schemas.openxmlformats.org/drawingml/2006/main" xmlns:r="http://schemas.openxmlformats.org/officeDocument/2006/relationships" xmlns:p="http://schemas.openxmlformats.org/presentationml/2006/main">
+  <p:cSld>
+    <p:spTree>
+      <p:nvGrpSpPr>
+        <p:cNvPr id="1" name=""/>
+        <p:cNvGrpSpPr/>
+        <p:nvPr/>
+      </p:nvGrpSpPr>
+      <p:grpSpPr>
+        <a:xfrm>
+          <a:off x="0" y="0"/>
+          <a:ext cx="0" cy="0"/>
+          <a:chOff x="0" y="0"/>
+          <a:chExt cx="0" cy="0"/>
+        </a:xfrm>
+      </p:grpSpPr>
+      <p:sp>
+        <p:nvSpPr>
+          <p:cNvPr id="2" name="Segnaposto immagine diapositiva 1"/>
+          <p:cNvSpPr>
+            <a:spLocks noGrp="1" noRot="1" noChangeAspect="1"/>
+          </p:cNvSpPr>
+          <p:nvPr>
+            <p:ph type="sldImg"/>
+          </p:nvPr>
+        </p:nvSpPr>
+        <p:spPr/>
+      </p:sp>
+      <p:sp>
+        <p:nvSpPr>
+          <p:cNvPr id="3" name="Segnaposto note 2"/>
+          <p:cNvSpPr>
+            <a:spLocks noGrp="1"/>
+          </p:cNvSpPr>
+          <p:nvPr>
+            <p:ph type="body" idx="1"/>
+          </p:nvPr>
+        </p:nvSpPr>
+        <p:spPr/>
+        <p:txBody>
+          <a:bodyPr/>
+          <a:lstStyle/>
+          <a:p>
+            <a:endParaRPr lang="it-CH" dirty="0"/>
+          </a:p>
+        </p:txBody>
+      </p:sp>
+      <p:sp>
+        <p:nvSpPr>
+          <p:cNvPr id="4" name="Segnaposto numero diapositiva 3"/>
+          <p:cNvSpPr>
+            <a:spLocks noGrp="1"/>
+          </p:cNvSpPr>
+          <p:nvPr>
+            <p:ph type="sldNum" sz="quarter" idx="5"/>
+          </p:nvPr>
+        </p:nvSpPr>
+        <p:spPr/>
+        <p:txBody>
+          <a:bodyPr/>
+          <a:lstStyle/>
+          <a:p>
+            <a:fld id="{F6425F76-5FCB-3E42-9F4B-C72054CFC5AB}" type="slidenum">
+              <a:rPr lang="it-IT" smtClean="0"/>
+              <a:pPr/>
+              <a:t>10</a:t>
+            </a:fld>
+            <a:endParaRPr lang="it-IT"/>
+          </a:p>
+        </p:txBody>
+      </p:sp>
+    </p:spTree>
+    <p:extLst>
+      <p:ext uri="{BB962C8B-B14F-4D97-AF65-F5344CB8AC3E}">
+        <p14:creationId xmlns:p14="http://schemas.microsoft.com/office/powerpoint/2010/main" val="4253626677"/>
       </p:ext>
     </p:extLst>
   </p:cSld>
@@ -5590,6 +5761,226 @@
       </p:grpSpPr>
       <p:sp>
         <p:nvSpPr>
+          <p:cNvPr id="2" name="Segnaposto testo 1"/>
+          <p:cNvSpPr>
+            <a:spLocks noGrp="1"/>
+          </p:cNvSpPr>
+          <p:nvPr>
+            <p:ph type="body" sz="quarter" idx="13"/>
+          </p:nvPr>
+        </p:nvSpPr>
+        <p:spPr>
+          <a:xfrm>
+            <a:off x="323528" y="2314972"/>
+            <a:ext cx="8136904" cy="4248472"/>
+          </a:xfrm>
+        </p:spPr>
+        <p:txBody>
+          <a:bodyPr/>
+          <a:lstStyle/>
+          <a:p>
+            <a:pPr marL="285750" indent="-285750">
+              <a:buFont typeface="Arial" panose="020B0604020202020204" pitchFamily="34" charset="0"/>
+              <a:buChar char="•"/>
+            </a:pPr>
+            <a:r>
+              <a:rPr lang="it-IT" sz="1800" dirty="0"/>
+              <a:t>Approfondite tematiche legate a JavaScript</a:t>
+            </a:r>
+          </a:p>
+          <a:p>
+            <a:endParaRPr lang="it-IT" sz="1800" dirty="0"/>
+          </a:p>
+          <a:p>
+            <a:pPr marL="285750" indent="-285750">
+              <a:buFont typeface="Arial" panose="020B0604020202020204" pitchFamily="34" charset="0"/>
+              <a:buChar char="•"/>
+            </a:pPr>
+            <a:r>
+              <a:rPr lang="it-IT" sz="1800" dirty="0"/>
+              <a:t>Scoperta utilità </a:t>
+            </a:r>
+            <a:r>
+              <a:rPr lang="it-IT" sz="1800" dirty="0" err="1"/>
+              <a:t>mindmap</a:t>
+            </a:r>
+            <a:r>
+              <a:rPr lang="it-IT" sz="1800" dirty="0"/>
+              <a:t> all’interno di progetti ed idee</a:t>
+            </a:r>
+          </a:p>
+          <a:p>
+            <a:pPr marL="285750" indent="-285750">
+              <a:buFont typeface="Arial" panose="020B0604020202020204" pitchFamily="34" charset="0"/>
+              <a:buChar char="•"/>
+            </a:pPr>
+            <a:endParaRPr lang="it-IT" sz="1800" dirty="0"/>
+          </a:p>
+          <a:p>
+            <a:pPr marL="285750" indent="-285750">
+              <a:buFont typeface="Arial" panose="020B0604020202020204" pitchFamily="34" charset="0"/>
+              <a:buChar char="•"/>
+            </a:pPr>
+            <a:r>
+              <a:rPr lang="it-IT" sz="1800" dirty="0"/>
+              <a:t>Sviluppi futuri: </a:t>
+            </a:r>
+          </a:p>
+          <a:p>
+            <a:pPr lvl="1" indent="0">
+              <a:buNone/>
+            </a:pPr>
+            <a:r>
+              <a:rPr lang="it-IT" sz="1800" dirty="0"/>
+              <a:t>- </a:t>
+            </a:r>
+            <a:r>
+              <a:rPr lang="it-IT" sz="1400" dirty="0"/>
+              <a:t>Aggiungere la possibilità di salvare il proprio lavoro su </a:t>
+            </a:r>
+            <a:r>
+              <a:rPr lang="it-IT" sz="1400" dirty="0" err="1"/>
+              <a:t>Dropbox</a:t>
+            </a:r>
+            <a:r>
+              <a:rPr lang="it-IT" sz="1400" dirty="0"/>
+              <a:t> e Google Drive</a:t>
+            </a:r>
+          </a:p>
+          <a:p>
+            <a:pPr lvl="1"/>
+            <a:endParaRPr lang="it-IT" sz="1200" dirty="0"/>
+          </a:p>
+          <a:p>
+            <a:pPr lvl="1" indent="0">
+              <a:buNone/>
+            </a:pPr>
+            <a:r>
+              <a:rPr lang="it-IT" sz="1800" dirty="0"/>
+              <a:t>- </a:t>
+            </a:r>
+            <a:r>
+              <a:rPr lang="it-IT" sz="1400" dirty="0"/>
+              <a:t>Aggiungere la possibilità di registrarsi per personalizzare l’esperienza di ogni utente</a:t>
+            </a:r>
+          </a:p>
+          <a:p>
+            <a:endParaRPr lang="it-IT" dirty="0"/>
+          </a:p>
+          <a:p>
+            <a:pPr marL="285750" indent="-285750">
+              <a:buFont typeface="Arial" panose="020B0604020202020204" pitchFamily="34" charset="0"/>
+              <a:buChar char="•"/>
+            </a:pPr>
+            <a:endParaRPr lang="it-IT" sz="1800" dirty="0"/>
+          </a:p>
+          <a:p>
+            <a:pPr marL="285750" indent="-285750">
+              <a:buFont typeface="Arial" panose="020B0604020202020204" pitchFamily="34" charset="0"/>
+              <a:buChar char="•"/>
+            </a:pPr>
+            <a:endParaRPr lang="it-IT" sz="1800" dirty="0"/>
+          </a:p>
+          <a:p>
+            <a:pPr marL="285750" indent="-285750">
+              <a:buFont typeface="Arial" panose="020B0604020202020204" pitchFamily="34" charset="0"/>
+              <a:buChar char="•"/>
+            </a:pPr>
+            <a:endParaRPr lang="it-IT" sz="1800" dirty="0"/>
+          </a:p>
+          <a:p>
+            <a:pPr marL="285750" indent="-285750">
+              <a:buFont typeface="Arial" panose="020B0604020202020204" pitchFamily="34" charset="0"/>
+              <a:buChar char="•"/>
+            </a:pPr>
+            <a:endParaRPr lang="it-IT" sz="1800" dirty="0"/>
+          </a:p>
+        </p:txBody>
+      </p:sp>
+      <p:sp>
+        <p:nvSpPr>
+          <p:cNvPr id="3" name="Segnaposto testo 2"/>
+          <p:cNvSpPr>
+            <a:spLocks noGrp="1"/>
+          </p:cNvSpPr>
+          <p:nvPr>
+            <p:ph type="body" sz="quarter" idx="14"/>
+          </p:nvPr>
+        </p:nvSpPr>
+        <p:spPr/>
+        <p:txBody>
+          <a:bodyPr/>
+          <a:lstStyle/>
+          <a:p>
+            <a:r>
+              <a:rPr lang="it-IT" dirty="0"/>
+              <a:t>Conclusioni</a:t>
+            </a:r>
+          </a:p>
+        </p:txBody>
+      </p:sp>
+      <p:pic>
+        <p:nvPicPr>
+          <p:cNvPr id="5" name="Immagine 4" descr="Immagine che contiene clipart&#10;&#10;Descrizione generata automaticamente">
+            <a:extLst>
+              <a:ext uri="{FF2B5EF4-FFF2-40B4-BE49-F238E27FC236}">
+                <a16:creationId xmlns:a16="http://schemas.microsoft.com/office/drawing/2014/main" id="{5BB63B31-7768-E643-89C1-1C8CCD09C12E}"/>
+              </a:ext>
+            </a:extLst>
+          </p:cNvPr>
+          <p:cNvPicPr>
+            <a:picLocks noChangeAspect="1"/>
+          </p:cNvPicPr>
+          <p:nvPr/>
+        </p:nvPicPr>
+        <p:blipFill>
+          <a:blip r:embed="rId3"/>
+          <a:stretch>
+            <a:fillRect/>
+          </a:stretch>
+        </p:blipFill>
+        <p:spPr>
+          <a:xfrm>
+            <a:off x="7126932" y="1203725"/>
+            <a:ext cx="1333500" cy="1511300"/>
+          </a:xfrm>
+          <a:prstGeom prst="rect">
+            <a:avLst/>
+          </a:prstGeom>
+        </p:spPr>
+      </p:pic>
+    </p:spTree>
+    <p:extLst>
+      <p:ext uri="{BB962C8B-B14F-4D97-AF65-F5344CB8AC3E}">
+        <p14:creationId xmlns:p14="http://schemas.microsoft.com/office/powerpoint/2010/main" val="301514018"/>
+      </p:ext>
+    </p:extLst>
+  </p:cSld>
+  <p:clrMapOvr>
+    <a:masterClrMapping/>
+  </p:clrMapOvr>
+</p:sld>
+</file>
+
+<file path=ppt/slides/slide11.xml><?xml version="1.0" encoding="utf-8"?>
+<p:sld xmlns:a="http://schemas.openxmlformats.org/drawingml/2006/main" xmlns:r="http://schemas.openxmlformats.org/officeDocument/2006/relationships" xmlns:p="http://schemas.openxmlformats.org/presentationml/2006/main">
+  <p:cSld>
+    <p:spTree>
+      <p:nvGrpSpPr>
+        <p:cNvPr id="1" name=""/>
+        <p:cNvGrpSpPr/>
+        <p:nvPr/>
+      </p:nvGrpSpPr>
+      <p:grpSpPr>
+        <a:xfrm>
+          <a:off x="0" y="0"/>
+          <a:ext cx="0" cy="0"/>
+          <a:chOff x="0" y="0"/>
+          <a:chExt cx="0" cy="0"/>
+        </a:xfrm>
+      </p:grpSpPr>
+      <p:sp>
+        <p:nvSpPr>
           <p:cNvPr id="2" name="Segnaposto testo 1">
             <a:extLst>
               <a:ext uri="{FF2B5EF4-FFF2-40B4-BE49-F238E27FC236}">
@@ -5606,8 +5997,8 @@
         </p:nvSpPr>
         <p:spPr>
           <a:xfrm>
-            <a:off x="323528" y="2996952"/>
-            <a:ext cx="7992888" cy="3579192"/>
+            <a:off x="323528" y="3573016"/>
+            <a:ext cx="7992888" cy="3003128"/>
           </a:xfrm>
         </p:spPr>
         <p:txBody>
@@ -5622,6 +6013,36 @@
           </a:p>
         </p:txBody>
       </p:sp>
+      <p:pic>
+        <p:nvPicPr>
+          <p:cNvPr id="9" name="Immagine 8">
+            <a:extLst>
+              <a:ext uri="{FF2B5EF4-FFF2-40B4-BE49-F238E27FC236}">
+                <a16:creationId xmlns:a16="http://schemas.microsoft.com/office/drawing/2014/main" id="{2D503BCF-FE37-9A4B-B6BC-AB0475524DA7}"/>
+              </a:ext>
+            </a:extLst>
+          </p:cNvPr>
+          <p:cNvPicPr>
+            <a:picLocks noChangeAspect="1"/>
+          </p:cNvPicPr>
+          <p:nvPr/>
+        </p:nvPicPr>
+        <p:blipFill>
+          <a:blip r:embed="rId2"/>
+          <a:stretch>
+            <a:fillRect/>
+          </a:stretch>
+        </p:blipFill>
+        <p:spPr>
+          <a:xfrm>
+            <a:off x="3455876" y="1844824"/>
+            <a:ext cx="1728192" cy="1728192"/>
+          </a:xfrm>
+          <a:prstGeom prst="rect">
+            <a:avLst/>
+          </a:prstGeom>
+        </p:spPr>
+      </p:pic>
     </p:spTree>
     <p:extLst>
       <p:ext uri="{BB962C8B-B14F-4D97-AF65-F5344CB8AC3E}">
@@ -5678,7 +6099,7 @@
             </a:pPr>
             <a:r>
               <a:rPr lang="it-IT" sz="1800" dirty="0"/>
-              <a:t>Analizzare funzionamento delle </a:t>
+              <a:t>Analizzare funzionamento </a:t>
             </a:r>
             <a:r>
               <a:rPr lang="it-IT" sz="1800" dirty="0" err="1"/>
@@ -5942,6 +6363,41 @@
           </a:p>
         </p:txBody>
       </p:sp>
+      <p:pic>
+        <p:nvPicPr>
+          <p:cNvPr id="4" name="Immagine 3" descr="Immagine che contiene screenshot&#10;&#10;Descrizione generata automaticamente">
+            <a:extLst>
+              <a:ext uri="{FF2B5EF4-FFF2-40B4-BE49-F238E27FC236}">
+                <a16:creationId xmlns:a16="http://schemas.microsoft.com/office/drawing/2014/main" id="{35FA4F92-B899-484D-95BF-5B216A6A1C7F}"/>
+              </a:ext>
+            </a:extLst>
+          </p:cNvPr>
+          <p:cNvPicPr>
+            <a:picLocks noChangeAspect="1"/>
+          </p:cNvPicPr>
+          <p:nvPr/>
+        </p:nvPicPr>
+        <p:blipFill>
+          <a:blip r:embed="rId2"/>
+          <a:stretch>
+            <a:fillRect/>
+          </a:stretch>
+        </p:blipFill>
+        <p:spPr>
+          <a:xfrm>
+            <a:off x="4139952" y="4005064"/>
+            <a:ext cx="4174582" cy="2269171"/>
+          </a:xfrm>
+          <a:prstGeom prst="rect">
+            <a:avLst/>
+          </a:prstGeom>
+          <a:ln w="12700">
+            <a:solidFill>
+              <a:schemeClr val="tx1"/>
+            </a:solidFill>
+          </a:ln>
+        </p:spPr>
+      </p:pic>
     </p:spTree>
     <p:extLst>
       <p:ext uri="{BB962C8B-B14F-4D97-AF65-F5344CB8AC3E}">
@@ -5974,6 +6430,86 @@
       </p:grpSpPr>
       <p:sp>
         <p:nvSpPr>
+          <p:cNvPr id="2" name="Segnaposto testo 1"/>
+          <p:cNvSpPr>
+            <a:spLocks noGrp="1"/>
+          </p:cNvSpPr>
+          <p:nvPr>
+            <p:ph type="body" sz="quarter" idx="13"/>
+          </p:nvPr>
+        </p:nvSpPr>
+        <p:spPr>
+          <a:xfrm>
+            <a:off x="323528" y="2314972"/>
+            <a:ext cx="8136904" cy="4248472"/>
+          </a:xfrm>
+        </p:spPr>
+        <p:txBody>
+          <a:bodyPr/>
+          <a:lstStyle/>
+          <a:p>
+            <a:pPr marL="285750" indent="-285750">
+              <a:buFont typeface="Arial" panose="020B0604020202020204" pitchFamily="34" charset="0"/>
+              <a:buChar char="•"/>
+            </a:pPr>
+            <a:r>
+              <a:rPr lang="it-IT" sz="1800" dirty="0"/>
+              <a:t>Analisi </a:t>
+            </a:r>
+            <a:r>
+              <a:rPr lang="it-IT" sz="1800" dirty="0" err="1"/>
+              <a:t>draw.io</a:t>
+            </a:r>
+            <a:endParaRPr lang="it-IT" sz="2800" dirty="0"/>
+          </a:p>
+          <a:p>
+            <a:pPr marL="285750" indent="-285750">
+              <a:buFont typeface="Arial" panose="020B0604020202020204" pitchFamily="34" charset="0"/>
+              <a:buChar char="•"/>
+            </a:pPr>
+            <a:endParaRPr lang="it-IT" sz="1800" dirty="0"/>
+          </a:p>
+          <a:p>
+            <a:pPr marL="285750" indent="-285750">
+              <a:buFont typeface="Arial" panose="020B0604020202020204" pitchFamily="34" charset="0"/>
+              <a:buChar char="•"/>
+            </a:pPr>
+            <a:r>
+              <a:rPr lang="it-IT" sz="1800" dirty="0"/>
+              <a:t>Analisi </a:t>
+            </a:r>
+            <a:r>
+              <a:rPr lang="it-IT" sz="1800" dirty="0" err="1"/>
+              <a:t>mindmup</a:t>
+            </a:r>
+            <a:endParaRPr lang="it-IT" sz="1800" dirty="0"/>
+          </a:p>
+          <a:p>
+            <a:pPr marL="285750" indent="-285750">
+              <a:buFont typeface="Arial" panose="020B0604020202020204" pitchFamily="34" charset="0"/>
+              <a:buChar char="•"/>
+            </a:pPr>
+            <a:endParaRPr lang="it-IT" sz="1800" dirty="0"/>
+          </a:p>
+          <a:p>
+            <a:pPr marL="285750" indent="-285750">
+              <a:buFont typeface="Arial" panose="020B0604020202020204" pitchFamily="34" charset="0"/>
+              <a:buChar char="•"/>
+            </a:pPr>
+            <a:r>
+              <a:rPr lang="it-IT" sz="1800" dirty="0"/>
+              <a:t>Analisi </a:t>
+            </a:r>
+            <a:r>
+              <a:rPr lang="it-IT" sz="1800" dirty="0" err="1"/>
+              <a:t>iMindMap</a:t>
+            </a:r>
+            <a:endParaRPr lang="it-IT" sz="1800" dirty="0"/>
+          </a:p>
+        </p:txBody>
+      </p:sp>
+      <p:sp>
+        <p:nvSpPr>
           <p:cNvPr id="3" name="Segnaposto testo 2"/>
           <p:cNvSpPr>
             <a:spLocks noGrp="1"/>
@@ -5989,55 +6525,15 @@
           <a:p>
             <a:r>
               <a:rPr lang="it-IT" dirty="0"/>
-              <a:t>Esempio </a:t>
-            </a:r>
-            <a:r>
-              <a:rPr lang="it-IT" dirty="0" err="1"/>
-              <a:t>Mindmap</a:t>
-            </a:r>
-            <a:endParaRPr lang="it-IT" dirty="0"/>
+              <a:t>Analisi alternative presenti sul mercato </a:t>
+            </a:r>
           </a:p>
         </p:txBody>
       </p:sp>
-      <p:pic>
-        <p:nvPicPr>
-          <p:cNvPr id="7" name="Immagine 6" descr="Immagine che contiene screenshot&#10;&#10;Descrizione generata automaticamente">
-            <a:extLst>
-              <a:ext uri="{FF2B5EF4-FFF2-40B4-BE49-F238E27FC236}">
-                <a16:creationId xmlns:a16="http://schemas.microsoft.com/office/drawing/2014/main" id="{225F810F-7674-534B-8494-7D2C2FFB0393}"/>
-              </a:ext>
-            </a:extLst>
-          </p:cNvPr>
-          <p:cNvPicPr>
-            <a:picLocks noChangeAspect="1"/>
-          </p:cNvPicPr>
-          <p:nvPr/>
-        </p:nvPicPr>
-        <p:blipFill>
-          <a:blip r:embed="rId2"/>
-          <a:stretch>
-            <a:fillRect/>
-          </a:stretch>
-        </p:blipFill>
-        <p:spPr>
-          <a:xfrm>
-            <a:off x="504764" y="1916832"/>
-            <a:ext cx="7486400" cy="4069371"/>
-          </a:xfrm>
-          <a:prstGeom prst="rect">
-            <a:avLst/>
-          </a:prstGeom>
-          <a:ln w="12700">
-            <a:solidFill>
-              <a:schemeClr val="tx1"/>
-            </a:solidFill>
-          </a:ln>
-        </p:spPr>
-      </p:pic>
     </p:spTree>
     <p:extLst>
       <p:ext uri="{BB962C8B-B14F-4D97-AF65-F5344CB8AC3E}">
-        <p14:creationId xmlns:p14="http://schemas.microsoft.com/office/powerpoint/2010/main" val="3357230377"/>
+        <p14:creationId xmlns:p14="http://schemas.microsoft.com/office/powerpoint/2010/main" val="2247490896"/>
       </p:ext>
     </p:extLst>
   </p:cSld>

--- a/presentazione/Presentazione_Progetti_di_Dipl.pptx
+++ b/presentazione/Presentazione_Progetti_di_Dipl.pptx
@@ -6793,6 +6793,20 @@
               <a:t>Sprint della durata di 1 settimana</a:t>
             </a:r>
           </a:p>
+          <a:p>
+            <a:pPr marL="285750" indent="-285750" algn="just">
+              <a:buFont typeface="Arial" panose="020B0604020202020204" pitchFamily="34" charset="0"/>
+              <a:buChar char="•"/>
+            </a:pPr>
+            <a:endParaRPr lang="it-IT" sz="1800" dirty="0"/>
+          </a:p>
+          <a:p>
+            <a:pPr marL="285750" indent="-285750" algn="just">
+              <a:buFont typeface="Arial" panose="020B0604020202020204" pitchFamily="34" charset="0"/>
+              <a:buChar char="•"/>
+            </a:pPr>
+            <a:endParaRPr lang="it-IT" sz="1800" dirty="0"/>
+          </a:p>
         </p:txBody>
       </p:sp>
       <p:sp>
@@ -6920,13 +6934,16 @@
             </a:pPr>
             <a:r>
               <a:rPr lang="it-IT" sz="1800" dirty="0"/>
-              <a:t>Parte client realizzata attraverso HTML, CSS e </a:t>
+              <a:t>Parte client realizzata attraverso HTML, CSS, </a:t>
             </a:r>
             <a:r>
               <a:rPr lang="it-IT" sz="1800" dirty="0" err="1"/>
               <a:t>Javascript</a:t>
             </a:r>
-            <a:endParaRPr lang="it-IT" sz="1800" dirty="0"/>
+            <a:r>
+              <a:rPr lang="it-IT" sz="1800" dirty="0"/>
+              <a:t> e Bootstrap</a:t>
+            </a:r>
           </a:p>
           <a:p>
             <a:pPr marL="285750" indent="-285750">
@@ -6946,10 +6963,6 @@
             </a:r>
           </a:p>
           <a:p>
-            <a:pPr marL="285750" indent="-285750">
-              <a:buFont typeface="Arial" panose="020B0604020202020204" pitchFamily="34" charset="0"/>
-              <a:buChar char="•"/>
-            </a:pPr>
             <a:endParaRPr lang="it-IT" sz="1800" dirty="0"/>
           </a:p>
           <a:p>

--- a/presentazione/Presentazione_Progetti_di_Dipl.pptx
+++ b/presentazione/Presentazione_Progetti_di_Dipl.pptx
@@ -6717,6 +6717,36 @@
           </a:p>
         </p:txBody>
       </p:sp>
+      <p:pic>
+        <p:nvPicPr>
+          <p:cNvPr id="4" name="Immagine 3">
+            <a:extLst>
+              <a:ext uri="{FF2B5EF4-FFF2-40B4-BE49-F238E27FC236}">
+                <a16:creationId xmlns:a16="http://schemas.microsoft.com/office/drawing/2014/main" id="{C6EC0595-1F1B-7F47-948C-8D5778E1ADB0}"/>
+              </a:ext>
+            </a:extLst>
+          </p:cNvPr>
+          <p:cNvPicPr>
+            <a:picLocks noChangeAspect="1"/>
+          </p:cNvPicPr>
+          <p:nvPr/>
+        </p:nvPicPr>
+        <p:blipFill>
+          <a:blip r:embed="rId2"/>
+          <a:stretch>
+            <a:fillRect/>
+          </a:stretch>
+        </p:blipFill>
+        <p:spPr>
+          <a:xfrm>
+            <a:off x="6012160" y="4580171"/>
+            <a:ext cx="1754234" cy="1074021"/>
+          </a:xfrm>
+          <a:prstGeom prst="rect">
+            <a:avLst/>
+          </a:prstGeom>
+        </p:spPr>
+      </p:pic>
     </p:spTree>
     <p:extLst>
       <p:ext uri="{BB962C8B-B14F-4D97-AF65-F5344CB8AC3E}">
@@ -7006,6 +7036,126 @@
           </a:p>
         </p:txBody>
       </p:sp>
+      <p:pic>
+        <p:nvPicPr>
+          <p:cNvPr id="5" name="Immagine 4">
+            <a:extLst>
+              <a:ext uri="{FF2B5EF4-FFF2-40B4-BE49-F238E27FC236}">
+                <a16:creationId xmlns:a16="http://schemas.microsoft.com/office/drawing/2014/main" id="{067BFCA9-63DB-F345-A523-22023FC95E6D}"/>
+              </a:ext>
+            </a:extLst>
+          </p:cNvPr>
+          <p:cNvPicPr>
+            <a:picLocks noChangeAspect="1"/>
+          </p:cNvPicPr>
+          <p:nvPr/>
+        </p:nvPicPr>
+        <p:blipFill>
+          <a:blip r:embed="rId3"/>
+          <a:stretch>
+            <a:fillRect/>
+          </a:stretch>
+        </p:blipFill>
+        <p:spPr>
+          <a:xfrm>
+            <a:off x="683568" y="5031892"/>
+            <a:ext cx="1872208" cy="1444696"/>
+          </a:xfrm>
+          <a:prstGeom prst="rect">
+            <a:avLst/>
+          </a:prstGeom>
+        </p:spPr>
+      </p:pic>
+      <p:pic>
+        <p:nvPicPr>
+          <p:cNvPr id="6" name="Immagine 5" descr="Immagine che contiene clipart&#10;&#10;Descrizione generata automaticamente">
+            <a:extLst>
+              <a:ext uri="{FF2B5EF4-FFF2-40B4-BE49-F238E27FC236}">
+                <a16:creationId xmlns:a16="http://schemas.microsoft.com/office/drawing/2014/main" id="{FC102394-17AD-1C46-84FC-5C53CF574448}"/>
+              </a:ext>
+            </a:extLst>
+          </p:cNvPr>
+          <p:cNvPicPr>
+            <a:picLocks noChangeAspect="1"/>
+          </p:cNvPicPr>
+          <p:nvPr/>
+        </p:nvPicPr>
+        <p:blipFill>
+          <a:blip r:embed="rId4"/>
+          <a:stretch>
+            <a:fillRect/>
+          </a:stretch>
+        </p:blipFill>
+        <p:spPr>
+          <a:xfrm>
+            <a:off x="2915816" y="5445224"/>
+            <a:ext cx="720080" cy="816091"/>
+          </a:xfrm>
+          <a:prstGeom prst="rect">
+            <a:avLst/>
+          </a:prstGeom>
+        </p:spPr>
+      </p:pic>
+      <p:pic>
+        <p:nvPicPr>
+          <p:cNvPr id="7" name="Immagine 6">
+            <a:extLst>
+              <a:ext uri="{FF2B5EF4-FFF2-40B4-BE49-F238E27FC236}">
+                <a16:creationId xmlns:a16="http://schemas.microsoft.com/office/drawing/2014/main" id="{AD6C13D5-7551-A245-903B-CC38F14B2DBA}"/>
+              </a:ext>
+            </a:extLst>
+          </p:cNvPr>
+          <p:cNvPicPr>
+            <a:picLocks noChangeAspect="1"/>
+          </p:cNvPicPr>
+          <p:nvPr/>
+        </p:nvPicPr>
+        <p:blipFill>
+          <a:blip r:embed="rId5"/>
+          <a:stretch>
+            <a:fillRect/>
+          </a:stretch>
+        </p:blipFill>
+        <p:spPr>
+          <a:xfrm>
+            <a:off x="3958394" y="5252590"/>
+            <a:ext cx="2019300" cy="1003300"/>
+          </a:xfrm>
+          <a:prstGeom prst="rect">
+            <a:avLst/>
+          </a:prstGeom>
+        </p:spPr>
+      </p:pic>
+      <p:pic>
+        <p:nvPicPr>
+          <p:cNvPr id="8" name="Immagine 7">
+            <a:extLst>
+              <a:ext uri="{FF2B5EF4-FFF2-40B4-BE49-F238E27FC236}">
+                <a16:creationId xmlns:a16="http://schemas.microsoft.com/office/drawing/2014/main" id="{A6D8D241-706C-104E-8F0B-6B99F3565CE3}"/>
+              </a:ext>
+            </a:extLst>
+          </p:cNvPr>
+          <p:cNvPicPr>
+            <a:picLocks noChangeAspect="1"/>
+          </p:cNvPicPr>
+          <p:nvPr/>
+        </p:nvPicPr>
+        <p:blipFill>
+          <a:blip r:embed="rId6"/>
+          <a:stretch>
+            <a:fillRect/>
+          </a:stretch>
+        </p:blipFill>
+        <p:spPr>
+          <a:xfrm>
+            <a:off x="5977891" y="5253913"/>
+            <a:ext cx="1872011" cy="1003300"/>
+          </a:xfrm>
+          <a:prstGeom prst="rect">
+            <a:avLst/>
+          </a:prstGeom>
+        </p:spPr>
+      </p:pic>
     </p:spTree>
     <p:extLst>
       <p:ext uri="{BB962C8B-B14F-4D97-AF65-F5344CB8AC3E}">
@@ -7187,6 +7337,36 @@
           </a:p>
         </p:txBody>
       </p:sp>
+      <p:pic>
+        <p:nvPicPr>
+          <p:cNvPr id="4" name="Immagine 3">
+            <a:extLst>
+              <a:ext uri="{FF2B5EF4-FFF2-40B4-BE49-F238E27FC236}">
+                <a16:creationId xmlns:a16="http://schemas.microsoft.com/office/drawing/2014/main" id="{D15B6BDB-899C-5747-B73F-9C7A8B67AC48}"/>
+              </a:ext>
+            </a:extLst>
+          </p:cNvPr>
+          <p:cNvPicPr>
+            <a:picLocks noChangeAspect="1"/>
+          </p:cNvPicPr>
+          <p:nvPr/>
+        </p:nvPicPr>
+        <p:blipFill>
+          <a:blip r:embed="rId3"/>
+          <a:stretch>
+            <a:fillRect/>
+          </a:stretch>
+        </p:blipFill>
+        <p:spPr>
+          <a:xfrm>
+            <a:off x="5724128" y="4293096"/>
+            <a:ext cx="2601384" cy="1872208"/>
+          </a:xfrm>
+          <a:prstGeom prst="rect">
+            <a:avLst/>
+          </a:prstGeom>
+        </p:spPr>
+      </p:pic>
     </p:spTree>
     <p:extLst>
       <p:ext uri="{BB962C8B-B14F-4D97-AF65-F5344CB8AC3E}">

--- a/presentazione/Presentazione_Progetti_di_Dipl.pptx
+++ b/presentazione/Presentazione_Progetti_di_Dipl.pptx
@@ -152,7 +152,7 @@
   </p:defaultTextStyle>
   <p:extLst>
     <p:ext uri="{EFAFB233-063F-42B5-8137-9DF3F51BA10A}">
-      <p15:sldGuideLst xmlns:p15="http://schemas.microsoft.com/office/powerpoint/2012/main">
+      <p15:sldGuideLst xmlns:p15="http://schemas.microsoft.com/office/powerpoint/2012/main" xmlns="">
         <p15:guide id="1" orient="horz" pos="2160">
           <p15:clr>
             <a:srgbClr val="A4A3A4"/>
@@ -266,7 +266,7 @@
             <a:fld id="{EC9388A7-5429-7442-BD81-798B3F4B5BE0}" type="datetime1">
               <a:rPr lang="it-IT"/>
               <a:pPr/>
-              <a:t>13/05/19</a:t>
+              <a:t>13/05/2019</a:t>
             </a:fld>
             <a:endParaRPr lang="it-IT"/>
           </a:p>
@@ -516,15 +516,15 @@
             <a:tailEnd/>
           </a:ln>
           <a:extLst>
-            <a:ext uri="{909E8E84-426E-40dd-AFC4-6F175D3DCCD1}">
-              <a14:hiddenFill xmlns="" xmlns:a14="http://schemas.microsoft.com/office/drawing/2010/main">
+            <a:ext uri="{909E8E84-426E-40DD-AFC4-6F175D3DCCD1}">
+              <a14:hiddenFill xmlns:a14="http://schemas.microsoft.com/office/drawing/2010/main">
                 <a:solidFill>
                   <a:srgbClr val="FFFFFF"/>
                 </a:solidFill>
               </a14:hiddenFill>
             </a:ext>
             <a:ext uri="{FAA26D3D-D897-4be2-8F04-BA451C77F1D7}">
-              <ma14:placeholderFlag xmlns="" xmlns:ma14="http://schemas.microsoft.com/office/mac/drawingml/2011/main" val="1"/>
+              <ma14:placeholderFlag xmlns:ma14="http://schemas.microsoft.com/office/mac/drawingml/2011/main" xmlns="" val="1"/>
             </a:ext>
           </a:extLst>
         </p:spPr>
@@ -5739,6 +5739,16 @@
   <p:clrMapOvr>
     <a:masterClrMapping/>
   </p:clrMapOvr>
+  <p:transition spd="slow">
+    <p:wipe/>
+  </p:transition>
+  <p:timing>
+    <p:tnLst>
+      <p:par>
+        <p:cTn id="1" dur="indefinite" restart="never" nodeType="tmRoot"/>
+      </p:par>
+    </p:tnLst>
+  </p:timing>
 </p:sld>
 </file>
 
@@ -5797,15 +5807,15 @@
               <a:buChar char="•"/>
             </a:pPr>
             <a:r>
-              <a:rPr lang="it-IT" sz="1800" dirty="0"/>
+              <a:rPr lang="it-IT" sz="1800" dirty="0" smtClean="0"/>
               <a:t>Scoperta utilità </a:t>
             </a:r>
             <a:r>
-              <a:rPr lang="it-IT" sz="1800" dirty="0" err="1"/>
+              <a:rPr lang="it-IT" sz="1800" dirty="0" err="1" smtClean="0"/>
               <a:t>mindmap</a:t>
             </a:r>
             <a:r>
-              <a:rPr lang="it-IT" sz="1800" dirty="0"/>
+              <a:rPr lang="it-IT" sz="1800" dirty="0" smtClean="0"/>
               <a:t> all’interno di progetti ed idee</a:t>
             </a:r>
           </a:p>
@@ -5865,13 +5875,6 @@
             </a:r>
           </a:p>
           <a:p>
-            <a:endParaRPr lang="it-IT" dirty="0"/>
-          </a:p>
-          <a:p>
-            <a:pPr marL="285750" indent="-285750">
-              <a:buFont typeface="Arial" panose="020B0604020202020204" pitchFamily="34" charset="0"/>
-              <a:buChar char="•"/>
-            </a:pPr>
             <a:endParaRPr lang="it-IT" sz="1800" dirty="0"/>
           </a:p>
           <a:p>
@@ -5882,10 +5885,6 @@
             <a:endParaRPr lang="it-IT" sz="1800" dirty="0"/>
           </a:p>
           <a:p>
-            <a:pPr marL="285750" indent="-285750">
-              <a:buFont typeface="Arial" panose="020B0604020202020204" pitchFamily="34" charset="0"/>
-              <a:buChar char="•"/>
-            </a:pPr>
             <a:endParaRPr lang="it-IT" sz="1800" dirty="0"/>
           </a:p>
           <a:p>
@@ -5924,7 +5923,7 @@
           <p:cNvPr id="5" name="Immagine 4" descr="Immagine che contiene clipart&#10;&#10;Descrizione generata automaticamente">
             <a:extLst>
               <a:ext uri="{FF2B5EF4-FFF2-40B4-BE49-F238E27FC236}">
-                <a16:creationId xmlns:a16="http://schemas.microsoft.com/office/drawing/2014/main" id="{5BB63B31-7768-E643-89C1-1C8CCD09C12E}"/>
+                <a16:creationId xmlns:a16="http://schemas.microsoft.com/office/drawing/2014/main" xmlns="" id="{5BB63B31-7768-E643-89C1-1C8CCD09C12E}"/>
               </a:ext>
             </a:extLst>
           </p:cNvPr>
@@ -5941,12 +5940,176 @@
         </p:blipFill>
         <p:spPr>
           <a:xfrm>
-            <a:off x="7126932" y="1203725"/>
+            <a:off x="6588224" y="2348880"/>
             <a:ext cx="1333500" cy="1511300"/>
           </a:xfrm>
           <a:prstGeom prst="rect">
             <a:avLst/>
           </a:prstGeom>
+        </p:spPr>
+      </p:pic>
+      <p:pic>
+        <p:nvPicPr>
+          <p:cNvPr id="6146" name="Picture 2" descr="Creativity, Business And Finance, Seo And Web, interface ..."/>
+          <p:cNvPicPr>
+            <a:picLocks noChangeAspect="1" noChangeArrowheads="1"/>
+          </p:cNvPicPr>
+          <p:nvPr/>
+        </p:nvPicPr>
+        <p:blipFill>
+          <a:blip r:embed="rId4">
+            <a:extLst>
+              <a:ext uri="{28A0092B-C50C-407E-A947-70E740481C1C}">
+                <a14:useLocalDpi xmlns:a14="http://schemas.microsoft.com/office/drawing/2010/main" val="0"/>
+              </a:ext>
+            </a:extLst>
+          </a:blip>
+          <a:srcRect/>
+          <a:stretch>
+            <a:fillRect/>
+          </a:stretch>
+        </p:blipFill>
+        <p:spPr bwMode="auto">
+          <a:xfrm>
+            <a:off x="5492918" y="3860180"/>
+            <a:ext cx="2284513" cy="2284513"/>
+          </a:xfrm>
+          <a:prstGeom prst="rect">
+            <a:avLst/>
+          </a:prstGeom>
+          <a:noFill/>
+          <a:extLst>
+            <a:ext uri="{909E8E84-426E-40DD-AFC4-6F175D3DCCD1}">
+              <a14:hiddenFill xmlns:a14="http://schemas.microsoft.com/office/drawing/2010/main">
+                <a:solidFill>
+                  <a:srgbClr val="FFFFFF"/>
+                </a:solidFill>
+              </a14:hiddenFill>
+            </a:ext>
+          </a:extLst>
+        </p:spPr>
+      </p:pic>
+      <p:pic>
+        <p:nvPicPr>
+          <p:cNvPr id="6148" name="Picture 4" descr="Drop box Team with Microsoft allows anyone to edit ..."/>
+          <p:cNvPicPr>
+            <a:picLocks noChangeAspect="1" noChangeArrowheads="1"/>
+          </p:cNvPicPr>
+          <p:nvPr/>
+        </p:nvPicPr>
+        <p:blipFill>
+          <a:blip r:embed="rId5">
+            <a:extLst>
+              <a:ext uri="{28A0092B-C50C-407E-A947-70E740481C1C}">
+                <a14:useLocalDpi xmlns:a14="http://schemas.microsoft.com/office/drawing/2010/main" val="0"/>
+              </a:ext>
+            </a:extLst>
+          </a:blip>
+          <a:srcRect/>
+          <a:stretch>
+            <a:fillRect/>
+          </a:stretch>
+        </p:blipFill>
+        <p:spPr bwMode="auto">
+          <a:xfrm>
+            <a:off x="899592" y="4897431"/>
+            <a:ext cx="1871193" cy="1871193"/>
+          </a:xfrm>
+          <a:prstGeom prst="rect">
+            <a:avLst/>
+          </a:prstGeom>
+          <a:noFill/>
+          <a:extLst>
+            <a:ext uri="{909E8E84-426E-40DD-AFC4-6F175D3DCCD1}">
+              <a14:hiddenFill xmlns:a14="http://schemas.microsoft.com/office/drawing/2010/main">
+                <a:solidFill>
+                  <a:srgbClr val="FFFFFF"/>
+                </a:solidFill>
+              </a14:hiddenFill>
+            </a:ext>
+          </a:extLst>
+        </p:spPr>
+      </p:pic>
+      <p:pic>
+        <p:nvPicPr>
+          <p:cNvPr id="6150" name="Picture 6" descr="WongBa Blog: Cara Download via Google Drive"/>
+          <p:cNvPicPr>
+            <a:picLocks noChangeAspect="1" noChangeArrowheads="1"/>
+          </p:cNvPicPr>
+          <p:nvPr/>
+        </p:nvPicPr>
+        <p:blipFill>
+          <a:blip r:embed="rId6">
+            <a:extLst>
+              <a:ext uri="{28A0092B-C50C-407E-A947-70E740481C1C}">
+                <a14:useLocalDpi xmlns:a14="http://schemas.microsoft.com/office/drawing/2010/main" val="0"/>
+              </a:ext>
+            </a:extLst>
+          </a:blip>
+          <a:srcRect/>
+          <a:stretch>
+            <a:fillRect/>
+          </a:stretch>
+        </p:blipFill>
+        <p:spPr bwMode="auto">
+          <a:xfrm>
+            <a:off x="3203848" y="4749224"/>
+            <a:ext cx="2289070" cy="2167609"/>
+          </a:xfrm>
+          <a:prstGeom prst="rect">
+            <a:avLst/>
+          </a:prstGeom>
+          <a:noFill/>
+          <a:extLst>
+            <a:ext uri="{909E8E84-426E-40DD-AFC4-6F175D3DCCD1}">
+              <a14:hiddenFill xmlns:a14="http://schemas.microsoft.com/office/drawing/2010/main">
+                <a:solidFill>
+                  <a:srgbClr val="FFFFFF"/>
+                </a:solidFill>
+              </a14:hiddenFill>
+            </a:ext>
+          </a:extLst>
+        </p:spPr>
+      </p:pic>
+      <p:pic>
+        <p:nvPicPr>
+          <p:cNvPr id="6152" name="Picture 8" descr="https://proxy.duckduckgo.com/iu/?u=https%3A%2F%2Ftse4.mm.bing.net%2Fth%3Fid%3DOIP.daRbRkjPdUENlTjJaDLLGAHaEK%26pid%3D15.1&amp;f=1"/>
+          <p:cNvPicPr>
+            <a:picLocks noChangeAspect="1" noChangeArrowheads="1"/>
+          </p:cNvPicPr>
+          <p:nvPr/>
+        </p:nvPicPr>
+        <p:blipFill>
+          <a:blip r:embed="rId7">
+            <a:extLst>
+              <a:ext uri="{28A0092B-C50C-407E-A947-70E740481C1C}">
+                <a14:useLocalDpi xmlns:a14="http://schemas.microsoft.com/office/drawing/2010/main" val="0"/>
+              </a:ext>
+            </a:extLst>
+          </a:blip>
+          <a:srcRect/>
+          <a:stretch>
+            <a:fillRect/>
+          </a:stretch>
+        </p:blipFill>
+        <p:spPr bwMode="auto">
+          <a:xfrm>
+            <a:off x="5724128" y="5013176"/>
+            <a:ext cx="2428869" cy="1363037"/>
+          </a:xfrm>
+          <a:prstGeom prst="rect">
+            <a:avLst/>
+          </a:prstGeom>
+          <a:noFill/>
+          <a:extLst>
+            <a:ext uri="{909E8E84-426E-40DD-AFC4-6F175D3DCCD1}">
+              <a14:hiddenFill xmlns:a14="http://schemas.microsoft.com/office/drawing/2010/main">
+                <a:solidFill>
+                  <a:srgbClr val="FFFFFF"/>
+                </a:solidFill>
+              </a14:hiddenFill>
+            </a:ext>
+          </a:extLst>
         </p:spPr>
       </p:pic>
     </p:spTree>
@@ -5959,6 +6122,1177 @@
   <p:clrMapOvr>
     <a:masterClrMapping/>
   </p:clrMapOvr>
+  <p:transition spd="slow">
+    <p:wipe/>
+  </p:transition>
+  <p:timing>
+    <p:tnLst>
+      <p:par>
+        <p:cTn id="1" dur="indefinite" restart="never" nodeType="tmRoot">
+          <p:childTnLst>
+            <p:seq concurrent="1" nextAc="seek">
+              <p:cTn id="2" dur="indefinite" nodeType="mainSeq">
+                <p:childTnLst>
+                  <p:par>
+                    <p:cTn id="3" fill="hold">
+                      <p:stCondLst>
+                        <p:cond delay="indefinite"/>
+                        <p:cond evt="onBegin" delay="0">
+                          <p:tn val="2"/>
+                        </p:cond>
+                      </p:stCondLst>
+                      <p:childTnLst>
+                        <p:par>
+                          <p:cTn id="4" fill="hold">
+                            <p:stCondLst>
+                              <p:cond delay="0"/>
+                            </p:stCondLst>
+                            <p:childTnLst>
+                              <p:par>
+                                <p:cTn id="5" presetID="42" presetClass="entr" presetSubtype="0" fill="hold" nodeType="withEffect">
+                                  <p:stCondLst>
+                                    <p:cond delay="0"/>
+                                  </p:stCondLst>
+                                  <p:childTnLst>
+                                    <p:set>
+                                      <p:cBhvr>
+                                        <p:cTn id="6" dur="1" fill="hold">
+                                          <p:stCondLst>
+                                            <p:cond delay="0"/>
+                                          </p:stCondLst>
+                                        </p:cTn>
+                                        <p:tgtEl>
+                                          <p:spTgt spid="2">
+                                            <p:txEl>
+                                              <p:pRg st="0" end="0"/>
+                                            </p:txEl>
+                                          </p:spTgt>
+                                        </p:tgtEl>
+                                        <p:attrNameLst>
+                                          <p:attrName>style.visibility</p:attrName>
+                                        </p:attrNameLst>
+                                      </p:cBhvr>
+                                      <p:to>
+                                        <p:strVal val="visible"/>
+                                      </p:to>
+                                    </p:set>
+                                    <p:animEffect transition="in" filter="fade">
+                                      <p:cBhvr>
+                                        <p:cTn id="7" dur="1000"/>
+                                        <p:tgtEl>
+                                          <p:spTgt spid="2">
+                                            <p:txEl>
+                                              <p:pRg st="0" end="0"/>
+                                            </p:txEl>
+                                          </p:spTgt>
+                                        </p:tgtEl>
+                                      </p:cBhvr>
+                                    </p:animEffect>
+                                    <p:anim calcmode="lin" valueType="num">
+                                      <p:cBhvr>
+                                        <p:cTn id="8" dur="1000" fill="hold"/>
+                                        <p:tgtEl>
+                                          <p:spTgt spid="2">
+                                            <p:txEl>
+                                              <p:pRg st="0" end="0"/>
+                                            </p:txEl>
+                                          </p:spTgt>
+                                        </p:tgtEl>
+                                        <p:attrNameLst>
+                                          <p:attrName>ppt_x</p:attrName>
+                                        </p:attrNameLst>
+                                      </p:cBhvr>
+                                      <p:tavLst>
+                                        <p:tav tm="0">
+                                          <p:val>
+                                            <p:strVal val="#ppt_x"/>
+                                          </p:val>
+                                        </p:tav>
+                                        <p:tav tm="100000">
+                                          <p:val>
+                                            <p:strVal val="#ppt_x"/>
+                                          </p:val>
+                                        </p:tav>
+                                      </p:tavLst>
+                                    </p:anim>
+                                    <p:anim calcmode="lin" valueType="num">
+                                      <p:cBhvr>
+                                        <p:cTn id="9" dur="1000" fill="hold"/>
+                                        <p:tgtEl>
+                                          <p:spTgt spid="2">
+                                            <p:txEl>
+                                              <p:pRg st="0" end="0"/>
+                                            </p:txEl>
+                                          </p:spTgt>
+                                        </p:tgtEl>
+                                        <p:attrNameLst>
+                                          <p:attrName>ppt_y</p:attrName>
+                                        </p:attrNameLst>
+                                      </p:cBhvr>
+                                      <p:tavLst>
+                                        <p:tav tm="0">
+                                          <p:val>
+                                            <p:strVal val="#ppt_y+.1"/>
+                                          </p:val>
+                                        </p:tav>
+                                        <p:tav tm="100000">
+                                          <p:val>
+                                            <p:strVal val="#ppt_y"/>
+                                          </p:val>
+                                        </p:tav>
+                                      </p:tavLst>
+                                    </p:anim>
+                                  </p:childTnLst>
+                                </p:cTn>
+                              </p:par>
+                              <p:par>
+                                <p:cTn id="10" presetID="42" presetClass="entr" presetSubtype="0" fill="hold" nodeType="withEffect">
+                                  <p:stCondLst>
+                                    <p:cond delay="0"/>
+                                  </p:stCondLst>
+                                  <p:childTnLst>
+                                    <p:set>
+                                      <p:cBhvr>
+                                        <p:cTn id="11" dur="1" fill="hold">
+                                          <p:stCondLst>
+                                            <p:cond delay="0"/>
+                                          </p:stCondLst>
+                                        </p:cTn>
+                                        <p:tgtEl>
+                                          <p:spTgt spid="5"/>
+                                        </p:tgtEl>
+                                        <p:attrNameLst>
+                                          <p:attrName>style.visibility</p:attrName>
+                                        </p:attrNameLst>
+                                      </p:cBhvr>
+                                      <p:to>
+                                        <p:strVal val="visible"/>
+                                      </p:to>
+                                    </p:set>
+                                    <p:animEffect transition="in" filter="fade">
+                                      <p:cBhvr>
+                                        <p:cTn id="12" dur="1000"/>
+                                        <p:tgtEl>
+                                          <p:spTgt spid="5"/>
+                                        </p:tgtEl>
+                                      </p:cBhvr>
+                                    </p:animEffect>
+                                    <p:anim calcmode="lin" valueType="num">
+                                      <p:cBhvr>
+                                        <p:cTn id="13" dur="1000" fill="hold"/>
+                                        <p:tgtEl>
+                                          <p:spTgt spid="5"/>
+                                        </p:tgtEl>
+                                        <p:attrNameLst>
+                                          <p:attrName>ppt_x</p:attrName>
+                                        </p:attrNameLst>
+                                      </p:cBhvr>
+                                      <p:tavLst>
+                                        <p:tav tm="0">
+                                          <p:val>
+                                            <p:strVal val="#ppt_x"/>
+                                          </p:val>
+                                        </p:tav>
+                                        <p:tav tm="100000">
+                                          <p:val>
+                                            <p:strVal val="#ppt_x"/>
+                                          </p:val>
+                                        </p:tav>
+                                      </p:tavLst>
+                                    </p:anim>
+                                    <p:anim calcmode="lin" valueType="num">
+                                      <p:cBhvr>
+                                        <p:cTn id="14" dur="1000" fill="hold"/>
+                                        <p:tgtEl>
+                                          <p:spTgt spid="5"/>
+                                        </p:tgtEl>
+                                        <p:attrNameLst>
+                                          <p:attrName>ppt_y</p:attrName>
+                                        </p:attrNameLst>
+                                      </p:cBhvr>
+                                      <p:tavLst>
+                                        <p:tav tm="0">
+                                          <p:val>
+                                            <p:strVal val="#ppt_y+.1"/>
+                                          </p:val>
+                                        </p:tav>
+                                        <p:tav tm="100000">
+                                          <p:val>
+                                            <p:strVal val="#ppt_y"/>
+                                          </p:val>
+                                        </p:tav>
+                                      </p:tavLst>
+                                    </p:anim>
+                                  </p:childTnLst>
+                                </p:cTn>
+                              </p:par>
+                            </p:childTnLst>
+                          </p:cTn>
+                        </p:par>
+                      </p:childTnLst>
+                    </p:cTn>
+                  </p:par>
+                  <p:par>
+                    <p:cTn id="15" fill="hold">
+                      <p:stCondLst>
+                        <p:cond delay="indefinite"/>
+                      </p:stCondLst>
+                      <p:childTnLst>
+                        <p:par>
+                          <p:cTn id="16" fill="hold">
+                            <p:stCondLst>
+                              <p:cond delay="0"/>
+                            </p:stCondLst>
+                            <p:childTnLst>
+                              <p:par>
+                                <p:cTn id="17" presetID="2" presetClass="exit" presetSubtype="4" fill="hold" nodeType="clickEffect">
+                                  <p:stCondLst>
+                                    <p:cond delay="0"/>
+                                  </p:stCondLst>
+                                  <p:childTnLst>
+                                    <p:anim calcmode="lin" valueType="num">
+                                      <p:cBhvr additive="base">
+                                        <p:cTn id="18" dur="500"/>
+                                        <p:tgtEl>
+                                          <p:spTgt spid="5"/>
+                                        </p:tgtEl>
+                                        <p:attrNameLst>
+                                          <p:attrName>ppt_x</p:attrName>
+                                        </p:attrNameLst>
+                                      </p:cBhvr>
+                                      <p:tavLst>
+                                        <p:tav tm="0">
+                                          <p:val>
+                                            <p:strVal val="ppt_x"/>
+                                          </p:val>
+                                        </p:tav>
+                                        <p:tav tm="100000">
+                                          <p:val>
+                                            <p:strVal val="ppt_x"/>
+                                          </p:val>
+                                        </p:tav>
+                                      </p:tavLst>
+                                    </p:anim>
+                                    <p:anim calcmode="lin" valueType="num">
+                                      <p:cBhvr additive="base">
+                                        <p:cTn id="19" dur="500"/>
+                                        <p:tgtEl>
+                                          <p:spTgt spid="5"/>
+                                        </p:tgtEl>
+                                        <p:attrNameLst>
+                                          <p:attrName>ppt_y</p:attrName>
+                                        </p:attrNameLst>
+                                      </p:cBhvr>
+                                      <p:tavLst>
+                                        <p:tav tm="0">
+                                          <p:val>
+                                            <p:strVal val="ppt_y"/>
+                                          </p:val>
+                                        </p:tav>
+                                        <p:tav tm="100000">
+                                          <p:val>
+                                            <p:strVal val="1+ppt_h/2"/>
+                                          </p:val>
+                                        </p:tav>
+                                      </p:tavLst>
+                                    </p:anim>
+                                    <p:set>
+                                      <p:cBhvr>
+                                        <p:cTn id="20" dur="1" fill="hold">
+                                          <p:stCondLst>
+                                            <p:cond delay="499"/>
+                                          </p:stCondLst>
+                                        </p:cTn>
+                                        <p:tgtEl>
+                                          <p:spTgt spid="5"/>
+                                        </p:tgtEl>
+                                        <p:attrNameLst>
+                                          <p:attrName>style.visibility</p:attrName>
+                                        </p:attrNameLst>
+                                      </p:cBhvr>
+                                      <p:to>
+                                        <p:strVal val="hidden"/>
+                                      </p:to>
+                                    </p:set>
+                                  </p:childTnLst>
+                                </p:cTn>
+                              </p:par>
+                            </p:childTnLst>
+                          </p:cTn>
+                        </p:par>
+                        <p:par>
+                          <p:cTn id="21" fill="hold">
+                            <p:stCondLst>
+                              <p:cond delay="500"/>
+                            </p:stCondLst>
+                            <p:childTnLst>
+                              <p:par>
+                                <p:cTn id="22" presetID="42" presetClass="entr" presetSubtype="0" fill="hold" nodeType="afterEffect">
+                                  <p:stCondLst>
+                                    <p:cond delay="0"/>
+                                  </p:stCondLst>
+                                  <p:childTnLst>
+                                    <p:set>
+                                      <p:cBhvr>
+                                        <p:cTn id="23" dur="1" fill="hold">
+                                          <p:stCondLst>
+                                            <p:cond delay="0"/>
+                                          </p:stCondLst>
+                                        </p:cTn>
+                                        <p:tgtEl>
+                                          <p:spTgt spid="6146"/>
+                                        </p:tgtEl>
+                                        <p:attrNameLst>
+                                          <p:attrName>style.visibility</p:attrName>
+                                        </p:attrNameLst>
+                                      </p:cBhvr>
+                                      <p:to>
+                                        <p:strVal val="visible"/>
+                                      </p:to>
+                                    </p:set>
+                                    <p:animEffect transition="in" filter="fade">
+                                      <p:cBhvr>
+                                        <p:cTn id="24" dur="1000"/>
+                                        <p:tgtEl>
+                                          <p:spTgt spid="6146"/>
+                                        </p:tgtEl>
+                                      </p:cBhvr>
+                                    </p:animEffect>
+                                    <p:anim calcmode="lin" valueType="num">
+                                      <p:cBhvr>
+                                        <p:cTn id="25" dur="1000" fill="hold"/>
+                                        <p:tgtEl>
+                                          <p:spTgt spid="6146"/>
+                                        </p:tgtEl>
+                                        <p:attrNameLst>
+                                          <p:attrName>ppt_x</p:attrName>
+                                        </p:attrNameLst>
+                                      </p:cBhvr>
+                                      <p:tavLst>
+                                        <p:tav tm="0">
+                                          <p:val>
+                                            <p:strVal val="#ppt_x"/>
+                                          </p:val>
+                                        </p:tav>
+                                        <p:tav tm="100000">
+                                          <p:val>
+                                            <p:strVal val="#ppt_x"/>
+                                          </p:val>
+                                        </p:tav>
+                                      </p:tavLst>
+                                    </p:anim>
+                                    <p:anim calcmode="lin" valueType="num">
+                                      <p:cBhvr>
+                                        <p:cTn id="26" dur="1000" fill="hold"/>
+                                        <p:tgtEl>
+                                          <p:spTgt spid="6146"/>
+                                        </p:tgtEl>
+                                        <p:attrNameLst>
+                                          <p:attrName>ppt_y</p:attrName>
+                                        </p:attrNameLst>
+                                      </p:cBhvr>
+                                      <p:tavLst>
+                                        <p:tav tm="0">
+                                          <p:val>
+                                            <p:strVal val="#ppt_y+.1"/>
+                                          </p:val>
+                                        </p:tav>
+                                        <p:tav tm="100000">
+                                          <p:val>
+                                            <p:strVal val="#ppt_y"/>
+                                          </p:val>
+                                        </p:tav>
+                                      </p:tavLst>
+                                    </p:anim>
+                                  </p:childTnLst>
+                                </p:cTn>
+                              </p:par>
+                              <p:par>
+                                <p:cTn id="27" presetID="42" presetClass="entr" presetSubtype="0" fill="hold" nodeType="withEffect">
+                                  <p:stCondLst>
+                                    <p:cond delay="0"/>
+                                  </p:stCondLst>
+                                  <p:childTnLst>
+                                    <p:set>
+                                      <p:cBhvr>
+                                        <p:cTn id="28" dur="1" fill="hold">
+                                          <p:stCondLst>
+                                            <p:cond delay="0"/>
+                                          </p:stCondLst>
+                                        </p:cTn>
+                                        <p:tgtEl>
+                                          <p:spTgt spid="2">
+                                            <p:txEl>
+                                              <p:pRg st="2" end="2"/>
+                                            </p:txEl>
+                                          </p:spTgt>
+                                        </p:tgtEl>
+                                        <p:attrNameLst>
+                                          <p:attrName>style.visibility</p:attrName>
+                                        </p:attrNameLst>
+                                      </p:cBhvr>
+                                      <p:to>
+                                        <p:strVal val="visible"/>
+                                      </p:to>
+                                    </p:set>
+                                    <p:animEffect transition="in" filter="fade">
+                                      <p:cBhvr>
+                                        <p:cTn id="29" dur="1000"/>
+                                        <p:tgtEl>
+                                          <p:spTgt spid="2">
+                                            <p:txEl>
+                                              <p:pRg st="2" end="2"/>
+                                            </p:txEl>
+                                          </p:spTgt>
+                                        </p:tgtEl>
+                                      </p:cBhvr>
+                                    </p:animEffect>
+                                    <p:anim calcmode="lin" valueType="num">
+                                      <p:cBhvr>
+                                        <p:cTn id="30" dur="1000" fill="hold"/>
+                                        <p:tgtEl>
+                                          <p:spTgt spid="2">
+                                            <p:txEl>
+                                              <p:pRg st="2" end="2"/>
+                                            </p:txEl>
+                                          </p:spTgt>
+                                        </p:tgtEl>
+                                        <p:attrNameLst>
+                                          <p:attrName>ppt_x</p:attrName>
+                                        </p:attrNameLst>
+                                      </p:cBhvr>
+                                      <p:tavLst>
+                                        <p:tav tm="0">
+                                          <p:val>
+                                            <p:strVal val="#ppt_x"/>
+                                          </p:val>
+                                        </p:tav>
+                                        <p:tav tm="100000">
+                                          <p:val>
+                                            <p:strVal val="#ppt_x"/>
+                                          </p:val>
+                                        </p:tav>
+                                      </p:tavLst>
+                                    </p:anim>
+                                    <p:anim calcmode="lin" valueType="num">
+                                      <p:cBhvr>
+                                        <p:cTn id="31" dur="1000" fill="hold"/>
+                                        <p:tgtEl>
+                                          <p:spTgt spid="2">
+                                            <p:txEl>
+                                              <p:pRg st="2" end="2"/>
+                                            </p:txEl>
+                                          </p:spTgt>
+                                        </p:tgtEl>
+                                        <p:attrNameLst>
+                                          <p:attrName>ppt_y</p:attrName>
+                                        </p:attrNameLst>
+                                      </p:cBhvr>
+                                      <p:tavLst>
+                                        <p:tav tm="0">
+                                          <p:val>
+                                            <p:strVal val="#ppt_y+.1"/>
+                                          </p:val>
+                                        </p:tav>
+                                        <p:tav tm="100000">
+                                          <p:val>
+                                            <p:strVal val="#ppt_y"/>
+                                          </p:val>
+                                        </p:tav>
+                                      </p:tavLst>
+                                    </p:anim>
+                                  </p:childTnLst>
+                                </p:cTn>
+                              </p:par>
+                            </p:childTnLst>
+                          </p:cTn>
+                        </p:par>
+                      </p:childTnLst>
+                    </p:cTn>
+                  </p:par>
+                  <p:par>
+                    <p:cTn id="32" fill="hold">
+                      <p:stCondLst>
+                        <p:cond delay="indefinite"/>
+                      </p:stCondLst>
+                      <p:childTnLst>
+                        <p:par>
+                          <p:cTn id="33" fill="hold">
+                            <p:stCondLst>
+                              <p:cond delay="0"/>
+                            </p:stCondLst>
+                            <p:childTnLst>
+                              <p:par>
+                                <p:cTn id="34" presetID="2" presetClass="exit" presetSubtype="4" fill="hold" nodeType="clickEffect">
+                                  <p:stCondLst>
+                                    <p:cond delay="0"/>
+                                  </p:stCondLst>
+                                  <p:childTnLst>
+                                    <p:anim calcmode="lin" valueType="num">
+                                      <p:cBhvr additive="base">
+                                        <p:cTn id="35" dur="500"/>
+                                        <p:tgtEl>
+                                          <p:spTgt spid="6146"/>
+                                        </p:tgtEl>
+                                        <p:attrNameLst>
+                                          <p:attrName>ppt_x</p:attrName>
+                                        </p:attrNameLst>
+                                      </p:cBhvr>
+                                      <p:tavLst>
+                                        <p:tav tm="0">
+                                          <p:val>
+                                            <p:strVal val="ppt_x"/>
+                                          </p:val>
+                                        </p:tav>
+                                        <p:tav tm="100000">
+                                          <p:val>
+                                            <p:strVal val="ppt_x"/>
+                                          </p:val>
+                                        </p:tav>
+                                      </p:tavLst>
+                                    </p:anim>
+                                    <p:anim calcmode="lin" valueType="num">
+                                      <p:cBhvr additive="base">
+                                        <p:cTn id="36" dur="500"/>
+                                        <p:tgtEl>
+                                          <p:spTgt spid="6146"/>
+                                        </p:tgtEl>
+                                        <p:attrNameLst>
+                                          <p:attrName>ppt_y</p:attrName>
+                                        </p:attrNameLst>
+                                      </p:cBhvr>
+                                      <p:tavLst>
+                                        <p:tav tm="0">
+                                          <p:val>
+                                            <p:strVal val="ppt_y"/>
+                                          </p:val>
+                                        </p:tav>
+                                        <p:tav tm="100000">
+                                          <p:val>
+                                            <p:strVal val="1+ppt_h/2"/>
+                                          </p:val>
+                                        </p:tav>
+                                      </p:tavLst>
+                                    </p:anim>
+                                    <p:set>
+                                      <p:cBhvr>
+                                        <p:cTn id="37" dur="1" fill="hold">
+                                          <p:stCondLst>
+                                            <p:cond delay="499"/>
+                                          </p:stCondLst>
+                                        </p:cTn>
+                                        <p:tgtEl>
+                                          <p:spTgt spid="6146"/>
+                                        </p:tgtEl>
+                                        <p:attrNameLst>
+                                          <p:attrName>style.visibility</p:attrName>
+                                        </p:attrNameLst>
+                                      </p:cBhvr>
+                                      <p:to>
+                                        <p:strVal val="hidden"/>
+                                      </p:to>
+                                    </p:set>
+                                  </p:childTnLst>
+                                </p:cTn>
+                              </p:par>
+                            </p:childTnLst>
+                          </p:cTn>
+                        </p:par>
+                        <p:par>
+                          <p:cTn id="38" fill="hold">
+                            <p:stCondLst>
+                              <p:cond delay="500"/>
+                            </p:stCondLst>
+                            <p:childTnLst>
+                              <p:par>
+                                <p:cTn id="39" presetID="42" presetClass="entr" presetSubtype="0" fill="hold" nodeType="afterEffect">
+                                  <p:stCondLst>
+                                    <p:cond delay="0"/>
+                                  </p:stCondLst>
+                                  <p:childTnLst>
+                                    <p:set>
+                                      <p:cBhvr>
+                                        <p:cTn id="40" dur="1" fill="hold">
+                                          <p:stCondLst>
+                                            <p:cond delay="0"/>
+                                          </p:stCondLst>
+                                        </p:cTn>
+                                        <p:tgtEl>
+                                          <p:spTgt spid="2">
+                                            <p:txEl>
+                                              <p:pRg st="4" end="4"/>
+                                            </p:txEl>
+                                          </p:spTgt>
+                                        </p:tgtEl>
+                                        <p:attrNameLst>
+                                          <p:attrName>style.visibility</p:attrName>
+                                        </p:attrNameLst>
+                                      </p:cBhvr>
+                                      <p:to>
+                                        <p:strVal val="visible"/>
+                                      </p:to>
+                                    </p:set>
+                                    <p:animEffect transition="in" filter="fade">
+                                      <p:cBhvr>
+                                        <p:cTn id="41" dur="1000"/>
+                                        <p:tgtEl>
+                                          <p:spTgt spid="2">
+                                            <p:txEl>
+                                              <p:pRg st="4" end="4"/>
+                                            </p:txEl>
+                                          </p:spTgt>
+                                        </p:tgtEl>
+                                      </p:cBhvr>
+                                    </p:animEffect>
+                                    <p:anim calcmode="lin" valueType="num">
+                                      <p:cBhvr>
+                                        <p:cTn id="42" dur="1000" fill="hold"/>
+                                        <p:tgtEl>
+                                          <p:spTgt spid="2">
+                                            <p:txEl>
+                                              <p:pRg st="4" end="4"/>
+                                            </p:txEl>
+                                          </p:spTgt>
+                                        </p:tgtEl>
+                                        <p:attrNameLst>
+                                          <p:attrName>ppt_x</p:attrName>
+                                        </p:attrNameLst>
+                                      </p:cBhvr>
+                                      <p:tavLst>
+                                        <p:tav tm="0">
+                                          <p:val>
+                                            <p:strVal val="#ppt_x"/>
+                                          </p:val>
+                                        </p:tav>
+                                        <p:tav tm="100000">
+                                          <p:val>
+                                            <p:strVal val="#ppt_x"/>
+                                          </p:val>
+                                        </p:tav>
+                                      </p:tavLst>
+                                    </p:anim>
+                                    <p:anim calcmode="lin" valueType="num">
+                                      <p:cBhvr>
+                                        <p:cTn id="43" dur="1000" fill="hold"/>
+                                        <p:tgtEl>
+                                          <p:spTgt spid="2">
+                                            <p:txEl>
+                                              <p:pRg st="4" end="4"/>
+                                            </p:txEl>
+                                          </p:spTgt>
+                                        </p:tgtEl>
+                                        <p:attrNameLst>
+                                          <p:attrName>ppt_y</p:attrName>
+                                        </p:attrNameLst>
+                                      </p:cBhvr>
+                                      <p:tavLst>
+                                        <p:tav tm="0">
+                                          <p:val>
+                                            <p:strVal val="#ppt_y+.1"/>
+                                          </p:val>
+                                        </p:tav>
+                                        <p:tav tm="100000">
+                                          <p:val>
+                                            <p:strVal val="#ppt_y"/>
+                                          </p:val>
+                                        </p:tav>
+                                      </p:tavLst>
+                                    </p:anim>
+                                  </p:childTnLst>
+                                </p:cTn>
+                              </p:par>
+                            </p:childTnLst>
+                          </p:cTn>
+                        </p:par>
+                        <p:par>
+                          <p:cTn id="44" fill="hold">
+                            <p:stCondLst>
+                              <p:cond delay="1500"/>
+                            </p:stCondLst>
+                            <p:childTnLst>
+                              <p:par>
+                                <p:cTn id="45" presetID="42" presetClass="entr" presetSubtype="0" fill="hold" nodeType="afterEffect">
+                                  <p:stCondLst>
+                                    <p:cond delay="0"/>
+                                  </p:stCondLst>
+                                  <p:childTnLst>
+                                    <p:set>
+                                      <p:cBhvr>
+                                        <p:cTn id="46" dur="1" fill="hold">
+                                          <p:stCondLst>
+                                            <p:cond delay="0"/>
+                                          </p:stCondLst>
+                                        </p:cTn>
+                                        <p:tgtEl>
+                                          <p:spTgt spid="2">
+                                            <p:txEl>
+                                              <p:pRg st="5" end="5"/>
+                                            </p:txEl>
+                                          </p:spTgt>
+                                        </p:tgtEl>
+                                        <p:attrNameLst>
+                                          <p:attrName>style.visibility</p:attrName>
+                                        </p:attrNameLst>
+                                      </p:cBhvr>
+                                      <p:to>
+                                        <p:strVal val="visible"/>
+                                      </p:to>
+                                    </p:set>
+                                    <p:animEffect transition="in" filter="fade">
+                                      <p:cBhvr>
+                                        <p:cTn id="47" dur="1000"/>
+                                        <p:tgtEl>
+                                          <p:spTgt spid="2">
+                                            <p:txEl>
+                                              <p:pRg st="5" end="5"/>
+                                            </p:txEl>
+                                          </p:spTgt>
+                                        </p:tgtEl>
+                                      </p:cBhvr>
+                                    </p:animEffect>
+                                    <p:anim calcmode="lin" valueType="num">
+                                      <p:cBhvr>
+                                        <p:cTn id="48" dur="1000" fill="hold"/>
+                                        <p:tgtEl>
+                                          <p:spTgt spid="2">
+                                            <p:txEl>
+                                              <p:pRg st="5" end="5"/>
+                                            </p:txEl>
+                                          </p:spTgt>
+                                        </p:tgtEl>
+                                        <p:attrNameLst>
+                                          <p:attrName>ppt_x</p:attrName>
+                                        </p:attrNameLst>
+                                      </p:cBhvr>
+                                      <p:tavLst>
+                                        <p:tav tm="0">
+                                          <p:val>
+                                            <p:strVal val="#ppt_x"/>
+                                          </p:val>
+                                        </p:tav>
+                                        <p:tav tm="100000">
+                                          <p:val>
+                                            <p:strVal val="#ppt_x"/>
+                                          </p:val>
+                                        </p:tav>
+                                      </p:tavLst>
+                                    </p:anim>
+                                    <p:anim calcmode="lin" valueType="num">
+                                      <p:cBhvr>
+                                        <p:cTn id="49" dur="1000" fill="hold"/>
+                                        <p:tgtEl>
+                                          <p:spTgt spid="2">
+                                            <p:txEl>
+                                              <p:pRg st="5" end="5"/>
+                                            </p:txEl>
+                                          </p:spTgt>
+                                        </p:tgtEl>
+                                        <p:attrNameLst>
+                                          <p:attrName>ppt_y</p:attrName>
+                                        </p:attrNameLst>
+                                      </p:cBhvr>
+                                      <p:tavLst>
+                                        <p:tav tm="0">
+                                          <p:val>
+                                            <p:strVal val="#ppt_y+.1"/>
+                                          </p:val>
+                                        </p:tav>
+                                        <p:tav tm="100000">
+                                          <p:val>
+                                            <p:strVal val="#ppt_y"/>
+                                          </p:val>
+                                        </p:tav>
+                                      </p:tavLst>
+                                    </p:anim>
+                                  </p:childTnLst>
+                                </p:cTn>
+                              </p:par>
+                              <p:par>
+                                <p:cTn id="50" presetID="42" presetClass="entr" presetSubtype="0" fill="hold" nodeType="withEffect">
+                                  <p:stCondLst>
+                                    <p:cond delay="0"/>
+                                  </p:stCondLst>
+                                  <p:childTnLst>
+                                    <p:set>
+                                      <p:cBhvr>
+                                        <p:cTn id="51" dur="1" fill="hold">
+                                          <p:stCondLst>
+                                            <p:cond delay="0"/>
+                                          </p:stCondLst>
+                                        </p:cTn>
+                                        <p:tgtEl>
+                                          <p:spTgt spid="6148"/>
+                                        </p:tgtEl>
+                                        <p:attrNameLst>
+                                          <p:attrName>style.visibility</p:attrName>
+                                        </p:attrNameLst>
+                                      </p:cBhvr>
+                                      <p:to>
+                                        <p:strVal val="visible"/>
+                                      </p:to>
+                                    </p:set>
+                                    <p:animEffect transition="in" filter="fade">
+                                      <p:cBhvr>
+                                        <p:cTn id="52" dur="1000"/>
+                                        <p:tgtEl>
+                                          <p:spTgt spid="6148"/>
+                                        </p:tgtEl>
+                                      </p:cBhvr>
+                                    </p:animEffect>
+                                    <p:anim calcmode="lin" valueType="num">
+                                      <p:cBhvr>
+                                        <p:cTn id="53" dur="1000" fill="hold"/>
+                                        <p:tgtEl>
+                                          <p:spTgt spid="6148"/>
+                                        </p:tgtEl>
+                                        <p:attrNameLst>
+                                          <p:attrName>ppt_x</p:attrName>
+                                        </p:attrNameLst>
+                                      </p:cBhvr>
+                                      <p:tavLst>
+                                        <p:tav tm="0">
+                                          <p:val>
+                                            <p:strVal val="#ppt_x"/>
+                                          </p:val>
+                                        </p:tav>
+                                        <p:tav tm="100000">
+                                          <p:val>
+                                            <p:strVal val="#ppt_x"/>
+                                          </p:val>
+                                        </p:tav>
+                                      </p:tavLst>
+                                    </p:anim>
+                                    <p:anim calcmode="lin" valueType="num">
+                                      <p:cBhvr>
+                                        <p:cTn id="54" dur="1000" fill="hold"/>
+                                        <p:tgtEl>
+                                          <p:spTgt spid="6148"/>
+                                        </p:tgtEl>
+                                        <p:attrNameLst>
+                                          <p:attrName>ppt_y</p:attrName>
+                                        </p:attrNameLst>
+                                      </p:cBhvr>
+                                      <p:tavLst>
+                                        <p:tav tm="0">
+                                          <p:val>
+                                            <p:strVal val="#ppt_y+.1"/>
+                                          </p:val>
+                                        </p:tav>
+                                        <p:tav tm="100000">
+                                          <p:val>
+                                            <p:strVal val="#ppt_y"/>
+                                          </p:val>
+                                        </p:tav>
+                                      </p:tavLst>
+                                    </p:anim>
+                                  </p:childTnLst>
+                                </p:cTn>
+                              </p:par>
+                              <p:par>
+                                <p:cTn id="55" presetID="42" presetClass="entr" presetSubtype="0" fill="hold" nodeType="withEffect">
+                                  <p:stCondLst>
+                                    <p:cond delay="0"/>
+                                  </p:stCondLst>
+                                  <p:childTnLst>
+                                    <p:set>
+                                      <p:cBhvr>
+                                        <p:cTn id="56" dur="1" fill="hold">
+                                          <p:stCondLst>
+                                            <p:cond delay="0"/>
+                                          </p:stCondLst>
+                                        </p:cTn>
+                                        <p:tgtEl>
+                                          <p:spTgt spid="6150"/>
+                                        </p:tgtEl>
+                                        <p:attrNameLst>
+                                          <p:attrName>style.visibility</p:attrName>
+                                        </p:attrNameLst>
+                                      </p:cBhvr>
+                                      <p:to>
+                                        <p:strVal val="visible"/>
+                                      </p:to>
+                                    </p:set>
+                                    <p:animEffect transition="in" filter="fade">
+                                      <p:cBhvr>
+                                        <p:cTn id="57" dur="1000"/>
+                                        <p:tgtEl>
+                                          <p:spTgt spid="6150"/>
+                                        </p:tgtEl>
+                                      </p:cBhvr>
+                                    </p:animEffect>
+                                    <p:anim calcmode="lin" valueType="num">
+                                      <p:cBhvr>
+                                        <p:cTn id="58" dur="1000" fill="hold"/>
+                                        <p:tgtEl>
+                                          <p:spTgt spid="6150"/>
+                                        </p:tgtEl>
+                                        <p:attrNameLst>
+                                          <p:attrName>ppt_x</p:attrName>
+                                        </p:attrNameLst>
+                                      </p:cBhvr>
+                                      <p:tavLst>
+                                        <p:tav tm="0">
+                                          <p:val>
+                                            <p:strVal val="#ppt_x"/>
+                                          </p:val>
+                                        </p:tav>
+                                        <p:tav tm="100000">
+                                          <p:val>
+                                            <p:strVal val="#ppt_x"/>
+                                          </p:val>
+                                        </p:tav>
+                                      </p:tavLst>
+                                    </p:anim>
+                                    <p:anim calcmode="lin" valueType="num">
+                                      <p:cBhvr>
+                                        <p:cTn id="59" dur="1000" fill="hold"/>
+                                        <p:tgtEl>
+                                          <p:spTgt spid="6150"/>
+                                        </p:tgtEl>
+                                        <p:attrNameLst>
+                                          <p:attrName>ppt_y</p:attrName>
+                                        </p:attrNameLst>
+                                      </p:cBhvr>
+                                      <p:tavLst>
+                                        <p:tav tm="0">
+                                          <p:val>
+                                            <p:strVal val="#ppt_y+.1"/>
+                                          </p:val>
+                                        </p:tav>
+                                        <p:tav tm="100000">
+                                          <p:val>
+                                            <p:strVal val="#ppt_y"/>
+                                          </p:val>
+                                        </p:tav>
+                                      </p:tavLst>
+                                    </p:anim>
+                                  </p:childTnLst>
+                                </p:cTn>
+                              </p:par>
+                            </p:childTnLst>
+                          </p:cTn>
+                        </p:par>
+                      </p:childTnLst>
+                    </p:cTn>
+                  </p:par>
+                  <p:par>
+                    <p:cTn id="60" fill="hold">
+                      <p:stCondLst>
+                        <p:cond delay="indefinite"/>
+                      </p:stCondLst>
+                      <p:childTnLst>
+                        <p:par>
+                          <p:cTn id="61" fill="hold">
+                            <p:stCondLst>
+                              <p:cond delay="0"/>
+                            </p:stCondLst>
+                            <p:childTnLst>
+                              <p:par>
+                                <p:cTn id="62" presetID="42" presetClass="entr" presetSubtype="0" fill="hold" nodeType="clickEffect">
+                                  <p:stCondLst>
+                                    <p:cond delay="0"/>
+                                  </p:stCondLst>
+                                  <p:childTnLst>
+                                    <p:set>
+                                      <p:cBhvr>
+                                        <p:cTn id="63" dur="1" fill="hold">
+                                          <p:stCondLst>
+                                            <p:cond delay="0"/>
+                                          </p:stCondLst>
+                                        </p:cTn>
+                                        <p:tgtEl>
+                                          <p:spTgt spid="2">
+                                            <p:txEl>
+                                              <p:pRg st="7" end="7"/>
+                                            </p:txEl>
+                                          </p:spTgt>
+                                        </p:tgtEl>
+                                        <p:attrNameLst>
+                                          <p:attrName>style.visibility</p:attrName>
+                                        </p:attrNameLst>
+                                      </p:cBhvr>
+                                      <p:to>
+                                        <p:strVal val="visible"/>
+                                      </p:to>
+                                    </p:set>
+                                    <p:animEffect transition="in" filter="fade">
+                                      <p:cBhvr>
+                                        <p:cTn id="64" dur="1000"/>
+                                        <p:tgtEl>
+                                          <p:spTgt spid="2">
+                                            <p:txEl>
+                                              <p:pRg st="7" end="7"/>
+                                            </p:txEl>
+                                          </p:spTgt>
+                                        </p:tgtEl>
+                                      </p:cBhvr>
+                                    </p:animEffect>
+                                    <p:anim calcmode="lin" valueType="num">
+                                      <p:cBhvr>
+                                        <p:cTn id="65" dur="1000" fill="hold"/>
+                                        <p:tgtEl>
+                                          <p:spTgt spid="2">
+                                            <p:txEl>
+                                              <p:pRg st="7" end="7"/>
+                                            </p:txEl>
+                                          </p:spTgt>
+                                        </p:tgtEl>
+                                        <p:attrNameLst>
+                                          <p:attrName>ppt_x</p:attrName>
+                                        </p:attrNameLst>
+                                      </p:cBhvr>
+                                      <p:tavLst>
+                                        <p:tav tm="0">
+                                          <p:val>
+                                            <p:strVal val="#ppt_x"/>
+                                          </p:val>
+                                        </p:tav>
+                                        <p:tav tm="100000">
+                                          <p:val>
+                                            <p:strVal val="#ppt_x"/>
+                                          </p:val>
+                                        </p:tav>
+                                      </p:tavLst>
+                                    </p:anim>
+                                    <p:anim calcmode="lin" valueType="num">
+                                      <p:cBhvr>
+                                        <p:cTn id="66" dur="1000" fill="hold"/>
+                                        <p:tgtEl>
+                                          <p:spTgt spid="2">
+                                            <p:txEl>
+                                              <p:pRg st="7" end="7"/>
+                                            </p:txEl>
+                                          </p:spTgt>
+                                        </p:tgtEl>
+                                        <p:attrNameLst>
+                                          <p:attrName>ppt_y</p:attrName>
+                                        </p:attrNameLst>
+                                      </p:cBhvr>
+                                      <p:tavLst>
+                                        <p:tav tm="0">
+                                          <p:val>
+                                            <p:strVal val="#ppt_y+.1"/>
+                                          </p:val>
+                                        </p:tav>
+                                        <p:tav tm="100000">
+                                          <p:val>
+                                            <p:strVal val="#ppt_y"/>
+                                          </p:val>
+                                        </p:tav>
+                                      </p:tavLst>
+                                    </p:anim>
+                                  </p:childTnLst>
+                                </p:cTn>
+                              </p:par>
+                              <p:par>
+                                <p:cTn id="67" presetID="42" presetClass="entr" presetSubtype="0" fill="hold" nodeType="withEffect">
+                                  <p:stCondLst>
+                                    <p:cond delay="0"/>
+                                  </p:stCondLst>
+                                  <p:childTnLst>
+                                    <p:set>
+                                      <p:cBhvr>
+                                        <p:cTn id="68" dur="1" fill="hold">
+                                          <p:stCondLst>
+                                            <p:cond delay="0"/>
+                                          </p:stCondLst>
+                                        </p:cTn>
+                                        <p:tgtEl>
+                                          <p:spTgt spid="6152"/>
+                                        </p:tgtEl>
+                                        <p:attrNameLst>
+                                          <p:attrName>style.visibility</p:attrName>
+                                        </p:attrNameLst>
+                                      </p:cBhvr>
+                                      <p:to>
+                                        <p:strVal val="visible"/>
+                                      </p:to>
+                                    </p:set>
+                                    <p:animEffect transition="in" filter="fade">
+                                      <p:cBhvr>
+                                        <p:cTn id="69" dur="1000"/>
+                                        <p:tgtEl>
+                                          <p:spTgt spid="6152"/>
+                                        </p:tgtEl>
+                                      </p:cBhvr>
+                                    </p:animEffect>
+                                    <p:anim calcmode="lin" valueType="num">
+                                      <p:cBhvr>
+                                        <p:cTn id="70" dur="1000" fill="hold"/>
+                                        <p:tgtEl>
+                                          <p:spTgt spid="6152"/>
+                                        </p:tgtEl>
+                                        <p:attrNameLst>
+                                          <p:attrName>ppt_x</p:attrName>
+                                        </p:attrNameLst>
+                                      </p:cBhvr>
+                                      <p:tavLst>
+                                        <p:tav tm="0">
+                                          <p:val>
+                                            <p:strVal val="#ppt_x"/>
+                                          </p:val>
+                                        </p:tav>
+                                        <p:tav tm="100000">
+                                          <p:val>
+                                            <p:strVal val="#ppt_x"/>
+                                          </p:val>
+                                        </p:tav>
+                                      </p:tavLst>
+                                    </p:anim>
+                                    <p:anim calcmode="lin" valueType="num">
+                                      <p:cBhvr>
+                                        <p:cTn id="71" dur="1000" fill="hold"/>
+                                        <p:tgtEl>
+                                          <p:spTgt spid="6152"/>
+                                        </p:tgtEl>
+                                        <p:attrNameLst>
+                                          <p:attrName>ppt_y</p:attrName>
+                                        </p:attrNameLst>
+                                      </p:cBhvr>
+                                      <p:tavLst>
+                                        <p:tav tm="0">
+                                          <p:val>
+                                            <p:strVal val="#ppt_y+.1"/>
+                                          </p:val>
+                                        </p:tav>
+                                        <p:tav tm="100000">
+                                          <p:val>
+                                            <p:strVal val="#ppt_y"/>
+                                          </p:val>
+                                        </p:tav>
+                                      </p:tavLst>
+                                    </p:anim>
+                                  </p:childTnLst>
+                                </p:cTn>
+                              </p:par>
+                            </p:childTnLst>
+                          </p:cTn>
+                        </p:par>
+                      </p:childTnLst>
+                    </p:cTn>
+                  </p:par>
+                </p:childTnLst>
+              </p:cTn>
+              <p:prevCondLst>
+                <p:cond evt="onPrev" delay="0">
+                  <p:tgtEl>
+                    <p:sldTgt/>
+                  </p:tgtEl>
+                </p:cond>
+              </p:prevCondLst>
+              <p:nextCondLst>
+                <p:cond evt="onNext" delay="0">
+                  <p:tgtEl>
+                    <p:sldTgt/>
+                  </p:tgtEl>
+                </p:cond>
+              </p:nextCondLst>
+            </p:seq>
+          </p:childTnLst>
+        </p:cTn>
+      </p:par>
+    </p:tnLst>
+  </p:timing>
 </p:sld>
 </file>
 
@@ -5984,7 +7318,7 @@
           <p:cNvPr id="2" name="Segnaposto testo 1">
             <a:extLst>
               <a:ext uri="{FF2B5EF4-FFF2-40B4-BE49-F238E27FC236}">
-                <a16:creationId xmlns:a16="http://schemas.microsoft.com/office/drawing/2014/main" id="{E75307F9-D626-ED4A-B88C-7430269A4EA7}"/>
+                <a16:creationId xmlns:a16="http://schemas.microsoft.com/office/drawing/2014/main" xmlns="" id="{E75307F9-D626-ED4A-B88C-7430269A4EA7}"/>
               </a:ext>
             </a:extLst>
           </p:cNvPr>
@@ -6018,7 +7352,7 @@
           <p:cNvPr id="9" name="Immagine 8">
             <a:extLst>
               <a:ext uri="{FF2B5EF4-FFF2-40B4-BE49-F238E27FC236}">
-                <a16:creationId xmlns:a16="http://schemas.microsoft.com/office/drawing/2014/main" id="{2D503BCF-FE37-9A4B-B6BC-AB0475524DA7}"/>
+                <a16:creationId xmlns:a16="http://schemas.microsoft.com/office/drawing/2014/main" xmlns="" id="{2D503BCF-FE37-9A4B-B6BC-AB0475524DA7}"/>
               </a:ext>
             </a:extLst>
           </p:cNvPr>
@@ -6053,6 +7387,238 @@
   <p:clrMapOvr>
     <a:masterClrMapping/>
   </p:clrMapOvr>
+  <p:transition spd="slow">
+    <p:wipe/>
+  </p:transition>
+  <p:timing>
+    <p:tnLst>
+      <p:par>
+        <p:cTn id="1" dur="indefinite" restart="never" nodeType="tmRoot">
+          <p:childTnLst>
+            <p:seq concurrent="1" nextAc="seek">
+              <p:cTn id="2" dur="indefinite" nodeType="mainSeq">
+                <p:childTnLst>
+                  <p:par>
+                    <p:cTn id="3" fill="hold">
+                      <p:stCondLst>
+                        <p:cond delay="indefinite"/>
+                        <p:cond evt="onBegin" delay="0">
+                          <p:tn val="2"/>
+                        </p:cond>
+                      </p:stCondLst>
+                      <p:childTnLst>
+                        <p:par>
+                          <p:cTn id="4" fill="hold">
+                            <p:stCondLst>
+                              <p:cond delay="0"/>
+                            </p:stCondLst>
+                            <p:childTnLst>
+                              <p:par>
+                                <p:cTn id="5" presetID="42" presetClass="entr" presetSubtype="0" fill="hold" nodeType="withEffect">
+                                  <p:stCondLst>
+                                    <p:cond delay="0"/>
+                                  </p:stCondLst>
+                                  <p:childTnLst>
+                                    <p:set>
+                                      <p:cBhvr>
+                                        <p:cTn id="6" dur="1" fill="hold">
+                                          <p:stCondLst>
+                                            <p:cond delay="0"/>
+                                          </p:stCondLst>
+                                        </p:cTn>
+                                        <p:tgtEl>
+                                          <p:spTgt spid="9"/>
+                                        </p:tgtEl>
+                                        <p:attrNameLst>
+                                          <p:attrName>style.visibility</p:attrName>
+                                        </p:attrNameLst>
+                                      </p:cBhvr>
+                                      <p:to>
+                                        <p:strVal val="visible"/>
+                                      </p:to>
+                                    </p:set>
+                                    <p:animEffect transition="in" filter="fade">
+                                      <p:cBhvr>
+                                        <p:cTn id="7" dur="1000"/>
+                                        <p:tgtEl>
+                                          <p:spTgt spid="9"/>
+                                        </p:tgtEl>
+                                      </p:cBhvr>
+                                    </p:animEffect>
+                                    <p:anim calcmode="lin" valueType="num">
+                                      <p:cBhvr>
+                                        <p:cTn id="8" dur="1000" fill="hold"/>
+                                        <p:tgtEl>
+                                          <p:spTgt spid="9"/>
+                                        </p:tgtEl>
+                                        <p:attrNameLst>
+                                          <p:attrName>ppt_x</p:attrName>
+                                        </p:attrNameLst>
+                                      </p:cBhvr>
+                                      <p:tavLst>
+                                        <p:tav tm="0">
+                                          <p:val>
+                                            <p:strVal val="#ppt_x"/>
+                                          </p:val>
+                                        </p:tav>
+                                        <p:tav tm="100000">
+                                          <p:val>
+                                            <p:strVal val="#ppt_x"/>
+                                          </p:val>
+                                        </p:tav>
+                                      </p:tavLst>
+                                    </p:anim>
+                                    <p:anim calcmode="lin" valueType="num">
+                                      <p:cBhvr>
+                                        <p:cTn id="9" dur="1000" fill="hold"/>
+                                        <p:tgtEl>
+                                          <p:spTgt spid="9"/>
+                                        </p:tgtEl>
+                                        <p:attrNameLst>
+                                          <p:attrName>ppt_y</p:attrName>
+                                        </p:attrNameLst>
+                                      </p:cBhvr>
+                                      <p:tavLst>
+                                        <p:tav tm="0">
+                                          <p:val>
+                                            <p:strVal val="#ppt_y+.1"/>
+                                          </p:val>
+                                        </p:tav>
+                                        <p:tav tm="100000">
+                                          <p:val>
+                                            <p:strVal val="#ppt_y"/>
+                                          </p:val>
+                                        </p:tav>
+                                      </p:tavLst>
+                                    </p:anim>
+                                  </p:childTnLst>
+                                </p:cTn>
+                              </p:par>
+                              <p:par>
+                                <p:cTn id="10" presetID="42" presetClass="entr" presetSubtype="0" fill="hold" nodeType="withEffect">
+                                  <p:stCondLst>
+                                    <p:cond delay="0"/>
+                                  </p:stCondLst>
+                                  <p:childTnLst>
+                                    <p:set>
+                                      <p:cBhvr>
+                                        <p:cTn id="11" dur="1" fill="hold">
+                                          <p:stCondLst>
+                                            <p:cond delay="0"/>
+                                          </p:stCondLst>
+                                        </p:cTn>
+                                        <p:tgtEl>
+                                          <p:spTgt spid="2">
+                                            <p:txEl>
+                                              <p:pRg st="0" end="0"/>
+                                            </p:txEl>
+                                          </p:spTgt>
+                                        </p:tgtEl>
+                                        <p:attrNameLst>
+                                          <p:attrName>style.visibility</p:attrName>
+                                        </p:attrNameLst>
+                                      </p:cBhvr>
+                                      <p:to>
+                                        <p:strVal val="visible"/>
+                                      </p:to>
+                                    </p:set>
+                                    <p:animEffect transition="in" filter="fade">
+                                      <p:cBhvr>
+                                        <p:cTn id="12" dur="1000"/>
+                                        <p:tgtEl>
+                                          <p:spTgt spid="2">
+                                            <p:txEl>
+                                              <p:pRg st="0" end="0"/>
+                                            </p:txEl>
+                                          </p:spTgt>
+                                        </p:tgtEl>
+                                      </p:cBhvr>
+                                    </p:animEffect>
+                                    <p:anim calcmode="lin" valueType="num">
+                                      <p:cBhvr>
+                                        <p:cTn id="13" dur="1000" fill="hold"/>
+                                        <p:tgtEl>
+                                          <p:spTgt spid="2">
+                                            <p:txEl>
+                                              <p:pRg st="0" end="0"/>
+                                            </p:txEl>
+                                          </p:spTgt>
+                                        </p:tgtEl>
+                                        <p:attrNameLst>
+                                          <p:attrName>ppt_x</p:attrName>
+                                        </p:attrNameLst>
+                                      </p:cBhvr>
+                                      <p:tavLst>
+                                        <p:tav tm="0">
+                                          <p:val>
+                                            <p:strVal val="#ppt_x"/>
+                                          </p:val>
+                                        </p:tav>
+                                        <p:tav tm="100000">
+                                          <p:val>
+                                            <p:strVal val="#ppt_x"/>
+                                          </p:val>
+                                        </p:tav>
+                                      </p:tavLst>
+                                    </p:anim>
+                                    <p:anim calcmode="lin" valueType="num">
+                                      <p:cBhvr>
+                                        <p:cTn id="14" dur="1000" fill="hold"/>
+                                        <p:tgtEl>
+                                          <p:spTgt spid="2">
+                                            <p:txEl>
+                                              <p:pRg st="0" end="0"/>
+                                            </p:txEl>
+                                          </p:spTgt>
+                                        </p:tgtEl>
+                                        <p:attrNameLst>
+                                          <p:attrName>ppt_y</p:attrName>
+                                        </p:attrNameLst>
+                                      </p:cBhvr>
+                                      <p:tavLst>
+                                        <p:tav tm="0">
+                                          <p:val>
+                                            <p:strVal val="#ppt_y+.1"/>
+                                          </p:val>
+                                        </p:tav>
+                                        <p:tav tm="100000">
+                                          <p:val>
+                                            <p:strVal val="#ppt_y"/>
+                                          </p:val>
+                                        </p:tav>
+                                      </p:tavLst>
+                                    </p:anim>
+                                  </p:childTnLst>
+                                </p:cTn>
+                              </p:par>
+                            </p:childTnLst>
+                          </p:cTn>
+                        </p:par>
+                      </p:childTnLst>
+                    </p:cTn>
+                  </p:par>
+                </p:childTnLst>
+              </p:cTn>
+              <p:prevCondLst>
+                <p:cond evt="onPrev" delay="0">
+                  <p:tgtEl>
+                    <p:sldTgt/>
+                  </p:tgtEl>
+                </p:cond>
+              </p:prevCondLst>
+              <p:nextCondLst>
+                <p:cond evt="onNext" delay="0">
+                  <p:tgtEl>
+                    <p:sldTgt/>
+                  </p:tgtEl>
+                </p:cond>
+              </p:nextCondLst>
+            </p:seq>
+          </p:childTnLst>
+        </p:cTn>
+      </p:par>
+    </p:tnLst>
+  </p:timing>
 </p:sld>
 </file>
 
@@ -6186,6 +7752,129 @@
           </a:p>
         </p:txBody>
       </p:sp>
+      <p:pic>
+        <p:nvPicPr>
+          <p:cNvPr id="1026" name="Picture 2" descr="http://images.clipartpanda.com/search-clipart-simple-globe-search.png"/>
+          <p:cNvPicPr>
+            <a:picLocks noChangeAspect="1" noChangeArrowheads="1"/>
+          </p:cNvPicPr>
+          <p:nvPr/>
+        </p:nvPicPr>
+        <p:blipFill>
+          <a:blip r:embed="rId2">
+            <a:extLst>
+              <a:ext uri="{28A0092B-C50C-407E-A947-70E740481C1C}">
+                <a14:useLocalDpi xmlns:a14="http://schemas.microsoft.com/office/drawing/2010/main" val="0"/>
+              </a:ext>
+            </a:extLst>
+          </a:blip>
+          <a:srcRect/>
+          <a:stretch>
+            <a:fillRect/>
+          </a:stretch>
+        </p:blipFill>
+        <p:spPr bwMode="auto">
+          <a:xfrm>
+            <a:off x="5292080" y="2132856"/>
+            <a:ext cx="3057800" cy="3057800"/>
+          </a:xfrm>
+          <a:prstGeom prst="rect">
+            <a:avLst/>
+          </a:prstGeom>
+          <a:noFill/>
+          <a:extLst>
+            <a:ext uri="{909E8E84-426E-40DD-AFC4-6F175D3DCCD1}">
+              <a14:hiddenFill xmlns:a14="http://schemas.microsoft.com/office/drawing/2010/main">
+                <a:solidFill>
+                  <a:srgbClr val="FFFFFF"/>
+                </a:solidFill>
+              </a14:hiddenFill>
+            </a:ext>
+          </a:extLst>
+        </p:spPr>
+      </p:pic>
+      <p:pic>
+        <p:nvPicPr>
+          <p:cNvPr id="1028" name="Picture 4" descr="Enterprise Web Apps - Design, Develop, and Test | Sencha.com"/>
+          <p:cNvPicPr>
+            <a:picLocks noChangeAspect="1" noChangeArrowheads="1"/>
+          </p:cNvPicPr>
+          <p:nvPr/>
+        </p:nvPicPr>
+        <p:blipFill>
+          <a:blip r:embed="rId3">
+            <a:extLst>
+              <a:ext uri="{28A0092B-C50C-407E-A947-70E740481C1C}">
+                <a14:useLocalDpi xmlns:a14="http://schemas.microsoft.com/office/drawing/2010/main" val="0"/>
+              </a:ext>
+            </a:extLst>
+          </a:blip>
+          <a:srcRect/>
+          <a:stretch>
+            <a:fillRect/>
+          </a:stretch>
+        </p:blipFill>
+        <p:spPr bwMode="auto">
+          <a:xfrm>
+            <a:off x="5323641" y="2311020"/>
+            <a:ext cx="2879636" cy="2879636"/>
+          </a:xfrm>
+          <a:prstGeom prst="rect">
+            <a:avLst/>
+          </a:prstGeom>
+          <a:noFill/>
+          <a:extLst>
+            <a:ext uri="{909E8E84-426E-40DD-AFC4-6F175D3DCCD1}">
+              <a14:hiddenFill xmlns:a14="http://schemas.microsoft.com/office/drawing/2010/main">
+                <a:solidFill>
+                  <a:srgbClr val="FFFFFF"/>
+                </a:solidFill>
+              </a14:hiddenFill>
+            </a:ext>
+          </a:extLst>
+        </p:spPr>
+      </p:pic>
+      <p:pic>
+        <p:nvPicPr>
+          <p:cNvPr id="1030" name="Picture 6" descr="Development Svg Png Icon Free Download (#533288 ..."/>
+          <p:cNvPicPr>
+            <a:picLocks noChangeAspect="1" noChangeArrowheads="1"/>
+          </p:cNvPicPr>
+          <p:nvPr/>
+        </p:nvPicPr>
+        <p:blipFill>
+          <a:blip r:embed="rId4">
+            <a:extLst>
+              <a:ext uri="{28A0092B-C50C-407E-A947-70E740481C1C}">
+                <a14:useLocalDpi xmlns:a14="http://schemas.microsoft.com/office/drawing/2010/main" val="0"/>
+              </a:ext>
+            </a:extLst>
+          </a:blip>
+          <a:srcRect/>
+          <a:stretch>
+            <a:fillRect/>
+          </a:stretch>
+        </p:blipFill>
+        <p:spPr bwMode="auto">
+          <a:xfrm>
+            <a:off x="5220072" y="3933056"/>
+            <a:ext cx="2779820" cy="2189817"/>
+          </a:xfrm>
+          <a:prstGeom prst="rect">
+            <a:avLst/>
+          </a:prstGeom>
+          <a:noFill/>
+          <a:extLst>
+            <a:ext uri="{909E8E84-426E-40DD-AFC4-6F175D3DCCD1}">
+              <a14:hiddenFill xmlns:a14="http://schemas.microsoft.com/office/drawing/2010/main">
+                <a:solidFill>
+                  <a:srgbClr val="FFFFFF"/>
+                </a:solidFill>
+              </a14:hiddenFill>
+            </a:ext>
+          </a:extLst>
+        </p:spPr>
+      </p:pic>
     </p:spTree>
     <p:extLst>
       <p:ext uri="{BB962C8B-B14F-4D97-AF65-F5344CB8AC3E}">
@@ -6196,6 +7885,794 @@
   <p:clrMapOvr>
     <a:masterClrMapping/>
   </p:clrMapOvr>
+  <p:transition spd="slow">
+    <p:wipe/>
+  </p:transition>
+  <p:timing>
+    <p:tnLst>
+      <p:par>
+        <p:cTn id="1" dur="indefinite" restart="never" nodeType="tmRoot">
+          <p:childTnLst>
+            <p:seq concurrent="1" nextAc="seek">
+              <p:cTn id="2" dur="indefinite" nodeType="mainSeq">
+                <p:childTnLst>
+                  <p:par>
+                    <p:cTn id="3" fill="hold">
+                      <p:stCondLst>
+                        <p:cond delay="indefinite"/>
+                        <p:cond evt="onBegin" delay="0">
+                          <p:tn val="2"/>
+                        </p:cond>
+                      </p:stCondLst>
+                      <p:childTnLst>
+                        <p:par>
+                          <p:cTn id="4" fill="hold">
+                            <p:stCondLst>
+                              <p:cond delay="0"/>
+                            </p:stCondLst>
+                            <p:childTnLst>
+                              <p:par>
+                                <p:cTn id="5" presetID="42" presetClass="entr" presetSubtype="0" fill="hold" nodeType="withEffect">
+                                  <p:stCondLst>
+                                    <p:cond delay="0"/>
+                                  </p:stCondLst>
+                                  <p:childTnLst>
+                                    <p:set>
+                                      <p:cBhvr>
+                                        <p:cTn id="6" dur="1" fill="hold">
+                                          <p:stCondLst>
+                                            <p:cond delay="0"/>
+                                          </p:stCondLst>
+                                        </p:cTn>
+                                        <p:tgtEl>
+                                          <p:spTgt spid="2">
+                                            <p:txEl>
+                                              <p:pRg st="0" end="0"/>
+                                            </p:txEl>
+                                          </p:spTgt>
+                                        </p:tgtEl>
+                                        <p:attrNameLst>
+                                          <p:attrName>style.visibility</p:attrName>
+                                        </p:attrNameLst>
+                                      </p:cBhvr>
+                                      <p:to>
+                                        <p:strVal val="visible"/>
+                                      </p:to>
+                                    </p:set>
+                                    <p:animEffect transition="in" filter="fade">
+                                      <p:cBhvr>
+                                        <p:cTn id="7" dur="1000"/>
+                                        <p:tgtEl>
+                                          <p:spTgt spid="2">
+                                            <p:txEl>
+                                              <p:pRg st="0" end="0"/>
+                                            </p:txEl>
+                                          </p:spTgt>
+                                        </p:tgtEl>
+                                      </p:cBhvr>
+                                    </p:animEffect>
+                                    <p:anim calcmode="lin" valueType="num">
+                                      <p:cBhvr>
+                                        <p:cTn id="8" dur="1000" fill="hold"/>
+                                        <p:tgtEl>
+                                          <p:spTgt spid="2">
+                                            <p:txEl>
+                                              <p:pRg st="0" end="0"/>
+                                            </p:txEl>
+                                          </p:spTgt>
+                                        </p:tgtEl>
+                                        <p:attrNameLst>
+                                          <p:attrName>ppt_x</p:attrName>
+                                        </p:attrNameLst>
+                                      </p:cBhvr>
+                                      <p:tavLst>
+                                        <p:tav tm="0">
+                                          <p:val>
+                                            <p:strVal val="#ppt_x"/>
+                                          </p:val>
+                                        </p:tav>
+                                        <p:tav tm="100000">
+                                          <p:val>
+                                            <p:strVal val="#ppt_x"/>
+                                          </p:val>
+                                        </p:tav>
+                                      </p:tavLst>
+                                    </p:anim>
+                                    <p:anim calcmode="lin" valueType="num">
+                                      <p:cBhvr>
+                                        <p:cTn id="9" dur="1000" fill="hold"/>
+                                        <p:tgtEl>
+                                          <p:spTgt spid="2">
+                                            <p:txEl>
+                                              <p:pRg st="0" end="0"/>
+                                            </p:txEl>
+                                          </p:spTgt>
+                                        </p:tgtEl>
+                                        <p:attrNameLst>
+                                          <p:attrName>ppt_y</p:attrName>
+                                        </p:attrNameLst>
+                                      </p:cBhvr>
+                                      <p:tavLst>
+                                        <p:tav tm="0">
+                                          <p:val>
+                                            <p:strVal val="#ppt_y+.1"/>
+                                          </p:val>
+                                        </p:tav>
+                                        <p:tav tm="100000">
+                                          <p:val>
+                                            <p:strVal val="#ppt_y"/>
+                                          </p:val>
+                                        </p:tav>
+                                      </p:tavLst>
+                                    </p:anim>
+                                  </p:childTnLst>
+                                </p:cTn>
+                              </p:par>
+                              <p:par>
+                                <p:cTn id="10" presetID="42" presetClass="entr" presetSubtype="0" fill="hold" nodeType="withEffect">
+                                  <p:stCondLst>
+                                    <p:cond delay="0"/>
+                                  </p:stCondLst>
+                                  <p:childTnLst>
+                                    <p:set>
+                                      <p:cBhvr>
+                                        <p:cTn id="11" dur="1" fill="hold">
+                                          <p:stCondLst>
+                                            <p:cond delay="0"/>
+                                          </p:stCondLst>
+                                        </p:cTn>
+                                        <p:tgtEl>
+                                          <p:spTgt spid="1026"/>
+                                        </p:tgtEl>
+                                        <p:attrNameLst>
+                                          <p:attrName>style.visibility</p:attrName>
+                                        </p:attrNameLst>
+                                      </p:cBhvr>
+                                      <p:to>
+                                        <p:strVal val="visible"/>
+                                      </p:to>
+                                    </p:set>
+                                    <p:animEffect transition="in" filter="fade">
+                                      <p:cBhvr>
+                                        <p:cTn id="12" dur="1000"/>
+                                        <p:tgtEl>
+                                          <p:spTgt spid="1026"/>
+                                        </p:tgtEl>
+                                      </p:cBhvr>
+                                    </p:animEffect>
+                                    <p:anim calcmode="lin" valueType="num">
+                                      <p:cBhvr>
+                                        <p:cTn id="13" dur="1000" fill="hold"/>
+                                        <p:tgtEl>
+                                          <p:spTgt spid="1026"/>
+                                        </p:tgtEl>
+                                        <p:attrNameLst>
+                                          <p:attrName>ppt_x</p:attrName>
+                                        </p:attrNameLst>
+                                      </p:cBhvr>
+                                      <p:tavLst>
+                                        <p:tav tm="0">
+                                          <p:val>
+                                            <p:strVal val="#ppt_x"/>
+                                          </p:val>
+                                        </p:tav>
+                                        <p:tav tm="100000">
+                                          <p:val>
+                                            <p:strVal val="#ppt_x"/>
+                                          </p:val>
+                                        </p:tav>
+                                      </p:tavLst>
+                                    </p:anim>
+                                    <p:anim calcmode="lin" valueType="num">
+                                      <p:cBhvr>
+                                        <p:cTn id="14" dur="1000" fill="hold"/>
+                                        <p:tgtEl>
+                                          <p:spTgt spid="1026"/>
+                                        </p:tgtEl>
+                                        <p:attrNameLst>
+                                          <p:attrName>ppt_y</p:attrName>
+                                        </p:attrNameLst>
+                                      </p:cBhvr>
+                                      <p:tavLst>
+                                        <p:tav tm="0">
+                                          <p:val>
+                                            <p:strVal val="#ppt_y+.1"/>
+                                          </p:val>
+                                        </p:tav>
+                                        <p:tav tm="100000">
+                                          <p:val>
+                                            <p:strVal val="#ppt_y"/>
+                                          </p:val>
+                                        </p:tav>
+                                      </p:tavLst>
+                                    </p:anim>
+                                  </p:childTnLst>
+                                </p:cTn>
+                              </p:par>
+                            </p:childTnLst>
+                          </p:cTn>
+                        </p:par>
+                      </p:childTnLst>
+                    </p:cTn>
+                  </p:par>
+                  <p:par>
+                    <p:cTn id="15" fill="hold">
+                      <p:stCondLst>
+                        <p:cond delay="indefinite"/>
+                      </p:stCondLst>
+                      <p:childTnLst>
+                        <p:par>
+                          <p:cTn id="16" fill="hold">
+                            <p:stCondLst>
+                              <p:cond delay="0"/>
+                            </p:stCondLst>
+                            <p:childTnLst>
+                              <p:par>
+                                <p:cTn id="17" presetID="2" presetClass="exit" presetSubtype="4" fill="hold" nodeType="clickEffect">
+                                  <p:stCondLst>
+                                    <p:cond delay="0"/>
+                                  </p:stCondLst>
+                                  <p:childTnLst>
+                                    <p:anim calcmode="lin" valueType="num">
+                                      <p:cBhvr additive="base">
+                                        <p:cTn id="18" dur="500"/>
+                                        <p:tgtEl>
+                                          <p:spTgt spid="1026"/>
+                                        </p:tgtEl>
+                                        <p:attrNameLst>
+                                          <p:attrName>ppt_x</p:attrName>
+                                        </p:attrNameLst>
+                                      </p:cBhvr>
+                                      <p:tavLst>
+                                        <p:tav tm="0">
+                                          <p:val>
+                                            <p:strVal val="ppt_x"/>
+                                          </p:val>
+                                        </p:tav>
+                                        <p:tav tm="100000">
+                                          <p:val>
+                                            <p:strVal val="ppt_x"/>
+                                          </p:val>
+                                        </p:tav>
+                                      </p:tavLst>
+                                    </p:anim>
+                                    <p:anim calcmode="lin" valueType="num">
+                                      <p:cBhvr additive="base">
+                                        <p:cTn id="19" dur="500"/>
+                                        <p:tgtEl>
+                                          <p:spTgt spid="1026"/>
+                                        </p:tgtEl>
+                                        <p:attrNameLst>
+                                          <p:attrName>ppt_y</p:attrName>
+                                        </p:attrNameLst>
+                                      </p:cBhvr>
+                                      <p:tavLst>
+                                        <p:tav tm="0">
+                                          <p:val>
+                                            <p:strVal val="ppt_y"/>
+                                          </p:val>
+                                        </p:tav>
+                                        <p:tav tm="100000">
+                                          <p:val>
+                                            <p:strVal val="1+ppt_h/2"/>
+                                          </p:val>
+                                        </p:tav>
+                                      </p:tavLst>
+                                    </p:anim>
+                                    <p:set>
+                                      <p:cBhvr>
+                                        <p:cTn id="20" dur="1" fill="hold">
+                                          <p:stCondLst>
+                                            <p:cond delay="499"/>
+                                          </p:stCondLst>
+                                        </p:cTn>
+                                        <p:tgtEl>
+                                          <p:spTgt spid="1026"/>
+                                        </p:tgtEl>
+                                        <p:attrNameLst>
+                                          <p:attrName>style.visibility</p:attrName>
+                                        </p:attrNameLst>
+                                      </p:cBhvr>
+                                      <p:to>
+                                        <p:strVal val="hidden"/>
+                                      </p:to>
+                                    </p:set>
+                                  </p:childTnLst>
+                                </p:cTn>
+                              </p:par>
+                            </p:childTnLst>
+                          </p:cTn>
+                        </p:par>
+                        <p:par>
+                          <p:cTn id="21" fill="hold">
+                            <p:stCondLst>
+                              <p:cond delay="500"/>
+                            </p:stCondLst>
+                            <p:childTnLst>
+                              <p:par>
+                                <p:cTn id="22" presetID="42" presetClass="entr" presetSubtype="0" fill="hold" nodeType="afterEffect">
+                                  <p:stCondLst>
+                                    <p:cond delay="0"/>
+                                  </p:stCondLst>
+                                  <p:childTnLst>
+                                    <p:set>
+                                      <p:cBhvr>
+                                        <p:cTn id="23" dur="1" fill="hold">
+                                          <p:stCondLst>
+                                            <p:cond delay="0"/>
+                                          </p:stCondLst>
+                                        </p:cTn>
+                                        <p:tgtEl>
+                                          <p:spTgt spid="2">
+                                            <p:txEl>
+                                              <p:pRg st="2" end="2"/>
+                                            </p:txEl>
+                                          </p:spTgt>
+                                        </p:tgtEl>
+                                        <p:attrNameLst>
+                                          <p:attrName>style.visibility</p:attrName>
+                                        </p:attrNameLst>
+                                      </p:cBhvr>
+                                      <p:to>
+                                        <p:strVal val="visible"/>
+                                      </p:to>
+                                    </p:set>
+                                    <p:animEffect transition="in" filter="fade">
+                                      <p:cBhvr>
+                                        <p:cTn id="24" dur="1000"/>
+                                        <p:tgtEl>
+                                          <p:spTgt spid="2">
+                                            <p:txEl>
+                                              <p:pRg st="2" end="2"/>
+                                            </p:txEl>
+                                          </p:spTgt>
+                                        </p:tgtEl>
+                                      </p:cBhvr>
+                                    </p:animEffect>
+                                    <p:anim calcmode="lin" valueType="num">
+                                      <p:cBhvr>
+                                        <p:cTn id="25" dur="1000" fill="hold"/>
+                                        <p:tgtEl>
+                                          <p:spTgt spid="2">
+                                            <p:txEl>
+                                              <p:pRg st="2" end="2"/>
+                                            </p:txEl>
+                                          </p:spTgt>
+                                        </p:tgtEl>
+                                        <p:attrNameLst>
+                                          <p:attrName>ppt_x</p:attrName>
+                                        </p:attrNameLst>
+                                      </p:cBhvr>
+                                      <p:tavLst>
+                                        <p:tav tm="0">
+                                          <p:val>
+                                            <p:strVal val="#ppt_x"/>
+                                          </p:val>
+                                        </p:tav>
+                                        <p:tav tm="100000">
+                                          <p:val>
+                                            <p:strVal val="#ppt_x"/>
+                                          </p:val>
+                                        </p:tav>
+                                      </p:tavLst>
+                                    </p:anim>
+                                    <p:anim calcmode="lin" valueType="num">
+                                      <p:cBhvr>
+                                        <p:cTn id="26" dur="1000" fill="hold"/>
+                                        <p:tgtEl>
+                                          <p:spTgt spid="2">
+                                            <p:txEl>
+                                              <p:pRg st="2" end="2"/>
+                                            </p:txEl>
+                                          </p:spTgt>
+                                        </p:tgtEl>
+                                        <p:attrNameLst>
+                                          <p:attrName>ppt_y</p:attrName>
+                                        </p:attrNameLst>
+                                      </p:cBhvr>
+                                      <p:tavLst>
+                                        <p:tav tm="0">
+                                          <p:val>
+                                            <p:strVal val="#ppt_y+.1"/>
+                                          </p:val>
+                                        </p:tav>
+                                        <p:tav tm="100000">
+                                          <p:val>
+                                            <p:strVal val="#ppt_y"/>
+                                          </p:val>
+                                        </p:tav>
+                                      </p:tavLst>
+                                    </p:anim>
+                                  </p:childTnLst>
+                                </p:cTn>
+                              </p:par>
+                              <p:par>
+                                <p:cTn id="27" presetID="42" presetClass="entr" presetSubtype="0" fill="hold" nodeType="withEffect">
+                                  <p:stCondLst>
+                                    <p:cond delay="0"/>
+                                  </p:stCondLst>
+                                  <p:childTnLst>
+                                    <p:set>
+                                      <p:cBhvr>
+                                        <p:cTn id="28" dur="1" fill="hold">
+                                          <p:stCondLst>
+                                            <p:cond delay="0"/>
+                                          </p:stCondLst>
+                                        </p:cTn>
+                                        <p:tgtEl>
+                                          <p:spTgt spid="1028"/>
+                                        </p:tgtEl>
+                                        <p:attrNameLst>
+                                          <p:attrName>style.visibility</p:attrName>
+                                        </p:attrNameLst>
+                                      </p:cBhvr>
+                                      <p:to>
+                                        <p:strVal val="visible"/>
+                                      </p:to>
+                                    </p:set>
+                                    <p:animEffect transition="in" filter="fade">
+                                      <p:cBhvr>
+                                        <p:cTn id="29" dur="1000"/>
+                                        <p:tgtEl>
+                                          <p:spTgt spid="1028"/>
+                                        </p:tgtEl>
+                                      </p:cBhvr>
+                                    </p:animEffect>
+                                    <p:anim calcmode="lin" valueType="num">
+                                      <p:cBhvr>
+                                        <p:cTn id="30" dur="1000" fill="hold"/>
+                                        <p:tgtEl>
+                                          <p:spTgt spid="1028"/>
+                                        </p:tgtEl>
+                                        <p:attrNameLst>
+                                          <p:attrName>ppt_x</p:attrName>
+                                        </p:attrNameLst>
+                                      </p:cBhvr>
+                                      <p:tavLst>
+                                        <p:tav tm="0">
+                                          <p:val>
+                                            <p:strVal val="#ppt_x"/>
+                                          </p:val>
+                                        </p:tav>
+                                        <p:tav tm="100000">
+                                          <p:val>
+                                            <p:strVal val="#ppt_x"/>
+                                          </p:val>
+                                        </p:tav>
+                                      </p:tavLst>
+                                    </p:anim>
+                                    <p:anim calcmode="lin" valueType="num">
+                                      <p:cBhvr>
+                                        <p:cTn id="31" dur="1000" fill="hold"/>
+                                        <p:tgtEl>
+                                          <p:spTgt spid="1028"/>
+                                        </p:tgtEl>
+                                        <p:attrNameLst>
+                                          <p:attrName>ppt_y</p:attrName>
+                                        </p:attrNameLst>
+                                      </p:cBhvr>
+                                      <p:tavLst>
+                                        <p:tav tm="0">
+                                          <p:val>
+                                            <p:strVal val="#ppt_y+.1"/>
+                                          </p:val>
+                                        </p:tav>
+                                        <p:tav tm="100000">
+                                          <p:val>
+                                            <p:strVal val="#ppt_y"/>
+                                          </p:val>
+                                        </p:tav>
+                                      </p:tavLst>
+                                    </p:anim>
+                                  </p:childTnLst>
+                                </p:cTn>
+                              </p:par>
+                            </p:childTnLst>
+                          </p:cTn>
+                        </p:par>
+                      </p:childTnLst>
+                    </p:cTn>
+                  </p:par>
+                  <p:par>
+                    <p:cTn id="32" fill="hold">
+                      <p:stCondLst>
+                        <p:cond delay="indefinite"/>
+                      </p:stCondLst>
+                      <p:childTnLst>
+                        <p:par>
+                          <p:cTn id="33" fill="hold">
+                            <p:stCondLst>
+                              <p:cond delay="0"/>
+                            </p:stCondLst>
+                            <p:childTnLst>
+                              <p:par>
+                                <p:cTn id="34" presetID="2" presetClass="exit" presetSubtype="4" fill="hold" nodeType="clickEffect">
+                                  <p:stCondLst>
+                                    <p:cond delay="0"/>
+                                  </p:stCondLst>
+                                  <p:childTnLst>
+                                    <p:anim calcmode="lin" valueType="num">
+                                      <p:cBhvr additive="base">
+                                        <p:cTn id="35" dur="500"/>
+                                        <p:tgtEl>
+                                          <p:spTgt spid="1028"/>
+                                        </p:tgtEl>
+                                        <p:attrNameLst>
+                                          <p:attrName>ppt_x</p:attrName>
+                                        </p:attrNameLst>
+                                      </p:cBhvr>
+                                      <p:tavLst>
+                                        <p:tav tm="0">
+                                          <p:val>
+                                            <p:strVal val="ppt_x"/>
+                                          </p:val>
+                                        </p:tav>
+                                        <p:tav tm="100000">
+                                          <p:val>
+                                            <p:strVal val="ppt_x"/>
+                                          </p:val>
+                                        </p:tav>
+                                      </p:tavLst>
+                                    </p:anim>
+                                    <p:anim calcmode="lin" valueType="num">
+                                      <p:cBhvr additive="base">
+                                        <p:cTn id="36" dur="500"/>
+                                        <p:tgtEl>
+                                          <p:spTgt spid="1028"/>
+                                        </p:tgtEl>
+                                        <p:attrNameLst>
+                                          <p:attrName>ppt_y</p:attrName>
+                                        </p:attrNameLst>
+                                      </p:cBhvr>
+                                      <p:tavLst>
+                                        <p:tav tm="0">
+                                          <p:val>
+                                            <p:strVal val="ppt_y"/>
+                                          </p:val>
+                                        </p:tav>
+                                        <p:tav tm="100000">
+                                          <p:val>
+                                            <p:strVal val="1+ppt_h/2"/>
+                                          </p:val>
+                                        </p:tav>
+                                      </p:tavLst>
+                                    </p:anim>
+                                    <p:set>
+                                      <p:cBhvr>
+                                        <p:cTn id="37" dur="1" fill="hold">
+                                          <p:stCondLst>
+                                            <p:cond delay="499"/>
+                                          </p:stCondLst>
+                                        </p:cTn>
+                                        <p:tgtEl>
+                                          <p:spTgt spid="1028"/>
+                                        </p:tgtEl>
+                                        <p:attrNameLst>
+                                          <p:attrName>style.visibility</p:attrName>
+                                        </p:attrNameLst>
+                                      </p:cBhvr>
+                                      <p:to>
+                                        <p:strVal val="hidden"/>
+                                      </p:to>
+                                    </p:set>
+                                  </p:childTnLst>
+                                </p:cTn>
+                              </p:par>
+                            </p:childTnLst>
+                          </p:cTn>
+                        </p:par>
+                        <p:par>
+                          <p:cTn id="38" fill="hold">
+                            <p:stCondLst>
+                              <p:cond delay="500"/>
+                            </p:stCondLst>
+                            <p:childTnLst>
+                              <p:par>
+                                <p:cTn id="39" presetID="42" presetClass="entr" presetSubtype="0" fill="hold" nodeType="afterEffect">
+                                  <p:stCondLst>
+                                    <p:cond delay="0"/>
+                                  </p:stCondLst>
+                                  <p:childTnLst>
+                                    <p:set>
+                                      <p:cBhvr>
+                                        <p:cTn id="40" dur="1" fill="hold">
+                                          <p:stCondLst>
+                                            <p:cond delay="0"/>
+                                          </p:stCondLst>
+                                        </p:cTn>
+                                        <p:tgtEl>
+                                          <p:spTgt spid="2">
+                                            <p:txEl>
+                                              <p:pRg st="4" end="4"/>
+                                            </p:txEl>
+                                          </p:spTgt>
+                                        </p:tgtEl>
+                                        <p:attrNameLst>
+                                          <p:attrName>style.visibility</p:attrName>
+                                        </p:attrNameLst>
+                                      </p:cBhvr>
+                                      <p:to>
+                                        <p:strVal val="visible"/>
+                                      </p:to>
+                                    </p:set>
+                                    <p:animEffect transition="in" filter="fade">
+                                      <p:cBhvr>
+                                        <p:cTn id="41" dur="1000"/>
+                                        <p:tgtEl>
+                                          <p:spTgt spid="2">
+                                            <p:txEl>
+                                              <p:pRg st="4" end="4"/>
+                                            </p:txEl>
+                                          </p:spTgt>
+                                        </p:tgtEl>
+                                      </p:cBhvr>
+                                    </p:animEffect>
+                                    <p:anim calcmode="lin" valueType="num">
+                                      <p:cBhvr>
+                                        <p:cTn id="42" dur="1000" fill="hold"/>
+                                        <p:tgtEl>
+                                          <p:spTgt spid="2">
+                                            <p:txEl>
+                                              <p:pRg st="4" end="4"/>
+                                            </p:txEl>
+                                          </p:spTgt>
+                                        </p:tgtEl>
+                                        <p:attrNameLst>
+                                          <p:attrName>ppt_x</p:attrName>
+                                        </p:attrNameLst>
+                                      </p:cBhvr>
+                                      <p:tavLst>
+                                        <p:tav tm="0">
+                                          <p:val>
+                                            <p:strVal val="#ppt_x"/>
+                                          </p:val>
+                                        </p:tav>
+                                        <p:tav tm="100000">
+                                          <p:val>
+                                            <p:strVal val="#ppt_x"/>
+                                          </p:val>
+                                        </p:tav>
+                                      </p:tavLst>
+                                    </p:anim>
+                                    <p:anim calcmode="lin" valueType="num">
+                                      <p:cBhvr>
+                                        <p:cTn id="43" dur="1000" fill="hold"/>
+                                        <p:tgtEl>
+                                          <p:spTgt spid="2">
+                                            <p:txEl>
+                                              <p:pRg st="4" end="4"/>
+                                            </p:txEl>
+                                          </p:spTgt>
+                                        </p:tgtEl>
+                                        <p:attrNameLst>
+                                          <p:attrName>ppt_y</p:attrName>
+                                        </p:attrNameLst>
+                                      </p:cBhvr>
+                                      <p:tavLst>
+                                        <p:tav tm="0">
+                                          <p:val>
+                                            <p:strVal val="#ppt_y+.1"/>
+                                          </p:val>
+                                        </p:tav>
+                                        <p:tav tm="100000">
+                                          <p:val>
+                                            <p:strVal val="#ppt_y"/>
+                                          </p:val>
+                                        </p:tav>
+                                      </p:tavLst>
+                                    </p:anim>
+                                  </p:childTnLst>
+                                </p:cTn>
+                              </p:par>
+                              <p:par>
+                                <p:cTn id="44" presetID="42" presetClass="entr" presetSubtype="0" fill="hold" nodeType="withEffect">
+                                  <p:stCondLst>
+                                    <p:cond delay="0"/>
+                                  </p:stCondLst>
+                                  <p:childTnLst>
+                                    <p:set>
+                                      <p:cBhvr>
+                                        <p:cTn id="45" dur="1" fill="hold">
+                                          <p:stCondLst>
+                                            <p:cond delay="0"/>
+                                          </p:stCondLst>
+                                        </p:cTn>
+                                        <p:tgtEl>
+                                          <p:spTgt spid="1030"/>
+                                        </p:tgtEl>
+                                        <p:attrNameLst>
+                                          <p:attrName>style.visibility</p:attrName>
+                                        </p:attrNameLst>
+                                      </p:cBhvr>
+                                      <p:to>
+                                        <p:strVal val="visible"/>
+                                      </p:to>
+                                    </p:set>
+                                    <p:animEffect transition="in" filter="fade">
+                                      <p:cBhvr>
+                                        <p:cTn id="46" dur="1000"/>
+                                        <p:tgtEl>
+                                          <p:spTgt spid="1030"/>
+                                        </p:tgtEl>
+                                      </p:cBhvr>
+                                    </p:animEffect>
+                                    <p:anim calcmode="lin" valueType="num">
+                                      <p:cBhvr>
+                                        <p:cTn id="47" dur="1000" fill="hold"/>
+                                        <p:tgtEl>
+                                          <p:spTgt spid="1030"/>
+                                        </p:tgtEl>
+                                        <p:attrNameLst>
+                                          <p:attrName>ppt_x</p:attrName>
+                                        </p:attrNameLst>
+                                      </p:cBhvr>
+                                      <p:tavLst>
+                                        <p:tav tm="0">
+                                          <p:val>
+                                            <p:strVal val="#ppt_x"/>
+                                          </p:val>
+                                        </p:tav>
+                                        <p:tav tm="100000">
+                                          <p:val>
+                                            <p:strVal val="#ppt_x"/>
+                                          </p:val>
+                                        </p:tav>
+                                      </p:tavLst>
+                                    </p:anim>
+                                    <p:anim calcmode="lin" valueType="num">
+                                      <p:cBhvr>
+                                        <p:cTn id="48" dur="1000" fill="hold"/>
+                                        <p:tgtEl>
+                                          <p:spTgt spid="1030"/>
+                                        </p:tgtEl>
+                                        <p:attrNameLst>
+                                          <p:attrName>ppt_y</p:attrName>
+                                        </p:attrNameLst>
+                                      </p:cBhvr>
+                                      <p:tavLst>
+                                        <p:tav tm="0">
+                                          <p:val>
+                                            <p:strVal val="#ppt_y+.1"/>
+                                          </p:val>
+                                        </p:tav>
+                                        <p:tav tm="100000">
+                                          <p:val>
+                                            <p:strVal val="#ppt_y"/>
+                                          </p:val>
+                                        </p:tav>
+                                      </p:tavLst>
+                                    </p:anim>
+                                  </p:childTnLst>
+                                </p:cTn>
+                              </p:par>
+                            </p:childTnLst>
+                          </p:cTn>
+                        </p:par>
+                      </p:childTnLst>
+                    </p:cTn>
+                  </p:par>
+                </p:childTnLst>
+              </p:cTn>
+              <p:prevCondLst>
+                <p:cond evt="onPrev" delay="0">
+                  <p:tgtEl>
+                    <p:sldTgt/>
+                  </p:tgtEl>
+                </p:cond>
+              </p:prevCondLst>
+              <p:nextCondLst>
+                <p:cond evt="onNext" delay="0">
+                  <p:tgtEl>
+                    <p:sldTgt/>
+                  </p:tgtEl>
+                </p:cond>
+              </p:nextCondLst>
+            </p:seq>
+          </p:childTnLst>
+        </p:cTn>
+      </p:par>
+    </p:tnLst>
+  </p:timing>
 </p:sld>
 </file>
 
@@ -6275,7 +8752,7 @@
               <a:buChar char="•"/>
             </a:pPr>
             <a:r>
-              <a:rPr lang="it-IT" sz="1800" dirty="0"/>
+              <a:rPr lang="it-IT" sz="1800" dirty="0" smtClean="0"/>
               <a:t>Modello realizzativo associativo</a:t>
             </a:r>
           </a:p>
@@ -6368,7 +8845,7 @@
           <p:cNvPr id="4" name="Immagine 3" descr="Immagine che contiene screenshot&#10;&#10;Descrizione generata automaticamente">
             <a:extLst>
               <a:ext uri="{FF2B5EF4-FFF2-40B4-BE49-F238E27FC236}">
-                <a16:creationId xmlns:a16="http://schemas.microsoft.com/office/drawing/2014/main" id="{35FA4F92-B899-484D-95BF-5B216A6A1C7F}"/>
+                <a16:creationId xmlns:a16="http://schemas.microsoft.com/office/drawing/2014/main" xmlns="" id="{35FA4F92-B899-484D-95BF-5B216A6A1C7F}"/>
               </a:ext>
             </a:extLst>
           </p:cNvPr>
@@ -6398,6 +8875,170 @@
           </a:ln>
         </p:spPr>
       </p:pic>
+      <p:pic>
+        <p:nvPicPr>
+          <p:cNvPr id="2050" name="Picture 2" descr="Idea Think Thinking Man Svg Png Icon Free Download ..."/>
+          <p:cNvPicPr>
+            <a:picLocks noChangeAspect="1" noChangeArrowheads="1"/>
+          </p:cNvPicPr>
+          <p:nvPr/>
+        </p:nvPicPr>
+        <p:blipFill>
+          <a:blip r:embed="rId3">
+            <a:extLst>
+              <a:ext uri="{28A0092B-C50C-407E-A947-70E740481C1C}">
+                <a14:useLocalDpi xmlns:a14="http://schemas.microsoft.com/office/drawing/2010/main" val="0"/>
+              </a:ext>
+            </a:extLst>
+          </a:blip>
+          <a:srcRect/>
+          <a:stretch>
+            <a:fillRect/>
+          </a:stretch>
+        </p:blipFill>
+        <p:spPr bwMode="auto">
+          <a:xfrm>
+            <a:off x="5172722" y="2204864"/>
+            <a:ext cx="3141812" cy="3141812"/>
+          </a:xfrm>
+          <a:prstGeom prst="rect">
+            <a:avLst/>
+          </a:prstGeom>
+          <a:noFill/>
+          <a:extLst>
+            <a:ext uri="{909E8E84-426E-40DD-AFC4-6F175D3DCCD1}">
+              <a14:hiddenFill xmlns:a14="http://schemas.microsoft.com/office/drawing/2010/main">
+                <a:solidFill>
+                  <a:srgbClr val="FFFFFF"/>
+                </a:solidFill>
+              </a14:hiddenFill>
+            </a:ext>
+          </a:extLst>
+        </p:spPr>
+      </p:pic>
+      <p:pic>
+        <p:nvPicPr>
+          <p:cNvPr id="2052" name="Picture 4" descr="IcÃ´ne Dentreprise, de la hierarchie, un arbre, une societe ..."/>
+          <p:cNvPicPr>
+            <a:picLocks noChangeAspect="1" noChangeArrowheads="1"/>
+          </p:cNvPicPr>
+          <p:nvPr/>
+        </p:nvPicPr>
+        <p:blipFill>
+          <a:blip r:embed="rId4">
+            <a:extLst>
+              <a:ext uri="{28A0092B-C50C-407E-A947-70E740481C1C}">
+                <a14:useLocalDpi xmlns:a14="http://schemas.microsoft.com/office/drawing/2010/main" val="0"/>
+              </a:ext>
+            </a:extLst>
+          </a:blip>
+          <a:srcRect/>
+          <a:stretch>
+            <a:fillRect/>
+          </a:stretch>
+        </p:blipFill>
+        <p:spPr bwMode="auto">
+          <a:xfrm>
+            <a:off x="5003107" y="1916831"/>
+            <a:ext cx="3652664" cy="3652665"/>
+          </a:xfrm>
+          <a:prstGeom prst="rect">
+            <a:avLst/>
+          </a:prstGeom>
+          <a:noFill/>
+          <a:extLst>
+            <a:ext uri="{909E8E84-426E-40DD-AFC4-6F175D3DCCD1}">
+              <a14:hiddenFill xmlns:a14="http://schemas.microsoft.com/office/drawing/2010/main">
+                <a:solidFill>
+                  <a:srgbClr val="FFFFFF"/>
+                </a:solidFill>
+              </a14:hiddenFill>
+            </a:ext>
+          </a:extLst>
+        </p:spPr>
+      </p:pic>
+      <p:pic>
+        <p:nvPicPr>
+          <p:cNvPr id="2054" name="Picture 6" descr="Luca Bonuccelli: Il tessuto associativo in C.R."/>
+          <p:cNvPicPr>
+            <a:picLocks noChangeAspect="1" noChangeArrowheads="1"/>
+          </p:cNvPicPr>
+          <p:nvPr/>
+        </p:nvPicPr>
+        <p:blipFill>
+          <a:blip r:embed="rId5">
+            <a:extLst>
+              <a:ext uri="{28A0092B-C50C-407E-A947-70E740481C1C}">
+                <a14:useLocalDpi xmlns:a14="http://schemas.microsoft.com/office/drawing/2010/main" val="0"/>
+              </a:ext>
+            </a:extLst>
+          </a:blip>
+          <a:srcRect/>
+          <a:stretch>
+            <a:fillRect/>
+          </a:stretch>
+        </p:blipFill>
+        <p:spPr bwMode="auto">
+          <a:xfrm>
+            <a:off x="4139952" y="4123404"/>
+            <a:ext cx="4039161" cy="2116521"/>
+          </a:xfrm>
+          <a:prstGeom prst="rect">
+            <a:avLst/>
+          </a:prstGeom>
+          <a:noFill/>
+          <a:extLst>
+            <a:ext uri="{909E8E84-426E-40DD-AFC4-6F175D3DCCD1}">
+              <a14:hiddenFill xmlns:a14="http://schemas.microsoft.com/office/drawing/2010/main">
+                <a:solidFill>
+                  <a:srgbClr val="FFFFFF"/>
+                </a:solidFill>
+              </a14:hiddenFill>
+            </a:ext>
+          </a:extLst>
+        </p:spPr>
+      </p:pic>
+      <p:pic>
+        <p:nvPicPr>
+          <p:cNvPr id="2056" name="Picture 8" descr="Man Using Computer PNG Transparent Man Using Computer.PNG ..."/>
+          <p:cNvPicPr>
+            <a:picLocks noChangeAspect="1" noChangeArrowheads="1"/>
+          </p:cNvPicPr>
+          <p:nvPr/>
+        </p:nvPicPr>
+        <p:blipFill>
+          <a:blip r:embed="rId6">
+            <a:extLst>
+              <a:ext uri="{28A0092B-C50C-407E-A947-70E740481C1C}">
+                <a14:useLocalDpi xmlns:a14="http://schemas.microsoft.com/office/drawing/2010/main" val="0"/>
+              </a:ext>
+            </a:extLst>
+          </a:blip>
+          <a:srcRect/>
+          <a:stretch>
+            <a:fillRect/>
+          </a:stretch>
+        </p:blipFill>
+        <p:spPr bwMode="auto">
+          <a:xfrm>
+            <a:off x="4701030" y="3576006"/>
+            <a:ext cx="2917004" cy="2698229"/>
+          </a:xfrm>
+          <a:prstGeom prst="rect">
+            <a:avLst/>
+          </a:prstGeom>
+          <a:noFill/>
+          <a:extLst>
+            <a:ext uri="{909E8E84-426E-40DD-AFC4-6F175D3DCCD1}">
+              <a14:hiddenFill xmlns:a14="http://schemas.microsoft.com/office/drawing/2010/main">
+                <a:solidFill>
+                  <a:srgbClr val="FFFFFF"/>
+                </a:solidFill>
+              </a14:hiddenFill>
+            </a:ext>
+          </a:extLst>
+        </p:spPr>
+      </p:pic>
     </p:spTree>
     <p:extLst>
       <p:ext uri="{BB962C8B-B14F-4D97-AF65-F5344CB8AC3E}">
@@ -6408,6 +9049,1350 @@
   <p:clrMapOvr>
     <a:masterClrMapping/>
   </p:clrMapOvr>
+  <p:transition spd="slow">
+    <p:wipe/>
+  </p:transition>
+  <p:timing>
+    <p:tnLst>
+      <p:par>
+        <p:cTn id="1" dur="indefinite" restart="never" nodeType="tmRoot">
+          <p:childTnLst>
+            <p:seq concurrent="1" nextAc="seek">
+              <p:cTn id="2" dur="indefinite" nodeType="mainSeq">
+                <p:childTnLst>
+                  <p:par>
+                    <p:cTn id="3" fill="hold">
+                      <p:stCondLst>
+                        <p:cond delay="indefinite"/>
+                        <p:cond evt="onBegin" delay="0">
+                          <p:tn val="2"/>
+                        </p:cond>
+                      </p:stCondLst>
+                      <p:childTnLst>
+                        <p:par>
+                          <p:cTn id="4" fill="hold">
+                            <p:stCondLst>
+                              <p:cond delay="0"/>
+                            </p:stCondLst>
+                            <p:childTnLst>
+                              <p:par>
+                                <p:cTn id="5" presetID="42" presetClass="entr" presetSubtype="0" fill="hold" nodeType="withEffect">
+                                  <p:stCondLst>
+                                    <p:cond delay="0"/>
+                                  </p:stCondLst>
+                                  <p:childTnLst>
+                                    <p:set>
+                                      <p:cBhvr>
+                                        <p:cTn id="6" dur="1" fill="hold">
+                                          <p:stCondLst>
+                                            <p:cond delay="0"/>
+                                          </p:stCondLst>
+                                        </p:cTn>
+                                        <p:tgtEl>
+                                          <p:spTgt spid="2050"/>
+                                        </p:tgtEl>
+                                        <p:attrNameLst>
+                                          <p:attrName>style.visibility</p:attrName>
+                                        </p:attrNameLst>
+                                      </p:cBhvr>
+                                      <p:to>
+                                        <p:strVal val="visible"/>
+                                      </p:to>
+                                    </p:set>
+                                    <p:animEffect transition="in" filter="fade">
+                                      <p:cBhvr>
+                                        <p:cTn id="7" dur="1000"/>
+                                        <p:tgtEl>
+                                          <p:spTgt spid="2050"/>
+                                        </p:tgtEl>
+                                      </p:cBhvr>
+                                    </p:animEffect>
+                                    <p:anim calcmode="lin" valueType="num">
+                                      <p:cBhvr>
+                                        <p:cTn id="8" dur="1000" fill="hold"/>
+                                        <p:tgtEl>
+                                          <p:spTgt spid="2050"/>
+                                        </p:tgtEl>
+                                        <p:attrNameLst>
+                                          <p:attrName>ppt_x</p:attrName>
+                                        </p:attrNameLst>
+                                      </p:cBhvr>
+                                      <p:tavLst>
+                                        <p:tav tm="0">
+                                          <p:val>
+                                            <p:strVal val="#ppt_x"/>
+                                          </p:val>
+                                        </p:tav>
+                                        <p:tav tm="100000">
+                                          <p:val>
+                                            <p:strVal val="#ppt_x"/>
+                                          </p:val>
+                                        </p:tav>
+                                      </p:tavLst>
+                                    </p:anim>
+                                    <p:anim calcmode="lin" valueType="num">
+                                      <p:cBhvr>
+                                        <p:cTn id="9" dur="1000" fill="hold"/>
+                                        <p:tgtEl>
+                                          <p:spTgt spid="2050"/>
+                                        </p:tgtEl>
+                                        <p:attrNameLst>
+                                          <p:attrName>ppt_y</p:attrName>
+                                        </p:attrNameLst>
+                                      </p:cBhvr>
+                                      <p:tavLst>
+                                        <p:tav tm="0">
+                                          <p:val>
+                                            <p:strVal val="#ppt_y+.1"/>
+                                          </p:val>
+                                        </p:tav>
+                                        <p:tav tm="100000">
+                                          <p:val>
+                                            <p:strVal val="#ppt_y"/>
+                                          </p:val>
+                                        </p:tav>
+                                      </p:tavLst>
+                                    </p:anim>
+                                  </p:childTnLst>
+                                </p:cTn>
+                              </p:par>
+                              <p:par>
+                                <p:cTn id="10" presetID="42" presetClass="entr" presetSubtype="0" fill="hold" nodeType="withEffect">
+                                  <p:stCondLst>
+                                    <p:cond delay="0"/>
+                                  </p:stCondLst>
+                                  <p:childTnLst>
+                                    <p:set>
+                                      <p:cBhvr>
+                                        <p:cTn id="11" dur="1" fill="hold">
+                                          <p:stCondLst>
+                                            <p:cond delay="0"/>
+                                          </p:stCondLst>
+                                        </p:cTn>
+                                        <p:tgtEl>
+                                          <p:spTgt spid="2">
+                                            <p:txEl>
+                                              <p:pRg st="0" end="0"/>
+                                            </p:txEl>
+                                          </p:spTgt>
+                                        </p:tgtEl>
+                                        <p:attrNameLst>
+                                          <p:attrName>style.visibility</p:attrName>
+                                        </p:attrNameLst>
+                                      </p:cBhvr>
+                                      <p:to>
+                                        <p:strVal val="visible"/>
+                                      </p:to>
+                                    </p:set>
+                                    <p:animEffect transition="in" filter="fade">
+                                      <p:cBhvr>
+                                        <p:cTn id="12" dur="1000"/>
+                                        <p:tgtEl>
+                                          <p:spTgt spid="2">
+                                            <p:txEl>
+                                              <p:pRg st="0" end="0"/>
+                                            </p:txEl>
+                                          </p:spTgt>
+                                        </p:tgtEl>
+                                      </p:cBhvr>
+                                    </p:animEffect>
+                                    <p:anim calcmode="lin" valueType="num">
+                                      <p:cBhvr>
+                                        <p:cTn id="13" dur="1000" fill="hold"/>
+                                        <p:tgtEl>
+                                          <p:spTgt spid="2">
+                                            <p:txEl>
+                                              <p:pRg st="0" end="0"/>
+                                            </p:txEl>
+                                          </p:spTgt>
+                                        </p:tgtEl>
+                                        <p:attrNameLst>
+                                          <p:attrName>ppt_x</p:attrName>
+                                        </p:attrNameLst>
+                                      </p:cBhvr>
+                                      <p:tavLst>
+                                        <p:tav tm="0">
+                                          <p:val>
+                                            <p:strVal val="#ppt_x"/>
+                                          </p:val>
+                                        </p:tav>
+                                        <p:tav tm="100000">
+                                          <p:val>
+                                            <p:strVal val="#ppt_x"/>
+                                          </p:val>
+                                        </p:tav>
+                                      </p:tavLst>
+                                    </p:anim>
+                                    <p:anim calcmode="lin" valueType="num">
+                                      <p:cBhvr>
+                                        <p:cTn id="14" dur="1000" fill="hold"/>
+                                        <p:tgtEl>
+                                          <p:spTgt spid="2">
+                                            <p:txEl>
+                                              <p:pRg st="0" end="0"/>
+                                            </p:txEl>
+                                          </p:spTgt>
+                                        </p:tgtEl>
+                                        <p:attrNameLst>
+                                          <p:attrName>ppt_y</p:attrName>
+                                        </p:attrNameLst>
+                                      </p:cBhvr>
+                                      <p:tavLst>
+                                        <p:tav tm="0">
+                                          <p:val>
+                                            <p:strVal val="#ppt_y+.1"/>
+                                          </p:val>
+                                        </p:tav>
+                                        <p:tav tm="100000">
+                                          <p:val>
+                                            <p:strVal val="#ppt_y"/>
+                                          </p:val>
+                                        </p:tav>
+                                      </p:tavLst>
+                                    </p:anim>
+                                  </p:childTnLst>
+                                </p:cTn>
+                              </p:par>
+                            </p:childTnLst>
+                          </p:cTn>
+                        </p:par>
+                      </p:childTnLst>
+                    </p:cTn>
+                  </p:par>
+                  <p:par>
+                    <p:cTn id="15" fill="hold">
+                      <p:stCondLst>
+                        <p:cond delay="indefinite"/>
+                      </p:stCondLst>
+                      <p:childTnLst>
+                        <p:par>
+                          <p:cTn id="16" fill="hold">
+                            <p:stCondLst>
+                              <p:cond delay="0"/>
+                            </p:stCondLst>
+                            <p:childTnLst>
+                              <p:par>
+                                <p:cTn id="17" presetID="2" presetClass="exit" presetSubtype="4" fill="hold" nodeType="clickEffect">
+                                  <p:stCondLst>
+                                    <p:cond delay="0"/>
+                                  </p:stCondLst>
+                                  <p:childTnLst>
+                                    <p:anim calcmode="lin" valueType="num">
+                                      <p:cBhvr additive="base">
+                                        <p:cTn id="18" dur="500"/>
+                                        <p:tgtEl>
+                                          <p:spTgt spid="2050"/>
+                                        </p:tgtEl>
+                                        <p:attrNameLst>
+                                          <p:attrName>ppt_x</p:attrName>
+                                        </p:attrNameLst>
+                                      </p:cBhvr>
+                                      <p:tavLst>
+                                        <p:tav tm="0">
+                                          <p:val>
+                                            <p:strVal val="ppt_x"/>
+                                          </p:val>
+                                        </p:tav>
+                                        <p:tav tm="100000">
+                                          <p:val>
+                                            <p:strVal val="ppt_x"/>
+                                          </p:val>
+                                        </p:tav>
+                                      </p:tavLst>
+                                    </p:anim>
+                                    <p:anim calcmode="lin" valueType="num">
+                                      <p:cBhvr additive="base">
+                                        <p:cTn id="19" dur="500"/>
+                                        <p:tgtEl>
+                                          <p:spTgt spid="2050"/>
+                                        </p:tgtEl>
+                                        <p:attrNameLst>
+                                          <p:attrName>ppt_y</p:attrName>
+                                        </p:attrNameLst>
+                                      </p:cBhvr>
+                                      <p:tavLst>
+                                        <p:tav tm="0">
+                                          <p:val>
+                                            <p:strVal val="ppt_y"/>
+                                          </p:val>
+                                        </p:tav>
+                                        <p:tav tm="100000">
+                                          <p:val>
+                                            <p:strVal val="1+ppt_h/2"/>
+                                          </p:val>
+                                        </p:tav>
+                                      </p:tavLst>
+                                    </p:anim>
+                                    <p:set>
+                                      <p:cBhvr>
+                                        <p:cTn id="20" dur="1" fill="hold">
+                                          <p:stCondLst>
+                                            <p:cond delay="499"/>
+                                          </p:stCondLst>
+                                        </p:cTn>
+                                        <p:tgtEl>
+                                          <p:spTgt spid="2050"/>
+                                        </p:tgtEl>
+                                        <p:attrNameLst>
+                                          <p:attrName>style.visibility</p:attrName>
+                                        </p:attrNameLst>
+                                      </p:cBhvr>
+                                      <p:to>
+                                        <p:strVal val="hidden"/>
+                                      </p:to>
+                                    </p:set>
+                                  </p:childTnLst>
+                                </p:cTn>
+                              </p:par>
+                            </p:childTnLst>
+                          </p:cTn>
+                        </p:par>
+                        <p:par>
+                          <p:cTn id="21" fill="hold">
+                            <p:stCondLst>
+                              <p:cond delay="500"/>
+                            </p:stCondLst>
+                            <p:childTnLst>
+                              <p:par>
+                                <p:cTn id="22" presetID="42" presetClass="entr" presetSubtype="0" fill="hold" nodeType="afterEffect">
+                                  <p:stCondLst>
+                                    <p:cond delay="0"/>
+                                  </p:stCondLst>
+                                  <p:childTnLst>
+                                    <p:set>
+                                      <p:cBhvr>
+                                        <p:cTn id="23" dur="1" fill="hold">
+                                          <p:stCondLst>
+                                            <p:cond delay="0"/>
+                                          </p:stCondLst>
+                                        </p:cTn>
+                                        <p:tgtEl>
+                                          <p:spTgt spid="2052"/>
+                                        </p:tgtEl>
+                                        <p:attrNameLst>
+                                          <p:attrName>style.visibility</p:attrName>
+                                        </p:attrNameLst>
+                                      </p:cBhvr>
+                                      <p:to>
+                                        <p:strVal val="visible"/>
+                                      </p:to>
+                                    </p:set>
+                                    <p:animEffect transition="in" filter="fade">
+                                      <p:cBhvr>
+                                        <p:cTn id="24" dur="1000"/>
+                                        <p:tgtEl>
+                                          <p:spTgt spid="2052"/>
+                                        </p:tgtEl>
+                                      </p:cBhvr>
+                                    </p:animEffect>
+                                    <p:anim calcmode="lin" valueType="num">
+                                      <p:cBhvr>
+                                        <p:cTn id="25" dur="1000" fill="hold"/>
+                                        <p:tgtEl>
+                                          <p:spTgt spid="2052"/>
+                                        </p:tgtEl>
+                                        <p:attrNameLst>
+                                          <p:attrName>ppt_x</p:attrName>
+                                        </p:attrNameLst>
+                                      </p:cBhvr>
+                                      <p:tavLst>
+                                        <p:tav tm="0">
+                                          <p:val>
+                                            <p:strVal val="#ppt_x"/>
+                                          </p:val>
+                                        </p:tav>
+                                        <p:tav tm="100000">
+                                          <p:val>
+                                            <p:strVal val="#ppt_x"/>
+                                          </p:val>
+                                        </p:tav>
+                                      </p:tavLst>
+                                    </p:anim>
+                                    <p:anim calcmode="lin" valueType="num">
+                                      <p:cBhvr>
+                                        <p:cTn id="26" dur="1000" fill="hold"/>
+                                        <p:tgtEl>
+                                          <p:spTgt spid="2052"/>
+                                        </p:tgtEl>
+                                        <p:attrNameLst>
+                                          <p:attrName>ppt_y</p:attrName>
+                                        </p:attrNameLst>
+                                      </p:cBhvr>
+                                      <p:tavLst>
+                                        <p:tav tm="0">
+                                          <p:val>
+                                            <p:strVal val="#ppt_y+.1"/>
+                                          </p:val>
+                                        </p:tav>
+                                        <p:tav tm="100000">
+                                          <p:val>
+                                            <p:strVal val="#ppt_y"/>
+                                          </p:val>
+                                        </p:tav>
+                                      </p:tavLst>
+                                    </p:anim>
+                                  </p:childTnLst>
+                                </p:cTn>
+                              </p:par>
+                              <p:par>
+                                <p:cTn id="27" presetID="42" presetClass="entr" presetSubtype="0" fill="hold" nodeType="withEffect">
+                                  <p:stCondLst>
+                                    <p:cond delay="0"/>
+                                  </p:stCondLst>
+                                  <p:childTnLst>
+                                    <p:set>
+                                      <p:cBhvr>
+                                        <p:cTn id="28" dur="1" fill="hold">
+                                          <p:stCondLst>
+                                            <p:cond delay="0"/>
+                                          </p:stCondLst>
+                                        </p:cTn>
+                                        <p:tgtEl>
+                                          <p:spTgt spid="2">
+                                            <p:txEl>
+                                              <p:pRg st="2" end="2"/>
+                                            </p:txEl>
+                                          </p:spTgt>
+                                        </p:tgtEl>
+                                        <p:attrNameLst>
+                                          <p:attrName>style.visibility</p:attrName>
+                                        </p:attrNameLst>
+                                      </p:cBhvr>
+                                      <p:to>
+                                        <p:strVal val="visible"/>
+                                      </p:to>
+                                    </p:set>
+                                    <p:animEffect transition="in" filter="fade">
+                                      <p:cBhvr>
+                                        <p:cTn id="29" dur="1000"/>
+                                        <p:tgtEl>
+                                          <p:spTgt spid="2">
+                                            <p:txEl>
+                                              <p:pRg st="2" end="2"/>
+                                            </p:txEl>
+                                          </p:spTgt>
+                                        </p:tgtEl>
+                                      </p:cBhvr>
+                                    </p:animEffect>
+                                    <p:anim calcmode="lin" valueType="num">
+                                      <p:cBhvr>
+                                        <p:cTn id="30" dur="1000" fill="hold"/>
+                                        <p:tgtEl>
+                                          <p:spTgt spid="2">
+                                            <p:txEl>
+                                              <p:pRg st="2" end="2"/>
+                                            </p:txEl>
+                                          </p:spTgt>
+                                        </p:tgtEl>
+                                        <p:attrNameLst>
+                                          <p:attrName>ppt_x</p:attrName>
+                                        </p:attrNameLst>
+                                      </p:cBhvr>
+                                      <p:tavLst>
+                                        <p:tav tm="0">
+                                          <p:val>
+                                            <p:strVal val="#ppt_x"/>
+                                          </p:val>
+                                        </p:tav>
+                                        <p:tav tm="100000">
+                                          <p:val>
+                                            <p:strVal val="#ppt_x"/>
+                                          </p:val>
+                                        </p:tav>
+                                      </p:tavLst>
+                                    </p:anim>
+                                    <p:anim calcmode="lin" valueType="num">
+                                      <p:cBhvr>
+                                        <p:cTn id="31" dur="1000" fill="hold"/>
+                                        <p:tgtEl>
+                                          <p:spTgt spid="2">
+                                            <p:txEl>
+                                              <p:pRg st="2" end="2"/>
+                                            </p:txEl>
+                                          </p:spTgt>
+                                        </p:tgtEl>
+                                        <p:attrNameLst>
+                                          <p:attrName>ppt_y</p:attrName>
+                                        </p:attrNameLst>
+                                      </p:cBhvr>
+                                      <p:tavLst>
+                                        <p:tav tm="0">
+                                          <p:val>
+                                            <p:strVal val="#ppt_y+.1"/>
+                                          </p:val>
+                                        </p:tav>
+                                        <p:tav tm="100000">
+                                          <p:val>
+                                            <p:strVal val="#ppt_y"/>
+                                          </p:val>
+                                        </p:tav>
+                                      </p:tavLst>
+                                    </p:anim>
+                                  </p:childTnLst>
+                                </p:cTn>
+                              </p:par>
+                            </p:childTnLst>
+                          </p:cTn>
+                        </p:par>
+                      </p:childTnLst>
+                    </p:cTn>
+                  </p:par>
+                  <p:par>
+                    <p:cTn id="32" fill="hold">
+                      <p:stCondLst>
+                        <p:cond delay="indefinite"/>
+                      </p:stCondLst>
+                      <p:childTnLst>
+                        <p:par>
+                          <p:cTn id="33" fill="hold">
+                            <p:stCondLst>
+                              <p:cond delay="0"/>
+                            </p:stCondLst>
+                            <p:childTnLst>
+                              <p:par>
+                                <p:cTn id="34" presetID="2" presetClass="exit" presetSubtype="4" fill="hold" nodeType="clickEffect">
+                                  <p:stCondLst>
+                                    <p:cond delay="0"/>
+                                  </p:stCondLst>
+                                  <p:childTnLst>
+                                    <p:anim calcmode="lin" valueType="num">
+                                      <p:cBhvr additive="base">
+                                        <p:cTn id="35" dur="500"/>
+                                        <p:tgtEl>
+                                          <p:spTgt spid="2052"/>
+                                        </p:tgtEl>
+                                        <p:attrNameLst>
+                                          <p:attrName>ppt_x</p:attrName>
+                                        </p:attrNameLst>
+                                      </p:cBhvr>
+                                      <p:tavLst>
+                                        <p:tav tm="0">
+                                          <p:val>
+                                            <p:strVal val="ppt_x"/>
+                                          </p:val>
+                                        </p:tav>
+                                        <p:tav tm="100000">
+                                          <p:val>
+                                            <p:strVal val="ppt_x"/>
+                                          </p:val>
+                                        </p:tav>
+                                      </p:tavLst>
+                                    </p:anim>
+                                    <p:anim calcmode="lin" valueType="num">
+                                      <p:cBhvr additive="base">
+                                        <p:cTn id="36" dur="500"/>
+                                        <p:tgtEl>
+                                          <p:spTgt spid="2052"/>
+                                        </p:tgtEl>
+                                        <p:attrNameLst>
+                                          <p:attrName>ppt_y</p:attrName>
+                                        </p:attrNameLst>
+                                      </p:cBhvr>
+                                      <p:tavLst>
+                                        <p:tav tm="0">
+                                          <p:val>
+                                            <p:strVal val="ppt_y"/>
+                                          </p:val>
+                                        </p:tav>
+                                        <p:tav tm="100000">
+                                          <p:val>
+                                            <p:strVal val="1+ppt_h/2"/>
+                                          </p:val>
+                                        </p:tav>
+                                      </p:tavLst>
+                                    </p:anim>
+                                    <p:set>
+                                      <p:cBhvr>
+                                        <p:cTn id="37" dur="1" fill="hold">
+                                          <p:stCondLst>
+                                            <p:cond delay="499"/>
+                                          </p:stCondLst>
+                                        </p:cTn>
+                                        <p:tgtEl>
+                                          <p:spTgt spid="2052"/>
+                                        </p:tgtEl>
+                                        <p:attrNameLst>
+                                          <p:attrName>style.visibility</p:attrName>
+                                        </p:attrNameLst>
+                                      </p:cBhvr>
+                                      <p:to>
+                                        <p:strVal val="hidden"/>
+                                      </p:to>
+                                    </p:set>
+                                  </p:childTnLst>
+                                </p:cTn>
+                              </p:par>
+                            </p:childTnLst>
+                          </p:cTn>
+                        </p:par>
+                        <p:par>
+                          <p:cTn id="38" fill="hold">
+                            <p:stCondLst>
+                              <p:cond delay="500"/>
+                            </p:stCondLst>
+                            <p:childTnLst>
+                              <p:par>
+                                <p:cTn id="39" presetID="42" presetClass="entr" presetSubtype="0" fill="hold" nodeType="afterEffect">
+                                  <p:stCondLst>
+                                    <p:cond delay="0"/>
+                                  </p:stCondLst>
+                                  <p:childTnLst>
+                                    <p:set>
+                                      <p:cBhvr>
+                                        <p:cTn id="40" dur="1" fill="hold">
+                                          <p:stCondLst>
+                                            <p:cond delay="0"/>
+                                          </p:stCondLst>
+                                        </p:cTn>
+                                        <p:tgtEl>
+                                          <p:spTgt spid="2054"/>
+                                        </p:tgtEl>
+                                        <p:attrNameLst>
+                                          <p:attrName>style.visibility</p:attrName>
+                                        </p:attrNameLst>
+                                      </p:cBhvr>
+                                      <p:to>
+                                        <p:strVal val="visible"/>
+                                      </p:to>
+                                    </p:set>
+                                    <p:animEffect transition="in" filter="fade">
+                                      <p:cBhvr>
+                                        <p:cTn id="41" dur="1000"/>
+                                        <p:tgtEl>
+                                          <p:spTgt spid="2054"/>
+                                        </p:tgtEl>
+                                      </p:cBhvr>
+                                    </p:animEffect>
+                                    <p:anim calcmode="lin" valueType="num">
+                                      <p:cBhvr>
+                                        <p:cTn id="42" dur="1000" fill="hold"/>
+                                        <p:tgtEl>
+                                          <p:spTgt spid="2054"/>
+                                        </p:tgtEl>
+                                        <p:attrNameLst>
+                                          <p:attrName>ppt_x</p:attrName>
+                                        </p:attrNameLst>
+                                      </p:cBhvr>
+                                      <p:tavLst>
+                                        <p:tav tm="0">
+                                          <p:val>
+                                            <p:strVal val="#ppt_x"/>
+                                          </p:val>
+                                        </p:tav>
+                                        <p:tav tm="100000">
+                                          <p:val>
+                                            <p:strVal val="#ppt_x"/>
+                                          </p:val>
+                                        </p:tav>
+                                      </p:tavLst>
+                                    </p:anim>
+                                    <p:anim calcmode="lin" valueType="num">
+                                      <p:cBhvr>
+                                        <p:cTn id="43" dur="1000" fill="hold"/>
+                                        <p:tgtEl>
+                                          <p:spTgt spid="2054"/>
+                                        </p:tgtEl>
+                                        <p:attrNameLst>
+                                          <p:attrName>ppt_y</p:attrName>
+                                        </p:attrNameLst>
+                                      </p:cBhvr>
+                                      <p:tavLst>
+                                        <p:tav tm="0">
+                                          <p:val>
+                                            <p:strVal val="#ppt_y+.1"/>
+                                          </p:val>
+                                        </p:tav>
+                                        <p:tav tm="100000">
+                                          <p:val>
+                                            <p:strVal val="#ppt_y"/>
+                                          </p:val>
+                                        </p:tav>
+                                      </p:tavLst>
+                                    </p:anim>
+                                  </p:childTnLst>
+                                </p:cTn>
+                              </p:par>
+                              <p:par>
+                                <p:cTn id="44" presetID="42" presetClass="entr" presetSubtype="0" fill="hold" nodeType="withEffect">
+                                  <p:stCondLst>
+                                    <p:cond delay="0"/>
+                                  </p:stCondLst>
+                                  <p:childTnLst>
+                                    <p:set>
+                                      <p:cBhvr>
+                                        <p:cTn id="45" dur="1" fill="hold">
+                                          <p:stCondLst>
+                                            <p:cond delay="0"/>
+                                          </p:stCondLst>
+                                        </p:cTn>
+                                        <p:tgtEl>
+                                          <p:spTgt spid="2">
+                                            <p:txEl>
+                                              <p:pRg st="4" end="4"/>
+                                            </p:txEl>
+                                          </p:spTgt>
+                                        </p:tgtEl>
+                                        <p:attrNameLst>
+                                          <p:attrName>style.visibility</p:attrName>
+                                        </p:attrNameLst>
+                                      </p:cBhvr>
+                                      <p:to>
+                                        <p:strVal val="visible"/>
+                                      </p:to>
+                                    </p:set>
+                                    <p:animEffect transition="in" filter="fade">
+                                      <p:cBhvr>
+                                        <p:cTn id="46" dur="1000"/>
+                                        <p:tgtEl>
+                                          <p:spTgt spid="2">
+                                            <p:txEl>
+                                              <p:pRg st="4" end="4"/>
+                                            </p:txEl>
+                                          </p:spTgt>
+                                        </p:tgtEl>
+                                      </p:cBhvr>
+                                    </p:animEffect>
+                                    <p:anim calcmode="lin" valueType="num">
+                                      <p:cBhvr>
+                                        <p:cTn id="47" dur="1000" fill="hold"/>
+                                        <p:tgtEl>
+                                          <p:spTgt spid="2">
+                                            <p:txEl>
+                                              <p:pRg st="4" end="4"/>
+                                            </p:txEl>
+                                          </p:spTgt>
+                                        </p:tgtEl>
+                                        <p:attrNameLst>
+                                          <p:attrName>ppt_x</p:attrName>
+                                        </p:attrNameLst>
+                                      </p:cBhvr>
+                                      <p:tavLst>
+                                        <p:tav tm="0">
+                                          <p:val>
+                                            <p:strVal val="#ppt_x"/>
+                                          </p:val>
+                                        </p:tav>
+                                        <p:tav tm="100000">
+                                          <p:val>
+                                            <p:strVal val="#ppt_x"/>
+                                          </p:val>
+                                        </p:tav>
+                                      </p:tavLst>
+                                    </p:anim>
+                                    <p:anim calcmode="lin" valueType="num">
+                                      <p:cBhvr>
+                                        <p:cTn id="48" dur="1000" fill="hold"/>
+                                        <p:tgtEl>
+                                          <p:spTgt spid="2">
+                                            <p:txEl>
+                                              <p:pRg st="4" end="4"/>
+                                            </p:txEl>
+                                          </p:spTgt>
+                                        </p:tgtEl>
+                                        <p:attrNameLst>
+                                          <p:attrName>ppt_y</p:attrName>
+                                        </p:attrNameLst>
+                                      </p:cBhvr>
+                                      <p:tavLst>
+                                        <p:tav tm="0">
+                                          <p:val>
+                                            <p:strVal val="#ppt_y+.1"/>
+                                          </p:val>
+                                        </p:tav>
+                                        <p:tav tm="100000">
+                                          <p:val>
+                                            <p:strVal val="#ppt_y"/>
+                                          </p:val>
+                                        </p:tav>
+                                      </p:tavLst>
+                                    </p:anim>
+                                  </p:childTnLst>
+                                </p:cTn>
+                              </p:par>
+                            </p:childTnLst>
+                          </p:cTn>
+                        </p:par>
+                      </p:childTnLst>
+                    </p:cTn>
+                  </p:par>
+                  <p:par>
+                    <p:cTn id="49" fill="hold">
+                      <p:stCondLst>
+                        <p:cond delay="indefinite"/>
+                      </p:stCondLst>
+                      <p:childTnLst>
+                        <p:par>
+                          <p:cTn id="50" fill="hold">
+                            <p:stCondLst>
+                              <p:cond delay="0"/>
+                            </p:stCondLst>
+                            <p:childTnLst>
+                              <p:par>
+                                <p:cTn id="51" presetID="2" presetClass="exit" presetSubtype="4" fill="hold" nodeType="clickEffect">
+                                  <p:stCondLst>
+                                    <p:cond delay="0"/>
+                                  </p:stCondLst>
+                                  <p:childTnLst>
+                                    <p:anim calcmode="lin" valueType="num">
+                                      <p:cBhvr additive="base">
+                                        <p:cTn id="52" dur="500"/>
+                                        <p:tgtEl>
+                                          <p:spTgt spid="2054"/>
+                                        </p:tgtEl>
+                                        <p:attrNameLst>
+                                          <p:attrName>ppt_x</p:attrName>
+                                        </p:attrNameLst>
+                                      </p:cBhvr>
+                                      <p:tavLst>
+                                        <p:tav tm="0">
+                                          <p:val>
+                                            <p:strVal val="ppt_x"/>
+                                          </p:val>
+                                        </p:tav>
+                                        <p:tav tm="100000">
+                                          <p:val>
+                                            <p:strVal val="ppt_x"/>
+                                          </p:val>
+                                        </p:tav>
+                                      </p:tavLst>
+                                    </p:anim>
+                                    <p:anim calcmode="lin" valueType="num">
+                                      <p:cBhvr additive="base">
+                                        <p:cTn id="53" dur="500"/>
+                                        <p:tgtEl>
+                                          <p:spTgt spid="2054"/>
+                                        </p:tgtEl>
+                                        <p:attrNameLst>
+                                          <p:attrName>ppt_y</p:attrName>
+                                        </p:attrNameLst>
+                                      </p:cBhvr>
+                                      <p:tavLst>
+                                        <p:tav tm="0">
+                                          <p:val>
+                                            <p:strVal val="ppt_y"/>
+                                          </p:val>
+                                        </p:tav>
+                                        <p:tav tm="100000">
+                                          <p:val>
+                                            <p:strVal val="1+ppt_h/2"/>
+                                          </p:val>
+                                        </p:tav>
+                                      </p:tavLst>
+                                    </p:anim>
+                                    <p:set>
+                                      <p:cBhvr>
+                                        <p:cTn id="54" dur="1" fill="hold">
+                                          <p:stCondLst>
+                                            <p:cond delay="499"/>
+                                          </p:stCondLst>
+                                        </p:cTn>
+                                        <p:tgtEl>
+                                          <p:spTgt spid="2054"/>
+                                        </p:tgtEl>
+                                        <p:attrNameLst>
+                                          <p:attrName>style.visibility</p:attrName>
+                                        </p:attrNameLst>
+                                      </p:cBhvr>
+                                      <p:to>
+                                        <p:strVal val="hidden"/>
+                                      </p:to>
+                                    </p:set>
+                                  </p:childTnLst>
+                                </p:cTn>
+                              </p:par>
+                            </p:childTnLst>
+                          </p:cTn>
+                        </p:par>
+                        <p:par>
+                          <p:cTn id="55" fill="hold">
+                            <p:stCondLst>
+                              <p:cond delay="500"/>
+                            </p:stCondLst>
+                            <p:childTnLst>
+                              <p:par>
+                                <p:cTn id="56" presetID="42" presetClass="entr" presetSubtype="0" fill="hold" nodeType="afterEffect">
+                                  <p:stCondLst>
+                                    <p:cond delay="0"/>
+                                  </p:stCondLst>
+                                  <p:childTnLst>
+                                    <p:set>
+                                      <p:cBhvr>
+                                        <p:cTn id="57" dur="1" fill="hold">
+                                          <p:stCondLst>
+                                            <p:cond delay="0"/>
+                                          </p:stCondLst>
+                                        </p:cTn>
+                                        <p:tgtEl>
+                                          <p:spTgt spid="2056"/>
+                                        </p:tgtEl>
+                                        <p:attrNameLst>
+                                          <p:attrName>style.visibility</p:attrName>
+                                        </p:attrNameLst>
+                                      </p:cBhvr>
+                                      <p:to>
+                                        <p:strVal val="visible"/>
+                                      </p:to>
+                                    </p:set>
+                                    <p:animEffect transition="in" filter="fade">
+                                      <p:cBhvr>
+                                        <p:cTn id="58" dur="1000"/>
+                                        <p:tgtEl>
+                                          <p:spTgt spid="2056"/>
+                                        </p:tgtEl>
+                                      </p:cBhvr>
+                                    </p:animEffect>
+                                    <p:anim calcmode="lin" valueType="num">
+                                      <p:cBhvr>
+                                        <p:cTn id="59" dur="1000" fill="hold"/>
+                                        <p:tgtEl>
+                                          <p:spTgt spid="2056"/>
+                                        </p:tgtEl>
+                                        <p:attrNameLst>
+                                          <p:attrName>ppt_x</p:attrName>
+                                        </p:attrNameLst>
+                                      </p:cBhvr>
+                                      <p:tavLst>
+                                        <p:tav tm="0">
+                                          <p:val>
+                                            <p:strVal val="#ppt_x"/>
+                                          </p:val>
+                                        </p:tav>
+                                        <p:tav tm="100000">
+                                          <p:val>
+                                            <p:strVal val="#ppt_x"/>
+                                          </p:val>
+                                        </p:tav>
+                                      </p:tavLst>
+                                    </p:anim>
+                                    <p:anim calcmode="lin" valueType="num">
+                                      <p:cBhvr>
+                                        <p:cTn id="60" dur="1000" fill="hold"/>
+                                        <p:tgtEl>
+                                          <p:spTgt spid="2056"/>
+                                        </p:tgtEl>
+                                        <p:attrNameLst>
+                                          <p:attrName>ppt_y</p:attrName>
+                                        </p:attrNameLst>
+                                      </p:cBhvr>
+                                      <p:tavLst>
+                                        <p:tav tm="0">
+                                          <p:val>
+                                            <p:strVal val="#ppt_y+.1"/>
+                                          </p:val>
+                                        </p:tav>
+                                        <p:tav tm="100000">
+                                          <p:val>
+                                            <p:strVal val="#ppt_y"/>
+                                          </p:val>
+                                        </p:tav>
+                                      </p:tavLst>
+                                    </p:anim>
+                                  </p:childTnLst>
+                                </p:cTn>
+                              </p:par>
+                              <p:par>
+                                <p:cTn id="61" presetID="42" presetClass="entr" presetSubtype="0" fill="hold" nodeType="withEffect">
+                                  <p:stCondLst>
+                                    <p:cond delay="0"/>
+                                  </p:stCondLst>
+                                  <p:childTnLst>
+                                    <p:set>
+                                      <p:cBhvr>
+                                        <p:cTn id="62" dur="1" fill="hold">
+                                          <p:stCondLst>
+                                            <p:cond delay="0"/>
+                                          </p:stCondLst>
+                                        </p:cTn>
+                                        <p:tgtEl>
+                                          <p:spTgt spid="2">
+                                            <p:txEl>
+                                              <p:pRg st="6" end="6"/>
+                                            </p:txEl>
+                                          </p:spTgt>
+                                        </p:tgtEl>
+                                        <p:attrNameLst>
+                                          <p:attrName>style.visibility</p:attrName>
+                                        </p:attrNameLst>
+                                      </p:cBhvr>
+                                      <p:to>
+                                        <p:strVal val="visible"/>
+                                      </p:to>
+                                    </p:set>
+                                    <p:animEffect transition="in" filter="fade">
+                                      <p:cBhvr>
+                                        <p:cTn id="63" dur="1000"/>
+                                        <p:tgtEl>
+                                          <p:spTgt spid="2">
+                                            <p:txEl>
+                                              <p:pRg st="6" end="6"/>
+                                            </p:txEl>
+                                          </p:spTgt>
+                                        </p:tgtEl>
+                                      </p:cBhvr>
+                                    </p:animEffect>
+                                    <p:anim calcmode="lin" valueType="num">
+                                      <p:cBhvr>
+                                        <p:cTn id="64" dur="1000" fill="hold"/>
+                                        <p:tgtEl>
+                                          <p:spTgt spid="2">
+                                            <p:txEl>
+                                              <p:pRg st="6" end="6"/>
+                                            </p:txEl>
+                                          </p:spTgt>
+                                        </p:tgtEl>
+                                        <p:attrNameLst>
+                                          <p:attrName>ppt_x</p:attrName>
+                                        </p:attrNameLst>
+                                      </p:cBhvr>
+                                      <p:tavLst>
+                                        <p:tav tm="0">
+                                          <p:val>
+                                            <p:strVal val="#ppt_x"/>
+                                          </p:val>
+                                        </p:tav>
+                                        <p:tav tm="100000">
+                                          <p:val>
+                                            <p:strVal val="#ppt_x"/>
+                                          </p:val>
+                                        </p:tav>
+                                      </p:tavLst>
+                                    </p:anim>
+                                    <p:anim calcmode="lin" valueType="num">
+                                      <p:cBhvr>
+                                        <p:cTn id="65" dur="1000" fill="hold"/>
+                                        <p:tgtEl>
+                                          <p:spTgt spid="2">
+                                            <p:txEl>
+                                              <p:pRg st="6" end="6"/>
+                                            </p:txEl>
+                                          </p:spTgt>
+                                        </p:tgtEl>
+                                        <p:attrNameLst>
+                                          <p:attrName>ppt_y</p:attrName>
+                                        </p:attrNameLst>
+                                      </p:cBhvr>
+                                      <p:tavLst>
+                                        <p:tav tm="0">
+                                          <p:val>
+                                            <p:strVal val="#ppt_y+.1"/>
+                                          </p:val>
+                                        </p:tav>
+                                        <p:tav tm="100000">
+                                          <p:val>
+                                            <p:strVal val="#ppt_y"/>
+                                          </p:val>
+                                        </p:tav>
+                                      </p:tavLst>
+                                    </p:anim>
+                                  </p:childTnLst>
+                                </p:cTn>
+                              </p:par>
+                            </p:childTnLst>
+                          </p:cTn>
+                        </p:par>
+                      </p:childTnLst>
+                    </p:cTn>
+                  </p:par>
+                  <p:par>
+                    <p:cTn id="66" fill="hold">
+                      <p:stCondLst>
+                        <p:cond delay="indefinite"/>
+                      </p:stCondLst>
+                      <p:childTnLst>
+                        <p:par>
+                          <p:cTn id="67" fill="hold">
+                            <p:stCondLst>
+                              <p:cond delay="0"/>
+                            </p:stCondLst>
+                            <p:childTnLst>
+                              <p:par>
+                                <p:cTn id="68" presetID="2" presetClass="exit" presetSubtype="4" fill="hold" nodeType="clickEffect">
+                                  <p:stCondLst>
+                                    <p:cond delay="0"/>
+                                  </p:stCondLst>
+                                  <p:childTnLst>
+                                    <p:anim calcmode="lin" valueType="num">
+                                      <p:cBhvr additive="base">
+                                        <p:cTn id="69" dur="500"/>
+                                        <p:tgtEl>
+                                          <p:spTgt spid="2056"/>
+                                        </p:tgtEl>
+                                        <p:attrNameLst>
+                                          <p:attrName>ppt_x</p:attrName>
+                                        </p:attrNameLst>
+                                      </p:cBhvr>
+                                      <p:tavLst>
+                                        <p:tav tm="0">
+                                          <p:val>
+                                            <p:strVal val="ppt_x"/>
+                                          </p:val>
+                                        </p:tav>
+                                        <p:tav tm="100000">
+                                          <p:val>
+                                            <p:strVal val="ppt_x"/>
+                                          </p:val>
+                                        </p:tav>
+                                      </p:tavLst>
+                                    </p:anim>
+                                    <p:anim calcmode="lin" valueType="num">
+                                      <p:cBhvr additive="base">
+                                        <p:cTn id="70" dur="500"/>
+                                        <p:tgtEl>
+                                          <p:spTgt spid="2056"/>
+                                        </p:tgtEl>
+                                        <p:attrNameLst>
+                                          <p:attrName>ppt_y</p:attrName>
+                                        </p:attrNameLst>
+                                      </p:cBhvr>
+                                      <p:tavLst>
+                                        <p:tav tm="0">
+                                          <p:val>
+                                            <p:strVal val="ppt_y"/>
+                                          </p:val>
+                                        </p:tav>
+                                        <p:tav tm="100000">
+                                          <p:val>
+                                            <p:strVal val="1+ppt_h/2"/>
+                                          </p:val>
+                                        </p:tav>
+                                      </p:tavLst>
+                                    </p:anim>
+                                    <p:set>
+                                      <p:cBhvr>
+                                        <p:cTn id="71" dur="1" fill="hold">
+                                          <p:stCondLst>
+                                            <p:cond delay="499"/>
+                                          </p:stCondLst>
+                                        </p:cTn>
+                                        <p:tgtEl>
+                                          <p:spTgt spid="2056"/>
+                                        </p:tgtEl>
+                                        <p:attrNameLst>
+                                          <p:attrName>style.visibility</p:attrName>
+                                        </p:attrNameLst>
+                                      </p:cBhvr>
+                                      <p:to>
+                                        <p:strVal val="hidden"/>
+                                      </p:to>
+                                    </p:set>
+                                  </p:childTnLst>
+                                </p:cTn>
+                              </p:par>
+                            </p:childTnLst>
+                          </p:cTn>
+                        </p:par>
+                        <p:par>
+                          <p:cTn id="72" fill="hold">
+                            <p:stCondLst>
+                              <p:cond delay="500"/>
+                            </p:stCondLst>
+                            <p:childTnLst>
+                              <p:par>
+                                <p:cTn id="73" presetID="42" presetClass="entr" presetSubtype="0" fill="hold" nodeType="afterEffect">
+                                  <p:stCondLst>
+                                    <p:cond delay="0"/>
+                                  </p:stCondLst>
+                                  <p:childTnLst>
+                                    <p:set>
+                                      <p:cBhvr>
+                                        <p:cTn id="74" dur="1" fill="hold">
+                                          <p:stCondLst>
+                                            <p:cond delay="0"/>
+                                          </p:stCondLst>
+                                        </p:cTn>
+                                        <p:tgtEl>
+                                          <p:spTgt spid="2">
+                                            <p:txEl>
+                                              <p:pRg st="8" end="8"/>
+                                            </p:txEl>
+                                          </p:spTgt>
+                                        </p:tgtEl>
+                                        <p:attrNameLst>
+                                          <p:attrName>style.visibility</p:attrName>
+                                        </p:attrNameLst>
+                                      </p:cBhvr>
+                                      <p:to>
+                                        <p:strVal val="visible"/>
+                                      </p:to>
+                                    </p:set>
+                                    <p:animEffect transition="in" filter="fade">
+                                      <p:cBhvr>
+                                        <p:cTn id="75" dur="1000"/>
+                                        <p:tgtEl>
+                                          <p:spTgt spid="2">
+                                            <p:txEl>
+                                              <p:pRg st="8" end="8"/>
+                                            </p:txEl>
+                                          </p:spTgt>
+                                        </p:tgtEl>
+                                      </p:cBhvr>
+                                    </p:animEffect>
+                                    <p:anim calcmode="lin" valueType="num">
+                                      <p:cBhvr>
+                                        <p:cTn id="76" dur="1000" fill="hold"/>
+                                        <p:tgtEl>
+                                          <p:spTgt spid="2">
+                                            <p:txEl>
+                                              <p:pRg st="8" end="8"/>
+                                            </p:txEl>
+                                          </p:spTgt>
+                                        </p:tgtEl>
+                                        <p:attrNameLst>
+                                          <p:attrName>ppt_x</p:attrName>
+                                        </p:attrNameLst>
+                                      </p:cBhvr>
+                                      <p:tavLst>
+                                        <p:tav tm="0">
+                                          <p:val>
+                                            <p:strVal val="#ppt_x"/>
+                                          </p:val>
+                                        </p:tav>
+                                        <p:tav tm="100000">
+                                          <p:val>
+                                            <p:strVal val="#ppt_x"/>
+                                          </p:val>
+                                        </p:tav>
+                                      </p:tavLst>
+                                    </p:anim>
+                                    <p:anim calcmode="lin" valueType="num">
+                                      <p:cBhvr>
+                                        <p:cTn id="77" dur="1000" fill="hold"/>
+                                        <p:tgtEl>
+                                          <p:spTgt spid="2">
+                                            <p:txEl>
+                                              <p:pRg st="8" end="8"/>
+                                            </p:txEl>
+                                          </p:spTgt>
+                                        </p:tgtEl>
+                                        <p:attrNameLst>
+                                          <p:attrName>ppt_y</p:attrName>
+                                        </p:attrNameLst>
+                                      </p:cBhvr>
+                                      <p:tavLst>
+                                        <p:tav tm="0">
+                                          <p:val>
+                                            <p:strVal val="#ppt_y+.1"/>
+                                          </p:val>
+                                        </p:tav>
+                                        <p:tav tm="100000">
+                                          <p:val>
+                                            <p:strVal val="#ppt_y"/>
+                                          </p:val>
+                                        </p:tav>
+                                      </p:tavLst>
+                                    </p:anim>
+                                  </p:childTnLst>
+                                </p:cTn>
+                              </p:par>
+                              <p:par>
+                                <p:cTn id="78" presetID="42" presetClass="entr" presetSubtype="0" fill="hold" nodeType="withEffect">
+                                  <p:stCondLst>
+                                    <p:cond delay="0"/>
+                                  </p:stCondLst>
+                                  <p:childTnLst>
+                                    <p:set>
+                                      <p:cBhvr>
+                                        <p:cTn id="79" dur="1" fill="hold">
+                                          <p:stCondLst>
+                                            <p:cond delay="0"/>
+                                          </p:stCondLst>
+                                        </p:cTn>
+                                        <p:tgtEl>
+                                          <p:spTgt spid="4"/>
+                                        </p:tgtEl>
+                                        <p:attrNameLst>
+                                          <p:attrName>style.visibility</p:attrName>
+                                        </p:attrNameLst>
+                                      </p:cBhvr>
+                                      <p:to>
+                                        <p:strVal val="visible"/>
+                                      </p:to>
+                                    </p:set>
+                                    <p:animEffect transition="in" filter="fade">
+                                      <p:cBhvr>
+                                        <p:cTn id="80" dur="1000"/>
+                                        <p:tgtEl>
+                                          <p:spTgt spid="4"/>
+                                        </p:tgtEl>
+                                      </p:cBhvr>
+                                    </p:animEffect>
+                                    <p:anim calcmode="lin" valueType="num">
+                                      <p:cBhvr>
+                                        <p:cTn id="81" dur="1000" fill="hold"/>
+                                        <p:tgtEl>
+                                          <p:spTgt spid="4"/>
+                                        </p:tgtEl>
+                                        <p:attrNameLst>
+                                          <p:attrName>ppt_x</p:attrName>
+                                        </p:attrNameLst>
+                                      </p:cBhvr>
+                                      <p:tavLst>
+                                        <p:tav tm="0">
+                                          <p:val>
+                                            <p:strVal val="#ppt_x"/>
+                                          </p:val>
+                                        </p:tav>
+                                        <p:tav tm="100000">
+                                          <p:val>
+                                            <p:strVal val="#ppt_x"/>
+                                          </p:val>
+                                        </p:tav>
+                                      </p:tavLst>
+                                    </p:anim>
+                                    <p:anim calcmode="lin" valueType="num">
+                                      <p:cBhvr>
+                                        <p:cTn id="82" dur="1000" fill="hold"/>
+                                        <p:tgtEl>
+                                          <p:spTgt spid="4"/>
+                                        </p:tgtEl>
+                                        <p:attrNameLst>
+                                          <p:attrName>ppt_y</p:attrName>
+                                        </p:attrNameLst>
+                                      </p:cBhvr>
+                                      <p:tavLst>
+                                        <p:tav tm="0">
+                                          <p:val>
+                                            <p:strVal val="#ppt_y+.1"/>
+                                          </p:val>
+                                        </p:tav>
+                                        <p:tav tm="100000">
+                                          <p:val>
+                                            <p:strVal val="#ppt_y"/>
+                                          </p:val>
+                                        </p:tav>
+                                      </p:tavLst>
+                                    </p:anim>
+                                  </p:childTnLst>
+                                </p:cTn>
+                              </p:par>
+                            </p:childTnLst>
+                          </p:cTn>
+                        </p:par>
+                      </p:childTnLst>
+                    </p:cTn>
+                  </p:par>
+                </p:childTnLst>
+              </p:cTn>
+              <p:prevCondLst>
+                <p:cond evt="onPrev" delay="0">
+                  <p:tgtEl>
+                    <p:sldTgt/>
+                  </p:tgtEl>
+                </p:cond>
+              </p:prevCondLst>
+              <p:nextCondLst>
+                <p:cond evt="onNext" delay="0">
+                  <p:tgtEl>
+                    <p:sldTgt/>
+                  </p:tgtEl>
+                </p:cond>
+              </p:nextCondLst>
+            </p:seq>
+          </p:childTnLst>
+        </p:cTn>
+      </p:par>
+    </p:tnLst>
+  </p:timing>
 </p:sld>
 </file>
 
@@ -6530,6 +10515,129 @@
           </a:p>
         </p:txBody>
       </p:sp>
+      <p:pic>
+        <p:nvPicPr>
+          <p:cNvPr id="3076" name="Picture 4" descr="draw.io"/>
+          <p:cNvPicPr>
+            <a:picLocks noChangeAspect="1" noChangeArrowheads="1"/>
+          </p:cNvPicPr>
+          <p:nvPr/>
+        </p:nvPicPr>
+        <p:blipFill>
+          <a:blip r:embed="rId3">
+            <a:extLst>
+              <a:ext uri="{28A0092B-C50C-407E-A947-70E740481C1C}">
+                <a14:useLocalDpi xmlns:a14="http://schemas.microsoft.com/office/drawing/2010/main" val="0"/>
+              </a:ext>
+            </a:extLst>
+          </a:blip>
+          <a:srcRect/>
+          <a:stretch>
+            <a:fillRect/>
+          </a:stretch>
+        </p:blipFill>
+        <p:spPr bwMode="auto">
+          <a:xfrm>
+            <a:off x="4932040" y="2929930"/>
+            <a:ext cx="2088232" cy="2088232"/>
+          </a:xfrm>
+          <a:prstGeom prst="rect">
+            <a:avLst/>
+          </a:prstGeom>
+          <a:noFill/>
+          <a:extLst>
+            <a:ext uri="{909E8E84-426E-40DD-AFC4-6F175D3DCCD1}">
+              <a14:hiddenFill xmlns:a14="http://schemas.microsoft.com/office/drawing/2010/main">
+                <a:solidFill>
+                  <a:srgbClr val="FFFFFF"/>
+                </a:solidFill>
+              </a14:hiddenFill>
+            </a:ext>
+          </a:extLst>
+        </p:spPr>
+      </p:pic>
+      <p:pic>
+        <p:nvPicPr>
+          <p:cNvPr id="3078" name="Picture 6" descr="MindMup (@MindMup) | Twitter"/>
+          <p:cNvPicPr>
+            <a:picLocks noChangeAspect="1" noChangeArrowheads="1"/>
+          </p:cNvPicPr>
+          <p:nvPr/>
+        </p:nvPicPr>
+        <p:blipFill>
+          <a:blip r:embed="rId4">
+            <a:extLst>
+              <a:ext uri="{28A0092B-C50C-407E-A947-70E740481C1C}">
+                <a14:useLocalDpi xmlns:a14="http://schemas.microsoft.com/office/drawing/2010/main" val="0"/>
+              </a:ext>
+            </a:extLst>
+          </a:blip>
+          <a:srcRect/>
+          <a:stretch>
+            <a:fillRect/>
+          </a:stretch>
+        </p:blipFill>
+        <p:spPr bwMode="auto">
+          <a:xfrm>
+            <a:off x="4752020" y="2852936"/>
+            <a:ext cx="2448272" cy="2448272"/>
+          </a:xfrm>
+          <a:prstGeom prst="rect">
+            <a:avLst/>
+          </a:prstGeom>
+          <a:noFill/>
+          <a:extLst>
+            <a:ext uri="{909E8E84-426E-40DD-AFC4-6F175D3DCCD1}">
+              <a14:hiddenFill xmlns:a14="http://schemas.microsoft.com/office/drawing/2010/main">
+                <a:solidFill>
+                  <a:srgbClr val="FFFFFF"/>
+                </a:solidFill>
+              </a14:hiddenFill>
+            </a:ext>
+          </a:extLst>
+        </p:spPr>
+      </p:pic>
+      <p:pic>
+        <p:nvPicPr>
+          <p:cNvPr id="3080" name="Picture 8" descr="http://c711100.r0.cf2.rackcdn.com/imm_6_Orb_500.png"/>
+          <p:cNvPicPr>
+            <a:picLocks noChangeAspect="1" noChangeArrowheads="1"/>
+          </p:cNvPicPr>
+          <p:nvPr/>
+        </p:nvPicPr>
+        <p:blipFill>
+          <a:blip r:embed="rId5">
+            <a:extLst>
+              <a:ext uri="{28A0092B-C50C-407E-A947-70E740481C1C}">
+                <a14:useLocalDpi xmlns:a14="http://schemas.microsoft.com/office/drawing/2010/main" val="0"/>
+              </a:ext>
+            </a:extLst>
+          </a:blip>
+          <a:srcRect/>
+          <a:stretch>
+            <a:fillRect/>
+          </a:stretch>
+        </p:blipFill>
+        <p:spPr bwMode="auto">
+          <a:xfrm>
+            <a:off x="4603018" y="2780928"/>
+            <a:ext cx="2679254" cy="2679254"/>
+          </a:xfrm>
+          <a:prstGeom prst="rect">
+            <a:avLst/>
+          </a:prstGeom>
+          <a:noFill/>
+          <a:extLst>
+            <a:ext uri="{909E8E84-426E-40DD-AFC4-6F175D3DCCD1}">
+              <a14:hiddenFill xmlns:a14="http://schemas.microsoft.com/office/drawing/2010/main">
+                <a:solidFill>
+                  <a:srgbClr val="FFFFFF"/>
+                </a:solidFill>
+              </a14:hiddenFill>
+            </a:ext>
+          </a:extLst>
+        </p:spPr>
+      </p:pic>
     </p:spTree>
     <p:extLst>
       <p:ext uri="{BB962C8B-B14F-4D97-AF65-F5344CB8AC3E}">
@@ -6540,6 +10648,794 @@
   <p:clrMapOvr>
     <a:masterClrMapping/>
   </p:clrMapOvr>
+  <p:transition spd="slow">
+    <p:wipe/>
+  </p:transition>
+  <p:timing>
+    <p:tnLst>
+      <p:par>
+        <p:cTn id="1" dur="indefinite" restart="never" nodeType="tmRoot">
+          <p:childTnLst>
+            <p:seq concurrent="1" nextAc="seek">
+              <p:cTn id="2" dur="indefinite" nodeType="mainSeq">
+                <p:childTnLst>
+                  <p:par>
+                    <p:cTn id="3" fill="hold">
+                      <p:stCondLst>
+                        <p:cond delay="indefinite"/>
+                        <p:cond evt="onBegin" delay="0">
+                          <p:tn val="2"/>
+                        </p:cond>
+                      </p:stCondLst>
+                      <p:childTnLst>
+                        <p:par>
+                          <p:cTn id="4" fill="hold">
+                            <p:stCondLst>
+                              <p:cond delay="0"/>
+                            </p:stCondLst>
+                            <p:childTnLst>
+                              <p:par>
+                                <p:cTn id="5" presetID="42" presetClass="entr" presetSubtype="0" fill="hold" nodeType="withEffect">
+                                  <p:stCondLst>
+                                    <p:cond delay="0"/>
+                                  </p:stCondLst>
+                                  <p:childTnLst>
+                                    <p:set>
+                                      <p:cBhvr>
+                                        <p:cTn id="6" dur="1" fill="hold">
+                                          <p:stCondLst>
+                                            <p:cond delay="0"/>
+                                          </p:stCondLst>
+                                        </p:cTn>
+                                        <p:tgtEl>
+                                          <p:spTgt spid="2">
+                                            <p:txEl>
+                                              <p:pRg st="0" end="0"/>
+                                            </p:txEl>
+                                          </p:spTgt>
+                                        </p:tgtEl>
+                                        <p:attrNameLst>
+                                          <p:attrName>style.visibility</p:attrName>
+                                        </p:attrNameLst>
+                                      </p:cBhvr>
+                                      <p:to>
+                                        <p:strVal val="visible"/>
+                                      </p:to>
+                                    </p:set>
+                                    <p:animEffect transition="in" filter="fade">
+                                      <p:cBhvr>
+                                        <p:cTn id="7" dur="1000"/>
+                                        <p:tgtEl>
+                                          <p:spTgt spid="2">
+                                            <p:txEl>
+                                              <p:pRg st="0" end="0"/>
+                                            </p:txEl>
+                                          </p:spTgt>
+                                        </p:tgtEl>
+                                      </p:cBhvr>
+                                    </p:animEffect>
+                                    <p:anim calcmode="lin" valueType="num">
+                                      <p:cBhvr>
+                                        <p:cTn id="8" dur="1000" fill="hold"/>
+                                        <p:tgtEl>
+                                          <p:spTgt spid="2">
+                                            <p:txEl>
+                                              <p:pRg st="0" end="0"/>
+                                            </p:txEl>
+                                          </p:spTgt>
+                                        </p:tgtEl>
+                                        <p:attrNameLst>
+                                          <p:attrName>ppt_x</p:attrName>
+                                        </p:attrNameLst>
+                                      </p:cBhvr>
+                                      <p:tavLst>
+                                        <p:tav tm="0">
+                                          <p:val>
+                                            <p:strVal val="#ppt_x"/>
+                                          </p:val>
+                                        </p:tav>
+                                        <p:tav tm="100000">
+                                          <p:val>
+                                            <p:strVal val="#ppt_x"/>
+                                          </p:val>
+                                        </p:tav>
+                                      </p:tavLst>
+                                    </p:anim>
+                                    <p:anim calcmode="lin" valueType="num">
+                                      <p:cBhvr>
+                                        <p:cTn id="9" dur="1000" fill="hold"/>
+                                        <p:tgtEl>
+                                          <p:spTgt spid="2">
+                                            <p:txEl>
+                                              <p:pRg st="0" end="0"/>
+                                            </p:txEl>
+                                          </p:spTgt>
+                                        </p:tgtEl>
+                                        <p:attrNameLst>
+                                          <p:attrName>ppt_y</p:attrName>
+                                        </p:attrNameLst>
+                                      </p:cBhvr>
+                                      <p:tavLst>
+                                        <p:tav tm="0">
+                                          <p:val>
+                                            <p:strVal val="#ppt_y+.1"/>
+                                          </p:val>
+                                        </p:tav>
+                                        <p:tav tm="100000">
+                                          <p:val>
+                                            <p:strVal val="#ppt_y"/>
+                                          </p:val>
+                                        </p:tav>
+                                      </p:tavLst>
+                                    </p:anim>
+                                  </p:childTnLst>
+                                </p:cTn>
+                              </p:par>
+                              <p:par>
+                                <p:cTn id="10" presetID="42" presetClass="entr" presetSubtype="0" fill="hold" nodeType="withEffect">
+                                  <p:stCondLst>
+                                    <p:cond delay="0"/>
+                                  </p:stCondLst>
+                                  <p:childTnLst>
+                                    <p:set>
+                                      <p:cBhvr>
+                                        <p:cTn id="11" dur="1" fill="hold">
+                                          <p:stCondLst>
+                                            <p:cond delay="0"/>
+                                          </p:stCondLst>
+                                        </p:cTn>
+                                        <p:tgtEl>
+                                          <p:spTgt spid="3076"/>
+                                        </p:tgtEl>
+                                        <p:attrNameLst>
+                                          <p:attrName>style.visibility</p:attrName>
+                                        </p:attrNameLst>
+                                      </p:cBhvr>
+                                      <p:to>
+                                        <p:strVal val="visible"/>
+                                      </p:to>
+                                    </p:set>
+                                    <p:animEffect transition="in" filter="fade">
+                                      <p:cBhvr>
+                                        <p:cTn id="12" dur="1000"/>
+                                        <p:tgtEl>
+                                          <p:spTgt spid="3076"/>
+                                        </p:tgtEl>
+                                      </p:cBhvr>
+                                    </p:animEffect>
+                                    <p:anim calcmode="lin" valueType="num">
+                                      <p:cBhvr>
+                                        <p:cTn id="13" dur="1000" fill="hold"/>
+                                        <p:tgtEl>
+                                          <p:spTgt spid="3076"/>
+                                        </p:tgtEl>
+                                        <p:attrNameLst>
+                                          <p:attrName>ppt_x</p:attrName>
+                                        </p:attrNameLst>
+                                      </p:cBhvr>
+                                      <p:tavLst>
+                                        <p:tav tm="0">
+                                          <p:val>
+                                            <p:strVal val="#ppt_x"/>
+                                          </p:val>
+                                        </p:tav>
+                                        <p:tav tm="100000">
+                                          <p:val>
+                                            <p:strVal val="#ppt_x"/>
+                                          </p:val>
+                                        </p:tav>
+                                      </p:tavLst>
+                                    </p:anim>
+                                    <p:anim calcmode="lin" valueType="num">
+                                      <p:cBhvr>
+                                        <p:cTn id="14" dur="1000" fill="hold"/>
+                                        <p:tgtEl>
+                                          <p:spTgt spid="3076"/>
+                                        </p:tgtEl>
+                                        <p:attrNameLst>
+                                          <p:attrName>ppt_y</p:attrName>
+                                        </p:attrNameLst>
+                                      </p:cBhvr>
+                                      <p:tavLst>
+                                        <p:tav tm="0">
+                                          <p:val>
+                                            <p:strVal val="#ppt_y+.1"/>
+                                          </p:val>
+                                        </p:tav>
+                                        <p:tav tm="100000">
+                                          <p:val>
+                                            <p:strVal val="#ppt_y"/>
+                                          </p:val>
+                                        </p:tav>
+                                      </p:tavLst>
+                                    </p:anim>
+                                  </p:childTnLst>
+                                </p:cTn>
+                              </p:par>
+                            </p:childTnLst>
+                          </p:cTn>
+                        </p:par>
+                      </p:childTnLst>
+                    </p:cTn>
+                  </p:par>
+                  <p:par>
+                    <p:cTn id="15" fill="hold">
+                      <p:stCondLst>
+                        <p:cond delay="indefinite"/>
+                      </p:stCondLst>
+                      <p:childTnLst>
+                        <p:par>
+                          <p:cTn id="16" fill="hold">
+                            <p:stCondLst>
+                              <p:cond delay="0"/>
+                            </p:stCondLst>
+                            <p:childTnLst>
+                              <p:par>
+                                <p:cTn id="17" presetID="2" presetClass="exit" presetSubtype="4" fill="hold" nodeType="clickEffect">
+                                  <p:stCondLst>
+                                    <p:cond delay="0"/>
+                                  </p:stCondLst>
+                                  <p:childTnLst>
+                                    <p:anim calcmode="lin" valueType="num">
+                                      <p:cBhvr additive="base">
+                                        <p:cTn id="18" dur="500"/>
+                                        <p:tgtEl>
+                                          <p:spTgt spid="3076"/>
+                                        </p:tgtEl>
+                                        <p:attrNameLst>
+                                          <p:attrName>ppt_x</p:attrName>
+                                        </p:attrNameLst>
+                                      </p:cBhvr>
+                                      <p:tavLst>
+                                        <p:tav tm="0">
+                                          <p:val>
+                                            <p:strVal val="ppt_x"/>
+                                          </p:val>
+                                        </p:tav>
+                                        <p:tav tm="100000">
+                                          <p:val>
+                                            <p:strVal val="ppt_x"/>
+                                          </p:val>
+                                        </p:tav>
+                                      </p:tavLst>
+                                    </p:anim>
+                                    <p:anim calcmode="lin" valueType="num">
+                                      <p:cBhvr additive="base">
+                                        <p:cTn id="19" dur="500"/>
+                                        <p:tgtEl>
+                                          <p:spTgt spid="3076"/>
+                                        </p:tgtEl>
+                                        <p:attrNameLst>
+                                          <p:attrName>ppt_y</p:attrName>
+                                        </p:attrNameLst>
+                                      </p:cBhvr>
+                                      <p:tavLst>
+                                        <p:tav tm="0">
+                                          <p:val>
+                                            <p:strVal val="ppt_y"/>
+                                          </p:val>
+                                        </p:tav>
+                                        <p:tav tm="100000">
+                                          <p:val>
+                                            <p:strVal val="1+ppt_h/2"/>
+                                          </p:val>
+                                        </p:tav>
+                                      </p:tavLst>
+                                    </p:anim>
+                                    <p:set>
+                                      <p:cBhvr>
+                                        <p:cTn id="20" dur="1" fill="hold">
+                                          <p:stCondLst>
+                                            <p:cond delay="499"/>
+                                          </p:stCondLst>
+                                        </p:cTn>
+                                        <p:tgtEl>
+                                          <p:spTgt spid="3076"/>
+                                        </p:tgtEl>
+                                        <p:attrNameLst>
+                                          <p:attrName>style.visibility</p:attrName>
+                                        </p:attrNameLst>
+                                      </p:cBhvr>
+                                      <p:to>
+                                        <p:strVal val="hidden"/>
+                                      </p:to>
+                                    </p:set>
+                                  </p:childTnLst>
+                                </p:cTn>
+                              </p:par>
+                            </p:childTnLst>
+                          </p:cTn>
+                        </p:par>
+                        <p:par>
+                          <p:cTn id="21" fill="hold">
+                            <p:stCondLst>
+                              <p:cond delay="500"/>
+                            </p:stCondLst>
+                            <p:childTnLst>
+                              <p:par>
+                                <p:cTn id="22" presetID="42" presetClass="entr" presetSubtype="0" fill="hold" nodeType="afterEffect">
+                                  <p:stCondLst>
+                                    <p:cond delay="0"/>
+                                  </p:stCondLst>
+                                  <p:childTnLst>
+                                    <p:set>
+                                      <p:cBhvr>
+                                        <p:cTn id="23" dur="1" fill="hold">
+                                          <p:stCondLst>
+                                            <p:cond delay="0"/>
+                                          </p:stCondLst>
+                                        </p:cTn>
+                                        <p:tgtEl>
+                                          <p:spTgt spid="3078"/>
+                                        </p:tgtEl>
+                                        <p:attrNameLst>
+                                          <p:attrName>style.visibility</p:attrName>
+                                        </p:attrNameLst>
+                                      </p:cBhvr>
+                                      <p:to>
+                                        <p:strVal val="visible"/>
+                                      </p:to>
+                                    </p:set>
+                                    <p:animEffect transition="in" filter="fade">
+                                      <p:cBhvr>
+                                        <p:cTn id="24" dur="1000"/>
+                                        <p:tgtEl>
+                                          <p:spTgt spid="3078"/>
+                                        </p:tgtEl>
+                                      </p:cBhvr>
+                                    </p:animEffect>
+                                    <p:anim calcmode="lin" valueType="num">
+                                      <p:cBhvr>
+                                        <p:cTn id="25" dur="1000" fill="hold"/>
+                                        <p:tgtEl>
+                                          <p:spTgt spid="3078"/>
+                                        </p:tgtEl>
+                                        <p:attrNameLst>
+                                          <p:attrName>ppt_x</p:attrName>
+                                        </p:attrNameLst>
+                                      </p:cBhvr>
+                                      <p:tavLst>
+                                        <p:tav tm="0">
+                                          <p:val>
+                                            <p:strVal val="#ppt_x"/>
+                                          </p:val>
+                                        </p:tav>
+                                        <p:tav tm="100000">
+                                          <p:val>
+                                            <p:strVal val="#ppt_x"/>
+                                          </p:val>
+                                        </p:tav>
+                                      </p:tavLst>
+                                    </p:anim>
+                                    <p:anim calcmode="lin" valueType="num">
+                                      <p:cBhvr>
+                                        <p:cTn id="26" dur="1000" fill="hold"/>
+                                        <p:tgtEl>
+                                          <p:spTgt spid="3078"/>
+                                        </p:tgtEl>
+                                        <p:attrNameLst>
+                                          <p:attrName>ppt_y</p:attrName>
+                                        </p:attrNameLst>
+                                      </p:cBhvr>
+                                      <p:tavLst>
+                                        <p:tav tm="0">
+                                          <p:val>
+                                            <p:strVal val="#ppt_y+.1"/>
+                                          </p:val>
+                                        </p:tav>
+                                        <p:tav tm="100000">
+                                          <p:val>
+                                            <p:strVal val="#ppt_y"/>
+                                          </p:val>
+                                        </p:tav>
+                                      </p:tavLst>
+                                    </p:anim>
+                                  </p:childTnLst>
+                                </p:cTn>
+                              </p:par>
+                              <p:par>
+                                <p:cTn id="27" presetID="42" presetClass="entr" presetSubtype="0" fill="hold" nodeType="withEffect">
+                                  <p:stCondLst>
+                                    <p:cond delay="0"/>
+                                  </p:stCondLst>
+                                  <p:childTnLst>
+                                    <p:set>
+                                      <p:cBhvr>
+                                        <p:cTn id="28" dur="1" fill="hold">
+                                          <p:stCondLst>
+                                            <p:cond delay="0"/>
+                                          </p:stCondLst>
+                                        </p:cTn>
+                                        <p:tgtEl>
+                                          <p:spTgt spid="2">
+                                            <p:txEl>
+                                              <p:pRg st="2" end="2"/>
+                                            </p:txEl>
+                                          </p:spTgt>
+                                        </p:tgtEl>
+                                        <p:attrNameLst>
+                                          <p:attrName>style.visibility</p:attrName>
+                                        </p:attrNameLst>
+                                      </p:cBhvr>
+                                      <p:to>
+                                        <p:strVal val="visible"/>
+                                      </p:to>
+                                    </p:set>
+                                    <p:animEffect transition="in" filter="fade">
+                                      <p:cBhvr>
+                                        <p:cTn id="29" dur="1000"/>
+                                        <p:tgtEl>
+                                          <p:spTgt spid="2">
+                                            <p:txEl>
+                                              <p:pRg st="2" end="2"/>
+                                            </p:txEl>
+                                          </p:spTgt>
+                                        </p:tgtEl>
+                                      </p:cBhvr>
+                                    </p:animEffect>
+                                    <p:anim calcmode="lin" valueType="num">
+                                      <p:cBhvr>
+                                        <p:cTn id="30" dur="1000" fill="hold"/>
+                                        <p:tgtEl>
+                                          <p:spTgt spid="2">
+                                            <p:txEl>
+                                              <p:pRg st="2" end="2"/>
+                                            </p:txEl>
+                                          </p:spTgt>
+                                        </p:tgtEl>
+                                        <p:attrNameLst>
+                                          <p:attrName>ppt_x</p:attrName>
+                                        </p:attrNameLst>
+                                      </p:cBhvr>
+                                      <p:tavLst>
+                                        <p:tav tm="0">
+                                          <p:val>
+                                            <p:strVal val="#ppt_x"/>
+                                          </p:val>
+                                        </p:tav>
+                                        <p:tav tm="100000">
+                                          <p:val>
+                                            <p:strVal val="#ppt_x"/>
+                                          </p:val>
+                                        </p:tav>
+                                      </p:tavLst>
+                                    </p:anim>
+                                    <p:anim calcmode="lin" valueType="num">
+                                      <p:cBhvr>
+                                        <p:cTn id="31" dur="1000" fill="hold"/>
+                                        <p:tgtEl>
+                                          <p:spTgt spid="2">
+                                            <p:txEl>
+                                              <p:pRg st="2" end="2"/>
+                                            </p:txEl>
+                                          </p:spTgt>
+                                        </p:tgtEl>
+                                        <p:attrNameLst>
+                                          <p:attrName>ppt_y</p:attrName>
+                                        </p:attrNameLst>
+                                      </p:cBhvr>
+                                      <p:tavLst>
+                                        <p:tav tm="0">
+                                          <p:val>
+                                            <p:strVal val="#ppt_y+.1"/>
+                                          </p:val>
+                                        </p:tav>
+                                        <p:tav tm="100000">
+                                          <p:val>
+                                            <p:strVal val="#ppt_y"/>
+                                          </p:val>
+                                        </p:tav>
+                                      </p:tavLst>
+                                    </p:anim>
+                                  </p:childTnLst>
+                                </p:cTn>
+                              </p:par>
+                            </p:childTnLst>
+                          </p:cTn>
+                        </p:par>
+                      </p:childTnLst>
+                    </p:cTn>
+                  </p:par>
+                  <p:par>
+                    <p:cTn id="32" fill="hold">
+                      <p:stCondLst>
+                        <p:cond delay="indefinite"/>
+                      </p:stCondLst>
+                      <p:childTnLst>
+                        <p:par>
+                          <p:cTn id="33" fill="hold">
+                            <p:stCondLst>
+                              <p:cond delay="0"/>
+                            </p:stCondLst>
+                            <p:childTnLst>
+                              <p:par>
+                                <p:cTn id="34" presetID="2" presetClass="exit" presetSubtype="4" fill="hold" nodeType="clickEffect">
+                                  <p:stCondLst>
+                                    <p:cond delay="0"/>
+                                  </p:stCondLst>
+                                  <p:childTnLst>
+                                    <p:anim calcmode="lin" valueType="num">
+                                      <p:cBhvr additive="base">
+                                        <p:cTn id="35" dur="500"/>
+                                        <p:tgtEl>
+                                          <p:spTgt spid="3078"/>
+                                        </p:tgtEl>
+                                        <p:attrNameLst>
+                                          <p:attrName>ppt_x</p:attrName>
+                                        </p:attrNameLst>
+                                      </p:cBhvr>
+                                      <p:tavLst>
+                                        <p:tav tm="0">
+                                          <p:val>
+                                            <p:strVal val="ppt_x"/>
+                                          </p:val>
+                                        </p:tav>
+                                        <p:tav tm="100000">
+                                          <p:val>
+                                            <p:strVal val="ppt_x"/>
+                                          </p:val>
+                                        </p:tav>
+                                      </p:tavLst>
+                                    </p:anim>
+                                    <p:anim calcmode="lin" valueType="num">
+                                      <p:cBhvr additive="base">
+                                        <p:cTn id="36" dur="500"/>
+                                        <p:tgtEl>
+                                          <p:spTgt spid="3078"/>
+                                        </p:tgtEl>
+                                        <p:attrNameLst>
+                                          <p:attrName>ppt_y</p:attrName>
+                                        </p:attrNameLst>
+                                      </p:cBhvr>
+                                      <p:tavLst>
+                                        <p:tav tm="0">
+                                          <p:val>
+                                            <p:strVal val="ppt_y"/>
+                                          </p:val>
+                                        </p:tav>
+                                        <p:tav tm="100000">
+                                          <p:val>
+                                            <p:strVal val="1+ppt_h/2"/>
+                                          </p:val>
+                                        </p:tav>
+                                      </p:tavLst>
+                                    </p:anim>
+                                    <p:set>
+                                      <p:cBhvr>
+                                        <p:cTn id="37" dur="1" fill="hold">
+                                          <p:stCondLst>
+                                            <p:cond delay="499"/>
+                                          </p:stCondLst>
+                                        </p:cTn>
+                                        <p:tgtEl>
+                                          <p:spTgt spid="3078"/>
+                                        </p:tgtEl>
+                                        <p:attrNameLst>
+                                          <p:attrName>style.visibility</p:attrName>
+                                        </p:attrNameLst>
+                                      </p:cBhvr>
+                                      <p:to>
+                                        <p:strVal val="hidden"/>
+                                      </p:to>
+                                    </p:set>
+                                  </p:childTnLst>
+                                </p:cTn>
+                              </p:par>
+                            </p:childTnLst>
+                          </p:cTn>
+                        </p:par>
+                        <p:par>
+                          <p:cTn id="38" fill="hold">
+                            <p:stCondLst>
+                              <p:cond delay="500"/>
+                            </p:stCondLst>
+                            <p:childTnLst>
+                              <p:par>
+                                <p:cTn id="39" presetID="42" presetClass="entr" presetSubtype="0" fill="hold" nodeType="afterEffect">
+                                  <p:stCondLst>
+                                    <p:cond delay="0"/>
+                                  </p:stCondLst>
+                                  <p:childTnLst>
+                                    <p:set>
+                                      <p:cBhvr>
+                                        <p:cTn id="40" dur="1" fill="hold">
+                                          <p:stCondLst>
+                                            <p:cond delay="0"/>
+                                          </p:stCondLst>
+                                        </p:cTn>
+                                        <p:tgtEl>
+                                          <p:spTgt spid="3080"/>
+                                        </p:tgtEl>
+                                        <p:attrNameLst>
+                                          <p:attrName>style.visibility</p:attrName>
+                                        </p:attrNameLst>
+                                      </p:cBhvr>
+                                      <p:to>
+                                        <p:strVal val="visible"/>
+                                      </p:to>
+                                    </p:set>
+                                    <p:animEffect transition="in" filter="fade">
+                                      <p:cBhvr>
+                                        <p:cTn id="41" dur="1000"/>
+                                        <p:tgtEl>
+                                          <p:spTgt spid="3080"/>
+                                        </p:tgtEl>
+                                      </p:cBhvr>
+                                    </p:animEffect>
+                                    <p:anim calcmode="lin" valueType="num">
+                                      <p:cBhvr>
+                                        <p:cTn id="42" dur="1000" fill="hold"/>
+                                        <p:tgtEl>
+                                          <p:spTgt spid="3080"/>
+                                        </p:tgtEl>
+                                        <p:attrNameLst>
+                                          <p:attrName>ppt_x</p:attrName>
+                                        </p:attrNameLst>
+                                      </p:cBhvr>
+                                      <p:tavLst>
+                                        <p:tav tm="0">
+                                          <p:val>
+                                            <p:strVal val="#ppt_x"/>
+                                          </p:val>
+                                        </p:tav>
+                                        <p:tav tm="100000">
+                                          <p:val>
+                                            <p:strVal val="#ppt_x"/>
+                                          </p:val>
+                                        </p:tav>
+                                      </p:tavLst>
+                                    </p:anim>
+                                    <p:anim calcmode="lin" valueType="num">
+                                      <p:cBhvr>
+                                        <p:cTn id="43" dur="1000" fill="hold"/>
+                                        <p:tgtEl>
+                                          <p:spTgt spid="3080"/>
+                                        </p:tgtEl>
+                                        <p:attrNameLst>
+                                          <p:attrName>ppt_y</p:attrName>
+                                        </p:attrNameLst>
+                                      </p:cBhvr>
+                                      <p:tavLst>
+                                        <p:tav tm="0">
+                                          <p:val>
+                                            <p:strVal val="#ppt_y+.1"/>
+                                          </p:val>
+                                        </p:tav>
+                                        <p:tav tm="100000">
+                                          <p:val>
+                                            <p:strVal val="#ppt_y"/>
+                                          </p:val>
+                                        </p:tav>
+                                      </p:tavLst>
+                                    </p:anim>
+                                  </p:childTnLst>
+                                </p:cTn>
+                              </p:par>
+                              <p:par>
+                                <p:cTn id="44" presetID="42" presetClass="entr" presetSubtype="0" fill="hold" nodeType="withEffect">
+                                  <p:stCondLst>
+                                    <p:cond delay="0"/>
+                                  </p:stCondLst>
+                                  <p:childTnLst>
+                                    <p:set>
+                                      <p:cBhvr>
+                                        <p:cTn id="45" dur="1" fill="hold">
+                                          <p:stCondLst>
+                                            <p:cond delay="0"/>
+                                          </p:stCondLst>
+                                        </p:cTn>
+                                        <p:tgtEl>
+                                          <p:spTgt spid="2">
+                                            <p:txEl>
+                                              <p:pRg st="4" end="4"/>
+                                            </p:txEl>
+                                          </p:spTgt>
+                                        </p:tgtEl>
+                                        <p:attrNameLst>
+                                          <p:attrName>style.visibility</p:attrName>
+                                        </p:attrNameLst>
+                                      </p:cBhvr>
+                                      <p:to>
+                                        <p:strVal val="visible"/>
+                                      </p:to>
+                                    </p:set>
+                                    <p:animEffect transition="in" filter="fade">
+                                      <p:cBhvr>
+                                        <p:cTn id="46" dur="1000"/>
+                                        <p:tgtEl>
+                                          <p:spTgt spid="2">
+                                            <p:txEl>
+                                              <p:pRg st="4" end="4"/>
+                                            </p:txEl>
+                                          </p:spTgt>
+                                        </p:tgtEl>
+                                      </p:cBhvr>
+                                    </p:animEffect>
+                                    <p:anim calcmode="lin" valueType="num">
+                                      <p:cBhvr>
+                                        <p:cTn id="47" dur="1000" fill="hold"/>
+                                        <p:tgtEl>
+                                          <p:spTgt spid="2">
+                                            <p:txEl>
+                                              <p:pRg st="4" end="4"/>
+                                            </p:txEl>
+                                          </p:spTgt>
+                                        </p:tgtEl>
+                                        <p:attrNameLst>
+                                          <p:attrName>ppt_x</p:attrName>
+                                        </p:attrNameLst>
+                                      </p:cBhvr>
+                                      <p:tavLst>
+                                        <p:tav tm="0">
+                                          <p:val>
+                                            <p:strVal val="#ppt_x"/>
+                                          </p:val>
+                                        </p:tav>
+                                        <p:tav tm="100000">
+                                          <p:val>
+                                            <p:strVal val="#ppt_x"/>
+                                          </p:val>
+                                        </p:tav>
+                                      </p:tavLst>
+                                    </p:anim>
+                                    <p:anim calcmode="lin" valueType="num">
+                                      <p:cBhvr>
+                                        <p:cTn id="48" dur="1000" fill="hold"/>
+                                        <p:tgtEl>
+                                          <p:spTgt spid="2">
+                                            <p:txEl>
+                                              <p:pRg st="4" end="4"/>
+                                            </p:txEl>
+                                          </p:spTgt>
+                                        </p:tgtEl>
+                                        <p:attrNameLst>
+                                          <p:attrName>ppt_y</p:attrName>
+                                        </p:attrNameLst>
+                                      </p:cBhvr>
+                                      <p:tavLst>
+                                        <p:tav tm="0">
+                                          <p:val>
+                                            <p:strVal val="#ppt_y+.1"/>
+                                          </p:val>
+                                        </p:tav>
+                                        <p:tav tm="100000">
+                                          <p:val>
+                                            <p:strVal val="#ppt_y"/>
+                                          </p:val>
+                                        </p:tav>
+                                      </p:tavLst>
+                                    </p:anim>
+                                  </p:childTnLst>
+                                </p:cTn>
+                              </p:par>
+                            </p:childTnLst>
+                          </p:cTn>
+                        </p:par>
+                      </p:childTnLst>
+                    </p:cTn>
+                  </p:par>
+                </p:childTnLst>
+              </p:cTn>
+              <p:prevCondLst>
+                <p:cond evt="onPrev" delay="0">
+                  <p:tgtEl>
+                    <p:sldTgt/>
+                  </p:tgtEl>
+                </p:cond>
+              </p:prevCondLst>
+              <p:nextCondLst>
+                <p:cond evt="onNext" delay="0">
+                  <p:tgtEl>
+                    <p:sldTgt/>
+                  </p:tgtEl>
+                </p:cond>
+              </p:nextCondLst>
+            </p:seq>
+          </p:childTnLst>
+        </p:cTn>
+      </p:par>
+    </p:tnLst>
+  </p:timing>
 </p:sld>
 </file>
 
@@ -6722,7 +11618,7 @@
           <p:cNvPr id="4" name="Immagine 3">
             <a:extLst>
               <a:ext uri="{FF2B5EF4-FFF2-40B4-BE49-F238E27FC236}">
-                <a16:creationId xmlns:a16="http://schemas.microsoft.com/office/drawing/2014/main" id="{C6EC0595-1F1B-7F47-948C-8D5778E1ADB0}"/>
+                <a16:creationId xmlns:a16="http://schemas.microsoft.com/office/drawing/2014/main" xmlns="" id="{C6EC0595-1F1B-7F47-948C-8D5778E1ADB0}"/>
               </a:ext>
             </a:extLst>
           </p:cNvPr>
@@ -6757,6 +11653,16 @@
   <p:clrMapOvr>
     <a:masterClrMapping/>
   </p:clrMapOvr>
+  <p:transition spd="slow">
+    <p:wipe/>
+  </p:transition>
+  <p:timing>
+    <p:tnLst>
+      <p:par>
+        <p:cTn id="1" dur="indefinite" restart="never" nodeType="tmRoot"/>
+      </p:par>
+    </p:tnLst>
+  </p:timing>
 </p:sld>
 </file>
 
@@ -6820,8 +11726,38 @@
             </a:pPr>
             <a:r>
               <a:rPr lang="it-IT" sz="1800" dirty="0"/>
-              <a:t>Sprint della durata di 1 settimana</a:t>
-            </a:r>
+              <a:t>Sprint della durata di 1 </a:t>
+            </a:r>
+            <a:r>
+              <a:rPr lang="it-IT" sz="1800" dirty="0" smtClean="0"/>
+              <a:t>settimana</a:t>
+            </a:r>
+          </a:p>
+          <a:p>
+            <a:pPr marL="285750" indent="-285750" algn="just">
+              <a:buFont typeface="Arial" panose="020B0604020202020204" pitchFamily="34" charset="0"/>
+              <a:buChar char="•"/>
+            </a:pPr>
+            <a:endParaRPr lang="en-US" sz="1800" dirty="0"/>
+          </a:p>
+          <a:p>
+            <a:pPr marL="285750" indent="-285750" algn="just">
+              <a:buFont typeface="Arial" panose="020B0604020202020204" pitchFamily="34" charset="0"/>
+              <a:buChar char="•"/>
+            </a:pPr>
+            <a:r>
+              <a:rPr lang="en-US" sz="1800" dirty="0" err="1" smtClean="0"/>
+              <a:t>Passi</a:t>
+            </a:r>
+            <a:r>
+              <a:rPr lang="en-US" sz="1800" dirty="0" smtClean="0"/>
+              <a:t> </a:t>
+            </a:r>
+            <a:r>
+              <a:rPr lang="en-US" sz="1800" dirty="0" err="1" smtClean="0"/>
+              <a:t>Svolti</a:t>
+            </a:r>
+            <a:endParaRPr lang="it-IT" sz="1800" dirty="0"/>
           </a:p>
           <a:p>
             <a:pPr marL="285750" indent="-285750" algn="just">
@@ -6866,7 +11802,7 @@
           <p:cNvPr id="4" name="Immagine 3">
             <a:extLst>
               <a:ext uri="{FF2B5EF4-FFF2-40B4-BE49-F238E27FC236}">
-                <a16:creationId xmlns:a16="http://schemas.microsoft.com/office/drawing/2014/main" id="{4FA4F246-D783-C04F-821E-4505DBEA3E67}"/>
+                <a16:creationId xmlns:a16="http://schemas.microsoft.com/office/drawing/2014/main" xmlns="" id="{4FA4F246-D783-C04F-821E-4505DBEA3E67}"/>
               </a:ext>
             </a:extLst>
           </p:cNvPr>
@@ -6891,6 +11827,88 @@
           </a:prstGeom>
         </p:spPr>
       </p:pic>
+      <p:pic>
+        <p:nvPicPr>
+          <p:cNvPr id="4100" name="Picture 4" descr="Mettre en place son agilitÃ© en mode agile : un prÃ©alable ..."/>
+          <p:cNvPicPr>
+            <a:picLocks noChangeAspect="1" noChangeArrowheads="1"/>
+          </p:cNvPicPr>
+          <p:nvPr/>
+        </p:nvPicPr>
+        <p:blipFill>
+          <a:blip r:embed="rId4">
+            <a:extLst>
+              <a:ext uri="{28A0092B-C50C-407E-A947-70E740481C1C}">
+                <a14:useLocalDpi xmlns:a14="http://schemas.microsoft.com/office/drawing/2010/main" val="0"/>
+              </a:ext>
+            </a:extLst>
+          </a:blip>
+          <a:srcRect/>
+          <a:stretch>
+            <a:fillRect/>
+          </a:stretch>
+        </p:blipFill>
+        <p:spPr bwMode="auto">
+          <a:xfrm>
+            <a:off x="4749073" y="2115188"/>
+            <a:ext cx="3390270" cy="3536876"/>
+          </a:xfrm>
+          <a:prstGeom prst="rect">
+            <a:avLst/>
+          </a:prstGeom>
+          <a:noFill/>
+          <a:extLst>
+            <a:ext uri="{909E8E84-426E-40DD-AFC4-6F175D3DCCD1}">
+              <a14:hiddenFill xmlns:a14="http://schemas.microsoft.com/office/drawing/2010/main">
+                <a:solidFill>
+                  <a:srgbClr val="FFFFFF"/>
+                </a:solidFill>
+              </a14:hiddenFill>
+            </a:ext>
+          </a:extLst>
+        </p:spPr>
+      </p:pic>
+      <p:pic>
+        <p:nvPicPr>
+          <p:cNvPr id="4102" name="Picture 6" descr="File:Oxygen480-actions-view-calendar-week.svg - Wikimedia ..."/>
+          <p:cNvPicPr>
+            <a:picLocks noChangeAspect="1" noChangeArrowheads="1"/>
+          </p:cNvPicPr>
+          <p:nvPr/>
+        </p:nvPicPr>
+        <p:blipFill>
+          <a:blip r:embed="rId5">
+            <a:extLst>
+              <a:ext uri="{28A0092B-C50C-407E-A947-70E740481C1C}">
+                <a14:useLocalDpi xmlns:a14="http://schemas.microsoft.com/office/drawing/2010/main" val="0"/>
+              </a:ext>
+            </a:extLst>
+          </a:blip>
+          <a:srcRect/>
+          <a:stretch>
+            <a:fillRect/>
+          </a:stretch>
+        </p:blipFill>
+        <p:spPr bwMode="auto">
+          <a:xfrm>
+            <a:off x="5015458" y="2348880"/>
+            <a:ext cx="2857500" cy="2857500"/>
+          </a:xfrm>
+          <a:prstGeom prst="rect">
+            <a:avLst/>
+          </a:prstGeom>
+          <a:noFill/>
+          <a:extLst>
+            <a:ext uri="{909E8E84-426E-40DD-AFC4-6F175D3DCCD1}">
+              <a14:hiddenFill xmlns:a14="http://schemas.microsoft.com/office/drawing/2010/main">
+                <a:solidFill>
+                  <a:srgbClr val="FFFFFF"/>
+                </a:solidFill>
+              </a14:hiddenFill>
+            </a:ext>
+          </a:extLst>
+        </p:spPr>
+      </p:pic>
     </p:spTree>
     <p:extLst>
       <p:ext uri="{BB962C8B-B14F-4D97-AF65-F5344CB8AC3E}">
@@ -6901,6 +11919,794 @@
   <p:clrMapOvr>
     <a:masterClrMapping/>
   </p:clrMapOvr>
+  <p:transition spd="slow">
+    <p:wipe/>
+  </p:transition>
+  <p:timing>
+    <p:tnLst>
+      <p:par>
+        <p:cTn id="1" dur="indefinite" restart="never" nodeType="tmRoot">
+          <p:childTnLst>
+            <p:seq concurrent="1" nextAc="seek">
+              <p:cTn id="2" dur="indefinite" nodeType="mainSeq">
+                <p:childTnLst>
+                  <p:par>
+                    <p:cTn id="3" fill="hold">
+                      <p:stCondLst>
+                        <p:cond delay="indefinite"/>
+                        <p:cond evt="onBegin" delay="0">
+                          <p:tn val="2"/>
+                        </p:cond>
+                      </p:stCondLst>
+                      <p:childTnLst>
+                        <p:par>
+                          <p:cTn id="4" fill="hold">
+                            <p:stCondLst>
+                              <p:cond delay="0"/>
+                            </p:stCondLst>
+                            <p:childTnLst>
+                              <p:par>
+                                <p:cTn id="5" presetID="42" presetClass="entr" presetSubtype="0" fill="hold" nodeType="withEffect">
+                                  <p:stCondLst>
+                                    <p:cond delay="0"/>
+                                  </p:stCondLst>
+                                  <p:childTnLst>
+                                    <p:set>
+                                      <p:cBhvr>
+                                        <p:cTn id="6" dur="1" fill="hold">
+                                          <p:stCondLst>
+                                            <p:cond delay="0"/>
+                                          </p:stCondLst>
+                                        </p:cTn>
+                                        <p:tgtEl>
+                                          <p:spTgt spid="2">
+                                            <p:txEl>
+                                              <p:pRg st="0" end="0"/>
+                                            </p:txEl>
+                                          </p:spTgt>
+                                        </p:tgtEl>
+                                        <p:attrNameLst>
+                                          <p:attrName>style.visibility</p:attrName>
+                                        </p:attrNameLst>
+                                      </p:cBhvr>
+                                      <p:to>
+                                        <p:strVal val="visible"/>
+                                      </p:to>
+                                    </p:set>
+                                    <p:animEffect transition="in" filter="fade">
+                                      <p:cBhvr>
+                                        <p:cTn id="7" dur="1000"/>
+                                        <p:tgtEl>
+                                          <p:spTgt spid="2">
+                                            <p:txEl>
+                                              <p:pRg st="0" end="0"/>
+                                            </p:txEl>
+                                          </p:spTgt>
+                                        </p:tgtEl>
+                                      </p:cBhvr>
+                                    </p:animEffect>
+                                    <p:anim calcmode="lin" valueType="num">
+                                      <p:cBhvr>
+                                        <p:cTn id="8" dur="1000" fill="hold"/>
+                                        <p:tgtEl>
+                                          <p:spTgt spid="2">
+                                            <p:txEl>
+                                              <p:pRg st="0" end="0"/>
+                                            </p:txEl>
+                                          </p:spTgt>
+                                        </p:tgtEl>
+                                        <p:attrNameLst>
+                                          <p:attrName>ppt_x</p:attrName>
+                                        </p:attrNameLst>
+                                      </p:cBhvr>
+                                      <p:tavLst>
+                                        <p:tav tm="0">
+                                          <p:val>
+                                            <p:strVal val="#ppt_x"/>
+                                          </p:val>
+                                        </p:tav>
+                                        <p:tav tm="100000">
+                                          <p:val>
+                                            <p:strVal val="#ppt_x"/>
+                                          </p:val>
+                                        </p:tav>
+                                      </p:tavLst>
+                                    </p:anim>
+                                    <p:anim calcmode="lin" valueType="num">
+                                      <p:cBhvr>
+                                        <p:cTn id="9" dur="1000" fill="hold"/>
+                                        <p:tgtEl>
+                                          <p:spTgt spid="2">
+                                            <p:txEl>
+                                              <p:pRg st="0" end="0"/>
+                                            </p:txEl>
+                                          </p:spTgt>
+                                        </p:tgtEl>
+                                        <p:attrNameLst>
+                                          <p:attrName>ppt_y</p:attrName>
+                                        </p:attrNameLst>
+                                      </p:cBhvr>
+                                      <p:tavLst>
+                                        <p:tav tm="0">
+                                          <p:val>
+                                            <p:strVal val="#ppt_y+.1"/>
+                                          </p:val>
+                                        </p:tav>
+                                        <p:tav tm="100000">
+                                          <p:val>
+                                            <p:strVal val="#ppt_y"/>
+                                          </p:val>
+                                        </p:tav>
+                                      </p:tavLst>
+                                    </p:anim>
+                                  </p:childTnLst>
+                                </p:cTn>
+                              </p:par>
+                              <p:par>
+                                <p:cTn id="10" presetID="42" presetClass="entr" presetSubtype="0" fill="hold" nodeType="withEffect">
+                                  <p:stCondLst>
+                                    <p:cond delay="0"/>
+                                  </p:stCondLst>
+                                  <p:childTnLst>
+                                    <p:set>
+                                      <p:cBhvr>
+                                        <p:cTn id="11" dur="1" fill="hold">
+                                          <p:stCondLst>
+                                            <p:cond delay="0"/>
+                                          </p:stCondLst>
+                                        </p:cTn>
+                                        <p:tgtEl>
+                                          <p:spTgt spid="4100"/>
+                                        </p:tgtEl>
+                                        <p:attrNameLst>
+                                          <p:attrName>style.visibility</p:attrName>
+                                        </p:attrNameLst>
+                                      </p:cBhvr>
+                                      <p:to>
+                                        <p:strVal val="visible"/>
+                                      </p:to>
+                                    </p:set>
+                                    <p:animEffect transition="in" filter="fade">
+                                      <p:cBhvr>
+                                        <p:cTn id="12" dur="1000"/>
+                                        <p:tgtEl>
+                                          <p:spTgt spid="4100"/>
+                                        </p:tgtEl>
+                                      </p:cBhvr>
+                                    </p:animEffect>
+                                    <p:anim calcmode="lin" valueType="num">
+                                      <p:cBhvr>
+                                        <p:cTn id="13" dur="1000" fill="hold"/>
+                                        <p:tgtEl>
+                                          <p:spTgt spid="4100"/>
+                                        </p:tgtEl>
+                                        <p:attrNameLst>
+                                          <p:attrName>ppt_x</p:attrName>
+                                        </p:attrNameLst>
+                                      </p:cBhvr>
+                                      <p:tavLst>
+                                        <p:tav tm="0">
+                                          <p:val>
+                                            <p:strVal val="#ppt_x"/>
+                                          </p:val>
+                                        </p:tav>
+                                        <p:tav tm="100000">
+                                          <p:val>
+                                            <p:strVal val="#ppt_x"/>
+                                          </p:val>
+                                        </p:tav>
+                                      </p:tavLst>
+                                    </p:anim>
+                                    <p:anim calcmode="lin" valueType="num">
+                                      <p:cBhvr>
+                                        <p:cTn id="14" dur="1000" fill="hold"/>
+                                        <p:tgtEl>
+                                          <p:spTgt spid="4100"/>
+                                        </p:tgtEl>
+                                        <p:attrNameLst>
+                                          <p:attrName>ppt_y</p:attrName>
+                                        </p:attrNameLst>
+                                      </p:cBhvr>
+                                      <p:tavLst>
+                                        <p:tav tm="0">
+                                          <p:val>
+                                            <p:strVal val="#ppt_y+.1"/>
+                                          </p:val>
+                                        </p:tav>
+                                        <p:tav tm="100000">
+                                          <p:val>
+                                            <p:strVal val="#ppt_y"/>
+                                          </p:val>
+                                        </p:tav>
+                                      </p:tavLst>
+                                    </p:anim>
+                                  </p:childTnLst>
+                                </p:cTn>
+                              </p:par>
+                            </p:childTnLst>
+                          </p:cTn>
+                        </p:par>
+                      </p:childTnLst>
+                    </p:cTn>
+                  </p:par>
+                  <p:par>
+                    <p:cTn id="15" fill="hold">
+                      <p:stCondLst>
+                        <p:cond delay="indefinite"/>
+                      </p:stCondLst>
+                      <p:childTnLst>
+                        <p:par>
+                          <p:cTn id="16" fill="hold">
+                            <p:stCondLst>
+                              <p:cond delay="0"/>
+                            </p:stCondLst>
+                            <p:childTnLst>
+                              <p:par>
+                                <p:cTn id="17" presetID="2" presetClass="exit" presetSubtype="4" fill="hold" nodeType="clickEffect">
+                                  <p:stCondLst>
+                                    <p:cond delay="0"/>
+                                  </p:stCondLst>
+                                  <p:childTnLst>
+                                    <p:anim calcmode="lin" valueType="num">
+                                      <p:cBhvr additive="base">
+                                        <p:cTn id="18" dur="500"/>
+                                        <p:tgtEl>
+                                          <p:spTgt spid="4100"/>
+                                        </p:tgtEl>
+                                        <p:attrNameLst>
+                                          <p:attrName>ppt_x</p:attrName>
+                                        </p:attrNameLst>
+                                      </p:cBhvr>
+                                      <p:tavLst>
+                                        <p:tav tm="0">
+                                          <p:val>
+                                            <p:strVal val="ppt_x"/>
+                                          </p:val>
+                                        </p:tav>
+                                        <p:tav tm="100000">
+                                          <p:val>
+                                            <p:strVal val="ppt_x"/>
+                                          </p:val>
+                                        </p:tav>
+                                      </p:tavLst>
+                                    </p:anim>
+                                    <p:anim calcmode="lin" valueType="num">
+                                      <p:cBhvr additive="base">
+                                        <p:cTn id="19" dur="500"/>
+                                        <p:tgtEl>
+                                          <p:spTgt spid="4100"/>
+                                        </p:tgtEl>
+                                        <p:attrNameLst>
+                                          <p:attrName>ppt_y</p:attrName>
+                                        </p:attrNameLst>
+                                      </p:cBhvr>
+                                      <p:tavLst>
+                                        <p:tav tm="0">
+                                          <p:val>
+                                            <p:strVal val="ppt_y"/>
+                                          </p:val>
+                                        </p:tav>
+                                        <p:tav tm="100000">
+                                          <p:val>
+                                            <p:strVal val="1+ppt_h/2"/>
+                                          </p:val>
+                                        </p:tav>
+                                      </p:tavLst>
+                                    </p:anim>
+                                    <p:set>
+                                      <p:cBhvr>
+                                        <p:cTn id="20" dur="1" fill="hold">
+                                          <p:stCondLst>
+                                            <p:cond delay="499"/>
+                                          </p:stCondLst>
+                                        </p:cTn>
+                                        <p:tgtEl>
+                                          <p:spTgt spid="4100"/>
+                                        </p:tgtEl>
+                                        <p:attrNameLst>
+                                          <p:attrName>style.visibility</p:attrName>
+                                        </p:attrNameLst>
+                                      </p:cBhvr>
+                                      <p:to>
+                                        <p:strVal val="hidden"/>
+                                      </p:to>
+                                    </p:set>
+                                  </p:childTnLst>
+                                </p:cTn>
+                              </p:par>
+                            </p:childTnLst>
+                          </p:cTn>
+                        </p:par>
+                        <p:par>
+                          <p:cTn id="21" fill="hold">
+                            <p:stCondLst>
+                              <p:cond delay="500"/>
+                            </p:stCondLst>
+                            <p:childTnLst>
+                              <p:par>
+                                <p:cTn id="22" presetID="42" presetClass="entr" presetSubtype="0" fill="hold" nodeType="afterEffect">
+                                  <p:stCondLst>
+                                    <p:cond delay="0"/>
+                                  </p:stCondLst>
+                                  <p:childTnLst>
+                                    <p:set>
+                                      <p:cBhvr>
+                                        <p:cTn id="23" dur="1" fill="hold">
+                                          <p:stCondLst>
+                                            <p:cond delay="0"/>
+                                          </p:stCondLst>
+                                        </p:cTn>
+                                        <p:tgtEl>
+                                          <p:spTgt spid="4102"/>
+                                        </p:tgtEl>
+                                        <p:attrNameLst>
+                                          <p:attrName>style.visibility</p:attrName>
+                                        </p:attrNameLst>
+                                      </p:cBhvr>
+                                      <p:to>
+                                        <p:strVal val="visible"/>
+                                      </p:to>
+                                    </p:set>
+                                    <p:animEffect transition="in" filter="fade">
+                                      <p:cBhvr>
+                                        <p:cTn id="24" dur="1000"/>
+                                        <p:tgtEl>
+                                          <p:spTgt spid="4102"/>
+                                        </p:tgtEl>
+                                      </p:cBhvr>
+                                    </p:animEffect>
+                                    <p:anim calcmode="lin" valueType="num">
+                                      <p:cBhvr>
+                                        <p:cTn id="25" dur="1000" fill="hold"/>
+                                        <p:tgtEl>
+                                          <p:spTgt spid="4102"/>
+                                        </p:tgtEl>
+                                        <p:attrNameLst>
+                                          <p:attrName>ppt_x</p:attrName>
+                                        </p:attrNameLst>
+                                      </p:cBhvr>
+                                      <p:tavLst>
+                                        <p:tav tm="0">
+                                          <p:val>
+                                            <p:strVal val="#ppt_x"/>
+                                          </p:val>
+                                        </p:tav>
+                                        <p:tav tm="100000">
+                                          <p:val>
+                                            <p:strVal val="#ppt_x"/>
+                                          </p:val>
+                                        </p:tav>
+                                      </p:tavLst>
+                                    </p:anim>
+                                    <p:anim calcmode="lin" valueType="num">
+                                      <p:cBhvr>
+                                        <p:cTn id="26" dur="1000" fill="hold"/>
+                                        <p:tgtEl>
+                                          <p:spTgt spid="4102"/>
+                                        </p:tgtEl>
+                                        <p:attrNameLst>
+                                          <p:attrName>ppt_y</p:attrName>
+                                        </p:attrNameLst>
+                                      </p:cBhvr>
+                                      <p:tavLst>
+                                        <p:tav tm="0">
+                                          <p:val>
+                                            <p:strVal val="#ppt_y+.1"/>
+                                          </p:val>
+                                        </p:tav>
+                                        <p:tav tm="100000">
+                                          <p:val>
+                                            <p:strVal val="#ppt_y"/>
+                                          </p:val>
+                                        </p:tav>
+                                      </p:tavLst>
+                                    </p:anim>
+                                  </p:childTnLst>
+                                </p:cTn>
+                              </p:par>
+                              <p:par>
+                                <p:cTn id="27" presetID="42" presetClass="entr" presetSubtype="0" fill="hold" nodeType="withEffect">
+                                  <p:stCondLst>
+                                    <p:cond delay="0"/>
+                                  </p:stCondLst>
+                                  <p:childTnLst>
+                                    <p:set>
+                                      <p:cBhvr>
+                                        <p:cTn id="28" dur="1" fill="hold">
+                                          <p:stCondLst>
+                                            <p:cond delay="0"/>
+                                          </p:stCondLst>
+                                        </p:cTn>
+                                        <p:tgtEl>
+                                          <p:spTgt spid="2">
+                                            <p:txEl>
+                                              <p:pRg st="2" end="2"/>
+                                            </p:txEl>
+                                          </p:spTgt>
+                                        </p:tgtEl>
+                                        <p:attrNameLst>
+                                          <p:attrName>style.visibility</p:attrName>
+                                        </p:attrNameLst>
+                                      </p:cBhvr>
+                                      <p:to>
+                                        <p:strVal val="visible"/>
+                                      </p:to>
+                                    </p:set>
+                                    <p:animEffect transition="in" filter="fade">
+                                      <p:cBhvr>
+                                        <p:cTn id="29" dur="1000"/>
+                                        <p:tgtEl>
+                                          <p:spTgt spid="2">
+                                            <p:txEl>
+                                              <p:pRg st="2" end="2"/>
+                                            </p:txEl>
+                                          </p:spTgt>
+                                        </p:tgtEl>
+                                      </p:cBhvr>
+                                    </p:animEffect>
+                                    <p:anim calcmode="lin" valueType="num">
+                                      <p:cBhvr>
+                                        <p:cTn id="30" dur="1000" fill="hold"/>
+                                        <p:tgtEl>
+                                          <p:spTgt spid="2">
+                                            <p:txEl>
+                                              <p:pRg st="2" end="2"/>
+                                            </p:txEl>
+                                          </p:spTgt>
+                                        </p:tgtEl>
+                                        <p:attrNameLst>
+                                          <p:attrName>ppt_x</p:attrName>
+                                        </p:attrNameLst>
+                                      </p:cBhvr>
+                                      <p:tavLst>
+                                        <p:tav tm="0">
+                                          <p:val>
+                                            <p:strVal val="#ppt_x"/>
+                                          </p:val>
+                                        </p:tav>
+                                        <p:tav tm="100000">
+                                          <p:val>
+                                            <p:strVal val="#ppt_x"/>
+                                          </p:val>
+                                        </p:tav>
+                                      </p:tavLst>
+                                    </p:anim>
+                                    <p:anim calcmode="lin" valueType="num">
+                                      <p:cBhvr>
+                                        <p:cTn id="31" dur="1000" fill="hold"/>
+                                        <p:tgtEl>
+                                          <p:spTgt spid="2">
+                                            <p:txEl>
+                                              <p:pRg st="2" end="2"/>
+                                            </p:txEl>
+                                          </p:spTgt>
+                                        </p:tgtEl>
+                                        <p:attrNameLst>
+                                          <p:attrName>ppt_y</p:attrName>
+                                        </p:attrNameLst>
+                                      </p:cBhvr>
+                                      <p:tavLst>
+                                        <p:tav tm="0">
+                                          <p:val>
+                                            <p:strVal val="#ppt_y+.1"/>
+                                          </p:val>
+                                        </p:tav>
+                                        <p:tav tm="100000">
+                                          <p:val>
+                                            <p:strVal val="#ppt_y"/>
+                                          </p:val>
+                                        </p:tav>
+                                      </p:tavLst>
+                                    </p:anim>
+                                  </p:childTnLst>
+                                </p:cTn>
+                              </p:par>
+                            </p:childTnLst>
+                          </p:cTn>
+                        </p:par>
+                      </p:childTnLst>
+                    </p:cTn>
+                  </p:par>
+                  <p:par>
+                    <p:cTn id="32" fill="hold">
+                      <p:stCondLst>
+                        <p:cond delay="indefinite"/>
+                      </p:stCondLst>
+                      <p:childTnLst>
+                        <p:par>
+                          <p:cTn id="33" fill="hold">
+                            <p:stCondLst>
+                              <p:cond delay="0"/>
+                            </p:stCondLst>
+                            <p:childTnLst>
+                              <p:par>
+                                <p:cTn id="34" presetID="2" presetClass="exit" presetSubtype="4" fill="hold" nodeType="clickEffect">
+                                  <p:stCondLst>
+                                    <p:cond delay="0"/>
+                                  </p:stCondLst>
+                                  <p:childTnLst>
+                                    <p:anim calcmode="lin" valueType="num">
+                                      <p:cBhvr additive="base">
+                                        <p:cTn id="35" dur="500"/>
+                                        <p:tgtEl>
+                                          <p:spTgt spid="4102"/>
+                                        </p:tgtEl>
+                                        <p:attrNameLst>
+                                          <p:attrName>ppt_x</p:attrName>
+                                        </p:attrNameLst>
+                                      </p:cBhvr>
+                                      <p:tavLst>
+                                        <p:tav tm="0">
+                                          <p:val>
+                                            <p:strVal val="ppt_x"/>
+                                          </p:val>
+                                        </p:tav>
+                                        <p:tav tm="100000">
+                                          <p:val>
+                                            <p:strVal val="ppt_x"/>
+                                          </p:val>
+                                        </p:tav>
+                                      </p:tavLst>
+                                    </p:anim>
+                                    <p:anim calcmode="lin" valueType="num">
+                                      <p:cBhvr additive="base">
+                                        <p:cTn id="36" dur="500"/>
+                                        <p:tgtEl>
+                                          <p:spTgt spid="4102"/>
+                                        </p:tgtEl>
+                                        <p:attrNameLst>
+                                          <p:attrName>ppt_y</p:attrName>
+                                        </p:attrNameLst>
+                                      </p:cBhvr>
+                                      <p:tavLst>
+                                        <p:tav tm="0">
+                                          <p:val>
+                                            <p:strVal val="ppt_y"/>
+                                          </p:val>
+                                        </p:tav>
+                                        <p:tav tm="100000">
+                                          <p:val>
+                                            <p:strVal val="1+ppt_h/2"/>
+                                          </p:val>
+                                        </p:tav>
+                                      </p:tavLst>
+                                    </p:anim>
+                                    <p:set>
+                                      <p:cBhvr>
+                                        <p:cTn id="37" dur="1" fill="hold">
+                                          <p:stCondLst>
+                                            <p:cond delay="499"/>
+                                          </p:stCondLst>
+                                        </p:cTn>
+                                        <p:tgtEl>
+                                          <p:spTgt spid="4102"/>
+                                        </p:tgtEl>
+                                        <p:attrNameLst>
+                                          <p:attrName>style.visibility</p:attrName>
+                                        </p:attrNameLst>
+                                      </p:cBhvr>
+                                      <p:to>
+                                        <p:strVal val="hidden"/>
+                                      </p:to>
+                                    </p:set>
+                                  </p:childTnLst>
+                                </p:cTn>
+                              </p:par>
+                            </p:childTnLst>
+                          </p:cTn>
+                        </p:par>
+                        <p:par>
+                          <p:cTn id="38" fill="hold">
+                            <p:stCondLst>
+                              <p:cond delay="500"/>
+                            </p:stCondLst>
+                            <p:childTnLst>
+                              <p:par>
+                                <p:cTn id="39" presetID="42" presetClass="entr" presetSubtype="0" fill="hold" nodeType="afterEffect">
+                                  <p:stCondLst>
+                                    <p:cond delay="0"/>
+                                  </p:stCondLst>
+                                  <p:childTnLst>
+                                    <p:set>
+                                      <p:cBhvr>
+                                        <p:cTn id="40" dur="1" fill="hold">
+                                          <p:stCondLst>
+                                            <p:cond delay="0"/>
+                                          </p:stCondLst>
+                                        </p:cTn>
+                                        <p:tgtEl>
+                                          <p:spTgt spid="2">
+                                            <p:txEl>
+                                              <p:pRg st="4" end="4"/>
+                                            </p:txEl>
+                                          </p:spTgt>
+                                        </p:tgtEl>
+                                        <p:attrNameLst>
+                                          <p:attrName>style.visibility</p:attrName>
+                                        </p:attrNameLst>
+                                      </p:cBhvr>
+                                      <p:to>
+                                        <p:strVal val="visible"/>
+                                      </p:to>
+                                    </p:set>
+                                    <p:animEffect transition="in" filter="fade">
+                                      <p:cBhvr>
+                                        <p:cTn id="41" dur="1000"/>
+                                        <p:tgtEl>
+                                          <p:spTgt spid="2">
+                                            <p:txEl>
+                                              <p:pRg st="4" end="4"/>
+                                            </p:txEl>
+                                          </p:spTgt>
+                                        </p:tgtEl>
+                                      </p:cBhvr>
+                                    </p:animEffect>
+                                    <p:anim calcmode="lin" valueType="num">
+                                      <p:cBhvr>
+                                        <p:cTn id="42" dur="1000" fill="hold"/>
+                                        <p:tgtEl>
+                                          <p:spTgt spid="2">
+                                            <p:txEl>
+                                              <p:pRg st="4" end="4"/>
+                                            </p:txEl>
+                                          </p:spTgt>
+                                        </p:tgtEl>
+                                        <p:attrNameLst>
+                                          <p:attrName>ppt_x</p:attrName>
+                                        </p:attrNameLst>
+                                      </p:cBhvr>
+                                      <p:tavLst>
+                                        <p:tav tm="0">
+                                          <p:val>
+                                            <p:strVal val="#ppt_x"/>
+                                          </p:val>
+                                        </p:tav>
+                                        <p:tav tm="100000">
+                                          <p:val>
+                                            <p:strVal val="#ppt_x"/>
+                                          </p:val>
+                                        </p:tav>
+                                      </p:tavLst>
+                                    </p:anim>
+                                    <p:anim calcmode="lin" valueType="num">
+                                      <p:cBhvr>
+                                        <p:cTn id="43" dur="1000" fill="hold"/>
+                                        <p:tgtEl>
+                                          <p:spTgt spid="2">
+                                            <p:txEl>
+                                              <p:pRg st="4" end="4"/>
+                                            </p:txEl>
+                                          </p:spTgt>
+                                        </p:tgtEl>
+                                        <p:attrNameLst>
+                                          <p:attrName>ppt_y</p:attrName>
+                                        </p:attrNameLst>
+                                      </p:cBhvr>
+                                      <p:tavLst>
+                                        <p:tav tm="0">
+                                          <p:val>
+                                            <p:strVal val="#ppt_y+.1"/>
+                                          </p:val>
+                                        </p:tav>
+                                        <p:tav tm="100000">
+                                          <p:val>
+                                            <p:strVal val="#ppt_y"/>
+                                          </p:val>
+                                        </p:tav>
+                                      </p:tavLst>
+                                    </p:anim>
+                                  </p:childTnLst>
+                                </p:cTn>
+                              </p:par>
+                              <p:par>
+                                <p:cTn id="44" presetID="42" presetClass="entr" presetSubtype="0" fill="hold" nodeType="withEffect">
+                                  <p:stCondLst>
+                                    <p:cond delay="0"/>
+                                  </p:stCondLst>
+                                  <p:childTnLst>
+                                    <p:set>
+                                      <p:cBhvr>
+                                        <p:cTn id="45" dur="1" fill="hold">
+                                          <p:stCondLst>
+                                            <p:cond delay="0"/>
+                                          </p:stCondLst>
+                                        </p:cTn>
+                                        <p:tgtEl>
+                                          <p:spTgt spid="4"/>
+                                        </p:tgtEl>
+                                        <p:attrNameLst>
+                                          <p:attrName>style.visibility</p:attrName>
+                                        </p:attrNameLst>
+                                      </p:cBhvr>
+                                      <p:to>
+                                        <p:strVal val="visible"/>
+                                      </p:to>
+                                    </p:set>
+                                    <p:animEffect transition="in" filter="fade">
+                                      <p:cBhvr>
+                                        <p:cTn id="46" dur="1000"/>
+                                        <p:tgtEl>
+                                          <p:spTgt spid="4"/>
+                                        </p:tgtEl>
+                                      </p:cBhvr>
+                                    </p:animEffect>
+                                    <p:anim calcmode="lin" valueType="num">
+                                      <p:cBhvr>
+                                        <p:cTn id="47" dur="1000" fill="hold"/>
+                                        <p:tgtEl>
+                                          <p:spTgt spid="4"/>
+                                        </p:tgtEl>
+                                        <p:attrNameLst>
+                                          <p:attrName>ppt_x</p:attrName>
+                                        </p:attrNameLst>
+                                      </p:cBhvr>
+                                      <p:tavLst>
+                                        <p:tav tm="0">
+                                          <p:val>
+                                            <p:strVal val="#ppt_x"/>
+                                          </p:val>
+                                        </p:tav>
+                                        <p:tav tm="100000">
+                                          <p:val>
+                                            <p:strVal val="#ppt_x"/>
+                                          </p:val>
+                                        </p:tav>
+                                      </p:tavLst>
+                                    </p:anim>
+                                    <p:anim calcmode="lin" valueType="num">
+                                      <p:cBhvr>
+                                        <p:cTn id="48" dur="1000" fill="hold"/>
+                                        <p:tgtEl>
+                                          <p:spTgt spid="4"/>
+                                        </p:tgtEl>
+                                        <p:attrNameLst>
+                                          <p:attrName>ppt_y</p:attrName>
+                                        </p:attrNameLst>
+                                      </p:cBhvr>
+                                      <p:tavLst>
+                                        <p:tav tm="0">
+                                          <p:val>
+                                            <p:strVal val="#ppt_y+.1"/>
+                                          </p:val>
+                                        </p:tav>
+                                        <p:tav tm="100000">
+                                          <p:val>
+                                            <p:strVal val="#ppt_y"/>
+                                          </p:val>
+                                        </p:tav>
+                                      </p:tavLst>
+                                    </p:anim>
+                                  </p:childTnLst>
+                                </p:cTn>
+                              </p:par>
+                            </p:childTnLst>
+                          </p:cTn>
+                        </p:par>
+                      </p:childTnLst>
+                    </p:cTn>
+                  </p:par>
+                </p:childTnLst>
+              </p:cTn>
+              <p:prevCondLst>
+                <p:cond evt="onPrev" delay="0">
+                  <p:tgtEl>
+                    <p:sldTgt/>
+                  </p:tgtEl>
+                </p:cond>
+              </p:prevCondLst>
+              <p:nextCondLst>
+                <p:cond evt="onNext" delay="0">
+                  <p:tgtEl>
+                    <p:sldTgt/>
+                  </p:tgtEl>
+                </p:cond>
+              </p:nextCondLst>
+            </p:seq>
+          </p:childTnLst>
+        </p:cTn>
+      </p:par>
+    </p:tnLst>
+  </p:timing>
 </p:sld>
 </file>
 
@@ -7041,7 +12847,7 @@
           <p:cNvPr id="5" name="Immagine 4">
             <a:extLst>
               <a:ext uri="{FF2B5EF4-FFF2-40B4-BE49-F238E27FC236}">
-                <a16:creationId xmlns:a16="http://schemas.microsoft.com/office/drawing/2014/main" id="{067BFCA9-63DB-F345-A523-22023FC95E6D}"/>
+                <a16:creationId xmlns:a16="http://schemas.microsoft.com/office/drawing/2014/main" xmlns="" id="{067BFCA9-63DB-F345-A523-22023FC95E6D}"/>
               </a:ext>
             </a:extLst>
           </p:cNvPr>
@@ -7071,7 +12877,7 @@
           <p:cNvPr id="6" name="Immagine 5" descr="Immagine che contiene clipart&#10;&#10;Descrizione generata automaticamente">
             <a:extLst>
               <a:ext uri="{FF2B5EF4-FFF2-40B4-BE49-F238E27FC236}">
-                <a16:creationId xmlns:a16="http://schemas.microsoft.com/office/drawing/2014/main" id="{FC102394-17AD-1C46-84FC-5C53CF574448}"/>
+                <a16:creationId xmlns:a16="http://schemas.microsoft.com/office/drawing/2014/main" xmlns="" id="{FC102394-17AD-1C46-84FC-5C53CF574448}"/>
               </a:ext>
             </a:extLst>
           </p:cNvPr>
@@ -7088,7 +12894,7 @@
         </p:blipFill>
         <p:spPr>
           <a:xfrm>
-            <a:off x="2915816" y="5445224"/>
+            <a:off x="2699792" y="5347517"/>
             <a:ext cx="720080" cy="816091"/>
           </a:xfrm>
           <a:prstGeom prst="rect">
@@ -7101,7 +12907,7 @@
           <p:cNvPr id="7" name="Immagine 6">
             <a:extLst>
               <a:ext uri="{FF2B5EF4-FFF2-40B4-BE49-F238E27FC236}">
-                <a16:creationId xmlns:a16="http://schemas.microsoft.com/office/drawing/2014/main" id="{AD6C13D5-7551-A245-903B-CC38F14B2DBA}"/>
+                <a16:creationId xmlns:a16="http://schemas.microsoft.com/office/drawing/2014/main" xmlns="" id="{AD6C13D5-7551-A245-903B-CC38F14B2DBA}"/>
               </a:ext>
             </a:extLst>
           </p:cNvPr>
@@ -7118,7 +12924,7 @@
         </p:blipFill>
         <p:spPr>
           <a:xfrm>
-            <a:off x="3958394" y="5252590"/>
+            <a:off x="3442775" y="5252590"/>
             <a:ext cx="2019300" cy="1003300"/>
           </a:xfrm>
           <a:prstGeom prst="rect">
@@ -7131,7 +12937,7 @@
           <p:cNvPr id="8" name="Immagine 7">
             <a:extLst>
               <a:ext uri="{FF2B5EF4-FFF2-40B4-BE49-F238E27FC236}">
-                <a16:creationId xmlns:a16="http://schemas.microsoft.com/office/drawing/2014/main" id="{A6D8D241-706C-104E-8F0B-6B99F3565CE3}"/>
+                <a16:creationId xmlns:a16="http://schemas.microsoft.com/office/drawing/2014/main" xmlns="" id="{A6D8D241-706C-104E-8F0B-6B99F3565CE3}"/>
               </a:ext>
             </a:extLst>
           </p:cNvPr>
@@ -7148,12 +12954,94 @@
         </p:blipFill>
         <p:spPr>
           <a:xfrm>
-            <a:off x="5977891" y="5253913"/>
+            <a:off x="5220072" y="5253912"/>
             <a:ext cx="1872011" cy="1003300"/>
           </a:xfrm>
           <a:prstGeom prst="rect">
             <a:avLst/>
           </a:prstGeom>
+        </p:spPr>
+      </p:pic>
+      <p:pic>
+        <p:nvPicPr>
+          <p:cNvPr id="5122" name="Picture 2" descr="5. Montar un servidor web en casa"/>
+          <p:cNvPicPr>
+            <a:picLocks noChangeAspect="1" noChangeArrowheads="1"/>
+          </p:cNvPicPr>
+          <p:nvPr/>
+        </p:nvPicPr>
+        <p:blipFill>
+          <a:blip r:embed="rId7">
+            <a:extLst>
+              <a:ext uri="{28A0092B-C50C-407E-A947-70E740481C1C}">
+                <a14:useLocalDpi xmlns:a14="http://schemas.microsoft.com/office/drawing/2010/main" val="0"/>
+              </a:ext>
+            </a:extLst>
+          </a:blip>
+          <a:srcRect/>
+          <a:stretch>
+            <a:fillRect/>
+          </a:stretch>
+        </p:blipFill>
+        <p:spPr bwMode="auto">
+          <a:xfrm>
+            <a:off x="5558631" y="2060848"/>
+            <a:ext cx="2667000" cy="2667000"/>
+          </a:xfrm>
+          <a:prstGeom prst="rect">
+            <a:avLst/>
+          </a:prstGeom>
+          <a:noFill/>
+          <a:extLst>
+            <a:ext uri="{909E8E84-426E-40DD-AFC4-6F175D3DCCD1}">
+              <a14:hiddenFill xmlns:a14="http://schemas.microsoft.com/office/drawing/2010/main">
+                <a:solidFill>
+                  <a:srgbClr val="FFFFFF"/>
+                </a:solidFill>
+              </a14:hiddenFill>
+            </a:ext>
+          </a:extLst>
+        </p:spPr>
+      </p:pic>
+      <p:pic>
+        <p:nvPicPr>
+          <p:cNvPr id="5124" name="Picture 4" descr="XPath and xml in maxscript for 3dsMax - Klaas Nienhuis"/>
+          <p:cNvPicPr>
+            <a:picLocks noChangeAspect="1" noChangeArrowheads="1"/>
+          </p:cNvPicPr>
+          <p:nvPr/>
+        </p:nvPicPr>
+        <p:blipFill>
+          <a:blip r:embed="rId8">
+            <a:extLst>
+              <a:ext uri="{28A0092B-C50C-407E-A947-70E740481C1C}">
+                <a14:useLocalDpi xmlns:a14="http://schemas.microsoft.com/office/drawing/2010/main" val="0"/>
+              </a:ext>
+            </a:extLst>
+          </a:blip>
+          <a:srcRect/>
+          <a:stretch>
+            <a:fillRect/>
+          </a:stretch>
+        </p:blipFill>
+        <p:spPr bwMode="auto">
+          <a:xfrm>
+            <a:off x="7164288" y="5160125"/>
+            <a:ext cx="1190874" cy="1190874"/>
+          </a:xfrm>
+          <a:prstGeom prst="rect">
+            <a:avLst/>
+          </a:prstGeom>
+          <a:noFill/>
+          <a:extLst>
+            <a:ext uri="{909E8E84-426E-40DD-AFC4-6F175D3DCCD1}">
+              <a14:hiddenFill xmlns:a14="http://schemas.microsoft.com/office/drawing/2010/main">
+                <a:solidFill>
+                  <a:srgbClr val="FFFFFF"/>
+                </a:solidFill>
+              </a14:hiddenFill>
+            </a:ext>
+          </a:extLst>
         </p:spPr>
       </p:pic>
     </p:spTree>
@@ -7166,6 +13054,1079 @@
   <p:clrMapOvr>
     <a:masterClrMapping/>
   </p:clrMapOvr>
+  <p:transition spd="slow">
+    <p:wipe/>
+  </p:transition>
+  <p:timing>
+    <p:tnLst>
+      <p:par>
+        <p:cTn id="1" dur="indefinite" restart="never" nodeType="tmRoot">
+          <p:childTnLst>
+            <p:seq concurrent="1" nextAc="seek">
+              <p:cTn id="2" dur="indefinite" nodeType="mainSeq">
+                <p:childTnLst>
+                  <p:par>
+                    <p:cTn id="3" fill="hold">
+                      <p:stCondLst>
+                        <p:cond delay="indefinite"/>
+                        <p:cond evt="onBegin" delay="0">
+                          <p:tn val="2"/>
+                        </p:cond>
+                      </p:stCondLst>
+                      <p:childTnLst>
+                        <p:par>
+                          <p:cTn id="4" fill="hold">
+                            <p:stCondLst>
+                              <p:cond delay="0"/>
+                            </p:stCondLst>
+                            <p:childTnLst>
+                              <p:par>
+                                <p:cTn id="5" presetID="42" presetClass="entr" presetSubtype="0" fill="hold" nodeType="withEffect">
+                                  <p:stCondLst>
+                                    <p:cond delay="0"/>
+                                  </p:stCondLst>
+                                  <p:childTnLst>
+                                    <p:set>
+                                      <p:cBhvr>
+                                        <p:cTn id="6" dur="1" fill="hold">
+                                          <p:stCondLst>
+                                            <p:cond delay="0"/>
+                                          </p:stCondLst>
+                                        </p:cTn>
+                                        <p:tgtEl>
+                                          <p:spTgt spid="5122"/>
+                                        </p:tgtEl>
+                                        <p:attrNameLst>
+                                          <p:attrName>style.visibility</p:attrName>
+                                        </p:attrNameLst>
+                                      </p:cBhvr>
+                                      <p:to>
+                                        <p:strVal val="visible"/>
+                                      </p:to>
+                                    </p:set>
+                                    <p:animEffect transition="in" filter="fade">
+                                      <p:cBhvr>
+                                        <p:cTn id="7" dur="1000"/>
+                                        <p:tgtEl>
+                                          <p:spTgt spid="5122"/>
+                                        </p:tgtEl>
+                                      </p:cBhvr>
+                                    </p:animEffect>
+                                    <p:anim calcmode="lin" valueType="num">
+                                      <p:cBhvr>
+                                        <p:cTn id="8" dur="1000" fill="hold"/>
+                                        <p:tgtEl>
+                                          <p:spTgt spid="5122"/>
+                                        </p:tgtEl>
+                                        <p:attrNameLst>
+                                          <p:attrName>ppt_x</p:attrName>
+                                        </p:attrNameLst>
+                                      </p:cBhvr>
+                                      <p:tavLst>
+                                        <p:tav tm="0">
+                                          <p:val>
+                                            <p:strVal val="#ppt_x"/>
+                                          </p:val>
+                                        </p:tav>
+                                        <p:tav tm="100000">
+                                          <p:val>
+                                            <p:strVal val="#ppt_x"/>
+                                          </p:val>
+                                        </p:tav>
+                                      </p:tavLst>
+                                    </p:anim>
+                                    <p:anim calcmode="lin" valueType="num">
+                                      <p:cBhvr>
+                                        <p:cTn id="9" dur="1000" fill="hold"/>
+                                        <p:tgtEl>
+                                          <p:spTgt spid="5122"/>
+                                        </p:tgtEl>
+                                        <p:attrNameLst>
+                                          <p:attrName>ppt_y</p:attrName>
+                                        </p:attrNameLst>
+                                      </p:cBhvr>
+                                      <p:tavLst>
+                                        <p:tav tm="0">
+                                          <p:val>
+                                            <p:strVal val="#ppt_y+.1"/>
+                                          </p:val>
+                                        </p:tav>
+                                        <p:tav tm="100000">
+                                          <p:val>
+                                            <p:strVal val="#ppt_y"/>
+                                          </p:val>
+                                        </p:tav>
+                                      </p:tavLst>
+                                    </p:anim>
+                                  </p:childTnLst>
+                                </p:cTn>
+                              </p:par>
+                              <p:par>
+                                <p:cTn id="10" presetID="42" presetClass="entr" presetSubtype="0" fill="hold" nodeType="withEffect">
+                                  <p:stCondLst>
+                                    <p:cond delay="0"/>
+                                  </p:stCondLst>
+                                  <p:childTnLst>
+                                    <p:set>
+                                      <p:cBhvr>
+                                        <p:cTn id="11" dur="1" fill="hold">
+                                          <p:stCondLst>
+                                            <p:cond delay="0"/>
+                                          </p:stCondLst>
+                                        </p:cTn>
+                                        <p:tgtEl>
+                                          <p:spTgt spid="2">
+                                            <p:txEl>
+                                              <p:pRg st="0" end="0"/>
+                                            </p:txEl>
+                                          </p:spTgt>
+                                        </p:tgtEl>
+                                        <p:attrNameLst>
+                                          <p:attrName>style.visibility</p:attrName>
+                                        </p:attrNameLst>
+                                      </p:cBhvr>
+                                      <p:to>
+                                        <p:strVal val="visible"/>
+                                      </p:to>
+                                    </p:set>
+                                    <p:animEffect transition="in" filter="fade">
+                                      <p:cBhvr>
+                                        <p:cTn id="12" dur="1000"/>
+                                        <p:tgtEl>
+                                          <p:spTgt spid="2">
+                                            <p:txEl>
+                                              <p:pRg st="0" end="0"/>
+                                            </p:txEl>
+                                          </p:spTgt>
+                                        </p:tgtEl>
+                                      </p:cBhvr>
+                                    </p:animEffect>
+                                    <p:anim calcmode="lin" valueType="num">
+                                      <p:cBhvr>
+                                        <p:cTn id="13" dur="1000" fill="hold"/>
+                                        <p:tgtEl>
+                                          <p:spTgt spid="2">
+                                            <p:txEl>
+                                              <p:pRg st="0" end="0"/>
+                                            </p:txEl>
+                                          </p:spTgt>
+                                        </p:tgtEl>
+                                        <p:attrNameLst>
+                                          <p:attrName>ppt_x</p:attrName>
+                                        </p:attrNameLst>
+                                      </p:cBhvr>
+                                      <p:tavLst>
+                                        <p:tav tm="0">
+                                          <p:val>
+                                            <p:strVal val="#ppt_x"/>
+                                          </p:val>
+                                        </p:tav>
+                                        <p:tav tm="100000">
+                                          <p:val>
+                                            <p:strVal val="#ppt_x"/>
+                                          </p:val>
+                                        </p:tav>
+                                      </p:tavLst>
+                                    </p:anim>
+                                    <p:anim calcmode="lin" valueType="num">
+                                      <p:cBhvr>
+                                        <p:cTn id="14" dur="1000" fill="hold"/>
+                                        <p:tgtEl>
+                                          <p:spTgt spid="2">
+                                            <p:txEl>
+                                              <p:pRg st="0" end="0"/>
+                                            </p:txEl>
+                                          </p:spTgt>
+                                        </p:tgtEl>
+                                        <p:attrNameLst>
+                                          <p:attrName>ppt_y</p:attrName>
+                                        </p:attrNameLst>
+                                      </p:cBhvr>
+                                      <p:tavLst>
+                                        <p:tav tm="0">
+                                          <p:val>
+                                            <p:strVal val="#ppt_y+.1"/>
+                                          </p:val>
+                                        </p:tav>
+                                        <p:tav tm="100000">
+                                          <p:val>
+                                            <p:strVal val="#ppt_y"/>
+                                          </p:val>
+                                        </p:tav>
+                                      </p:tavLst>
+                                    </p:anim>
+                                  </p:childTnLst>
+                                </p:cTn>
+                              </p:par>
+                            </p:childTnLst>
+                          </p:cTn>
+                        </p:par>
+                      </p:childTnLst>
+                    </p:cTn>
+                  </p:par>
+                  <p:par>
+                    <p:cTn id="15" fill="hold">
+                      <p:stCondLst>
+                        <p:cond delay="indefinite"/>
+                      </p:stCondLst>
+                      <p:childTnLst>
+                        <p:par>
+                          <p:cTn id="16" fill="hold">
+                            <p:stCondLst>
+                              <p:cond delay="0"/>
+                            </p:stCondLst>
+                            <p:childTnLst>
+                              <p:par>
+                                <p:cTn id="17" presetID="2" presetClass="exit" presetSubtype="4" fill="hold" nodeType="clickEffect">
+                                  <p:stCondLst>
+                                    <p:cond delay="0"/>
+                                  </p:stCondLst>
+                                  <p:childTnLst>
+                                    <p:anim calcmode="lin" valueType="num">
+                                      <p:cBhvr additive="base">
+                                        <p:cTn id="18" dur="500"/>
+                                        <p:tgtEl>
+                                          <p:spTgt spid="5122"/>
+                                        </p:tgtEl>
+                                        <p:attrNameLst>
+                                          <p:attrName>ppt_x</p:attrName>
+                                        </p:attrNameLst>
+                                      </p:cBhvr>
+                                      <p:tavLst>
+                                        <p:tav tm="0">
+                                          <p:val>
+                                            <p:strVal val="ppt_x"/>
+                                          </p:val>
+                                        </p:tav>
+                                        <p:tav tm="100000">
+                                          <p:val>
+                                            <p:strVal val="ppt_x"/>
+                                          </p:val>
+                                        </p:tav>
+                                      </p:tavLst>
+                                    </p:anim>
+                                    <p:anim calcmode="lin" valueType="num">
+                                      <p:cBhvr additive="base">
+                                        <p:cTn id="19" dur="500"/>
+                                        <p:tgtEl>
+                                          <p:spTgt spid="5122"/>
+                                        </p:tgtEl>
+                                        <p:attrNameLst>
+                                          <p:attrName>ppt_y</p:attrName>
+                                        </p:attrNameLst>
+                                      </p:cBhvr>
+                                      <p:tavLst>
+                                        <p:tav tm="0">
+                                          <p:val>
+                                            <p:strVal val="ppt_y"/>
+                                          </p:val>
+                                        </p:tav>
+                                        <p:tav tm="100000">
+                                          <p:val>
+                                            <p:strVal val="1+ppt_h/2"/>
+                                          </p:val>
+                                        </p:tav>
+                                      </p:tavLst>
+                                    </p:anim>
+                                    <p:set>
+                                      <p:cBhvr>
+                                        <p:cTn id="20" dur="1" fill="hold">
+                                          <p:stCondLst>
+                                            <p:cond delay="499"/>
+                                          </p:stCondLst>
+                                        </p:cTn>
+                                        <p:tgtEl>
+                                          <p:spTgt spid="5122"/>
+                                        </p:tgtEl>
+                                        <p:attrNameLst>
+                                          <p:attrName>style.visibility</p:attrName>
+                                        </p:attrNameLst>
+                                      </p:cBhvr>
+                                      <p:to>
+                                        <p:strVal val="hidden"/>
+                                      </p:to>
+                                    </p:set>
+                                  </p:childTnLst>
+                                </p:cTn>
+                              </p:par>
+                              <p:par>
+                                <p:cTn id="21" presetID="42" presetClass="entr" presetSubtype="0" fill="hold" nodeType="withEffect">
+                                  <p:stCondLst>
+                                    <p:cond delay="0"/>
+                                  </p:stCondLst>
+                                  <p:childTnLst>
+                                    <p:set>
+                                      <p:cBhvr>
+                                        <p:cTn id="22" dur="1" fill="hold">
+                                          <p:stCondLst>
+                                            <p:cond delay="0"/>
+                                          </p:stCondLst>
+                                        </p:cTn>
+                                        <p:tgtEl>
+                                          <p:spTgt spid="2">
+                                            <p:txEl>
+                                              <p:pRg st="2" end="2"/>
+                                            </p:txEl>
+                                          </p:spTgt>
+                                        </p:tgtEl>
+                                        <p:attrNameLst>
+                                          <p:attrName>style.visibility</p:attrName>
+                                        </p:attrNameLst>
+                                      </p:cBhvr>
+                                      <p:to>
+                                        <p:strVal val="visible"/>
+                                      </p:to>
+                                    </p:set>
+                                    <p:animEffect transition="in" filter="fade">
+                                      <p:cBhvr>
+                                        <p:cTn id="23" dur="1000"/>
+                                        <p:tgtEl>
+                                          <p:spTgt spid="2">
+                                            <p:txEl>
+                                              <p:pRg st="2" end="2"/>
+                                            </p:txEl>
+                                          </p:spTgt>
+                                        </p:tgtEl>
+                                      </p:cBhvr>
+                                    </p:animEffect>
+                                    <p:anim calcmode="lin" valueType="num">
+                                      <p:cBhvr>
+                                        <p:cTn id="24" dur="1000" fill="hold"/>
+                                        <p:tgtEl>
+                                          <p:spTgt spid="2">
+                                            <p:txEl>
+                                              <p:pRg st="2" end="2"/>
+                                            </p:txEl>
+                                          </p:spTgt>
+                                        </p:tgtEl>
+                                        <p:attrNameLst>
+                                          <p:attrName>ppt_x</p:attrName>
+                                        </p:attrNameLst>
+                                      </p:cBhvr>
+                                      <p:tavLst>
+                                        <p:tav tm="0">
+                                          <p:val>
+                                            <p:strVal val="#ppt_x"/>
+                                          </p:val>
+                                        </p:tav>
+                                        <p:tav tm="100000">
+                                          <p:val>
+                                            <p:strVal val="#ppt_x"/>
+                                          </p:val>
+                                        </p:tav>
+                                      </p:tavLst>
+                                    </p:anim>
+                                    <p:anim calcmode="lin" valueType="num">
+                                      <p:cBhvr>
+                                        <p:cTn id="25" dur="1000" fill="hold"/>
+                                        <p:tgtEl>
+                                          <p:spTgt spid="2">
+                                            <p:txEl>
+                                              <p:pRg st="2" end="2"/>
+                                            </p:txEl>
+                                          </p:spTgt>
+                                        </p:tgtEl>
+                                        <p:attrNameLst>
+                                          <p:attrName>ppt_y</p:attrName>
+                                        </p:attrNameLst>
+                                      </p:cBhvr>
+                                      <p:tavLst>
+                                        <p:tav tm="0">
+                                          <p:val>
+                                            <p:strVal val="#ppt_y+.1"/>
+                                          </p:val>
+                                        </p:tav>
+                                        <p:tav tm="100000">
+                                          <p:val>
+                                            <p:strVal val="#ppt_y"/>
+                                          </p:val>
+                                        </p:tav>
+                                      </p:tavLst>
+                                    </p:anim>
+                                  </p:childTnLst>
+                                </p:cTn>
+                              </p:par>
+                              <p:par>
+                                <p:cTn id="26" presetID="42" presetClass="entr" presetSubtype="0" fill="hold" nodeType="withEffect">
+                                  <p:stCondLst>
+                                    <p:cond delay="0"/>
+                                  </p:stCondLst>
+                                  <p:childTnLst>
+                                    <p:set>
+                                      <p:cBhvr>
+                                        <p:cTn id="27" dur="1" fill="hold">
+                                          <p:stCondLst>
+                                            <p:cond delay="0"/>
+                                          </p:stCondLst>
+                                        </p:cTn>
+                                        <p:tgtEl>
+                                          <p:spTgt spid="5"/>
+                                        </p:tgtEl>
+                                        <p:attrNameLst>
+                                          <p:attrName>style.visibility</p:attrName>
+                                        </p:attrNameLst>
+                                      </p:cBhvr>
+                                      <p:to>
+                                        <p:strVal val="visible"/>
+                                      </p:to>
+                                    </p:set>
+                                    <p:animEffect transition="in" filter="fade">
+                                      <p:cBhvr>
+                                        <p:cTn id="28" dur="1000"/>
+                                        <p:tgtEl>
+                                          <p:spTgt spid="5"/>
+                                        </p:tgtEl>
+                                      </p:cBhvr>
+                                    </p:animEffect>
+                                    <p:anim calcmode="lin" valueType="num">
+                                      <p:cBhvr>
+                                        <p:cTn id="29" dur="1000" fill="hold"/>
+                                        <p:tgtEl>
+                                          <p:spTgt spid="5"/>
+                                        </p:tgtEl>
+                                        <p:attrNameLst>
+                                          <p:attrName>ppt_x</p:attrName>
+                                        </p:attrNameLst>
+                                      </p:cBhvr>
+                                      <p:tavLst>
+                                        <p:tav tm="0">
+                                          <p:val>
+                                            <p:strVal val="#ppt_x"/>
+                                          </p:val>
+                                        </p:tav>
+                                        <p:tav tm="100000">
+                                          <p:val>
+                                            <p:strVal val="#ppt_x"/>
+                                          </p:val>
+                                        </p:tav>
+                                      </p:tavLst>
+                                    </p:anim>
+                                    <p:anim calcmode="lin" valueType="num">
+                                      <p:cBhvr>
+                                        <p:cTn id="30" dur="1000" fill="hold"/>
+                                        <p:tgtEl>
+                                          <p:spTgt spid="5"/>
+                                        </p:tgtEl>
+                                        <p:attrNameLst>
+                                          <p:attrName>ppt_y</p:attrName>
+                                        </p:attrNameLst>
+                                      </p:cBhvr>
+                                      <p:tavLst>
+                                        <p:tav tm="0">
+                                          <p:val>
+                                            <p:strVal val="#ppt_y+.1"/>
+                                          </p:val>
+                                        </p:tav>
+                                        <p:tav tm="100000">
+                                          <p:val>
+                                            <p:strVal val="#ppt_y"/>
+                                          </p:val>
+                                        </p:tav>
+                                      </p:tavLst>
+                                    </p:anim>
+                                  </p:childTnLst>
+                                </p:cTn>
+                              </p:par>
+                            </p:childTnLst>
+                          </p:cTn>
+                        </p:par>
+                        <p:par>
+                          <p:cTn id="31" fill="hold">
+                            <p:stCondLst>
+                              <p:cond delay="1000"/>
+                            </p:stCondLst>
+                            <p:childTnLst>
+                              <p:par>
+                                <p:cTn id="32" presetID="42" presetClass="entr" presetSubtype="0" fill="hold" nodeType="afterEffect">
+                                  <p:stCondLst>
+                                    <p:cond delay="0"/>
+                                  </p:stCondLst>
+                                  <p:childTnLst>
+                                    <p:set>
+                                      <p:cBhvr>
+                                        <p:cTn id="33" dur="1" fill="hold">
+                                          <p:stCondLst>
+                                            <p:cond delay="0"/>
+                                          </p:stCondLst>
+                                        </p:cTn>
+                                        <p:tgtEl>
+                                          <p:spTgt spid="6"/>
+                                        </p:tgtEl>
+                                        <p:attrNameLst>
+                                          <p:attrName>style.visibility</p:attrName>
+                                        </p:attrNameLst>
+                                      </p:cBhvr>
+                                      <p:to>
+                                        <p:strVal val="visible"/>
+                                      </p:to>
+                                    </p:set>
+                                    <p:animEffect transition="in" filter="fade">
+                                      <p:cBhvr>
+                                        <p:cTn id="34" dur="1000"/>
+                                        <p:tgtEl>
+                                          <p:spTgt spid="6"/>
+                                        </p:tgtEl>
+                                      </p:cBhvr>
+                                    </p:animEffect>
+                                    <p:anim calcmode="lin" valueType="num">
+                                      <p:cBhvr>
+                                        <p:cTn id="35" dur="1000" fill="hold"/>
+                                        <p:tgtEl>
+                                          <p:spTgt spid="6"/>
+                                        </p:tgtEl>
+                                        <p:attrNameLst>
+                                          <p:attrName>ppt_x</p:attrName>
+                                        </p:attrNameLst>
+                                      </p:cBhvr>
+                                      <p:tavLst>
+                                        <p:tav tm="0">
+                                          <p:val>
+                                            <p:strVal val="#ppt_x"/>
+                                          </p:val>
+                                        </p:tav>
+                                        <p:tav tm="100000">
+                                          <p:val>
+                                            <p:strVal val="#ppt_x"/>
+                                          </p:val>
+                                        </p:tav>
+                                      </p:tavLst>
+                                    </p:anim>
+                                    <p:anim calcmode="lin" valueType="num">
+                                      <p:cBhvr>
+                                        <p:cTn id="36" dur="1000" fill="hold"/>
+                                        <p:tgtEl>
+                                          <p:spTgt spid="6"/>
+                                        </p:tgtEl>
+                                        <p:attrNameLst>
+                                          <p:attrName>ppt_y</p:attrName>
+                                        </p:attrNameLst>
+                                      </p:cBhvr>
+                                      <p:tavLst>
+                                        <p:tav tm="0">
+                                          <p:val>
+                                            <p:strVal val="#ppt_y+.1"/>
+                                          </p:val>
+                                        </p:tav>
+                                        <p:tav tm="100000">
+                                          <p:val>
+                                            <p:strVal val="#ppt_y"/>
+                                          </p:val>
+                                        </p:tav>
+                                      </p:tavLst>
+                                    </p:anim>
+                                  </p:childTnLst>
+                                </p:cTn>
+                              </p:par>
+                            </p:childTnLst>
+                          </p:cTn>
+                        </p:par>
+                        <p:par>
+                          <p:cTn id="37" fill="hold">
+                            <p:stCondLst>
+                              <p:cond delay="2000"/>
+                            </p:stCondLst>
+                            <p:childTnLst>
+                              <p:par>
+                                <p:cTn id="38" presetID="42" presetClass="entr" presetSubtype="0" fill="hold" nodeType="afterEffect">
+                                  <p:stCondLst>
+                                    <p:cond delay="0"/>
+                                  </p:stCondLst>
+                                  <p:childTnLst>
+                                    <p:set>
+                                      <p:cBhvr>
+                                        <p:cTn id="39" dur="1" fill="hold">
+                                          <p:stCondLst>
+                                            <p:cond delay="0"/>
+                                          </p:stCondLst>
+                                        </p:cTn>
+                                        <p:tgtEl>
+                                          <p:spTgt spid="7"/>
+                                        </p:tgtEl>
+                                        <p:attrNameLst>
+                                          <p:attrName>style.visibility</p:attrName>
+                                        </p:attrNameLst>
+                                      </p:cBhvr>
+                                      <p:to>
+                                        <p:strVal val="visible"/>
+                                      </p:to>
+                                    </p:set>
+                                    <p:animEffect transition="in" filter="fade">
+                                      <p:cBhvr>
+                                        <p:cTn id="40" dur="1000"/>
+                                        <p:tgtEl>
+                                          <p:spTgt spid="7"/>
+                                        </p:tgtEl>
+                                      </p:cBhvr>
+                                    </p:animEffect>
+                                    <p:anim calcmode="lin" valueType="num">
+                                      <p:cBhvr>
+                                        <p:cTn id="41" dur="1000" fill="hold"/>
+                                        <p:tgtEl>
+                                          <p:spTgt spid="7"/>
+                                        </p:tgtEl>
+                                        <p:attrNameLst>
+                                          <p:attrName>ppt_x</p:attrName>
+                                        </p:attrNameLst>
+                                      </p:cBhvr>
+                                      <p:tavLst>
+                                        <p:tav tm="0">
+                                          <p:val>
+                                            <p:strVal val="#ppt_x"/>
+                                          </p:val>
+                                        </p:tav>
+                                        <p:tav tm="100000">
+                                          <p:val>
+                                            <p:strVal val="#ppt_x"/>
+                                          </p:val>
+                                        </p:tav>
+                                      </p:tavLst>
+                                    </p:anim>
+                                    <p:anim calcmode="lin" valueType="num">
+                                      <p:cBhvr>
+                                        <p:cTn id="42" dur="1000" fill="hold"/>
+                                        <p:tgtEl>
+                                          <p:spTgt spid="7"/>
+                                        </p:tgtEl>
+                                        <p:attrNameLst>
+                                          <p:attrName>ppt_y</p:attrName>
+                                        </p:attrNameLst>
+                                      </p:cBhvr>
+                                      <p:tavLst>
+                                        <p:tav tm="0">
+                                          <p:val>
+                                            <p:strVal val="#ppt_y+.1"/>
+                                          </p:val>
+                                        </p:tav>
+                                        <p:tav tm="100000">
+                                          <p:val>
+                                            <p:strVal val="#ppt_y"/>
+                                          </p:val>
+                                        </p:tav>
+                                      </p:tavLst>
+                                    </p:anim>
+                                  </p:childTnLst>
+                                </p:cTn>
+                              </p:par>
+                            </p:childTnLst>
+                          </p:cTn>
+                        </p:par>
+                      </p:childTnLst>
+                    </p:cTn>
+                  </p:par>
+                  <p:par>
+                    <p:cTn id="43" fill="hold">
+                      <p:stCondLst>
+                        <p:cond delay="indefinite"/>
+                      </p:stCondLst>
+                      <p:childTnLst>
+                        <p:par>
+                          <p:cTn id="44" fill="hold">
+                            <p:stCondLst>
+                              <p:cond delay="0"/>
+                            </p:stCondLst>
+                            <p:childTnLst>
+                              <p:par>
+                                <p:cTn id="45" presetID="42" presetClass="entr" presetSubtype="0" fill="hold" nodeType="clickEffect">
+                                  <p:stCondLst>
+                                    <p:cond delay="0"/>
+                                  </p:stCondLst>
+                                  <p:childTnLst>
+                                    <p:set>
+                                      <p:cBhvr>
+                                        <p:cTn id="46" dur="1" fill="hold">
+                                          <p:stCondLst>
+                                            <p:cond delay="0"/>
+                                          </p:stCondLst>
+                                        </p:cTn>
+                                        <p:tgtEl>
+                                          <p:spTgt spid="2">
+                                            <p:txEl>
+                                              <p:pRg st="4" end="4"/>
+                                            </p:txEl>
+                                          </p:spTgt>
+                                        </p:tgtEl>
+                                        <p:attrNameLst>
+                                          <p:attrName>style.visibility</p:attrName>
+                                        </p:attrNameLst>
+                                      </p:cBhvr>
+                                      <p:to>
+                                        <p:strVal val="visible"/>
+                                      </p:to>
+                                    </p:set>
+                                    <p:animEffect transition="in" filter="fade">
+                                      <p:cBhvr>
+                                        <p:cTn id="47" dur="1000"/>
+                                        <p:tgtEl>
+                                          <p:spTgt spid="2">
+                                            <p:txEl>
+                                              <p:pRg st="4" end="4"/>
+                                            </p:txEl>
+                                          </p:spTgt>
+                                        </p:tgtEl>
+                                      </p:cBhvr>
+                                    </p:animEffect>
+                                    <p:anim calcmode="lin" valueType="num">
+                                      <p:cBhvr>
+                                        <p:cTn id="48" dur="1000" fill="hold"/>
+                                        <p:tgtEl>
+                                          <p:spTgt spid="2">
+                                            <p:txEl>
+                                              <p:pRg st="4" end="4"/>
+                                            </p:txEl>
+                                          </p:spTgt>
+                                        </p:tgtEl>
+                                        <p:attrNameLst>
+                                          <p:attrName>ppt_x</p:attrName>
+                                        </p:attrNameLst>
+                                      </p:cBhvr>
+                                      <p:tavLst>
+                                        <p:tav tm="0">
+                                          <p:val>
+                                            <p:strVal val="#ppt_x"/>
+                                          </p:val>
+                                        </p:tav>
+                                        <p:tav tm="100000">
+                                          <p:val>
+                                            <p:strVal val="#ppt_x"/>
+                                          </p:val>
+                                        </p:tav>
+                                      </p:tavLst>
+                                    </p:anim>
+                                    <p:anim calcmode="lin" valueType="num">
+                                      <p:cBhvr>
+                                        <p:cTn id="49" dur="1000" fill="hold"/>
+                                        <p:tgtEl>
+                                          <p:spTgt spid="2">
+                                            <p:txEl>
+                                              <p:pRg st="4" end="4"/>
+                                            </p:txEl>
+                                          </p:spTgt>
+                                        </p:tgtEl>
+                                        <p:attrNameLst>
+                                          <p:attrName>ppt_y</p:attrName>
+                                        </p:attrNameLst>
+                                      </p:cBhvr>
+                                      <p:tavLst>
+                                        <p:tav tm="0">
+                                          <p:val>
+                                            <p:strVal val="#ppt_y+.1"/>
+                                          </p:val>
+                                        </p:tav>
+                                        <p:tav tm="100000">
+                                          <p:val>
+                                            <p:strVal val="#ppt_y"/>
+                                          </p:val>
+                                        </p:tav>
+                                      </p:tavLst>
+                                    </p:anim>
+                                  </p:childTnLst>
+                                </p:cTn>
+                              </p:par>
+                              <p:par>
+                                <p:cTn id="50" presetID="42" presetClass="entr" presetSubtype="0" fill="hold" nodeType="withEffect">
+                                  <p:stCondLst>
+                                    <p:cond delay="0"/>
+                                  </p:stCondLst>
+                                  <p:childTnLst>
+                                    <p:set>
+                                      <p:cBhvr>
+                                        <p:cTn id="51" dur="1" fill="hold">
+                                          <p:stCondLst>
+                                            <p:cond delay="0"/>
+                                          </p:stCondLst>
+                                        </p:cTn>
+                                        <p:tgtEl>
+                                          <p:spTgt spid="8"/>
+                                        </p:tgtEl>
+                                        <p:attrNameLst>
+                                          <p:attrName>style.visibility</p:attrName>
+                                        </p:attrNameLst>
+                                      </p:cBhvr>
+                                      <p:to>
+                                        <p:strVal val="visible"/>
+                                      </p:to>
+                                    </p:set>
+                                    <p:animEffect transition="in" filter="fade">
+                                      <p:cBhvr>
+                                        <p:cTn id="52" dur="1000"/>
+                                        <p:tgtEl>
+                                          <p:spTgt spid="8"/>
+                                        </p:tgtEl>
+                                      </p:cBhvr>
+                                    </p:animEffect>
+                                    <p:anim calcmode="lin" valueType="num">
+                                      <p:cBhvr>
+                                        <p:cTn id="53" dur="1000" fill="hold"/>
+                                        <p:tgtEl>
+                                          <p:spTgt spid="8"/>
+                                        </p:tgtEl>
+                                        <p:attrNameLst>
+                                          <p:attrName>ppt_x</p:attrName>
+                                        </p:attrNameLst>
+                                      </p:cBhvr>
+                                      <p:tavLst>
+                                        <p:tav tm="0">
+                                          <p:val>
+                                            <p:strVal val="#ppt_x"/>
+                                          </p:val>
+                                        </p:tav>
+                                        <p:tav tm="100000">
+                                          <p:val>
+                                            <p:strVal val="#ppt_x"/>
+                                          </p:val>
+                                        </p:tav>
+                                      </p:tavLst>
+                                    </p:anim>
+                                    <p:anim calcmode="lin" valueType="num">
+                                      <p:cBhvr>
+                                        <p:cTn id="54" dur="1000" fill="hold"/>
+                                        <p:tgtEl>
+                                          <p:spTgt spid="8"/>
+                                        </p:tgtEl>
+                                        <p:attrNameLst>
+                                          <p:attrName>ppt_y</p:attrName>
+                                        </p:attrNameLst>
+                                      </p:cBhvr>
+                                      <p:tavLst>
+                                        <p:tav tm="0">
+                                          <p:val>
+                                            <p:strVal val="#ppt_y+.1"/>
+                                          </p:val>
+                                        </p:tav>
+                                        <p:tav tm="100000">
+                                          <p:val>
+                                            <p:strVal val="#ppt_y"/>
+                                          </p:val>
+                                        </p:tav>
+                                      </p:tavLst>
+                                    </p:anim>
+                                  </p:childTnLst>
+                                </p:cTn>
+                              </p:par>
+                            </p:childTnLst>
+                          </p:cTn>
+                        </p:par>
+                      </p:childTnLst>
+                    </p:cTn>
+                  </p:par>
+                  <p:par>
+                    <p:cTn id="55" fill="hold">
+                      <p:stCondLst>
+                        <p:cond delay="indefinite"/>
+                      </p:stCondLst>
+                      <p:childTnLst>
+                        <p:par>
+                          <p:cTn id="56" fill="hold">
+                            <p:stCondLst>
+                              <p:cond delay="0"/>
+                            </p:stCondLst>
+                            <p:childTnLst>
+                              <p:par>
+                                <p:cTn id="57" presetID="42" presetClass="entr" presetSubtype="0" fill="hold" nodeType="clickEffect">
+                                  <p:stCondLst>
+                                    <p:cond delay="0"/>
+                                  </p:stCondLst>
+                                  <p:childTnLst>
+                                    <p:set>
+                                      <p:cBhvr>
+                                        <p:cTn id="58" dur="1" fill="hold">
+                                          <p:stCondLst>
+                                            <p:cond delay="0"/>
+                                          </p:stCondLst>
+                                        </p:cTn>
+                                        <p:tgtEl>
+                                          <p:spTgt spid="2">
+                                            <p:txEl>
+                                              <p:pRg st="6" end="6"/>
+                                            </p:txEl>
+                                          </p:spTgt>
+                                        </p:tgtEl>
+                                        <p:attrNameLst>
+                                          <p:attrName>style.visibility</p:attrName>
+                                        </p:attrNameLst>
+                                      </p:cBhvr>
+                                      <p:to>
+                                        <p:strVal val="visible"/>
+                                      </p:to>
+                                    </p:set>
+                                    <p:animEffect transition="in" filter="fade">
+                                      <p:cBhvr>
+                                        <p:cTn id="59" dur="1000"/>
+                                        <p:tgtEl>
+                                          <p:spTgt spid="2">
+                                            <p:txEl>
+                                              <p:pRg st="6" end="6"/>
+                                            </p:txEl>
+                                          </p:spTgt>
+                                        </p:tgtEl>
+                                      </p:cBhvr>
+                                    </p:animEffect>
+                                    <p:anim calcmode="lin" valueType="num">
+                                      <p:cBhvr>
+                                        <p:cTn id="60" dur="1000" fill="hold"/>
+                                        <p:tgtEl>
+                                          <p:spTgt spid="2">
+                                            <p:txEl>
+                                              <p:pRg st="6" end="6"/>
+                                            </p:txEl>
+                                          </p:spTgt>
+                                        </p:tgtEl>
+                                        <p:attrNameLst>
+                                          <p:attrName>ppt_x</p:attrName>
+                                        </p:attrNameLst>
+                                      </p:cBhvr>
+                                      <p:tavLst>
+                                        <p:tav tm="0">
+                                          <p:val>
+                                            <p:strVal val="#ppt_x"/>
+                                          </p:val>
+                                        </p:tav>
+                                        <p:tav tm="100000">
+                                          <p:val>
+                                            <p:strVal val="#ppt_x"/>
+                                          </p:val>
+                                        </p:tav>
+                                      </p:tavLst>
+                                    </p:anim>
+                                    <p:anim calcmode="lin" valueType="num">
+                                      <p:cBhvr>
+                                        <p:cTn id="61" dur="1000" fill="hold"/>
+                                        <p:tgtEl>
+                                          <p:spTgt spid="2">
+                                            <p:txEl>
+                                              <p:pRg st="6" end="6"/>
+                                            </p:txEl>
+                                          </p:spTgt>
+                                        </p:tgtEl>
+                                        <p:attrNameLst>
+                                          <p:attrName>ppt_y</p:attrName>
+                                        </p:attrNameLst>
+                                      </p:cBhvr>
+                                      <p:tavLst>
+                                        <p:tav tm="0">
+                                          <p:val>
+                                            <p:strVal val="#ppt_y+.1"/>
+                                          </p:val>
+                                        </p:tav>
+                                        <p:tav tm="100000">
+                                          <p:val>
+                                            <p:strVal val="#ppt_y"/>
+                                          </p:val>
+                                        </p:tav>
+                                      </p:tavLst>
+                                    </p:anim>
+                                  </p:childTnLst>
+                                </p:cTn>
+                              </p:par>
+                              <p:par>
+                                <p:cTn id="62" presetID="42" presetClass="entr" presetSubtype="0" fill="hold" nodeType="withEffect">
+                                  <p:stCondLst>
+                                    <p:cond delay="0"/>
+                                  </p:stCondLst>
+                                  <p:childTnLst>
+                                    <p:set>
+                                      <p:cBhvr>
+                                        <p:cTn id="63" dur="1" fill="hold">
+                                          <p:stCondLst>
+                                            <p:cond delay="0"/>
+                                          </p:stCondLst>
+                                        </p:cTn>
+                                        <p:tgtEl>
+                                          <p:spTgt spid="5124"/>
+                                        </p:tgtEl>
+                                        <p:attrNameLst>
+                                          <p:attrName>style.visibility</p:attrName>
+                                        </p:attrNameLst>
+                                      </p:cBhvr>
+                                      <p:to>
+                                        <p:strVal val="visible"/>
+                                      </p:to>
+                                    </p:set>
+                                    <p:animEffect transition="in" filter="fade">
+                                      <p:cBhvr>
+                                        <p:cTn id="64" dur="1000"/>
+                                        <p:tgtEl>
+                                          <p:spTgt spid="5124"/>
+                                        </p:tgtEl>
+                                      </p:cBhvr>
+                                    </p:animEffect>
+                                    <p:anim calcmode="lin" valueType="num">
+                                      <p:cBhvr>
+                                        <p:cTn id="65" dur="1000" fill="hold"/>
+                                        <p:tgtEl>
+                                          <p:spTgt spid="5124"/>
+                                        </p:tgtEl>
+                                        <p:attrNameLst>
+                                          <p:attrName>ppt_x</p:attrName>
+                                        </p:attrNameLst>
+                                      </p:cBhvr>
+                                      <p:tavLst>
+                                        <p:tav tm="0">
+                                          <p:val>
+                                            <p:strVal val="#ppt_x"/>
+                                          </p:val>
+                                        </p:tav>
+                                        <p:tav tm="100000">
+                                          <p:val>
+                                            <p:strVal val="#ppt_x"/>
+                                          </p:val>
+                                        </p:tav>
+                                      </p:tavLst>
+                                    </p:anim>
+                                    <p:anim calcmode="lin" valueType="num">
+                                      <p:cBhvr>
+                                        <p:cTn id="66" dur="1000" fill="hold"/>
+                                        <p:tgtEl>
+                                          <p:spTgt spid="5124"/>
+                                        </p:tgtEl>
+                                        <p:attrNameLst>
+                                          <p:attrName>ppt_y</p:attrName>
+                                        </p:attrNameLst>
+                                      </p:cBhvr>
+                                      <p:tavLst>
+                                        <p:tav tm="0">
+                                          <p:val>
+                                            <p:strVal val="#ppt_y+.1"/>
+                                          </p:val>
+                                        </p:tav>
+                                        <p:tav tm="100000">
+                                          <p:val>
+                                            <p:strVal val="#ppt_y"/>
+                                          </p:val>
+                                        </p:tav>
+                                      </p:tavLst>
+                                    </p:anim>
+                                  </p:childTnLst>
+                                </p:cTn>
+                              </p:par>
+                            </p:childTnLst>
+                          </p:cTn>
+                        </p:par>
+                      </p:childTnLst>
+                    </p:cTn>
+                  </p:par>
+                </p:childTnLst>
+              </p:cTn>
+              <p:prevCondLst>
+                <p:cond evt="onPrev" delay="0">
+                  <p:tgtEl>
+                    <p:sldTgt/>
+                  </p:tgtEl>
+                </p:cond>
+              </p:prevCondLst>
+              <p:nextCondLst>
+                <p:cond evt="onNext" delay="0">
+                  <p:tgtEl>
+                    <p:sldTgt/>
+                  </p:tgtEl>
+                </p:cond>
+              </p:nextCondLst>
+            </p:seq>
+          </p:childTnLst>
+        </p:cTn>
+      </p:par>
+    </p:tnLst>
+  </p:timing>
 </p:sld>
 </file>
 
@@ -7342,7 +14303,7 @@
           <p:cNvPr id="4" name="Immagine 3">
             <a:extLst>
               <a:ext uri="{FF2B5EF4-FFF2-40B4-BE49-F238E27FC236}">
-                <a16:creationId xmlns:a16="http://schemas.microsoft.com/office/drawing/2014/main" id="{D15B6BDB-899C-5747-B73F-9C7A8B67AC48}"/>
+                <a16:creationId xmlns:a16="http://schemas.microsoft.com/office/drawing/2014/main" xmlns="" id="{D15B6BDB-899C-5747-B73F-9C7A8B67AC48}"/>
               </a:ext>
             </a:extLst>
           </p:cNvPr>
@@ -7377,6 +14338,16 @@
   <p:clrMapOvr>
     <a:masterClrMapping/>
   </p:clrMapOvr>
+  <p:transition spd="slow">
+    <p:wipe/>
+  </p:transition>
+  <p:timing>
+    <p:tnLst>
+      <p:par>
+        <p:cTn id="1" dur="indefinite" restart="never" nodeType="tmRoot"/>
+      </p:par>
+    </p:tnLst>
+  </p:timing>
 </p:sld>
 </file>
 
@@ -7424,7 +14395,7 @@
           <p:cNvPr id="6" name="Immagine 5">
             <a:extLst>
               <a:ext uri="{FF2B5EF4-FFF2-40B4-BE49-F238E27FC236}">
-                <a16:creationId xmlns:a16="http://schemas.microsoft.com/office/drawing/2014/main" id="{E14E6CC9-5A4E-4844-A1B1-C4700703EC8C}"/>
+                <a16:creationId xmlns:a16="http://schemas.microsoft.com/office/drawing/2014/main" xmlns="" id="{E14E6CC9-5A4E-4844-A1B1-C4700703EC8C}"/>
               </a:ext>
             </a:extLst>
           </p:cNvPr>
@@ -7464,6 +14435,141 @@
   <p:clrMapOvr>
     <a:masterClrMapping/>
   </p:clrMapOvr>
+  <p:transition spd="slow">
+    <p:wipe/>
+  </p:transition>
+  <p:timing>
+    <p:tnLst>
+      <p:par>
+        <p:cTn id="1" dur="indefinite" restart="never" nodeType="tmRoot">
+          <p:childTnLst>
+            <p:seq concurrent="1" nextAc="seek">
+              <p:cTn id="2" dur="indefinite" nodeType="mainSeq">
+                <p:childTnLst>
+                  <p:par>
+                    <p:cTn id="3" fill="hold">
+                      <p:stCondLst>
+                        <p:cond delay="indefinite"/>
+                        <p:cond evt="onBegin" delay="0">
+                          <p:tn val="2"/>
+                        </p:cond>
+                      </p:stCondLst>
+                      <p:childTnLst>
+                        <p:par>
+                          <p:cTn id="4" fill="hold">
+                            <p:stCondLst>
+                              <p:cond delay="0"/>
+                            </p:stCondLst>
+                            <p:childTnLst>
+                              <p:par>
+                                <p:cTn id="5" presetID="42" presetClass="entr" presetSubtype="0" fill="hold" nodeType="withEffect">
+                                  <p:stCondLst>
+                                    <p:cond delay="0"/>
+                                  </p:stCondLst>
+                                  <p:childTnLst>
+                                    <p:set>
+                                      <p:cBhvr>
+                                        <p:cTn id="6" dur="1" fill="hold">
+                                          <p:stCondLst>
+                                            <p:cond delay="0"/>
+                                          </p:stCondLst>
+                                        </p:cTn>
+                                        <p:tgtEl>
+                                          <p:spTgt spid="6"/>
+                                        </p:tgtEl>
+                                        <p:attrNameLst>
+                                          <p:attrName>style.visibility</p:attrName>
+                                        </p:attrNameLst>
+                                      </p:cBhvr>
+                                      <p:to>
+                                        <p:strVal val="visible"/>
+                                      </p:to>
+                                    </p:set>
+                                    <p:animEffect transition="in" filter="fade">
+                                      <p:cBhvr>
+                                        <p:cTn id="7" dur="1000"/>
+                                        <p:tgtEl>
+                                          <p:spTgt spid="6"/>
+                                        </p:tgtEl>
+                                      </p:cBhvr>
+                                    </p:animEffect>
+                                    <p:anim calcmode="lin" valueType="num">
+                                      <p:cBhvr>
+                                        <p:cTn id="8" dur="1000" fill="hold"/>
+                                        <p:tgtEl>
+                                          <p:spTgt spid="6"/>
+                                        </p:tgtEl>
+                                        <p:attrNameLst>
+                                          <p:attrName>ppt_x</p:attrName>
+                                        </p:attrNameLst>
+                                      </p:cBhvr>
+                                      <p:tavLst>
+                                        <p:tav tm="0">
+                                          <p:val>
+                                            <p:strVal val="#ppt_x"/>
+                                          </p:val>
+                                        </p:tav>
+                                        <p:tav tm="100000">
+                                          <p:val>
+                                            <p:strVal val="#ppt_x"/>
+                                          </p:val>
+                                        </p:tav>
+                                      </p:tavLst>
+                                    </p:anim>
+                                    <p:anim calcmode="lin" valueType="num">
+                                      <p:cBhvr>
+                                        <p:cTn id="9" dur="1000" fill="hold"/>
+                                        <p:tgtEl>
+                                          <p:spTgt spid="6"/>
+                                        </p:tgtEl>
+                                        <p:attrNameLst>
+                                          <p:attrName>ppt_y</p:attrName>
+                                        </p:attrNameLst>
+                                      </p:cBhvr>
+                                      <p:tavLst>
+                                        <p:tav tm="0">
+                                          <p:val>
+                                            <p:strVal val="#ppt_y+.1"/>
+                                          </p:val>
+                                        </p:tav>
+                                        <p:tav tm="100000">
+                                          <p:val>
+                                            <p:strVal val="#ppt_y"/>
+                                          </p:val>
+                                        </p:tav>
+                                      </p:tavLst>
+                                    </p:anim>
+                                  </p:childTnLst>
+                                </p:cTn>
+                              </p:par>
+                            </p:childTnLst>
+                          </p:cTn>
+                        </p:par>
+                      </p:childTnLst>
+                    </p:cTn>
+                  </p:par>
+                </p:childTnLst>
+              </p:cTn>
+              <p:prevCondLst>
+                <p:cond evt="onPrev" delay="0">
+                  <p:tgtEl>
+                    <p:sldTgt/>
+                  </p:tgtEl>
+                </p:cond>
+              </p:prevCondLst>
+              <p:nextCondLst>
+                <p:cond evt="onNext" delay="0">
+                  <p:tgtEl>
+                    <p:sldTgt/>
+                  </p:tgtEl>
+                </p:cond>
+              </p:nextCondLst>
+            </p:seq>
+          </p:childTnLst>
+        </p:cTn>
+      </p:par>
+    </p:tnLst>
+  </p:timing>
 </p:sld>
 </file>
 

--- a/presentazione/Presentazione_Progetti_di_Dipl.pptx
+++ b/presentazione/Presentazione_Progetti_di_Dipl.pptx
@@ -152,7 +152,7 @@
   </p:defaultTextStyle>
   <p:extLst>
     <p:ext uri="{EFAFB233-063F-42B5-8137-9DF3F51BA10A}">
-      <p15:sldGuideLst xmlns:p15="http://schemas.microsoft.com/office/powerpoint/2012/main" xmlns="">
+      <p15:sldGuideLst xmlns="" xmlns:p15="http://schemas.microsoft.com/office/powerpoint/2012/main">
         <p15:guide id="1" orient="horz" pos="2160">
           <p15:clr>
             <a:srgbClr val="A4A3A4"/>
@@ -266,7 +266,7 @@
             <a:fld id="{EC9388A7-5429-7442-BD81-798B3F4B5BE0}" type="datetime1">
               <a:rPr lang="it-IT"/>
               <a:pPr/>
-              <a:t>13/05/2019</a:t>
+              <a:t>14/05/2019</a:t>
             </a:fld>
             <a:endParaRPr lang="it-IT"/>
           </a:p>
@@ -524,7 +524,7 @@
               </a14:hiddenFill>
             </a:ext>
             <a:ext uri="{FAA26D3D-D897-4be2-8F04-BA451C77F1D7}">
-              <ma14:placeholderFlag xmlns:ma14="http://schemas.microsoft.com/office/mac/drawingml/2011/main" xmlns="" val="1"/>
+              <ma14:placeholderFlag xmlns="" xmlns:ma14="http://schemas.microsoft.com/office/mac/drawingml/2011/main" val="1"/>
             </a:ext>
           </a:extLst>
         </p:spPr>
@@ -5923,7 +5923,7 @@
           <p:cNvPr id="5" name="Immagine 4" descr="Immagine che contiene clipart&#10;&#10;Descrizione generata automaticamente">
             <a:extLst>
               <a:ext uri="{FF2B5EF4-FFF2-40B4-BE49-F238E27FC236}">
-                <a16:creationId xmlns:a16="http://schemas.microsoft.com/office/drawing/2014/main" xmlns="" id="{5BB63B31-7768-E643-89C1-1C8CCD09C12E}"/>
+                <a16:creationId xmlns="" xmlns:a16="http://schemas.microsoft.com/office/drawing/2014/main" id="{5BB63B31-7768-E643-89C1-1C8CCD09C12E}"/>
               </a:ext>
             </a:extLst>
           </p:cNvPr>
@@ -7318,7 +7318,7 @@
           <p:cNvPr id="2" name="Segnaposto testo 1">
             <a:extLst>
               <a:ext uri="{FF2B5EF4-FFF2-40B4-BE49-F238E27FC236}">
-                <a16:creationId xmlns:a16="http://schemas.microsoft.com/office/drawing/2014/main" xmlns="" id="{E75307F9-D626-ED4A-B88C-7430269A4EA7}"/>
+                <a16:creationId xmlns="" xmlns:a16="http://schemas.microsoft.com/office/drawing/2014/main" id="{E75307F9-D626-ED4A-B88C-7430269A4EA7}"/>
               </a:ext>
             </a:extLst>
           </p:cNvPr>
@@ -7352,7 +7352,7 @@
           <p:cNvPr id="9" name="Immagine 8">
             <a:extLst>
               <a:ext uri="{FF2B5EF4-FFF2-40B4-BE49-F238E27FC236}">
-                <a16:creationId xmlns:a16="http://schemas.microsoft.com/office/drawing/2014/main" xmlns="" id="{2D503BCF-FE37-9A4B-B6BC-AB0475524DA7}"/>
+                <a16:creationId xmlns="" xmlns:a16="http://schemas.microsoft.com/office/drawing/2014/main" id="{2D503BCF-FE37-9A4B-B6BC-AB0475524DA7}"/>
               </a:ext>
             </a:extLst>
           </p:cNvPr>
@@ -8845,7 +8845,7 @@
           <p:cNvPr id="4" name="Immagine 3" descr="Immagine che contiene screenshot&#10;&#10;Descrizione generata automaticamente">
             <a:extLst>
               <a:ext uri="{FF2B5EF4-FFF2-40B4-BE49-F238E27FC236}">
-                <a16:creationId xmlns:a16="http://schemas.microsoft.com/office/drawing/2014/main" xmlns="" id="{35FA4F92-B899-484D-95BF-5B216A6A1C7F}"/>
+                <a16:creationId xmlns="" xmlns:a16="http://schemas.microsoft.com/office/drawing/2014/main" id="{35FA4F92-B899-484D-95BF-5B216A6A1C7F}"/>
               </a:ext>
             </a:extLst>
           </p:cNvPr>
@@ -11515,7 +11515,7 @@
               <a:buChar char="•"/>
             </a:pPr>
             <a:r>
-              <a:rPr lang="it-IT" sz="1800" dirty="0"/>
+              <a:rPr lang="it-IT" sz="1800" dirty="0" smtClean="0"/>
               <a:t>Appoggiata da diverse funzioni che consentono di creare l’applicativo desiderato</a:t>
             </a:r>
           </a:p>
@@ -11618,7 +11618,7 @@
           <p:cNvPr id="4" name="Immagine 3">
             <a:extLst>
               <a:ext uri="{FF2B5EF4-FFF2-40B4-BE49-F238E27FC236}">
-                <a16:creationId xmlns:a16="http://schemas.microsoft.com/office/drawing/2014/main" xmlns="" id="{C6EC0595-1F1B-7F47-948C-8D5778E1ADB0}"/>
+                <a16:creationId xmlns="" xmlns:a16="http://schemas.microsoft.com/office/drawing/2014/main" id="{C6EC0595-1F1B-7F47-948C-8D5778E1ADB0}"/>
               </a:ext>
             </a:extLst>
           </p:cNvPr>
@@ -11635,12 +11635,258 @@
         </p:blipFill>
         <p:spPr>
           <a:xfrm>
-            <a:off x="6012160" y="4580171"/>
-            <a:ext cx="1754234" cy="1074021"/>
+            <a:off x="5370729" y="4463360"/>
+            <a:ext cx="2427003" cy="1485920"/>
           </a:xfrm>
           <a:prstGeom prst="rect">
             <a:avLst/>
           </a:prstGeom>
+        </p:spPr>
+      </p:pic>
+      <p:pic>
+        <p:nvPicPr>
+          <p:cNvPr id="1026" name="Picture 2" descr="Kicking Off Image Manipulation API Work"/>
+          <p:cNvPicPr>
+            <a:picLocks noChangeAspect="1" noChangeArrowheads="1"/>
+          </p:cNvPicPr>
+          <p:nvPr/>
+        </p:nvPicPr>
+        <p:blipFill>
+          <a:blip r:embed="rId3">
+            <a:extLst>
+              <a:ext uri="{28A0092B-C50C-407E-A947-70E740481C1C}">
+                <a14:useLocalDpi xmlns:a14="http://schemas.microsoft.com/office/drawing/2010/main" val="0"/>
+              </a:ext>
+            </a:extLst>
+          </a:blip>
+          <a:srcRect/>
+          <a:stretch>
+            <a:fillRect/>
+          </a:stretch>
+        </p:blipFill>
+        <p:spPr bwMode="auto">
+          <a:xfrm>
+            <a:off x="5349927" y="4165466"/>
+            <a:ext cx="2096344" cy="2096344"/>
+          </a:xfrm>
+          <a:prstGeom prst="rect">
+            <a:avLst/>
+          </a:prstGeom>
+          <a:noFill/>
+          <a:extLst>
+            <a:ext uri="{909E8E84-426E-40DD-AFC4-6F175D3DCCD1}">
+              <a14:hiddenFill xmlns:a14="http://schemas.microsoft.com/office/drawing/2010/main">
+                <a:solidFill>
+                  <a:srgbClr val="FFFFFF"/>
+                </a:solidFill>
+              </a14:hiddenFill>
+            </a:ext>
+          </a:extLst>
+        </p:spPr>
+      </p:pic>
+      <p:pic>
+        <p:nvPicPr>
+          <p:cNvPr id="1028" name="Picture 4" descr="Interactive - Free technology icons"/>
+          <p:cNvPicPr>
+            <a:picLocks noChangeAspect="1" noChangeArrowheads="1"/>
+          </p:cNvPicPr>
+          <p:nvPr/>
+        </p:nvPicPr>
+        <p:blipFill>
+          <a:blip r:embed="rId4">
+            <a:extLst>
+              <a:ext uri="{28A0092B-C50C-407E-A947-70E740481C1C}">
+                <a14:useLocalDpi xmlns:a14="http://schemas.microsoft.com/office/drawing/2010/main" val="0"/>
+              </a:ext>
+            </a:extLst>
+          </a:blip>
+          <a:srcRect/>
+          <a:stretch>
+            <a:fillRect/>
+          </a:stretch>
+        </p:blipFill>
+        <p:spPr bwMode="auto">
+          <a:xfrm>
+            <a:off x="5219839" y="4253436"/>
+            <a:ext cx="2356521" cy="2356521"/>
+          </a:xfrm>
+          <a:prstGeom prst="rect">
+            <a:avLst/>
+          </a:prstGeom>
+          <a:noFill/>
+          <a:extLst>
+            <a:ext uri="{909E8E84-426E-40DD-AFC4-6F175D3DCCD1}">
+              <a14:hiddenFill xmlns:a14="http://schemas.microsoft.com/office/drawing/2010/main">
+                <a:solidFill>
+                  <a:srgbClr val="FFFFFF"/>
+                </a:solidFill>
+              </a14:hiddenFill>
+            </a:ext>
+          </a:extLst>
+        </p:spPr>
+      </p:pic>
+      <p:pic>
+        <p:nvPicPr>
+          <p:cNvPr id="1030" name="Picture 6" descr="Function Icon With PNG and Vector Format for Free ..."/>
+          <p:cNvPicPr>
+            <a:picLocks noChangeAspect="1" noChangeArrowheads="1"/>
+          </p:cNvPicPr>
+          <p:nvPr/>
+        </p:nvPicPr>
+        <p:blipFill>
+          <a:blip r:embed="rId5">
+            <a:extLst>
+              <a:ext uri="{28A0092B-C50C-407E-A947-70E740481C1C}">
+                <a14:useLocalDpi xmlns:a14="http://schemas.microsoft.com/office/drawing/2010/main" val="0"/>
+              </a:ext>
+            </a:extLst>
+          </a:blip>
+          <a:srcRect/>
+          <a:stretch>
+            <a:fillRect/>
+          </a:stretch>
+        </p:blipFill>
+        <p:spPr bwMode="auto">
+          <a:xfrm>
+            <a:off x="5220072" y="4005064"/>
+            <a:ext cx="2765296" cy="2765297"/>
+          </a:xfrm>
+          <a:prstGeom prst="rect">
+            <a:avLst/>
+          </a:prstGeom>
+          <a:noFill/>
+          <a:extLst>
+            <a:ext uri="{909E8E84-426E-40DD-AFC4-6F175D3DCCD1}">
+              <a14:hiddenFill xmlns:a14="http://schemas.microsoft.com/office/drawing/2010/main">
+                <a:solidFill>
+                  <a:srgbClr val="FFFFFF"/>
+                </a:solidFill>
+              </a14:hiddenFill>
+            </a:ext>
+          </a:extLst>
+        </p:spPr>
+      </p:pic>
+      <p:pic>
+        <p:nvPicPr>
+          <p:cNvPr id="1032" name="Picture 8" descr="Automated Data Governance Products"/>
+          <p:cNvPicPr>
+            <a:picLocks noChangeAspect="1" noChangeArrowheads="1"/>
+          </p:cNvPicPr>
+          <p:nvPr/>
+        </p:nvPicPr>
+        <p:blipFill>
+          <a:blip r:embed="rId6">
+            <a:extLst>
+              <a:ext uri="{28A0092B-C50C-407E-A947-70E740481C1C}">
+                <a14:useLocalDpi xmlns:a14="http://schemas.microsoft.com/office/drawing/2010/main" val="0"/>
+              </a:ext>
+            </a:extLst>
+          </a:blip>
+          <a:srcRect/>
+          <a:stretch>
+            <a:fillRect/>
+          </a:stretch>
+        </p:blipFill>
+        <p:spPr bwMode="auto">
+          <a:xfrm>
+            <a:off x="5370729" y="4305053"/>
+            <a:ext cx="2165318" cy="2165318"/>
+          </a:xfrm>
+          <a:prstGeom prst="rect">
+            <a:avLst/>
+          </a:prstGeom>
+          <a:noFill/>
+          <a:extLst>
+            <a:ext uri="{909E8E84-426E-40DD-AFC4-6F175D3DCCD1}">
+              <a14:hiddenFill xmlns:a14="http://schemas.microsoft.com/office/drawing/2010/main">
+                <a:solidFill>
+                  <a:srgbClr val="FFFFFF"/>
+                </a:solidFill>
+              </a14:hiddenFill>
+            </a:ext>
+          </a:extLst>
+        </p:spPr>
+      </p:pic>
+      <p:pic>
+        <p:nvPicPr>
+          <p:cNvPr id="1034" name="Picture 10" descr="Browsers PNG Transparent Images | PNG All"/>
+          <p:cNvPicPr>
+            <a:picLocks noChangeAspect="1" noChangeArrowheads="1"/>
+          </p:cNvPicPr>
+          <p:nvPr/>
+        </p:nvPicPr>
+        <p:blipFill>
+          <a:blip r:embed="rId7">
+            <a:extLst>
+              <a:ext uri="{28A0092B-C50C-407E-A947-70E740481C1C}">
+                <a14:useLocalDpi xmlns:a14="http://schemas.microsoft.com/office/drawing/2010/main" val="0"/>
+              </a:ext>
+            </a:extLst>
+          </a:blip>
+          <a:srcRect/>
+          <a:stretch>
+            <a:fillRect/>
+          </a:stretch>
+        </p:blipFill>
+        <p:spPr bwMode="auto">
+          <a:xfrm>
+            <a:off x="5134184" y="4450007"/>
+            <a:ext cx="2906882" cy="1875408"/>
+          </a:xfrm>
+          <a:prstGeom prst="rect">
+            <a:avLst/>
+          </a:prstGeom>
+          <a:noFill/>
+          <a:extLst>
+            <a:ext uri="{909E8E84-426E-40DD-AFC4-6F175D3DCCD1}">
+              <a14:hiddenFill xmlns:a14="http://schemas.microsoft.com/office/drawing/2010/main">
+                <a:solidFill>
+                  <a:srgbClr val="FFFFFF"/>
+                </a:solidFill>
+              </a14:hiddenFill>
+            </a:ext>
+          </a:extLst>
+        </p:spPr>
+      </p:pic>
+      <p:pic>
+        <p:nvPicPr>
+          <p:cNvPr id="1036" name="Picture 12" descr="Fichier:Java Logo.svg â WikipÃ©dia"/>
+          <p:cNvPicPr>
+            <a:picLocks noChangeAspect="1" noChangeArrowheads="1"/>
+          </p:cNvPicPr>
+          <p:nvPr/>
+        </p:nvPicPr>
+        <p:blipFill>
+          <a:blip r:embed="rId8">
+            <a:extLst>
+              <a:ext uri="{28A0092B-C50C-407E-A947-70E740481C1C}">
+                <a14:useLocalDpi xmlns:a14="http://schemas.microsoft.com/office/drawing/2010/main" val="0"/>
+              </a:ext>
+            </a:extLst>
+          </a:blip>
+          <a:srcRect/>
+          <a:stretch>
+            <a:fillRect/>
+          </a:stretch>
+        </p:blipFill>
+        <p:spPr bwMode="auto">
+          <a:xfrm>
+            <a:off x="5796909" y="4165466"/>
+            <a:ext cx="1312959" cy="2444491"/>
+          </a:xfrm>
+          <a:prstGeom prst="rect">
+            <a:avLst/>
+          </a:prstGeom>
+          <a:noFill/>
+          <a:extLst>
+            <a:ext uri="{909E8E84-426E-40DD-AFC4-6F175D3DCCD1}">
+              <a14:hiddenFill xmlns:a14="http://schemas.microsoft.com/office/drawing/2010/main">
+                <a:solidFill>
+                  <a:srgbClr val="FFFFFF"/>
+                </a:solidFill>
+              </a14:hiddenFill>
+            </a:ext>
+          </a:extLst>
         </p:spPr>
       </p:pic>
     </p:spTree>
@@ -11659,7 +11905,1800 @@
   <p:timing>
     <p:tnLst>
       <p:par>
-        <p:cTn id="1" dur="indefinite" restart="never" nodeType="tmRoot"/>
+        <p:cTn id="1" dur="indefinite" restart="never" nodeType="tmRoot">
+          <p:childTnLst>
+            <p:seq concurrent="1" nextAc="seek">
+              <p:cTn id="2" dur="indefinite" nodeType="mainSeq">
+                <p:childTnLst>
+                  <p:par>
+                    <p:cTn id="3" fill="hold">
+                      <p:stCondLst>
+                        <p:cond delay="indefinite"/>
+                        <p:cond evt="onBegin" delay="0">
+                          <p:tn val="2"/>
+                        </p:cond>
+                      </p:stCondLst>
+                      <p:childTnLst>
+                        <p:par>
+                          <p:cTn id="4" fill="hold">
+                            <p:stCondLst>
+                              <p:cond delay="0"/>
+                            </p:stCondLst>
+                            <p:childTnLst>
+                              <p:par>
+                                <p:cTn id="5" presetID="42" presetClass="entr" presetSubtype="0" fill="hold" nodeType="withEffect">
+                                  <p:stCondLst>
+                                    <p:cond delay="0"/>
+                                  </p:stCondLst>
+                                  <p:childTnLst>
+                                    <p:set>
+                                      <p:cBhvr>
+                                        <p:cTn id="6" dur="1" fill="hold">
+                                          <p:stCondLst>
+                                            <p:cond delay="0"/>
+                                          </p:stCondLst>
+                                        </p:cTn>
+                                        <p:tgtEl>
+                                          <p:spTgt spid="4"/>
+                                        </p:tgtEl>
+                                        <p:attrNameLst>
+                                          <p:attrName>style.visibility</p:attrName>
+                                        </p:attrNameLst>
+                                      </p:cBhvr>
+                                      <p:to>
+                                        <p:strVal val="visible"/>
+                                      </p:to>
+                                    </p:set>
+                                    <p:animEffect transition="in" filter="fade">
+                                      <p:cBhvr>
+                                        <p:cTn id="7" dur="1000"/>
+                                        <p:tgtEl>
+                                          <p:spTgt spid="4"/>
+                                        </p:tgtEl>
+                                      </p:cBhvr>
+                                    </p:animEffect>
+                                    <p:anim calcmode="lin" valueType="num">
+                                      <p:cBhvr>
+                                        <p:cTn id="8" dur="1000" fill="hold"/>
+                                        <p:tgtEl>
+                                          <p:spTgt spid="4"/>
+                                        </p:tgtEl>
+                                        <p:attrNameLst>
+                                          <p:attrName>ppt_x</p:attrName>
+                                        </p:attrNameLst>
+                                      </p:cBhvr>
+                                      <p:tavLst>
+                                        <p:tav tm="0">
+                                          <p:val>
+                                            <p:strVal val="#ppt_x"/>
+                                          </p:val>
+                                        </p:tav>
+                                        <p:tav tm="100000">
+                                          <p:val>
+                                            <p:strVal val="#ppt_x"/>
+                                          </p:val>
+                                        </p:tav>
+                                      </p:tavLst>
+                                    </p:anim>
+                                    <p:anim calcmode="lin" valueType="num">
+                                      <p:cBhvr>
+                                        <p:cTn id="9" dur="1000" fill="hold"/>
+                                        <p:tgtEl>
+                                          <p:spTgt spid="4"/>
+                                        </p:tgtEl>
+                                        <p:attrNameLst>
+                                          <p:attrName>ppt_y</p:attrName>
+                                        </p:attrNameLst>
+                                      </p:cBhvr>
+                                      <p:tavLst>
+                                        <p:tav tm="0">
+                                          <p:val>
+                                            <p:strVal val="#ppt_y+.1"/>
+                                          </p:val>
+                                        </p:tav>
+                                        <p:tav tm="100000">
+                                          <p:val>
+                                            <p:strVal val="#ppt_y"/>
+                                          </p:val>
+                                        </p:tav>
+                                      </p:tavLst>
+                                    </p:anim>
+                                  </p:childTnLst>
+                                </p:cTn>
+                              </p:par>
+                            </p:childTnLst>
+                          </p:cTn>
+                        </p:par>
+                      </p:childTnLst>
+                    </p:cTn>
+                  </p:par>
+                  <p:par>
+                    <p:cTn id="10" fill="hold">
+                      <p:stCondLst>
+                        <p:cond delay="indefinite"/>
+                      </p:stCondLst>
+                      <p:childTnLst>
+                        <p:par>
+                          <p:cTn id="11" fill="hold">
+                            <p:stCondLst>
+                              <p:cond delay="0"/>
+                            </p:stCondLst>
+                            <p:childTnLst>
+                              <p:par>
+                                <p:cTn id="12" presetID="2" presetClass="exit" presetSubtype="4" fill="hold" nodeType="clickEffect">
+                                  <p:stCondLst>
+                                    <p:cond delay="0"/>
+                                  </p:stCondLst>
+                                  <p:childTnLst>
+                                    <p:anim calcmode="lin" valueType="num">
+                                      <p:cBhvr additive="base">
+                                        <p:cTn id="13" dur="500"/>
+                                        <p:tgtEl>
+                                          <p:spTgt spid="4"/>
+                                        </p:tgtEl>
+                                        <p:attrNameLst>
+                                          <p:attrName>ppt_x</p:attrName>
+                                        </p:attrNameLst>
+                                      </p:cBhvr>
+                                      <p:tavLst>
+                                        <p:tav tm="0">
+                                          <p:val>
+                                            <p:strVal val="ppt_x"/>
+                                          </p:val>
+                                        </p:tav>
+                                        <p:tav tm="100000">
+                                          <p:val>
+                                            <p:strVal val="ppt_x"/>
+                                          </p:val>
+                                        </p:tav>
+                                      </p:tavLst>
+                                    </p:anim>
+                                    <p:anim calcmode="lin" valueType="num">
+                                      <p:cBhvr additive="base">
+                                        <p:cTn id="14" dur="500"/>
+                                        <p:tgtEl>
+                                          <p:spTgt spid="4"/>
+                                        </p:tgtEl>
+                                        <p:attrNameLst>
+                                          <p:attrName>ppt_y</p:attrName>
+                                        </p:attrNameLst>
+                                      </p:cBhvr>
+                                      <p:tavLst>
+                                        <p:tav tm="0">
+                                          <p:val>
+                                            <p:strVal val="ppt_y"/>
+                                          </p:val>
+                                        </p:tav>
+                                        <p:tav tm="100000">
+                                          <p:val>
+                                            <p:strVal val="1+ppt_h/2"/>
+                                          </p:val>
+                                        </p:tav>
+                                      </p:tavLst>
+                                    </p:anim>
+                                    <p:set>
+                                      <p:cBhvr>
+                                        <p:cTn id="15" dur="1" fill="hold">
+                                          <p:stCondLst>
+                                            <p:cond delay="499"/>
+                                          </p:stCondLst>
+                                        </p:cTn>
+                                        <p:tgtEl>
+                                          <p:spTgt spid="4"/>
+                                        </p:tgtEl>
+                                        <p:attrNameLst>
+                                          <p:attrName>style.visibility</p:attrName>
+                                        </p:attrNameLst>
+                                      </p:cBhvr>
+                                      <p:to>
+                                        <p:strVal val="hidden"/>
+                                      </p:to>
+                                    </p:set>
+                                  </p:childTnLst>
+                                </p:cTn>
+                              </p:par>
+                            </p:childTnLst>
+                          </p:cTn>
+                        </p:par>
+                        <p:par>
+                          <p:cTn id="16" fill="hold">
+                            <p:stCondLst>
+                              <p:cond delay="500"/>
+                            </p:stCondLst>
+                            <p:childTnLst>
+                              <p:par>
+                                <p:cTn id="17" presetID="42" presetClass="entr" presetSubtype="0" fill="hold" nodeType="afterEffect">
+                                  <p:stCondLst>
+                                    <p:cond delay="0"/>
+                                  </p:stCondLst>
+                                  <p:childTnLst>
+                                    <p:set>
+                                      <p:cBhvr>
+                                        <p:cTn id="18" dur="1" fill="hold">
+                                          <p:stCondLst>
+                                            <p:cond delay="0"/>
+                                          </p:stCondLst>
+                                        </p:cTn>
+                                        <p:tgtEl>
+                                          <p:spTgt spid="1026"/>
+                                        </p:tgtEl>
+                                        <p:attrNameLst>
+                                          <p:attrName>style.visibility</p:attrName>
+                                        </p:attrNameLst>
+                                      </p:cBhvr>
+                                      <p:to>
+                                        <p:strVal val="visible"/>
+                                      </p:to>
+                                    </p:set>
+                                    <p:animEffect transition="in" filter="fade">
+                                      <p:cBhvr>
+                                        <p:cTn id="19" dur="1000"/>
+                                        <p:tgtEl>
+                                          <p:spTgt spid="1026"/>
+                                        </p:tgtEl>
+                                      </p:cBhvr>
+                                    </p:animEffect>
+                                    <p:anim calcmode="lin" valueType="num">
+                                      <p:cBhvr>
+                                        <p:cTn id="20" dur="1000" fill="hold"/>
+                                        <p:tgtEl>
+                                          <p:spTgt spid="1026"/>
+                                        </p:tgtEl>
+                                        <p:attrNameLst>
+                                          <p:attrName>ppt_x</p:attrName>
+                                        </p:attrNameLst>
+                                      </p:cBhvr>
+                                      <p:tavLst>
+                                        <p:tav tm="0">
+                                          <p:val>
+                                            <p:strVal val="#ppt_x"/>
+                                          </p:val>
+                                        </p:tav>
+                                        <p:tav tm="100000">
+                                          <p:val>
+                                            <p:strVal val="#ppt_x"/>
+                                          </p:val>
+                                        </p:tav>
+                                      </p:tavLst>
+                                    </p:anim>
+                                    <p:anim calcmode="lin" valueType="num">
+                                      <p:cBhvr>
+                                        <p:cTn id="21" dur="1000" fill="hold"/>
+                                        <p:tgtEl>
+                                          <p:spTgt spid="1026"/>
+                                        </p:tgtEl>
+                                        <p:attrNameLst>
+                                          <p:attrName>ppt_y</p:attrName>
+                                        </p:attrNameLst>
+                                      </p:cBhvr>
+                                      <p:tavLst>
+                                        <p:tav tm="0">
+                                          <p:val>
+                                            <p:strVal val="#ppt_y+.1"/>
+                                          </p:val>
+                                        </p:tav>
+                                        <p:tav tm="100000">
+                                          <p:val>
+                                            <p:strVal val="#ppt_y"/>
+                                          </p:val>
+                                        </p:tav>
+                                      </p:tavLst>
+                                    </p:anim>
+                                  </p:childTnLst>
+                                </p:cTn>
+                              </p:par>
+                              <p:par>
+                                <p:cTn id="22" presetID="42" presetClass="entr" presetSubtype="0" fill="hold" nodeType="withEffect">
+                                  <p:stCondLst>
+                                    <p:cond delay="0"/>
+                                  </p:stCondLst>
+                                  <p:childTnLst>
+                                    <p:set>
+                                      <p:cBhvr>
+                                        <p:cTn id="23" dur="1" fill="hold">
+                                          <p:stCondLst>
+                                            <p:cond delay="0"/>
+                                          </p:stCondLst>
+                                        </p:cTn>
+                                        <p:tgtEl>
+                                          <p:spTgt spid="2">
+                                            <p:txEl>
+                                              <p:pRg st="0" end="0"/>
+                                            </p:txEl>
+                                          </p:spTgt>
+                                        </p:tgtEl>
+                                        <p:attrNameLst>
+                                          <p:attrName>style.visibility</p:attrName>
+                                        </p:attrNameLst>
+                                      </p:cBhvr>
+                                      <p:to>
+                                        <p:strVal val="visible"/>
+                                      </p:to>
+                                    </p:set>
+                                    <p:animEffect transition="in" filter="fade">
+                                      <p:cBhvr>
+                                        <p:cTn id="24" dur="1000"/>
+                                        <p:tgtEl>
+                                          <p:spTgt spid="2">
+                                            <p:txEl>
+                                              <p:pRg st="0" end="0"/>
+                                            </p:txEl>
+                                          </p:spTgt>
+                                        </p:tgtEl>
+                                      </p:cBhvr>
+                                    </p:animEffect>
+                                    <p:anim calcmode="lin" valueType="num">
+                                      <p:cBhvr>
+                                        <p:cTn id="25" dur="1000" fill="hold"/>
+                                        <p:tgtEl>
+                                          <p:spTgt spid="2">
+                                            <p:txEl>
+                                              <p:pRg st="0" end="0"/>
+                                            </p:txEl>
+                                          </p:spTgt>
+                                        </p:tgtEl>
+                                        <p:attrNameLst>
+                                          <p:attrName>ppt_x</p:attrName>
+                                        </p:attrNameLst>
+                                      </p:cBhvr>
+                                      <p:tavLst>
+                                        <p:tav tm="0">
+                                          <p:val>
+                                            <p:strVal val="#ppt_x"/>
+                                          </p:val>
+                                        </p:tav>
+                                        <p:tav tm="100000">
+                                          <p:val>
+                                            <p:strVal val="#ppt_x"/>
+                                          </p:val>
+                                        </p:tav>
+                                      </p:tavLst>
+                                    </p:anim>
+                                    <p:anim calcmode="lin" valueType="num">
+                                      <p:cBhvr>
+                                        <p:cTn id="26" dur="1000" fill="hold"/>
+                                        <p:tgtEl>
+                                          <p:spTgt spid="2">
+                                            <p:txEl>
+                                              <p:pRg st="0" end="0"/>
+                                            </p:txEl>
+                                          </p:spTgt>
+                                        </p:tgtEl>
+                                        <p:attrNameLst>
+                                          <p:attrName>ppt_y</p:attrName>
+                                        </p:attrNameLst>
+                                      </p:cBhvr>
+                                      <p:tavLst>
+                                        <p:tav tm="0">
+                                          <p:val>
+                                            <p:strVal val="#ppt_y+.1"/>
+                                          </p:val>
+                                        </p:tav>
+                                        <p:tav tm="100000">
+                                          <p:val>
+                                            <p:strVal val="#ppt_y"/>
+                                          </p:val>
+                                        </p:tav>
+                                      </p:tavLst>
+                                    </p:anim>
+                                  </p:childTnLst>
+                                </p:cTn>
+                              </p:par>
+                            </p:childTnLst>
+                          </p:cTn>
+                        </p:par>
+                      </p:childTnLst>
+                    </p:cTn>
+                  </p:par>
+                  <p:par>
+                    <p:cTn id="27" fill="hold">
+                      <p:stCondLst>
+                        <p:cond delay="indefinite"/>
+                      </p:stCondLst>
+                      <p:childTnLst>
+                        <p:par>
+                          <p:cTn id="28" fill="hold">
+                            <p:stCondLst>
+                              <p:cond delay="0"/>
+                            </p:stCondLst>
+                            <p:childTnLst>
+                              <p:par>
+                                <p:cTn id="29" presetID="2" presetClass="exit" presetSubtype="4" fill="hold" nodeType="clickEffect">
+                                  <p:stCondLst>
+                                    <p:cond delay="0"/>
+                                  </p:stCondLst>
+                                  <p:childTnLst>
+                                    <p:anim calcmode="lin" valueType="num">
+                                      <p:cBhvr additive="base">
+                                        <p:cTn id="30" dur="500"/>
+                                        <p:tgtEl>
+                                          <p:spTgt spid="1026"/>
+                                        </p:tgtEl>
+                                        <p:attrNameLst>
+                                          <p:attrName>ppt_x</p:attrName>
+                                        </p:attrNameLst>
+                                      </p:cBhvr>
+                                      <p:tavLst>
+                                        <p:tav tm="0">
+                                          <p:val>
+                                            <p:strVal val="ppt_x"/>
+                                          </p:val>
+                                        </p:tav>
+                                        <p:tav tm="100000">
+                                          <p:val>
+                                            <p:strVal val="ppt_x"/>
+                                          </p:val>
+                                        </p:tav>
+                                      </p:tavLst>
+                                    </p:anim>
+                                    <p:anim calcmode="lin" valueType="num">
+                                      <p:cBhvr additive="base">
+                                        <p:cTn id="31" dur="500"/>
+                                        <p:tgtEl>
+                                          <p:spTgt spid="1026"/>
+                                        </p:tgtEl>
+                                        <p:attrNameLst>
+                                          <p:attrName>ppt_y</p:attrName>
+                                        </p:attrNameLst>
+                                      </p:cBhvr>
+                                      <p:tavLst>
+                                        <p:tav tm="0">
+                                          <p:val>
+                                            <p:strVal val="ppt_y"/>
+                                          </p:val>
+                                        </p:tav>
+                                        <p:tav tm="100000">
+                                          <p:val>
+                                            <p:strVal val="1+ppt_h/2"/>
+                                          </p:val>
+                                        </p:tav>
+                                      </p:tavLst>
+                                    </p:anim>
+                                    <p:set>
+                                      <p:cBhvr>
+                                        <p:cTn id="32" dur="1" fill="hold">
+                                          <p:stCondLst>
+                                            <p:cond delay="499"/>
+                                          </p:stCondLst>
+                                        </p:cTn>
+                                        <p:tgtEl>
+                                          <p:spTgt spid="1026"/>
+                                        </p:tgtEl>
+                                        <p:attrNameLst>
+                                          <p:attrName>style.visibility</p:attrName>
+                                        </p:attrNameLst>
+                                      </p:cBhvr>
+                                      <p:to>
+                                        <p:strVal val="hidden"/>
+                                      </p:to>
+                                    </p:set>
+                                  </p:childTnLst>
+                                </p:cTn>
+                              </p:par>
+                            </p:childTnLst>
+                          </p:cTn>
+                        </p:par>
+                        <p:par>
+                          <p:cTn id="33" fill="hold">
+                            <p:stCondLst>
+                              <p:cond delay="500"/>
+                            </p:stCondLst>
+                            <p:childTnLst>
+                              <p:par>
+                                <p:cTn id="34" presetID="42" presetClass="entr" presetSubtype="0" fill="hold" nodeType="afterEffect">
+                                  <p:stCondLst>
+                                    <p:cond delay="0"/>
+                                  </p:stCondLst>
+                                  <p:childTnLst>
+                                    <p:set>
+                                      <p:cBhvr>
+                                        <p:cTn id="35" dur="1" fill="hold">
+                                          <p:stCondLst>
+                                            <p:cond delay="0"/>
+                                          </p:stCondLst>
+                                        </p:cTn>
+                                        <p:tgtEl>
+                                          <p:spTgt spid="2">
+                                            <p:txEl>
+                                              <p:pRg st="2" end="2"/>
+                                            </p:txEl>
+                                          </p:spTgt>
+                                        </p:tgtEl>
+                                        <p:attrNameLst>
+                                          <p:attrName>style.visibility</p:attrName>
+                                        </p:attrNameLst>
+                                      </p:cBhvr>
+                                      <p:to>
+                                        <p:strVal val="visible"/>
+                                      </p:to>
+                                    </p:set>
+                                    <p:animEffect transition="in" filter="fade">
+                                      <p:cBhvr>
+                                        <p:cTn id="36" dur="1000"/>
+                                        <p:tgtEl>
+                                          <p:spTgt spid="2">
+                                            <p:txEl>
+                                              <p:pRg st="2" end="2"/>
+                                            </p:txEl>
+                                          </p:spTgt>
+                                        </p:tgtEl>
+                                      </p:cBhvr>
+                                    </p:animEffect>
+                                    <p:anim calcmode="lin" valueType="num">
+                                      <p:cBhvr>
+                                        <p:cTn id="37" dur="1000" fill="hold"/>
+                                        <p:tgtEl>
+                                          <p:spTgt spid="2">
+                                            <p:txEl>
+                                              <p:pRg st="2" end="2"/>
+                                            </p:txEl>
+                                          </p:spTgt>
+                                        </p:tgtEl>
+                                        <p:attrNameLst>
+                                          <p:attrName>ppt_x</p:attrName>
+                                        </p:attrNameLst>
+                                      </p:cBhvr>
+                                      <p:tavLst>
+                                        <p:tav tm="0">
+                                          <p:val>
+                                            <p:strVal val="#ppt_x"/>
+                                          </p:val>
+                                        </p:tav>
+                                        <p:tav tm="100000">
+                                          <p:val>
+                                            <p:strVal val="#ppt_x"/>
+                                          </p:val>
+                                        </p:tav>
+                                      </p:tavLst>
+                                    </p:anim>
+                                    <p:anim calcmode="lin" valueType="num">
+                                      <p:cBhvr>
+                                        <p:cTn id="38" dur="1000" fill="hold"/>
+                                        <p:tgtEl>
+                                          <p:spTgt spid="2">
+                                            <p:txEl>
+                                              <p:pRg st="2" end="2"/>
+                                            </p:txEl>
+                                          </p:spTgt>
+                                        </p:tgtEl>
+                                        <p:attrNameLst>
+                                          <p:attrName>ppt_y</p:attrName>
+                                        </p:attrNameLst>
+                                      </p:cBhvr>
+                                      <p:tavLst>
+                                        <p:tav tm="0">
+                                          <p:val>
+                                            <p:strVal val="#ppt_y+.1"/>
+                                          </p:val>
+                                        </p:tav>
+                                        <p:tav tm="100000">
+                                          <p:val>
+                                            <p:strVal val="#ppt_y"/>
+                                          </p:val>
+                                        </p:tav>
+                                      </p:tavLst>
+                                    </p:anim>
+                                  </p:childTnLst>
+                                </p:cTn>
+                              </p:par>
+                              <p:par>
+                                <p:cTn id="39" presetID="42" presetClass="entr" presetSubtype="0" fill="hold" nodeType="withEffect">
+                                  <p:stCondLst>
+                                    <p:cond delay="0"/>
+                                  </p:stCondLst>
+                                  <p:childTnLst>
+                                    <p:set>
+                                      <p:cBhvr>
+                                        <p:cTn id="40" dur="1" fill="hold">
+                                          <p:stCondLst>
+                                            <p:cond delay="0"/>
+                                          </p:stCondLst>
+                                        </p:cTn>
+                                        <p:tgtEl>
+                                          <p:spTgt spid="1028"/>
+                                        </p:tgtEl>
+                                        <p:attrNameLst>
+                                          <p:attrName>style.visibility</p:attrName>
+                                        </p:attrNameLst>
+                                      </p:cBhvr>
+                                      <p:to>
+                                        <p:strVal val="visible"/>
+                                      </p:to>
+                                    </p:set>
+                                    <p:animEffect transition="in" filter="fade">
+                                      <p:cBhvr>
+                                        <p:cTn id="41" dur="1000"/>
+                                        <p:tgtEl>
+                                          <p:spTgt spid="1028"/>
+                                        </p:tgtEl>
+                                      </p:cBhvr>
+                                    </p:animEffect>
+                                    <p:anim calcmode="lin" valueType="num">
+                                      <p:cBhvr>
+                                        <p:cTn id="42" dur="1000" fill="hold"/>
+                                        <p:tgtEl>
+                                          <p:spTgt spid="1028"/>
+                                        </p:tgtEl>
+                                        <p:attrNameLst>
+                                          <p:attrName>ppt_x</p:attrName>
+                                        </p:attrNameLst>
+                                      </p:cBhvr>
+                                      <p:tavLst>
+                                        <p:tav tm="0">
+                                          <p:val>
+                                            <p:strVal val="#ppt_x"/>
+                                          </p:val>
+                                        </p:tav>
+                                        <p:tav tm="100000">
+                                          <p:val>
+                                            <p:strVal val="#ppt_x"/>
+                                          </p:val>
+                                        </p:tav>
+                                      </p:tavLst>
+                                    </p:anim>
+                                    <p:anim calcmode="lin" valueType="num">
+                                      <p:cBhvr>
+                                        <p:cTn id="43" dur="1000" fill="hold"/>
+                                        <p:tgtEl>
+                                          <p:spTgt spid="1028"/>
+                                        </p:tgtEl>
+                                        <p:attrNameLst>
+                                          <p:attrName>ppt_y</p:attrName>
+                                        </p:attrNameLst>
+                                      </p:cBhvr>
+                                      <p:tavLst>
+                                        <p:tav tm="0">
+                                          <p:val>
+                                            <p:strVal val="#ppt_y+.1"/>
+                                          </p:val>
+                                        </p:tav>
+                                        <p:tav tm="100000">
+                                          <p:val>
+                                            <p:strVal val="#ppt_y"/>
+                                          </p:val>
+                                        </p:tav>
+                                      </p:tavLst>
+                                    </p:anim>
+                                  </p:childTnLst>
+                                </p:cTn>
+                              </p:par>
+                            </p:childTnLst>
+                          </p:cTn>
+                        </p:par>
+                      </p:childTnLst>
+                    </p:cTn>
+                  </p:par>
+                  <p:par>
+                    <p:cTn id="44" fill="hold">
+                      <p:stCondLst>
+                        <p:cond delay="indefinite"/>
+                      </p:stCondLst>
+                      <p:childTnLst>
+                        <p:par>
+                          <p:cTn id="45" fill="hold">
+                            <p:stCondLst>
+                              <p:cond delay="0"/>
+                            </p:stCondLst>
+                            <p:childTnLst>
+                              <p:par>
+                                <p:cTn id="46" presetID="2" presetClass="exit" presetSubtype="4" fill="hold" nodeType="clickEffect">
+                                  <p:stCondLst>
+                                    <p:cond delay="0"/>
+                                  </p:stCondLst>
+                                  <p:childTnLst>
+                                    <p:anim calcmode="lin" valueType="num">
+                                      <p:cBhvr additive="base">
+                                        <p:cTn id="47" dur="500"/>
+                                        <p:tgtEl>
+                                          <p:spTgt spid="1028"/>
+                                        </p:tgtEl>
+                                        <p:attrNameLst>
+                                          <p:attrName>ppt_x</p:attrName>
+                                        </p:attrNameLst>
+                                      </p:cBhvr>
+                                      <p:tavLst>
+                                        <p:tav tm="0">
+                                          <p:val>
+                                            <p:strVal val="ppt_x"/>
+                                          </p:val>
+                                        </p:tav>
+                                        <p:tav tm="100000">
+                                          <p:val>
+                                            <p:strVal val="ppt_x"/>
+                                          </p:val>
+                                        </p:tav>
+                                      </p:tavLst>
+                                    </p:anim>
+                                    <p:anim calcmode="lin" valueType="num">
+                                      <p:cBhvr additive="base">
+                                        <p:cTn id="48" dur="500"/>
+                                        <p:tgtEl>
+                                          <p:spTgt spid="1028"/>
+                                        </p:tgtEl>
+                                        <p:attrNameLst>
+                                          <p:attrName>ppt_y</p:attrName>
+                                        </p:attrNameLst>
+                                      </p:cBhvr>
+                                      <p:tavLst>
+                                        <p:tav tm="0">
+                                          <p:val>
+                                            <p:strVal val="ppt_y"/>
+                                          </p:val>
+                                        </p:tav>
+                                        <p:tav tm="100000">
+                                          <p:val>
+                                            <p:strVal val="1+ppt_h/2"/>
+                                          </p:val>
+                                        </p:tav>
+                                      </p:tavLst>
+                                    </p:anim>
+                                    <p:set>
+                                      <p:cBhvr>
+                                        <p:cTn id="49" dur="1" fill="hold">
+                                          <p:stCondLst>
+                                            <p:cond delay="499"/>
+                                          </p:stCondLst>
+                                        </p:cTn>
+                                        <p:tgtEl>
+                                          <p:spTgt spid="1028"/>
+                                        </p:tgtEl>
+                                        <p:attrNameLst>
+                                          <p:attrName>style.visibility</p:attrName>
+                                        </p:attrNameLst>
+                                      </p:cBhvr>
+                                      <p:to>
+                                        <p:strVal val="hidden"/>
+                                      </p:to>
+                                    </p:set>
+                                  </p:childTnLst>
+                                </p:cTn>
+                              </p:par>
+                            </p:childTnLst>
+                          </p:cTn>
+                        </p:par>
+                        <p:par>
+                          <p:cTn id="50" fill="hold">
+                            <p:stCondLst>
+                              <p:cond delay="500"/>
+                            </p:stCondLst>
+                            <p:childTnLst>
+                              <p:par>
+                                <p:cTn id="51" presetID="42" presetClass="entr" presetSubtype="0" fill="hold" nodeType="afterEffect">
+                                  <p:stCondLst>
+                                    <p:cond delay="0"/>
+                                  </p:stCondLst>
+                                  <p:childTnLst>
+                                    <p:set>
+                                      <p:cBhvr>
+                                        <p:cTn id="52" dur="1" fill="hold">
+                                          <p:stCondLst>
+                                            <p:cond delay="0"/>
+                                          </p:stCondLst>
+                                        </p:cTn>
+                                        <p:tgtEl>
+                                          <p:spTgt spid="1030"/>
+                                        </p:tgtEl>
+                                        <p:attrNameLst>
+                                          <p:attrName>style.visibility</p:attrName>
+                                        </p:attrNameLst>
+                                      </p:cBhvr>
+                                      <p:to>
+                                        <p:strVal val="visible"/>
+                                      </p:to>
+                                    </p:set>
+                                    <p:animEffect transition="in" filter="fade">
+                                      <p:cBhvr>
+                                        <p:cTn id="53" dur="1000"/>
+                                        <p:tgtEl>
+                                          <p:spTgt spid="1030"/>
+                                        </p:tgtEl>
+                                      </p:cBhvr>
+                                    </p:animEffect>
+                                    <p:anim calcmode="lin" valueType="num">
+                                      <p:cBhvr>
+                                        <p:cTn id="54" dur="1000" fill="hold"/>
+                                        <p:tgtEl>
+                                          <p:spTgt spid="1030"/>
+                                        </p:tgtEl>
+                                        <p:attrNameLst>
+                                          <p:attrName>ppt_x</p:attrName>
+                                        </p:attrNameLst>
+                                      </p:cBhvr>
+                                      <p:tavLst>
+                                        <p:tav tm="0">
+                                          <p:val>
+                                            <p:strVal val="#ppt_x"/>
+                                          </p:val>
+                                        </p:tav>
+                                        <p:tav tm="100000">
+                                          <p:val>
+                                            <p:strVal val="#ppt_x"/>
+                                          </p:val>
+                                        </p:tav>
+                                      </p:tavLst>
+                                    </p:anim>
+                                    <p:anim calcmode="lin" valueType="num">
+                                      <p:cBhvr>
+                                        <p:cTn id="55" dur="1000" fill="hold"/>
+                                        <p:tgtEl>
+                                          <p:spTgt spid="1030"/>
+                                        </p:tgtEl>
+                                        <p:attrNameLst>
+                                          <p:attrName>ppt_y</p:attrName>
+                                        </p:attrNameLst>
+                                      </p:cBhvr>
+                                      <p:tavLst>
+                                        <p:tav tm="0">
+                                          <p:val>
+                                            <p:strVal val="#ppt_y+.1"/>
+                                          </p:val>
+                                        </p:tav>
+                                        <p:tav tm="100000">
+                                          <p:val>
+                                            <p:strVal val="#ppt_y"/>
+                                          </p:val>
+                                        </p:tav>
+                                      </p:tavLst>
+                                    </p:anim>
+                                  </p:childTnLst>
+                                </p:cTn>
+                              </p:par>
+                              <p:par>
+                                <p:cTn id="56" presetID="42" presetClass="entr" presetSubtype="0" fill="hold" nodeType="withEffect">
+                                  <p:stCondLst>
+                                    <p:cond delay="0"/>
+                                  </p:stCondLst>
+                                  <p:childTnLst>
+                                    <p:set>
+                                      <p:cBhvr>
+                                        <p:cTn id="57" dur="1" fill="hold">
+                                          <p:stCondLst>
+                                            <p:cond delay="0"/>
+                                          </p:stCondLst>
+                                        </p:cTn>
+                                        <p:tgtEl>
+                                          <p:spTgt spid="2">
+                                            <p:txEl>
+                                              <p:pRg st="4" end="4"/>
+                                            </p:txEl>
+                                          </p:spTgt>
+                                        </p:tgtEl>
+                                        <p:attrNameLst>
+                                          <p:attrName>style.visibility</p:attrName>
+                                        </p:attrNameLst>
+                                      </p:cBhvr>
+                                      <p:to>
+                                        <p:strVal val="visible"/>
+                                      </p:to>
+                                    </p:set>
+                                    <p:animEffect transition="in" filter="fade">
+                                      <p:cBhvr>
+                                        <p:cTn id="58" dur="1000"/>
+                                        <p:tgtEl>
+                                          <p:spTgt spid="2">
+                                            <p:txEl>
+                                              <p:pRg st="4" end="4"/>
+                                            </p:txEl>
+                                          </p:spTgt>
+                                        </p:tgtEl>
+                                      </p:cBhvr>
+                                    </p:animEffect>
+                                    <p:anim calcmode="lin" valueType="num">
+                                      <p:cBhvr>
+                                        <p:cTn id="59" dur="1000" fill="hold"/>
+                                        <p:tgtEl>
+                                          <p:spTgt spid="2">
+                                            <p:txEl>
+                                              <p:pRg st="4" end="4"/>
+                                            </p:txEl>
+                                          </p:spTgt>
+                                        </p:tgtEl>
+                                        <p:attrNameLst>
+                                          <p:attrName>ppt_x</p:attrName>
+                                        </p:attrNameLst>
+                                      </p:cBhvr>
+                                      <p:tavLst>
+                                        <p:tav tm="0">
+                                          <p:val>
+                                            <p:strVal val="#ppt_x"/>
+                                          </p:val>
+                                        </p:tav>
+                                        <p:tav tm="100000">
+                                          <p:val>
+                                            <p:strVal val="#ppt_x"/>
+                                          </p:val>
+                                        </p:tav>
+                                      </p:tavLst>
+                                    </p:anim>
+                                    <p:anim calcmode="lin" valueType="num">
+                                      <p:cBhvr>
+                                        <p:cTn id="60" dur="1000" fill="hold"/>
+                                        <p:tgtEl>
+                                          <p:spTgt spid="2">
+                                            <p:txEl>
+                                              <p:pRg st="4" end="4"/>
+                                            </p:txEl>
+                                          </p:spTgt>
+                                        </p:tgtEl>
+                                        <p:attrNameLst>
+                                          <p:attrName>ppt_y</p:attrName>
+                                        </p:attrNameLst>
+                                      </p:cBhvr>
+                                      <p:tavLst>
+                                        <p:tav tm="0">
+                                          <p:val>
+                                            <p:strVal val="#ppt_y+.1"/>
+                                          </p:val>
+                                        </p:tav>
+                                        <p:tav tm="100000">
+                                          <p:val>
+                                            <p:strVal val="#ppt_y"/>
+                                          </p:val>
+                                        </p:tav>
+                                      </p:tavLst>
+                                    </p:anim>
+                                  </p:childTnLst>
+                                </p:cTn>
+                              </p:par>
+                            </p:childTnLst>
+                          </p:cTn>
+                        </p:par>
+                      </p:childTnLst>
+                    </p:cTn>
+                  </p:par>
+                  <p:par>
+                    <p:cTn id="61" fill="hold">
+                      <p:stCondLst>
+                        <p:cond delay="indefinite"/>
+                      </p:stCondLst>
+                      <p:childTnLst>
+                        <p:par>
+                          <p:cTn id="62" fill="hold">
+                            <p:stCondLst>
+                              <p:cond delay="0"/>
+                            </p:stCondLst>
+                            <p:childTnLst>
+                              <p:par>
+                                <p:cTn id="63" presetID="2" presetClass="exit" presetSubtype="4" fill="hold" nodeType="clickEffect">
+                                  <p:stCondLst>
+                                    <p:cond delay="0"/>
+                                  </p:stCondLst>
+                                  <p:childTnLst>
+                                    <p:anim calcmode="lin" valueType="num">
+                                      <p:cBhvr additive="base">
+                                        <p:cTn id="64" dur="500"/>
+                                        <p:tgtEl>
+                                          <p:spTgt spid="1030"/>
+                                        </p:tgtEl>
+                                        <p:attrNameLst>
+                                          <p:attrName>ppt_x</p:attrName>
+                                        </p:attrNameLst>
+                                      </p:cBhvr>
+                                      <p:tavLst>
+                                        <p:tav tm="0">
+                                          <p:val>
+                                            <p:strVal val="ppt_x"/>
+                                          </p:val>
+                                        </p:tav>
+                                        <p:tav tm="100000">
+                                          <p:val>
+                                            <p:strVal val="ppt_x"/>
+                                          </p:val>
+                                        </p:tav>
+                                      </p:tavLst>
+                                    </p:anim>
+                                    <p:anim calcmode="lin" valueType="num">
+                                      <p:cBhvr additive="base">
+                                        <p:cTn id="65" dur="500"/>
+                                        <p:tgtEl>
+                                          <p:spTgt spid="1030"/>
+                                        </p:tgtEl>
+                                        <p:attrNameLst>
+                                          <p:attrName>ppt_y</p:attrName>
+                                        </p:attrNameLst>
+                                      </p:cBhvr>
+                                      <p:tavLst>
+                                        <p:tav tm="0">
+                                          <p:val>
+                                            <p:strVal val="ppt_y"/>
+                                          </p:val>
+                                        </p:tav>
+                                        <p:tav tm="100000">
+                                          <p:val>
+                                            <p:strVal val="1+ppt_h/2"/>
+                                          </p:val>
+                                        </p:tav>
+                                      </p:tavLst>
+                                    </p:anim>
+                                    <p:set>
+                                      <p:cBhvr>
+                                        <p:cTn id="66" dur="1" fill="hold">
+                                          <p:stCondLst>
+                                            <p:cond delay="499"/>
+                                          </p:stCondLst>
+                                        </p:cTn>
+                                        <p:tgtEl>
+                                          <p:spTgt spid="1030"/>
+                                        </p:tgtEl>
+                                        <p:attrNameLst>
+                                          <p:attrName>style.visibility</p:attrName>
+                                        </p:attrNameLst>
+                                      </p:cBhvr>
+                                      <p:to>
+                                        <p:strVal val="hidden"/>
+                                      </p:to>
+                                    </p:set>
+                                  </p:childTnLst>
+                                </p:cTn>
+                              </p:par>
+                            </p:childTnLst>
+                          </p:cTn>
+                        </p:par>
+                        <p:par>
+                          <p:cTn id="67" fill="hold">
+                            <p:stCondLst>
+                              <p:cond delay="500"/>
+                            </p:stCondLst>
+                            <p:childTnLst>
+                              <p:par>
+                                <p:cTn id="68" presetID="42" presetClass="entr" presetSubtype="0" fill="hold" nodeType="afterEffect">
+                                  <p:stCondLst>
+                                    <p:cond delay="0"/>
+                                  </p:stCondLst>
+                                  <p:childTnLst>
+                                    <p:set>
+                                      <p:cBhvr>
+                                        <p:cTn id="69" dur="1" fill="hold">
+                                          <p:stCondLst>
+                                            <p:cond delay="0"/>
+                                          </p:stCondLst>
+                                        </p:cTn>
+                                        <p:tgtEl>
+                                          <p:spTgt spid="2">
+                                            <p:txEl>
+                                              <p:pRg st="6" end="6"/>
+                                            </p:txEl>
+                                          </p:spTgt>
+                                        </p:tgtEl>
+                                        <p:attrNameLst>
+                                          <p:attrName>style.visibility</p:attrName>
+                                        </p:attrNameLst>
+                                      </p:cBhvr>
+                                      <p:to>
+                                        <p:strVal val="visible"/>
+                                      </p:to>
+                                    </p:set>
+                                    <p:animEffect transition="in" filter="fade">
+                                      <p:cBhvr>
+                                        <p:cTn id="70" dur="1000"/>
+                                        <p:tgtEl>
+                                          <p:spTgt spid="2">
+                                            <p:txEl>
+                                              <p:pRg st="6" end="6"/>
+                                            </p:txEl>
+                                          </p:spTgt>
+                                        </p:tgtEl>
+                                      </p:cBhvr>
+                                    </p:animEffect>
+                                    <p:anim calcmode="lin" valueType="num">
+                                      <p:cBhvr>
+                                        <p:cTn id="71" dur="1000" fill="hold"/>
+                                        <p:tgtEl>
+                                          <p:spTgt spid="2">
+                                            <p:txEl>
+                                              <p:pRg st="6" end="6"/>
+                                            </p:txEl>
+                                          </p:spTgt>
+                                        </p:tgtEl>
+                                        <p:attrNameLst>
+                                          <p:attrName>ppt_x</p:attrName>
+                                        </p:attrNameLst>
+                                      </p:cBhvr>
+                                      <p:tavLst>
+                                        <p:tav tm="0">
+                                          <p:val>
+                                            <p:strVal val="#ppt_x"/>
+                                          </p:val>
+                                        </p:tav>
+                                        <p:tav tm="100000">
+                                          <p:val>
+                                            <p:strVal val="#ppt_x"/>
+                                          </p:val>
+                                        </p:tav>
+                                      </p:tavLst>
+                                    </p:anim>
+                                    <p:anim calcmode="lin" valueType="num">
+                                      <p:cBhvr>
+                                        <p:cTn id="72" dur="1000" fill="hold"/>
+                                        <p:tgtEl>
+                                          <p:spTgt spid="2">
+                                            <p:txEl>
+                                              <p:pRg st="6" end="6"/>
+                                            </p:txEl>
+                                          </p:spTgt>
+                                        </p:tgtEl>
+                                        <p:attrNameLst>
+                                          <p:attrName>ppt_y</p:attrName>
+                                        </p:attrNameLst>
+                                      </p:cBhvr>
+                                      <p:tavLst>
+                                        <p:tav tm="0">
+                                          <p:val>
+                                            <p:strVal val="#ppt_y+.1"/>
+                                          </p:val>
+                                        </p:tav>
+                                        <p:tav tm="100000">
+                                          <p:val>
+                                            <p:strVal val="#ppt_y"/>
+                                          </p:val>
+                                        </p:tav>
+                                      </p:tavLst>
+                                    </p:anim>
+                                  </p:childTnLst>
+                                </p:cTn>
+                              </p:par>
+                              <p:par>
+                                <p:cTn id="73" presetID="42" presetClass="entr" presetSubtype="0" fill="hold" nodeType="withEffect">
+                                  <p:stCondLst>
+                                    <p:cond delay="0"/>
+                                  </p:stCondLst>
+                                  <p:childTnLst>
+                                    <p:set>
+                                      <p:cBhvr>
+                                        <p:cTn id="74" dur="1" fill="hold">
+                                          <p:stCondLst>
+                                            <p:cond delay="0"/>
+                                          </p:stCondLst>
+                                        </p:cTn>
+                                        <p:tgtEl>
+                                          <p:spTgt spid="1032"/>
+                                        </p:tgtEl>
+                                        <p:attrNameLst>
+                                          <p:attrName>style.visibility</p:attrName>
+                                        </p:attrNameLst>
+                                      </p:cBhvr>
+                                      <p:to>
+                                        <p:strVal val="visible"/>
+                                      </p:to>
+                                    </p:set>
+                                    <p:animEffect transition="in" filter="fade">
+                                      <p:cBhvr>
+                                        <p:cTn id="75" dur="1000"/>
+                                        <p:tgtEl>
+                                          <p:spTgt spid="1032"/>
+                                        </p:tgtEl>
+                                      </p:cBhvr>
+                                    </p:animEffect>
+                                    <p:anim calcmode="lin" valueType="num">
+                                      <p:cBhvr>
+                                        <p:cTn id="76" dur="1000" fill="hold"/>
+                                        <p:tgtEl>
+                                          <p:spTgt spid="1032"/>
+                                        </p:tgtEl>
+                                        <p:attrNameLst>
+                                          <p:attrName>ppt_x</p:attrName>
+                                        </p:attrNameLst>
+                                      </p:cBhvr>
+                                      <p:tavLst>
+                                        <p:tav tm="0">
+                                          <p:val>
+                                            <p:strVal val="#ppt_x"/>
+                                          </p:val>
+                                        </p:tav>
+                                        <p:tav tm="100000">
+                                          <p:val>
+                                            <p:strVal val="#ppt_x"/>
+                                          </p:val>
+                                        </p:tav>
+                                      </p:tavLst>
+                                    </p:anim>
+                                    <p:anim calcmode="lin" valueType="num">
+                                      <p:cBhvr>
+                                        <p:cTn id="77" dur="1000" fill="hold"/>
+                                        <p:tgtEl>
+                                          <p:spTgt spid="1032"/>
+                                        </p:tgtEl>
+                                        <p:attrNameLst>
+                                          <p:attrName>ppt_y</p:attrName>
+                                        </p:attrNameLst>
+                                      </p:cBhvr>
+                                      <p:tavLst>
+                                        <p:tav tm="0">
+                                          <p:val>
+                                            <p:strVal val="#ppt_y+.1"/>
+                                          </p:val>
+                                        </p:tav>
+                                        <p:tav tm="100000">
+                                          <p:val>
+                                            <p:strVal val="#ppt_y"/>
+                                          </p:val>
+                                        </p:tav>
+                                      </p:tavLst>
+                                    </p:anim>
+                                  </p:childTnLst>
+                                </p:cTn>
+                              </p:par>
+                            </p:childTnLst>
+                          </p:cTn>
+                        </p:par>
+                      </p:childTnLst>
+                    </p:cTn>
+                  </p:par>
+                  <p:par>
+                    <p:cTn id="78" fill="hold">
+                      <p:stCondLst>
+                        <p:cond delay="indefinite"/>
+                      </p:stCondLst>
+                      <p:childTnLst>
+                        <p:par>
+                          <p:cTn id="79" fill="hold">
+                            <p:stCondLst>
+                              <p:cond delay="0"/>
+                            </p:stCondLst>
+                            <p:childTnLst>
+                              <p:par>
+                                <p:cTn id="80" presetID="2" presetClass="exit" presetSubtype="4" fill="hold" nodeType="clickEffect">
+                                  <p:stCondLst>
+                                    <p:cond delay="0"/>
+                                  </p:stCondLst>
+                                  <p:childTnLst>
+                                    <p:anim calcmode="lin" valueType="num">
+                                      <p:cBhvr additive="base">
+                                        <p:cTn id="81" dur="500"/>
+                                        <p:tgtEl>
+                                          <p:spTgt spid="1032"/>
+                                        </p:tgtEl>
+                                        <p:attrNameLst>
+                                          <p:attrName>ppt_x</p:attrName>
+                                        </p:attrNameLst>
+                                      </p:cBhvr>
+                                      <p:tavLst>
+                                        <p:tav tm="0">
+                                          <p:val>
+                                            <p:strVal val="ppt_x"/>
+                                          </p:val>
+                                        </p:tav>
+                                        <p:tav tm="100000">
+                                          <p:val>
+                                            <p:strVal val="ppt_x"/>
+                                          </p:val>
+                                        </p:tav>
+                                      </p:tavLst>
+                                    </p:anim>
+                                    <p:anim calcmode="lin" valueType="num">
+                                      <p:cBhvr additive="base">
+                                        <p:cTn id="82" dur="500"/>
+                                        <p:tgtEl>
+                                          <p:spTgt spid="1032"/>
+                                        </p:tgtEl>
+                                        <p:attrNameLst>
+                                          <p:attrName>ppt_y</p:attrName>
+                                        </p:attrNameLst>
+                                      </p:cBhvr>
+                                      <p:tavLst>
+                                        <p:tav tm="0">
+                                          <p:val>
+                                            <p:strVal val="ppt_y"/>
+                                          </p:val>
+                                        </p:tav>
+                                        <p:tav tm="100000">
+                                          <p:val>
+                                            <p:strVal val="1+ppt_h/2"/>
+                                          </p:val>
+                                        </p:tav>
+                                      </p:tavLst>
+                                    </p:anim>
+                                    <p:set>
+                                      <p:cBhvr>
+                                        <p:cTn id="83" dur="1" fill="hold">
+                                          <p:stCondLst>
+                                            <p:cond delay="499"/>
+                                          </p:stCondLst>
+                                        </p:cTn>
+                                        <p:tgtEl>
+                                          <p:spTgt spid="1032"/>
+                                        </p:tgtEl>
+                                        <p:attrNameLst>
+                                          <p:attrName>style.visibility</p:attrName>
+                                        </p:attrNameLst>
+                                      </p:cBhvr>
+                                      <p:to>
+                                        <p:strVal val="hidden"/>
+                                      </p:to>
+                                    </p:set>
+                                  </p:childTnLst>
+                                </p:cTn>
+                              </p:par>
+                            </p:childTnLst>
+                          </p:cTn>
+                        </p:par>
+                        <p:par>
+                          <p:cTn id="84" fill="hold">
+                            <p:stCondLst>
+                              <p:cond delay="500"/>
+                            </p:stCondLst>
+                            <p:childTnLst>
+                              <p:par>
+                                <p:cTn id="85" presetID="42" presetClass="entr" presetSubtype="0" fill="hold" nodeType="afterEffect">
+                                  <p:stCondLst>
+                                    <p:cond delay="0"/>
+                                  </p:stCondLst>
+                                  <p:childTnLst>
+                                    <p:set>
+                                      <p:cBhvr>
+                                        <p:cTn id="86" dur="1" fill="hold">
+                                          <p:stCondLst>
+                                            <p:cond delay="0"/>
+                                          </p:stCondLst>
+                                        </p:cTn>
+                                        <p:tgtEl>
+                                          <p:spTgt spid="2">
+                                            <p:txEl>
+                                              <p:pRg st="8" end="8"/>
+                                            </p:txEl>
+                                          </p:spTgt>
+                                        </p:tgtEl>
+                                        <p:attrNameLst>
+                                          <p:attrName>style.visibility</p:attrName>
+                                        </p:attrNameLst>
+                                      </p:cBhvr>
+                                      <p:to>
+                                        <p:strVal val="visible"/>
+                                      </p:to>
+                                    </p:set>
+                                    <p:animEffect transition="in" filter="fade">
+                                      <p:cBhvr>
+                                        <p:cTn id="87" dur="1000"/>
+                                        <p:tgtEl>
+                                          <p:spTgt spid="2">
+                                            <p:txEl>
+                                              <p:pRg st="8" end="8"/>
+                                            </p:txEl>
+                                          </p:spTgt>
+                                        </p:tgtEl>
+                                      </p:cBhvr>
+                                    </p:animEffect>
+                                    <p:anim calcmode="lin" valueType="num">
+                                      <p:cBhvr>
+                                        <p:cTn id="88" dur="1000" fill="hold"/>
+                                        <p:tgtEl>
+                                          <p:spTgt spid="2">
+                                            <p:txEl>
+                                              <p:pRg st="8" end="8"/>
+                                            </p:txEl>
+                                          </p:spTgt>
+                                        </p:tgtEl>
+                                        <p:attrNameLst>
+                                          <p:attrName>ppt_x</p:attrName>
+                                        </p:attrNameLst>
+                                      </p:cBhvr>
+                                      <p:tavLst>
+                                        <p:tav tm="0">
+                                          <p:val>
+                                            <p:strVal val="#ppt_x"/>
+                                          </p:val>
+                                        </p:tav>
+                                        <p:tav tm="100000">
+                                          <p:val>
+                                            <p:strVal val="#ppt_x"/>
+                                          </p:val>
+                                        </p:tav>
+                                      </p:tavLst>
+                                    </p:anim>
+                                    <p:anim calcmode="lin" valueType="num">
+                                      <p:cBhvr>
+                                        <p:cTn id="89" dur="1000" fill="hold"/>
+                                        <p:tgtEl>
+                                          <p:spTgt spid="2">
+                                            <p:txEl>
+                                              <p:pRg st="8" end="8"/>
+                                            </p:txEl>
+                                          </p:spTgt>
+                                        </p:tgtEl>
+                                        <p:attrNameLst>
+                                          <p:attrName>ppt_y</p:attrName>
+                                        </p:attrNameLst>
+                                      </p:cBhvr>
+                                      <p:tavLst>
+                                        <p:tav tm="0">
+                                          <p:val>
+                                            <p:strVal val="#ppt_y+.1"/>
+                                          </p:val>
+                                        </p:tav>
+                                        <p:tav tm="100000">
+                                          <p:val>
+                                            <p:strVal val="#ppt_y"/>
+                                          </p:val>
+                                        </p:tav>
+                                      </p:tavLst>
+                                    </p:anim>
+                                  </p:childTnLst>
+                                </p:cTn>
+                              </p:par>
+                              <p:par>
+                                <p:cTn id="90" presetID="42" presetClass="entr" presetSubtype="0" fill="hold" nodeType="withEffect">
+                                  <p:stCondLst>
+                                    <p:cond delay="0"/>
+                                  </p:stCondLst>
+                                  <p:childTnLst>
+                                    <p:set>
+                                      <p:cBhvr>
+                                        <p:cTn id="91" dur="1" fill="hold">
+                                          <p:stCondLst>
+                                            <p:cond delay="0"/>
+                                          </p:stCondLst>
+                                        </p:cTn>
+                                        <p:tgtEl>
+                                          <p:spTgt spid="1034"/>
+                                        </p:tgtEl>
+                                        <p:attrNameLst>
+                                          <p:attrName>style.visibility</p:attrName>
+                                        </p:attrNameLst>
+                                      </p:cBhvr>
+                                      <p:to>
+                                        <p:strVal val="visible"/>
+                                      </p:to>
+                                    </p:set>
+                                    <p:animEffect transition="in" filter="fade">
+                                      <p:cBhvr>
+                                        <p:cTn id="92" dur="1000"/>
+                                        <p:tgtEl>
+                                          <p:spTgt spid="1034"/>
+                                        </p:tgtEl>
+                                      </p:cBhvr>
+                                    </p:animEffect>
+                                    <p:anim calcmode="lin" valueType="num">
+                                      <p:cBhvr>
+                                        <p:cTn id="93" dur="1000" fill="hold"/>
+                                        <p:tgtEl>
+                                          <p:spTgt spid="1034"/>
+                                        </p:tgtEl>
+                                        <p:attrNameLst>
+                                          <p:attrName>ppt_x</p:attrName>
+                                        </p:attrNameLst>
+                                      </p:cBhvr>
+                                      <p:tavLst>
+                                        <p:tav tm="0">
+                                          <p:val>
+                                            <p:strVal val="#ppt_x"/>
+                                          </p:val>
+                                        </p:tav>
+                                        <p:tav tm="100000">
+                                          <p:val>
+                                            <p:strVal val="#ppt_x"/>
+                                          </p:val>
+                                        </p:tav>
+                                      </p:tavLst>
+                                    </p:anim>
+                                    <p:anim calcmode="lin" valueType="num">
+                                      <p:cBhvr>
+                                        <p:cTn id="94" dur="1000" fill="hold"/>
+                                        <p:tgtEl>
+                                          <p:spTgt spid="1034"/>
+                                        </p:tgtEl>
+                                        <p:attrNameLst>
+                                          <p:attrName>ppt_y</p:attrName>
+                                        </p:attrNameLst>
+                                      </p:cBhvr>
+                                      <p:tavLst>
+                                        <p:tav tm="0">
+                                          <p:val>
+                                            <p:strVal val="#ppt_y+.1"/>
+                                          </p:val>
+                                        </p:tav>
+                                        <p:tav tm="100000">
+                                          <p:val>
+                                            <p:strVal val="#ppt_y"/>
+                                          </p:val>
+                                        </p:tav>
+                                      </p:tavLst>
+                                    </p:anim>
+                                  </p:childTnLst>
+                                </p:cTn>
+                              </p:par>
+                            </p:childTnLst>
+                          </p:cTn>
+                        </p:par>
+                      </p:childTnLst>
+                    </p:cTn>
+                  </p:par>
+                  <p:par>
+                    <p:cTn id="95" fill="hold">
+                      <p:stCondLst>
+                        <p:cond delay="indefinite"/>
+                      </p:stCondLst>
+                      <p:childTnLst>
+                        <p:par>
+                          <p:cTn id="96" fill="hold">
+                            <p:stCondLst>
+                              <p:cond delay="0"/>
+                            </p:stCondLst>
+                            <p:childTnLst>
+                              <p:par>
+                                <p:cTn id="97" presetID="2" presetClass="exit" presetSubtype="4" fill="hold" nodeType="clickEffect">
+                                  <p:stCondLst>
+                                    <p:cond delay="0"/>
+                                  </p:stCondLst>
+                                  <p:childTnLst>
+                                    <p:anim calcmode="lin" valueType="num">
+                                      <p:cBhvr additive="base">
+                                        <p:cTn id="98" dur="500"/>
+                                        <p:tgtEl>
+                                          <p:spTgt spid="1034"/>
+                                        </p:tgtEl>
+                                        <p:attrNameLst>
+                                          <p:attrName>ppt_x</p:attrName>
+                                        </p:attrNameLst>
+                                      </p:cBhvr>
+                                      <p:tavLst>
+                                        <p:tav tm="0">
+                                          <p:val>
+                                            <p:strVal val="ppt_x"/>
+                                          </p:val>
+                                        </p:tav>
+                                        <p:tav tm="100000">
+                                          <p:val>
+                                            <p:strVal val="ppt_x"/>
+                                          </p:val>
+                                        </p:tav>
+                                      </p:tavLst>
+                                    </p:anim>
+                                    <p:anim calcmode="lin" valueType="num">
+                                      <p:cBhvr additive="base">
+                                        <p:cTn id="99" dur="500"/>
+                                        <p:tgtEl>
+                                          <p:spTgt spid="1034"/>
+                                        </p:tgtEl>
+                                        <p:attrNameLst>
+                                          <p:attrName>ppt_y</p:attrName>
+                                        </p:attrNameLst>
+                                      </p:cBhvr>
+                                      <p:tavLst>
+                                        <p:tav tm="0">
+                                          <p:val>
+                                            <p:strVal val="ppt_y"/>
+                                          </p:val>
+                                        </p:tav>
+                                        <p:tav tm="100000">
+                                          <p:val>
+                                            <p:strVal val="1+ppt_h/2"/>
+                                          </p:val>
+                                        </p:tav>
+                                      </p:tavLst>
+                                    </p:anim>
+                                    <p:set>
+                                      <p:cBhvr>
+                                        <p:cTn id="100" dur="1" fill="hold">
+                                          <p:stCondLst>
+                                            <p:cond delay="499"/>
+                                          </p:stCondLst>
+                                        </p:cTn>
+                                        <p:tgtEl>
+                                          <p:spTgt spid="1034"/>
+                                        </p:tgtEl>
+                                        <p:attrNameLst>
+                                          <p:attrName>style.visibility</p:attrName>
+                                        </p:attrNameLst>
+                                      </p:cBhvr>
+                                      <p:to>
+                                        <p:strVal val="hidden"/>
+                                      </p:to>
+                                    </p:set>
+                                  </p:childTnLst>
+                                </p:cTn>
+                              </p:par>
+                            </p:childTnLst>
+                          </p:cTn>
+                        </p:par>
+                        <p:par>
+                          <p:cTn id="101" fill="hold">
+                            <p:stCondLst>
+                              <p:cond delay="500"/>
+                            </p:stCondLst>
+                            <p:childTnLst>
+                              <p:par>
+                                <p:cTn id="102" presetID="42" presetClass="entr" presetSubtype="0" fill="hold" nodeType="afterEffect">
+                                  <p:stCondLst>
+                                    <p:cond delay="0"/>
+                                  </p:stCondLst>
+                                  <p:childTnLst>
+                                    <p:set>
+                                      <p:cBhvr>
+                                        <p:cTn id="103" dur="1" fill="hold">
+                                          <p:stCondLst>
+                                            <p:cond delay="0"/>
+                                          </p:stCondLst>
+                                        </p:cTn>
+                                        <p:tgtEl>
+                                          <p:spTgt spid="2">
+                                            <p:txEl>
+                                              <p:pRg st="10" end="10"/>
+                                            </p:txEl>
+                                          </p:spTgt>
+                                        </p:tgtEl>
+                                        <p:attrNameLst>
+                                          <p:attrName>style.visibility</p:attrName>
+                                        </p:attrNameLst>
+                                      </p:cBhvr>
+                                      <p:to>
+                                        <p:strVal val="visible"/>
+                                      </p:to>
+                                    </p:set>
+                                    <p:animEffect transition="in" filter="fade">
+                                      <p:cBhvr>
+                                        <p:cTn id="104" dur="1000"/>
+                                        <p:tgtEl>
+                                          <p:spTgt spid="2">
+                                            <p:txEl>
+                                              <p:pRg st="10" end="10"/>
+                                            </p:txEl>
+                                          </p:spTgt>
+                                        </p:tgtEl>
+                                      </p:cBhvr>
+                                    </p:animEffect>
+                                    <p:anim calcmode="lin" valueType="num">
+                                      <p:cBhvr>
+                                        <p:cTn id="105" dur="1000" fill="hold"/>
+                                        <p:tgtEl>
+                                          <p:spTgt spid="2">
+                                            <p:txEl>
+                                              <p:pRg st="10" end="10"/>
+                                            </p:txEl>
+                                          </p:spTgt>
+                                        </p:tgtEl>
+                                        <p:attrNameLst>
+                                          <p:attrName>ppt_x</p:attrName>
+                                        </p:attrNameLst>
+                                      </p:cBhvr>
+                                      <p:tavLst>
+                                        <p:tav tm="0">
+                                          <p:val>
+                                            <p:strVal val="#ppt_x"/>
+                                          </p:val>
+                                        </p:tav>
+                                        <p:tav tm="100000">
+                                          <p:val>
+                                            <p:strVal val="#ppt_x"/>
+                                          </p:val>
+                                        </p:tav>
+                                      </p:tavLst>
+                                    </p:anim>
+                                    <p:anim calcmode="lin" valueType="num">
+                                      <p:cBhvr>
+                                        <p:cTn id="106" dur="1000" fill="hold"/>
+                                        <p:tgtEl>
+                                          <p:spTgt spid="2">
+                                            <p:txEl>
+                                              <p:pRg st="10" end="10"/>
+                                            </p:txEl>
+                                          </p:spTgt>
+                                        </p:tgtEl>
+                                        <p:attrNameLst>
+                                          <p:attrName>ppt_y</p:attrName>
+                                        </p:attrNameLst>
+                                      </p:cBhvr>
+                                      <p:tavLst>
+                                        <p:tav tm="0">
+                                          <p:val>
+                                            <p:strVal val="#ppt_y+.1"/>
+                                          </p:val>
+                                        </p:tav>
+                                        <p:tav tm="100000">
+                                          <p:val>
+                                            <p:strVal val="#ppt_y"/>
+                                          </p:val>
+                                        </p:tav>
+                                      </p:tavLst>
+                                    </p:anim>
+                                  </p:childTnLst>
+                                </p:cTn>
+                              </p:par>
+                              <p:par>
+                                <p:cTn id="107" presetID="42" presetClass="entr" presetSubtype="0" fill="hold" nodeType="withEffect">
+                                  <p:stCondLst>
+                                    <p:cond delay="0"/>
+                                  </p:stCondLst>
+                                  <p:childTnLst>
+                                    <p:set>
+                                      <p:cBhvr>
+                                        <p:cTn id="108" dur="1" fill="hold">
+                                          <p:stCondLst>
+                                            <p:cond delay="0"/>
+                                          </p:stCondLst>
+                                        </p:cTn>
+                                        <p:tgtEl>
+                                          <p:spTgt spid="1036"/>
+                                        </p:tgtEl>
+                                        <p:attrNameLst>
+                                          <p:attrName>style.visibility</p:attrName>
+                                        </p:attrNameLst>
+                                      </p:cBhvr>
+                                      <p:to>
+                                        <p:strVal val="visible"/>
+                                      </p:to>
+                                    </p:set>
+                                    <p:animEffect transition="in" filter="fade">
+                                      <p:cBhvr>
+                                        <p:cTn id="109" dur="1000"/>
+                                        <p:tgtEl>
+                                          <p:spTgt spid="1036"/>
+                                        </p:tgtEl>
+                                      </p:cBhvr>
+                                    </p:animEffect>
+                                    <p:anim calcmode="lin" valueType="num">
+                                      <p:cBhvr>
+                                        <p:cTn id="110" dur="1000" fill="hold"/>
+                                        <p:tgtEl>
+                                          <p:spTgt spid="1036"/>
+                                        </p:tgtEl>
+                                        <p:attrNameLst>
+                                          <p:attrName>ppt_x</p:attrName>
+                                        </p:attrNameLst>
+                                      </p:cBhvr>
+                                      <p:tavLst>
+                                        <p:tav tm="0">
+                                          <p:val>
+                                            <p:strVal val="#ppt_x"/>
+                                          </p:val>
+                                        </p:tav>
+                                        <p:tav tm="100000">
+                                          <p:val>
+                                            <p:strVal val="#ppt_x"/>
+                                          </p:val>
+                                        </p:tav>
+                                      </p:tavLst>
+                                    </p:anim>
+                                    <p:anim calcmode="lin" valueType="num">
+                                      <p:cBhvr>
+                                        <p:cTn id="111" dur="1000" fill="hold"/>
+                                        <p:tgtEl>
+                                          <p:spTgt spid="1036"/>
+                                        </p:tgtEl>
+                                        <p:attrNameLst>
+                                          <p:attrName>ppt_y</p:attrName>
+                                        </p:attrNameLst>
+                                      </p:cBhvr>
+                                      <p:tavLst>
+                                        <p:tav tm="0">
+                                          <p:val>
+                                            <p:strVal val="#ppt_y+.1"/>
+                                          </p:val>
+                                        </p:tav>
+                                        <p:tav tm="100000">
+                                          <p:val>
+                                            <p:strVal val="#ppt_y"/>
+                                          </p:val>
+                                        </p:tav>
+                                      </p:tavLst>
+                                    </p:anim>
+                                  </p:childTnLst>
+                                </p:cTn>
+                              </p:par>
+                            </p:childTnLst>
+                          </p:cTn>
+                        </p:par>
+                      </p:childTnLst>
+                    </p:cTn>
+                  </p:par>
+                </p:childTnLst>
+              </p:cTn>
+              <p:prevCondLst>
+                <p:cond evt="onPrev" delay="0">
+                  <p:tgtEl>
+                    <p:sldTgt/>
+                  </p:tgtEl>
+                </p:cond>
+              </p:prevCondLst>
+              <p:nextCondLst>
+                <p:cond evt="onNext" delay="0">
+                  <p:tgtEl>
+                    <p:sldTgt/>
+                  </p:tgtEl>
+                </p:cond>
+              </p:nextCondLst>
+            </p:seq>
+          </p:childTnLst>
+        </p:cTn>
       </p:par>
     </p:tnLst>
   </p:timing>
@@ -11802,7 +13841,7 @@
           <p:cNvPr id="4" name="Immagine 3">
             <a:extLst>
               <a:ext uri="{FF2B5EF4-FFF2-40B4-BE49-F238E27FC236}">
-                <a16:creationId xmlns:a16="http://schemas.microsoft.com/office/drawing/2014/main" xmlns="" id="{4FA4F246-D783-C04F-821E-4505DBEA3E67}"/>
+                <a16:creationId xmlns="" xmlns:a16="http://schemas.microsoft.com/office/drawing/2014/main" id="{4FA4F246-D783-C04F-821E-4505DBEA3E67}"/>
               </a:ext>
             </a:extLst>
           </p:cNvPr>
@@ -12847,7 +14886,7 @@
           <p:cNvPr id="5" name="Immagine 4">
             <a:extLst>
               <a:ext uri="{FF2B5EF4-FFF2-40B4-BE49-F238E27FC236}">
-                <a16:creationId xmlns:a16="http://schemas.microsoft.com/office/drawing/2014/main" xmlns="" id="{067BFCA9-63DB-F345-A523-22023FC95E6D}"/>
+                <a16:creationId xmlns="" xmlns:a16="http://schemas.microsoft.com/office/drawing/2014/main" id="{067BFCA9-63DB-F345-A523-22023FC95E6D}"/>
               </a:ext>
             </a:extLst>
           </p:cNvPr>
@@ -12877,7 +14916,7 @@
           <p:cNvPr id="6" name="Immagine 5" descr="Immagine che contiene clipart&#10;&#10;Descrizione generata automaticamente">
             <a:extLst>
               <a:ext uri="{FF2B5EF4-FFF2-40B4-BE49-F238E27FC236}">
-                <a16:creationId xmlns:a16="http://schemas.microsoft.com/office/drawing/2014/main" xmlns="" id="{FC102394-17AD-1C46-84FC-5C53CF574448}"/>
+                <a16:creationId xmlns="" xmlns:a16="http://schemas.microsoft.com/office/drawing/2014/main" id="{FC102394-17AD-1C46-84FC-5C53CF574448}"/>
               </a:ext>
             </a:extLst>
           </p:cNvPr>
@@ -12907,7 +14946,7 @@
           <p:cNvPr id="7" name="Immagine 6">
             <a:extLst>
               <a:ext uri="{FF2B5EF4-FFF2-40B4-BE49-F238E27FC236}">
-                <a16:creationId xmlns:a16="http://schemas.microsoft.com/office/drawing/2014/main" xmlns="" id="{AD6C13D5-7551-A245-903B-CC38F14B2DBA}"/>
+                <a16:creationId xmlns="" xmlns:a16="http://schemas.microsoft.com/office/drawing/2014/main" id="{AD6C13D5-7551-A245-903B-CC38F14B2DBA}"/>
               </a:ext>
             </a:extLst>
           </p:cNvPr>
@@ -12937,7 +14976,7 @@
           <p:cNvPr id="8" name="Immagine 7">
             <a:extLst>
               <a:ext uri="{FF2B5EF4-FFF2-40B4-BE49-F238E27FC236}">
-                <a16:creationId xmlns:a16="http://schemas.microsoft.com/office/drawing/2014/main" xmlns="" id="{A6D8D241-706C-104E-8F0B-6B99F3565CE3}"/>
+                <a16:creationId xmlns="" xmlns:a16="http://schemas.microsoft.com/office/drawing/2014/main" id="{A6D8D241-706C-104E-8F0B-6B99F3565CE3}"/>
               </a:ext>
             </a:extLst>
           </p:cNvPr>
@@ -14300,32 +16339,249 @@
       </p:sp>
       <p:pic>
         <p:nvPicPr>
-          <p:cNvPr id="4" name="Immagine 3">
-            <a:extLst>
-              <a:ext uri="{FF2B5EF4-FFF2-40B4-BE49-F238E27FC236}">
-                <a16:creationId xmlns:a16="http://schemas.microsoft.com/office/drawing/2014/main" xmlns="" id="{D15B6BDB-899C-5747-B73F-9C7A8B67AC48}"/>
-              </a:ext>
-            </a:extLst>
-          </p:cNvPr>
+          <p:cNvPr id="2050" name="Picture 2" descr="Edit Icon Pencil Â· Free vector graphic on Pixabay"/>
           <p:cNvPicPr>
-            <a:picLocks noChangeAspect="1"/>
+            <a:picLocks noChangeAspect="1" noChangeArrowheads="1"/>
           </p:cNvPicPr>
           <p:nvPr/>
         </p:nvPicPr>
         <p:blipFill>
-          <a:blip r:embed="rId3"/>
+          <a:blip r:embed="rId3">
+            <a:extLst>
+              <a:ext uri="{28A0092B-C50C-407E-A947-70E740481C1C}">
+                <a14:useLocalDpi xmlns:a14="http://schemas.microsoft.com/office/drawing/2010/main" val="0"/>
+              </a:ext>
+            </a:extLst>
+          </a:blip>
+          <a:srcRect/>
           <a:stretch>
             <a:fillRect/>
           </a:stretch>
         </p:blipFill>
-        <p:spPr>
+        <p:spPr bwMode="auto">
           <a:xfrm>
-            <a:off x="5724128" y="4293096"/>
-            <a:ext cx="2601384" cy="1872208"/>
+            <a:off x="5400092" y="4231724"/>
+            <a:ext cx="2160240" cy="2163621"/>
           </a:xfrm>
           <a:prstGeom prst="rect">
             <a:avLst/>
           </a:prstGeom>
+          <a:noFill/>
+          <a:extLst>
+            <a:ext uri="{909E8E84-426E-40DD-AFC4-6F175D3DCCD1}">
+              <a14:hiddenFill xmlns:a14="http://schemas.microsoft.com/office/drawing/2010/main">
+                <a:solidFill>
+                  <a:srgbClr val="FFFFFF"/>
+                </a:solidFill>
+              </a14:hiddenFill>
+            </a:ext>
+          </a:extLst>
+        </p:spPr>
+      </p:pic>
+      <p:pic>
+        <p:nvPicPr>
+          <p:cNvPr id="2052" name="Picture 4" descr="Trying To Promote Your Independence? Then don't make this ..."/>
+          <p:cNvPicPr>
+            <a:picLocks noChangeAspect="1" noChangeArrowheads="1"/>
+          </p:cNvPicPr>
+          <p:nvPr/>
+        </p:nvPicPr>
+        <p:blipFill>
+          <a:blip r:embed="rId4">
+            <a:extLst>
+              <a:ext uri="{28A0092B-C50C-407E-A947-70E740481C1C}">
+                <a14:useLocalDpi xmlns:a14="http://schemas.microsoft.com/office/drawing/2010/main" val="0"/>
+              </a:ext>
+            </a:extLst>
+          </a:blip>
+          <a:srcRect/>
+          <a:stretch>
+            <a:fillRect/>
+          </a:stretch>
+        </p:blipFill>
+        <p:spPr bwMode="auto">
+          <a:xfrm>
+            <a:off x="5076056" y="4128615"/>
+            <a:ext cx="2962300" cy="2369840"/>
+          </a:xfrm>
+          <a:prstGeom prst="rect">
+            <a:avLst/>
+          </a:prstGeom>
+          <a:noFill/>
+          <a:extLst>
+            <a:ext uri="{909E8E84-426E-40DD-AFC4-6F175D3DCCD1}">
+              <a14:hiddenFill xmlns:a14="http://schemas.microsoft.com/office/drawing/2010/main">
+                <a:solidFill>
+                  <a:srgbClr val="FFFFFF"/>
+                </a:solidFill>
+              </a14:hiddenFill>
+            </a:ext>
+          </a:extLst>
+        </p:spPr>
+      </p:pic>
+      <p:pic>
+        <p:nvPicPr>
+          <p:cNvPr id="2054" name="Picture 6" descr="XLSX to XML - Convert your XLSX to XML for Free Online"/>
+          <p:cNvPicPr>
+            <a:picLocks noChangeAspect="1" noChangeArrowheads="1"/>
+          </p:cNvPicPr>
+          <p:nvPr/>
+        </p:nvPicPr>
+        <p:blipFill>
+          <a:blip r:embed="rId5">
+            <a:extLst>
+              <a:ext uri="{28A0092B-C50C-407E-A947-70E740481C1C}">
+                <a14:useLocalDpi xmlns:a14="http://schemas.microsoft.com/office/drawing/2010/main" val="0"/>
+              </a:ext>
+            </a:extLst>
+          </a:blip>
+          <a:srcRect/>
+          <a:stretch>
+            <a:fillRect/>
+          </a:stretch>
+        </p:blipFill>
+        <p:spPr bwMode="auto">
+          <a:xfrm>
+            <a:off x="5312451" y="4149080"/>
+            <a:ext cx="2476093" cy="2476094"/>
+          </a:xfrm>
+          <a:prstGeom prst="rect">
+            <a:avLst/>
+          </a:prstGeom>
+          <a:noFill/>
+          <a:extLst>
+            <a:ext uri="{909E8E84-426E-40DD-AFC4-6F175D3DCCD1}">
+              <a14:hiddenFill xmlns:a14="http://schemas.microsoft.com/office/drawing/2010/main">
+                <a:solidFill>
+                  <a:srgbClr val="FFFFFF"/>
+                </a:solidFill>
+              </a14:hiddenFill>
+            </a:ext>
+          </a:extLst>
+        </p:spPr>
+      </p:pic>
+      <p:pic>
+        <p:nvPicPr>
+          <p:cNvPr id="2056" name="Picture 8" descr="Cloud Upload Â· Free vector graphic on Pixabay"/>
+          <p:cNvPicPr>
+            <a:picLocks noChangeAspect="1" noChangeArrowheads="1"/>
+          </p:cNvPicPr>
+          <p:nvPr/>
+        </p:nvPicPr>
+        <p:blipFill>
+          <a:blip r:embed="rId6">
+            <a:extLst>
+              <a:ext uri="{28A0092B-C50C-407E-A947-70E740481C1C}">
+                <a14:useLocalDpi xmlns:a14="http://schemas.microsoft.com/office/drawing/2010/main" val="0"/>
+              </a:ext>
+            </a:extLst>
+          </a:blip>
+          <a:srcRect/>
+          <a:stretch>
+            <a:fillRect/>
+          </a:stretch>
+        </p:blipFill>
+        <p:spPr bwMode="auto">
+          <a:xfrm>
+            <a:off x="5340054" y="4149080"/>
+            <a:ext cx="2420888" cy="2420888"/>
+          </a:xfrm>
+          <a:prstGeom prst="rect">
+            <a:avLst/>
+          </a:prstGeom>
+          <a:noFill/>
+          <a:extLst>
+            <a:ext uri="{909E8E84-426E-40DD-AFC4-6F175D3DCCD1}">
+              <a14:hiddenFill xmlns:a14="http://schemas.microsoft.com/office/drawing/2010/main">
+                <a:solidFill>
+                  <a:srgbClr val="FFFFFF"/>
+                </a:solidFill>
+              </a14:hiddenFill>
+            </a:ext>
+          </a:extLst>
+        </p:spPr>
+      </p:pic>
+      <p:pic>
+        <p:nvPicPr>
+          <p:cNvPr id="2058" name="Picture 10" descr="Web Security PNG Transparent Web Security.PNG Images ..."/>
+          <p:cNvPicPr>
+            <a:picLocks noChangeAspect="1" noChangeArrowheads="1"/>
+          </p:cNvPicPr>
+          <p:nvPr/>
+        </p:nvPicPr>
+        <p:blipFill>
+          <a:blip r:embed="rId7">
+            <a:extLst>
+              <a:ext uri="{28A0092B-C50C-407E-A947-70E740481C1C}">
+                <a14:useLocalDpi xmlns:a14="http://schemas.microsoft.com/office/drawing/2010/main" val="0"/>
+              </a:ext>
+            </a:extLst>
+          </a:blip>
+          <a:srcRect/>
+          <a:stretch>
+            <a:fillRect/>
+          </a:stretch>
+        </p:blipFill>
+        <p:spPr bwMode="auto">
+          <a:xfrm>
+            <a:off x="5076056" y="4043162"/>
+            <a:ext cx="2808312" cy="2304019"/>
+          </a:xfrm>
+          <a:prstGeom prst="rect">
+            <a:avLst/>
+          </a:prstGeom>
+          <a:noFill/>
+          <a:extLst>
+            <a:ext uri="{909E8E84-426E-40DD-AFC4-6F175D3DCCD1}">
+              <a14:hiddenFill xmlns:a14="http://schemas.microsoft.com/office/drawing/2010/main">
+                <a:solidFill>
+                  <a:srgbClr val="FFFFFF"/>
+                </a:solidFill>
+              </a14:hiddenFill>
+            </a:ext>
+          </a:extLst>
+        </p:spPr>
+      </p:pic>
+      <p:pic>
+        <p:nvPicPr>
+          <p:cNvPr id="2060" name="Picture 12" descr="Client-Server Model Definition"/>
+          <p:cNvPicPr>
+            <a:picLocks noChangeAspect="1" noChangeArrowheads="1"/>
+          </p:cNvPicPr>
+          <p:nvPr/>
+        </p:nvPicPr>
+        <p:blipFill rotWithShape="1">
+          <a:blip r:embed="rId8">
+            <a:extLst>
+              <a:ext uri="{28A0092B-C50C-407E-A947-70E740481C1C}">
+                <a14:useLocalDpi xmlns:a14="http://schemas.microsoft.com/office/drawing/2010/main" val="0"/>
+              </a:ext>
+            </a:extLst>
+          </a:blip>
+          <a:srcRect t="22986"/>
+          <a:stretch/>
+        </p:blipFill>
+        <p:spPr bwMode="auto">
+          <a:xfrm>
+            <a:off x="786018" y="1772816"/>
+            <a:ext cx="7571964" cy="4318103"/>
+          </a:xfrm>
+          <a:prstGeom prst="rect">
+            <a:avLst/>
+          </a:prstGeom>
+          <a:noFill/>
+          <a:ln>
+            <a:noFill/>
+          </a:ln>
+          <a:extLst>
+            <a:ext uri="{909E8E84-426E-40DD-AFC4-6F175D3DCCD1}">
+              <a14:hiddenFill xmlns:a14="http://schemas.microsoft.com/office/drawing/2010/main">
+                <a:solidFill>
+                  <a:srgbClr val="FFFFFF"/>
+                </a:solidFill>
+              </a14:hiddenFill>
+            </a:ext>
+          </a:extLst>
         </p:spPr>
       </p:pic>
     </p:spTree>
@@ -14344,7 +16600,1619 @@
   <p:timing>
     <p:tnLst>
       <p:par>
-        <p:cTn id="1" dur="indefinite" restart="never" nodeType="tmRoot"/>
+        <p:cTn id="1" dur="indefinite" restart="never" nodeType="tmRoot">
+          <p:childTnLst>
+            <p:seq concurrent="1" nextAc="seek">
+              <p:cTn id="2" dur="indefinite" nodeType="mainSeq">
+                <p:childTnLst>
+                  <p:par>
+                    <p:cTn id="3" fill="hold">
+                      <p:stCondLst>
+                        <p:cond delay="indefinite"/>
+                        <p:cond evt="onBegin" delay="0">
+                          <p:tn val="2"/>
+                        </p:cond>
+                      </p:stCondLst>
+                      <p:childTnLst>
+                        <p:par>
+                          <p:cTn id="4" fill="hold">
+                            <p:stCondLst>
+                              <p:cond delay="0"/>
+                            </p:stCondLst>
+                            <p:childTnLst>
+                              <p:par>
+                                <p:cTn id="5" presetID="42" presetClass="entr" presetSubtype="0" fill="hold" nodeType="withEffect">
+                                  <p:stCondLst>
+                                    <p:cond delay="0"/>
+                                  </p:stCondLst>
+                                  <p:childTnLst>
+                                    <p:set>
+                                      <p:cBhvr>
+                                        <p:cTn id="6" dur="1" fill="hold">
+                                          <p:stCondLst>
+                                            <p:cond delay="0"/>
+                                          </p:stCondLst>
+                                        </p:cTn>
+                                        <p:tgtEl>
+                                          <p:spTgt spid="2060"/>
+                                        </p:tgtEl>
+                                        <p:attrNameLst>
+                                          <p:attrName>style.visibility</p:attrName>
+                                        </p:attrNameLst>
+                                      </p:cBhvr>
+                                      <p:to>
+                                        <p:strVal val="visible"/>
+                                      </p:to>
+                                    </p:set>
+                                    <p:animEffect transition="in" filter="fade">
+                                      <p:cBhvr>
+                                        <p:cTn id="7" dur="1000"/>
+                                        <p:tgtEl>
+                                          <p:spTgt spid="2060"/>
+                                        </p:tgtEl>
+                                      </p:cBhvr>
+                                    </p:animEffect>
+                                    <p:anim calcmode="lin" valueType="num">
+                                      <p:cBhvr>
+                                        <p:cTn id="8" dur="1000" fill="hold"/>
+                                        <p:tgtEl>
+                                          <p:spTgt spid="2060"/>
+                                        </p:tgtEl>
+                                        <p:attrNameLst>
+                                          <p:attrName>ppt_x</p:attrName>
+                                        </p:attrNameLst>
+                                      </p:cBhvr>
+                                      <p:tavLst>
+                                        <p:tav tm="0">
+                                          <p:val>
+                                            <p:strVal val="#ppt_x"/>
+                                          </p:val>
+                                        </p:tav>
+                                        <p:tav tm="100000">
+                                          <p:val>
+                                            <p:strVal val="#ppt_x"/>
+                                          </p:val>
+                                        </p:tav>
+                                      </p:tavLst>
+                                    </p:anim>
+                                    <p:anim calcmode="lin" valueType="num">
+                                      <p:cBhvr>
+                                        <p:cTn id="9" dur="1000" fill="hold"/>
+                                        <p:tgtEl>
+                                          <p:spTgt spid="2060"/>
+                                        </p:tgtEl>
+                                        <p:attrNameLst>
+                                          <p:attrName>ppt_y</p:attrName>
+                                        </p:attrNameLst>
+                                      </p:cBhvr>
+                                      <p:tavLst>
+                                        <p:tav tm="0">
+                                          <p:val>
+                                            <p:strVal val="#ppt_y+.1"/>
+                                          </p:val>
+                                        </p:tav>
+                                        <p:tav tm="100000">
+                                          <p:val>
+                                            <p:strVal val="#ppt_y"/>
+                                          </p:val>
+                                        </p:tav>
+                                      </p:tavLst>
+                                    </p:anim>
+                                  </p:childTnLst>
+                                </p:cTn>
+                              </p:par>
+                            </p:childTnLst>
+                          </p:cTn>
+                        </p:par>
+                      </p:childTnLst>
+                    </p:cTn>
+                  </p:par>
+                  <p:par>
+                    <p:cTn id="10" fill="hold">
+                      <p:stCondLst>
+                        <p:cond delay="indefinite"/>
+                      </p:stCondLst>
+                      <p:childTnLst>
+                        <p:par>
+                          <p:cTn id="11" fill="hold">
+                            <p:stCondLst>
+                              <p:cond delay="0"/>
+                            </p:stCondLst>
+                            <p:childTnLst>
+                              <p:par>
+                                <p:cTn id="12" presetID="2" presetClass="exit" presetSubtype="4" fill="hold" nodeType="clickEffect">
+                                  <p:stCondLst>
+                                    <p:cond delay="0"/>
+                                  </p:stCondLst>
+                                  <p:childTnLst>
+                                    <p:anim calcmode="lin" valueType="num">
+                                      <p:cBhvr additive="base">
+                                        <p:cTn id="13" dur="500"/>
+                                        <p:tgtEl>
+                                          <p:spTgt spid="2060"/>
+                                        </p:tgtEl>
+                                        <p:attrNameLst>
+                                          <p:attrName>ppt_x</p:attrName>
+                                        </p:attrNameLst>
+                                      </p:cBhvr>
+                                      <p:tavLst>
+                                        <p:tav tm="0">
+                                          <p:val>
+                                            <p:strVal val="ppt_x"/>
+                                          </p:val>
+                                        </p:tav>
+                                        <p:tav tm="100000">
+                                          <p:val>
+                                            <p:strVal val="ppt_x"/>
+                                          </p:val>
+                                        </p:tav>
+                                      </p:tavLst>
+                                    </p:anim>
+                                    <p:anim calcmode="lin" valueType="num">
+                                      <p:cBhvr additive="base">
+                                        <p:cTn id="14" dur="500"/>
+                                        <p:tgtEl>
+                                          <p:spTgt spid="2060"/>
+                                        </p:tgtEl>
+                                        <p:attrNameLst>
+                                          <p:attrName>ppt_y</p:attrName>
+                                        </p:attrNameLst>
+                                      </p:cBhvr>
+                                      <p:tavLst>
+                                        <p:tav tm="0">
+                                          <p:val>
+                                            <p:strVal val="ppt_y"/>
+                                          </p:val>
+                                        </p:tav>
+                                        <p:tav tm="100000">
+                                          <p:val>
+                                            <p:strVal val="1+ppt_h/2"/>
+                                          </p:val>
+                                        </p:tav>
+                                      </p:tavLst>
+                                    </p:anim>
+                                    <p:set>
+                                      <p:cBhvr>
+                                        <p:cTn id="15" dur="1" fill="hold">
+                                          <p:stCondLst>
+                                            <p:cond delay="499"/>
+                                          </p:stCondLst>
+                                        </p:cTn>
+                                        <p:tgtEl>
+                                          <p:spTgt spid="2060"/>
+                                        </p:tgtEl>
+                                        <p:attrNameLst>
+                                          <p:attrName>style.visibility</p:attrName>
+                                        </p:attrNameLst>
+                                      </p:cBhvr>
+                                      <p:to>
+                                        <p:strVal val="hidden"/>
+                                      </p:to>
+                                    </p:set>
+                                  </p:childTnLst>
+                                </p:cTn>
+                              </p:par>
+                            </p:childTnLst>
+                          </p:cTn>
+                        </p:par>
+                        <p:par>
+                          <p:cTn id="16" fill="hold">
+                            <p:stCondLst>
+                              <p:cond delay="500"/>
+                            </p:stCondLst>
+                            <p:childTnLst>
+                              <p:par>
+                                <p:cTn id="17" presetID="42" presetClass="entr" presetSubtype="0" fill="hold" nodeType="afterEffect">
+                                  <p:stCondLst>
+                                    <p:cond delay="0"/>
+                                  </p:stCondLst>
+                                  <p:childTnLst>
+                                    <p:set>
+                                      <p:cBhvr>
+                                        <p:cTn id="18" dur="1" fill="hold">
+                                          <p:stCondLst>
+                                            <p:cond delay="0"/>
+                                          </p:stCondLst>
+                                        </p:cTn>
+                                        <p:tgtEl>
+                                          <p:spTgt spid="2">
+                                            <p:txEl>
+                                              <p:pRg st="0" end="0"/>
+                                            </p:txEl>
+                                          </p:spTgt>
+                                        </p:tgtEl>
+                                        <p:attrNameLst>
+                                          <p:attrName>style.visibility</p:attrName>
+                                        </p:attrNameLst>
+                                      </p:cBhvr>
+                                      <p:to>
+                                        <p:strVal val="visible"/>
+                                      </p:to>
+                                    </p:set>
+                                    <p:animEffect transition="in" filter="fade">
+                                      <p:cBhvr>
+                                        <p:cTn id="19" dur="1000"/>
+                                        <p:tgtEl>
+                                          <p:spTgt spid="2">
+                                            <p:txEl>
+                                              <p:pRg st="0" end="0"/>
+                                            </p:txEl>
+                                          </p:spTgt>
+                                        </p:tgtEl>
+                                      </p:cBhvr>
+                                    </p:animEffect>
+                                    <p:anim calcmode="lin" valueType="num">
+                                      <p:cBhvr>
+                                        <p:cTn id="20" dur="1000" fill="hold"/>
+                                        <p:tgtEl>
+                                          <p:spTgt spid="2">
+                                            <p:txEl>
+                                              <p:pRg st="0" end="0"/>
+                                            </p:txEl>
+                                          </p:spTgt>
+                                        </p:tgtEl>
+                                        <p:attrNameLst>
+                                          <p:attrName>ppt_x</p:attrName>
+                                        </p:attrNameLst>
+                                      </p:cBhvr>
+                                      <p:tavLst>
+                                        <p:tav tm="0">
+                                          <p:val>
+                                            <p:strVal val="#ppt_x"/>
+                                          </p:val>
+                                        </p:tav>
+                                        <p:tav tm="100000">
+                                          <p:val>
+                                            <p:strVal val="#ppt_x"/>
+                                          </p:val>
+                                        </p:tav>
+                                      </p:tavLst>
+                                    </p:anim>
+                                    <p:anim calcmode="lin" valueType="num">
+                                      <p:cBhvr>
+                                        <p:cTn id="21" dur="1000" fill="hold"/>
+                                        <p:tgtEl>
+                                          <p:spTgt spid="2">
+                                            <p:txEl>
+                                              <p:pRg st="0" end="0"/>
+                                            </p:txEl>
+                                          </p:spTgt>
+                                        </p:tgtEl>
+                                        <p:attrNameLst>
+                                          <p:attrName>ppt_y</p:attrName>
+                                        </p:attrNameLst>
+                                      </p:cBhvr>
+                                      <p:tavLst>
+                                        <p:tav tm="0">
+                                          <p:val>
+                                            <p:strVal val="#ppt_y+.1"/>
+                                          </p:val>
+                                        </p:tav>
+                                        <p:tav tm="100000">
+                                          <p:val>
+                                            <p:strVal val="#ppt_y"/>
+                                          </p:val>
+                                        </p:tav>
+                                      </p:tavLst>
+                                    </p:anim>
+                                  </p:childTnLst>
+                                </p:cTn>
+                              </p:par>
+                              <p:par>
+                                <p:cTn id="22" presetID="42" presetClass="entr" presetSubtype="0" fill="hold" nodeType="withEffect">
+                                  <p:stCondLst>
+                                    <p:cond delay="0"/>
+                                  </p:stCondLst>
+                                  <p:childTnLst>
+                                    <p:set>
+                                      <p:cBhvr>
+                                        <p:cTn id="23" dur="1" fill="hold">
+                                          <p:stCondLst>
+                                            <p:cond delay="0"/>
+                                          </p:stCondLst>
+                                        </p:cTn>
+                                        <p:tgtEl>
+                                          <p:spTgt spid="2050"/>
+                                        </p:tgtEl>
+                                        <p:attrNameLst>
+                                          <p:attrName>style.visibility</p:attrName>
+                                        </p:attrNameLst>
+                                      </p:cBhvr>
+                                      <p:to>
+                                        <p:strVal val="visible"/>
+                                      </p:to>
+                                    </p:set>
+                                    <p:animEffect transition="in" filter="fade">
+                                      <p:cBhvr>
+                                        <p:cTn id="24" dur="1000"/>
+                                        <p:tgtEl>
+                                          <p:spTgt spid="2050"/>
+                                        </p:tgtEl>
+                                      </p:cBhvr>
+                                    </p:animEffect>
+                                    <p:anim calcmode="lin" valueType="num">
+                                      <p:cBhvr>
+                                        <p:cTn id="25" dur="1000" fill="hold"/>
+                                        <p:tgtEl>
+                                          <p:spTgt spid="2050"/>
+                                        </p:tgtEl>
+                                        <p:attrNameLst>
+                                          <p:attrName>ppt_x</p:attrName>
+                                        </p:attrNameLst>
+                                      </p:cBhvr>
+                                      <p:tavLst>
+                                        <p:tav tm="0">
+                                          <p:val>
+                                            <p:strVal val="#ppt_x"/>
+                                          </p:val>
+                                        </p:tav>
+                                        <p:tav tm="100000">
+                                          <p:val>
+                                            <p:strVal val="#ppt_x"/>
+                                          </p:val>
+                                        </p:tav>
+                                      </p:tavLst>
+                                    </p:anim>
+                                    <p:anim calcmode="lin" valueType="num">
+                                      <p:cBhvr>
+                                        <p:cTn id="26" dur="1000" fill="hold"/>
+                                        <p:tgtEl>
+                                          <p:spTgt spid="2050"/>
+                                        </p:tgtEl>
+                                        <p:attrNameLst>
+                                          <p:attrName>ppt_y</p:attrName>
+                                        </p:attrNameLst>
+                                      </p:cBhvr>
+                                      <p:tavLst>
+                                        <p:tav tm="0">
+                                          <p:val>
+                                            <p:strVal val="#ppt_y+.1"/>
+                                          </p:val>
+                                        </p:tav>
+                                        <p:tav tm="100000">
+                                          <p:val>
+                                            <p:strVal val="#ppt_y"/>
+                                          </p:val>
+                                        </p:tav>
+                                      </p:tavLst>
+                                    </p:anim>
+                                  </p:childTnLst>
+                                </p:cTn>
+                              </p:par>
+                            </p:childTnLst>
+                          </p:cTn>
+                        </p:par>
+                      </p:childTnLst>
+                    </p:cTn>
+                  </p:par>
+                  <p:par>
+                    <p:cTn id="27" fill="hold">
+                      <p:stCondLst>
+                        <p:cond delay="indefinite"/>
+                      </p:stCondLst>
+                      <p:childTnLst>
+                        <p:par>
+                          <p:cTn id="28" fill="hold">
+                            <p:stCondLst>
+                              <p:cond delay="0"/>
+                            </p:stCondLst>
+                            <p:childTnLst>
+                              <p:par>
+                                <p:cTn id="29" presetID="2" presetClass="exit" presetSubtype="4" fill="hold" nodeType="clickEffect">
+                                  <p:stCondLst>
+                                    <p:cond delay="0"/>
+                                  </p:stCondLst>
+                                  <p:childTnLst>
+                                    <p:anim calcmode="lin" valueType="num">
+                                      <p:cBhvr additive="base">
+                                        <p:cTn id="30" dur="500"/>
+                                        <p:tgtEl>
+                                          <p:spTgt spid="2050"/>
+                                        </p:tgtEl>
+                                        <p:attrNameLst>
+                                          <p:attrName>ppt_x</p:attrName>
+                                        </p:attrNameLst>
+                                      </p:cBhvr>
+                                      <p:tavLst>
+                                        <p:tav tm="0">
+                                          <p:val>
+                                            <p:strVal val="ppt_x"/>
+                                          </p:val>
+                                        </p:tav>
+                                        <p:tav tm="100000">
+                                          <p:val>
+                                            <p:strVal val="ppt_x"/>
+                                          </p:val>
+                                        </p:tav>
+                                      </p:tavLst>
+                                    </p:anim>
+                                    <p:anim calcmode="lin" valueType="num">
+                                      <p:cBhvr additive="base">
+                                        <p:cTn id="31" dur="500"/>
+                                        <p:tgtEl>
+                                          <p:spTgt spid="2050"/>
+                                        </p:tgtEl>
+                                        <p:attrNameLst>
+                                          <p:attrName>ppt_y</p:attrName>
+                                        </p:attrNameLst>
+                                      </p:cBhvr>
+                                      <p:tavLst>
+                                        <p:tav tm="0">
+                                          <p:val>
+                                            <p:strVal val="ppt_y"/>
+                                          </p:val>
+                                        </p:tav>
+                                        <p:tav tm="100000">
+                                          <p:val>
+                                            <p:strVal val="1+ppt_h/2"/>
+                                          </p:val>
+                                        </p:tav>
+                                      </p:tavLst>
+                                    </p:anim>
+                                    <p:set>
+                                      <p:cBhvr>
+                                        <p:cTn id="32" dur="1" fill="hold">
+                                          <p:stCondLst>
+                                            <p:cond delay="499"/>
+                                          </p:stCondLst>
+                                        </p:cTn>
+                                        <p:tgtEl>
+                                          <p:spTgt spid="2050"/>
+                                        </p:tgtEl>
+                                        <p:attrNameLst>
+                                          <p:attrName>style.visibility</p:attrName>
+                                        </p:attrNameLst>
+                                      </p:cBhvr>
+                                      <p:to>
+                                        <p:strVal val="hidden"/>
+                                      </p:to>
+                                    </p:set>
+                                  </p:childTnLst>
+                                </p:cTn>
+                              </p:par>
+                            </p:childTnLst>
+                          </p:cTn>
+                        </p:par>
+                        <p:par>
+                          <p:cTn id="33" fill="hold">
+                            <p:stCondLst>
+                              <p:cond delay="500"/>
+                            </p:stCondLst>
+                            <p:childTnLst>
+                              <p:par>
+                                <p:cTn id="34" presetID="42" presetClass="entr" presetSubtype="0" fill="hold" nodeType="afterEffect">
+                                  <p:stCondLst>
+                                    <p:cond delay="0"/>
+                                  </p:stCondLst>
+                                  <p:childTnLst>
+                                    <p:set>
+                                      <p:cBhvr>
+                                        <p:cTn id="35" dur="1" fill="hold">
+                                          <p:stCondLst>
+                                            <p:cond delay="0"/>
+                                          </p:stCondLst>
+                                        </p:cTn>
+                                        <p:tgtEl>
+                                          <p:spTgt spid="2052"/>
+                                        </p:tgtEl>
+                                        <p:attrNameLst>
+                                          <p:attrName>style.visibility</p:attrName>
+                                        </p:attrNameLst>
+                                      </p:cBhvr>
+                                      <p:to>
+                                        <p:strVal val="visible"/>
+                                      </p:to>
+                                    </p:set>
+                                    <p:animEffect transition="in" filter="fade">
+                                      <p:cBhvr>
+                                        <p:cTn id="36" dur="1000"/>
+                                        <p:tgtEl>
+                                          <p:spTgt spid="2052"/>
+                                        </p:tgtEl>
+                                      </p:cBhvr>
+                                    </p:animEffect>
+                                    <p:anim calcmode="lin" valueType="num">
+                                      <p:cBhvr>
+                                        <p:cTn id="37" dur="1000" fill="hold"/>
+                                        <p:tgtEl>
+                                          <p:spTgt spid="2052"/>
+                                        </p:tgtEl>
+                                        <p:attrNameLst>
+                                          <p:attrName>ppt_x</p:attrName>
+                                        </p:attrNameLst>
+                                      </p:cBhvr>
+                                      <p:tavLst>
+                                        <p:tav tm="0">
+                                          <p:val>
+                                            <p:strVal val="#ppt_x"/>
+                                          </p:val>
+                                        </p:tav>
+                                        <p:tav tm="100000">
+                                          <p:val>
+                                            <p:strVal val="#ppt_x"/>
+                                          </p:val>
+                                        </p:tav>
+                                      </p:tavLst>
+                                    </p:anim>
+                                    <p:anim calcmode="lin" valueType="num">
+                                      <p:cBhvr>
+                                        <p:cTn id="38" dur="1000" fill="hold"/>
+                                        <p:tgtEl>
+                                          <p:spTgt spid="2052"/>
+                                        </p:tgtEl>
+                                        <p:attrNameLst>
+                                          <p:attrName>ppt_y</p:attrName>
+                                        </p:attrNameLst>
+                                      </p:cBhvr>
+                                      <p:tavLst>
+                                        <p:tav tm="0">
+                                          <p:val>
+                                            <p:strVal val="#ppt_y+.1"/>
+                                          </p:val>
+                                        </p:tav>
+                                        <p:tav tm="100000">
+                                          <p:val>
+                                            <p:strVal val="#ppt_y"/>
+                                          </p:val>
+                                        </p:tav>
+                                      </p:tavLst>
+                                    </p:anim>
+                                  </p:childTnLst>
+                                </p:cTn>
+                              </p:par>
+                              <p:par>
+                                <p:cTn id="39" presetID="42" presetClass="entr" presetSubtype="0" fill="hold" nodeType="withEffect">
+                                  <p:stCondLst>
+                                    <p:cond delay="0"/>
+                                  </p:stCondLst>
+                                  <p:childTnLst>
+                                    <p:set>
+                                      <p:cBhvr>
+                                        <p:cTn id="40" dur="1" fill="hold">
+                                          <p:stCondLst>
+                                            <p:cond delay="0"/>
+                                          </p:stCondLst>
+                                        </p:cTn>
+                                        <p:tgtEl>
+                                          <p:spTgt spid="2">
+                                            <p:txEl>
+                                              <p:pRg st="2" end="2"/>
+                                            </p:txEl>
+                                          </p:spTgt>
+                                        </p:tgtEl>
+                                        <p:attrNameLst>
+                                          <p:attrName>style.visibility</p:attrName>
+                                        </p:attrNameLst>
+                                      </p:cBhvr>
+                                      <p:to>
+                                        <p:strVal val="visible"/>
+                                      </p:to>
+                                    </p:set>
+                                    <p:animEffect transition="in" filter="fade">
+                                      <p:cBhvr>
+                                        <p:cTn id="41" dur="1000"/>
+                                        <p:tgtEl>
+                                          <p:spTgt spid="2">
+                                            <p:txEl>
+                                              <p:pRg st="2" end="2"/>
+                                            </p:txEl>
+                                          </p:spTgt>
+                                        </p:tgtEl>
+                                      </p:cBhvr>
+                                    </p:animEffect>
+                                    <p:anim calcmode="lin" valueType="num">
+                                      <p:cBhvr>
+                                        <p:cTn id="42" dur="1000" fill="hold"/>
+                                        <p:tgtEl>
+                                          <p:spTgt spid="2">
+                                            <p:txEl>
+                                              <p:pRg st="2" end="2"/>
+                                            </p:txEl>
+                                          </p:spTgt>
+                                        </p:tgtEl>
+                                        <p:attrNameLst>
+                                          <p:attrName>ppt_x</p:attrName>
+                                        </p:attrNameLst>
+                                      </p:cBhvr>
+                                      <p:tavLst>
+                                        <p:tav tm="0">
+                                          <p:val>
+                                            <p:strVal val="#ppt_x"/>
+                                          </p:val>
+                                        </p:tav>
+                                        <p:tav tm="100000">
+                                          <p:val>
+                                            <p:strVal val="#ppt_x"/>
+                                          </p:val>
+                                        </p:tav>
+                                      </p:tavLst>
+                                    </p:anim>
+                                    <p:anim calcmode="lin" valueType="num">
+                                      <p:cBhvr>
+                                        <p:cTn id="43" dur="1000" fill="hold"/>
+                                        <p:tgtEl>
+                                          <p:spTgt spid="2">
+                                            <p:txEl>
+                                              <p:pRg st="2" end="2"/>
+                                            </p:txEl>
+                                          </p:spTgt>
+                                        </p:tgtEl>
+                                        <p:attrNameLst>
+                                          <p:attrName>ppt_y</p:attrName>
+                                        </p:attrNameLst>
+                                      </p:cBhvr>
+                                      <p:tavLst>
+                                        <p:tav tm="0">
+                                          <p:val>
+                                            <p:strVal val="#ppt_y+.1"/>
+                                          </p:val>
+                                        </p:tav>
+                                        <p:tav tm="100000">
+                                          <p:val>
+                                            <p:strVal val="#ppt_y"/>
+                                          </p:val>
+                                        </p:tav>
+                                      </p:tavLst>
+                                    </p:anim>
+                                  </p:childTnLst>
+                                </p:cTn>
+                              </p:par>
+                            </p:childTnLst>
+                          </p:cTn>
+                        </p:par>
+                      </p:childTnLst>
+                    </p:cTn>
+                  </p:par>
+                  <p:par>
+                    <p:cTn id="44" fill="hold">
+                      <p:stCondLst>
+                        <p:cond delay="indefinite"/>
+                      </p:stCondLst>
+                      <p:childTnLst>
+                        <p:par>
+                          <p:cTn id="45" fill="hold">
+                            <p:stCondLst>
+                              <p:cond delay="0"/>
+                            </p:stCondLst>
+                            <p:childTnLst>
+                              <p:par>
+                                <p:cTn id="46" presetID="2" presetClass="exit" presetSubtype="4" fill="hold" nodeType="clickEffect">
+                                  <p:stCondLst>
+                                    <p:cond delay="0"/>
+                                  </p:stCondLst>
+                                  <p:childTnLst>
+                                    <p:anim calcmode="lin" valueType="num">
+                                      <p:cBhvr additive="base">
+                                        <p:cTn id="47" dur="500"/>
+                                        <p:tgtEl>
+                                          <p:spTgt spid="2052"/>
+                                        </p:tgtEl>
+                                        <p:attrNameLst>
+                                          <p:attrName>ppt_x</p:attrName>
+                                        </p:attrNameLst>
+                                      </p:cBhvr>
+                                      <p:tavLst>
+                                        <p:tav tm="0">
+                                          <p:val>
+                                            <p:strVal val="ppt_x"/>
+                                          </p:val>
+                                        </p:tav>
+                                        <p:tav tm="100000">
+                                          <p:val>
+                                            <p:strVal val="ppt_x"/>
+                                          </p:val>
+                                        </p:tav>
+                                      </p:tavLst>
+                                    </p:anim>
+                                    <p:anim calcmode="lin" valueType="num">
+                                      <p:cBhvr additive="base">
+                                        <p:cTn id="48" dur="500"/>
+                                        <p:tgtEl>
+                                          <p:spTgt spid="2052"/>
+                                        </p:tgtEl>
+                                        <p:attrNameLst>
+                                          <p:attrName>ppt_y</p:attrName>
+                                        </p:attrNameLst>
+                                      </p:cBhvr>
+                                      <p:tavLst>
+                                        <p:tav tm="0">
+                                          <p:val>
+                                            <p:strVal val="ppt_y"/>
+                                          </p:val>
+                                        </p:tav>
+                                        <p:tav tm="100000">
+                                          <p:val>
+                                            <p:strVal val="1+ppt_h/2"/>
+                                          </p:val>
+                                        </p:tav>
+                                      </p:tavLst>
+                                    </p:anim>
+                                    <p:set>
+                                      <p:cBhvr>
+                                        <p:cTn id="49" dur="1" fill="hold">
+                                          <p:stCondLst>
+                                            <p:cond delay="499"/>
+                                          </p:stCondLst>
+                                        </p:cTn>
+                                        <p:tgtEl>
+                                          <p:spTgt spid="2052"/>
+                                        </p:tgtEl>
+                                        <p:attrNameLst>
+                                          <p:attrName>style.visibility</p:attrName>
+                                        </p:attrNameLst>
+                                      </p:cBhvr>
+                                      <p:to>
+                                        <p:strVal val="hidden"/>
+                                      </p:to>
+                                    </p:set>
+                                  </p:childTnLst>
+                                </p:cTn>
+                              </p:par>
+                            </p:childTnLst>
+                          </p:cTn>
+                        </p:par>
+                        <p:par>
+                          <p:cTn id="50" fill="hold">
+                            <p:stCondLst>
+                              <p:cond delay="500"/>
+                            </p:stCondLst>
+                            <p:childTnLst>
+                              <p:par>
+                                <p:cTn id="51" presetID="42" presetClass="entr" presetSubtype="0" fill="hold" nodeType="afterEffect">
+                                  <p:stCondLst>
+                                    <p:cond delay="0"/>
+                                  </p:stCondLst>
+                                  <p:childTnLst>
+                                    <p:set>
+                                      <p:cBhvr>
+                                        <p:cTn id="52" dur="1" fill="hold">
+                                          <p:stCondLst>
+                                            <p:cond delay="0"/>
+                                          </p:stCondLst>
+                                        </p:cTn>
+                                        <p:tgtEl>
+                                          <p:spTgt spid="2054"/>
+                                        </p:tgtEl>
+                                        <p:attrNameLst>
+                                          <p:attrName>style.visibility</p:attrName>
+                                        </p:attrNameLst>
+                                      </p:cBhvr>
+                                      <p:to>
+                                        <p:strVal val="visible"/>
+                                      </p:to>
+                                    </p:set>
+                                    <p:animEffect transition="in" filter="fade">
+                                      <p:cBhvr>
+                                        <p:cTn id="53" dur="1000"/>
+                                        <p:tgtEl>
+                                          <p:spTgt spid="2054"/>
+                                        </p:tgtEl>
+                                      </p:cBhvr>
+                                    </p:animEffect>
+                                    <p:anim calcmode="lin" valueType="num">
+                                      <p:cBhvr>
+                                        <p:cTn id="54" dur="1000" fill="hold"/>
+                                        <p:tgtEl>
+                                          <p:spTgt spid="2054"/>
+                                        </p:tgtEl>
+                                        <p:attrNameLst>
+                                          <p:attrName>ppt_x</p:attrName>
+                                        </p:attrNameLst>
+                                      </p:cBhvr>
+                                      <p:tavLst>
+                                        <p:tav tm="0">
+                                          <p:val>
+                                            <p:strVal val="#ppt_x"/>
+                                          </p:val>
+                                        </p:tav>
+                                        <p:tav tm="100000">
+                                          <p:val>
+                                            <p:strVal val="#ppt_x"/>
+                                          </p:val>
+                                        </p:tav>
+                                      </p:tavLst>
+                                    </p:anim>
+                                    <p:anim calcmode="lin" valueType="num">
+                                      <p:cBhvr>
+                                        <p:cTn id="55" dur="1000" fill="hold"/>
+                                        <p:tgtEl>
+                                          <p:spTgt spid="2054"/>
+                                        </p:tgtEl>
+                                        <p:attrNameLst>
+                                          <p:attrName>ppt_y</p:attrName>
+                                        </p:attrNameLst>
+                                      </p:cBhvr>
+                                      <p:tavLst>
+                                        <p:tav tm="0">
+                                          <p:val>
+                                            <p:strVal val="#ppt_y+.1"/>
+                                          </p:val>
+                                        </p:tav>
+                                        <p:tav tm="100000">
+                                          <p:val>
+                                            <p:strVal val="#ppt_y"/>
+                                          </p:val>
+                                        </p:tav>
+                                      </p:tavLst>
+                                    </p:anim>
+                                  </p:childTnLst>
+                                </p:cTn>
+                              </p:par>
+                              <p:par>
+                                <p:cTn id="56" presetID="42" presetClass="entr" presetSubtype="0" fill="hold" nodeType="withEffect">
+                                  <p:stCondLst>
+                                    <p:cond delay="0"/>
+                                  </p:stCondLst>
+                                  <p:childTnLst>
+                                    <p:set>
+                                      <p:cBhvr>
+                                        <p:cTn id="57" dur="1" fill="hold">
+                                          <p:stCondLst>
+                                            <p:cond delay="0"/>
+                                          </p:stCondLst>
+                                        </p:cTn>
+                                        <p:tgtEl>
+                                          <p:spTgt spid="2">
+                                            <p:txEl>
+                                              <p:pRg st="4" end="4"/>
+                                            </p:txEl>
+                                          </p:spTgt>
+                                        </p:tgtEl>
+                                        <p:attrNameLst>
+                                          <p:attrName>style.visibility</p:attrName>
+                                        </p:attrNameLst>
+                                      </p:cBhvr>
+                                      <p:to>
+                                        <p:strVal val="visible"/>
+                                      </p:to>
+                                    </p:set>
+                                    <p:animEffect transition="in" filter="fade">
+                                      <p:cBhvr>
+                                        <p:cTn id="58" dur="1000"/>
+                                        <p:tgtEl>
+                                          <p:spTgt spid="2">
+                                            <p:txEl>
+                                              <p:pRg st="4" end="4"/>
+                                            </p:txEl>
+                                          </p:spTgt>
+                                        </p:tgtEl>
+                                      </p:cBhvr>
+                                    </p:animEffect>
+                                    <p:anim calcmode="lin" valueType="num">
+                                      <p:cBhvr>
+                                        <p:cTn id="59" dur="1000" fill="hold"/>
+                                        <p:tgtEl>
+                                          <p:spTgt spid="2">
+                                            <p:txEl>
+                                              <p:pRg st="4" end="4"/>
+                                            </p:txEl>
+                                          </p:spTgt>
+                                        </p:tgtEl>
+                                        <p:attrNameLst>
+                                          <p:attrName>ppt_x</p:attrName>
+                                        </p:attrNameLst>
+                                      </p:cBhvr>
+                                      <p:tavLst>
+                                        <p:tav tm="0">
+                                          <p:val>
+                                            <p:strVal val="#ppt_x"/>
+                                          </p:val>
+                                        </p:tav>
+                                        <p:tav tm="100000">
+                                          <p:val>
+                                            <p:strVal val="#ppt_x"/>
+                                          </p:val>
+                                        </p:tav>
+                                      </p:tavLst>
+                                    </p:anim>
+                                    <p:anim calcmode="lin" valueType="num">
+                                      <p:cBhvr>
+                                        <p:cTn id="60" dur="1000" fill="hold"/>
+                                        <p:tgtEl>
+                                          <p:spTgt spid="2">
+                                            <p:txEl>
+                                              <p:pRg st="4" end="4"/>
+                                            </p:txEl>
+                                          </p:spTgt>
+                                        </p:tgtEl>
+                                        <p:attrNameLst>
+                                          <p:attrName>ppt_y</p:attrName>
+                                        </p:attrNameLst>
+                                      </p:cBhvr>
+                                      <p:tavLst>
+                                        <p:tav tm="0">
+                                          <p:val>
+                                            <p:strVal val="#ppt_y+.1"/>
+                                          </p:val>
+                                        </p:tav>
+                                        <p:tav tm="100000">
+                                          <p:val>
+                                            <p:strVal val="#ppt_y"/>
+                                          </p:val>
+                                        </p:tav>
+                                      </p:tavLst>
+                                    </p:anim>
+                                  </p:childTnLst>
+                                </p:cTn>
+                              </p:par>
+                            </p:childTnLst>
+                          </p:cTn>
+                        </p:par>
+                      </p:childTnLst>
+                    </p:cTn>
+                  </p:par>
+                  <p:par>
+                    <p:cTn id="61" fill="hold">
+                      <p:stCondLst>
+                        <p:cond delay="indefinite"/>
+                      </p:stCondLst>
+                      <p:childTnLst>
+                        <p:par>
+                          <p:cTn id="62" fill="hold">
+                            <p:stCondLst>
+                              <p:cond delay="0"/>
+                            </p:stCondLst>
+                            <p:childTnLst>
+                              <p:par>
+                                <p:cTn id="63" presetID="2" presetClass="exit" presetSubtype="4" fill="hold" nodeType="clickEffect">
+                                  <p:stCondLst>
+                                    <p:cond delay="0"/>
+                                  </p:stCondLst>
+                                  <p:childTnLst>
+                                    <p:anim calcmode="lin" valueType="num">
+                                      <p:cBhvr additive="base">
+                                        <p:cTn id="64" dur="500"/>
+                                        <p:tgtEl>
+                                          <p:spTgt spid="2054"/>
+                                        </p:tgtEl>
+                                        <p:attrNameLst>
+                                          <p:attrName>ppt_x</p:attrName>
+                                        </p:attrNameLst>
+                                      </p:cBhvr>
+                                      <p:tavLst>
+                                        <p:tav tm="0">
+                                          <p:val>
+                                            <p:strVal val="ppt_x"/>
+                                          </p:val>
+                                        </p:tav>
+                                        <p:tav tm="100000">
+                                          <p:val>
+                                            <p:strVal val="ppt_x"/>
+                                          </p:val>
+                                        </p:tav>
+                                      </p:tavLst>
+                                    </p:anim>
+                                    <p:anim calcmode="lin" valueType="num">
+                                      <p:cBhvr additive="base">
+                                        <p:cTn id="65" dur="500"/>
+                                        <p:tgtEl>
+                                          <p:spTgt spid="2054"/>
+                                        </p:tgtEl>
+                                        <p:attrNameLst>
+                                          <p:attrName>ppt_y</p:attrName>
+                                        </p:attrNameLst>
+                                      </p:cBhvr>
+                                      <p:tavLst>
+                                        <p:tav tm="0">
+                                          <p:val>
+                                            <p:strVal val="ppt_y"/>
+                                          </p:val>
+                                        </p:tav>
+                                        <p:tav tm="100000">
+                                          <p:val>
+                                            <p:strVal val="1+ppt_h/2"/>
+                                          </p:val>
+                                        </p:tav>
+                                      </p:tavLst>
+                                    </p:anim>
+                                    <p:set>
+                                      <p:cBhvr>
+                                        <p:cTn id="66" dur="1" fill="hold">
+                                          <p:stCondLst>
+                                            <p:cond delay="499"/>
+                                          </p:stCondLst>
+                                        </p:cTn>
+                                        <p:tgtEl>
+                                          <p:spTgt spid="2054"/>
+                                        </p:tgtEl>
+                                        <p:attrNameLst>
+                                          <p:attrName>style.visibility</p:attrName>
+                                        </p:attrNameLst>
+                                      </p:cBhvr>
+                                      <p:to>
+                                        <p:strVal val="hidden"/>
+                                      </p:to>
+                                    </p:set>
+                                  </p:childTnLst>
+                                </p:cTn>
+                              </p:par>
+                            </p:childTnLst>
+                          </p:cTn>
+                        </p:par>
+                        <p:par>
+                          <p:cTn id="67" fill="hold">
+                            <p:stCondLst>
+                              <p:cond delay="500"/>
+                            </p:stCondLst>
+                            <p:childTnLst>
+                              <p:par>
+                                <p:cTn id="68" presetID="42" presetClass="entr" presetSubtype="0" fill="hold" nodeType="afterEffect">
+                                  <p:stCondLst>
+                                    <p:cond delay="0"/>
+                                  </p:stCondLst>
+                                  <p:childTnLst>
+                                    <p:set>
+                                      <p:cBhvr>
+                                        <p:cTn id="69" dur="1" fill="hold">
+                                          <p:stCondLst>
+                                            <p:cond delay="0"/>
+                                          </p:stCondLst>
+                                        </p:cTn>
+                                        <p:tgtEl>
+                                          <p:spTgt spid="2056"/>
+                                        </p:tgtEl>
+                                        <p:attrNameLst>
+                                          <p:attrName>style.visibility</p:attrName>
+                                        </p:attrNameLst>
+                                      </p:cBhvr>
+                                      <p:to>
+                                        <p:strVal val="visible"/>
+                                      </p:to>
+                                    </p:set>
+                                    <p:animEffect transition="in" filter="fade">
+                                      <p:cBhvr>
+                                        <p:cTn id="70" dur="1000"/>
+                                        <p:tgtEl>
+                                          <p:spTgt spid="2056"/>
+                                        </p:tgtEl>
+                                      </p:cBhvr>
+                                    </p:animEffect>
+                                    <p:anim calcmode="lin" valueType="num">
+                                      <p:cBhvr>
+                                        <p:cTn id="71" dur="1000" fill="hold"/>
+                                        <p:tgtEl>
+                                          <p:spTgt spid="2056"/>
+                                        </p:tgtEl>
+                                        <p:attrNameLst>
+                                          <p:attrName>ppt_x</p:attrName>
+                                        </p:attrNameLst>
+                                      </p:cBhvr>
+                                      <p:tavLst>
+                                        <p:tav tm="0">
+                                          <p:val>
+                                            <p:strVal val="#ppt_x"/>
+                                          </p:val>
+                                        </p:tav>
+                                        <p:tav tm="100000">
+                                          <p:val>
+                                            <p:strVal val="#ppt_x"/>
+                                          </p:val>
+                                        </p:tav>
+                                      </p:tavLst>
+                                    </p:anim>
+                                    <p:anim calcmode="lin" valueType="num">
+                                      <p:cBhvr>
+                                        <p:cTn id="72" dur="1000" fill="hold"/>
+                                        <p:tgtEl>
+                                          <p:spTgt spid="2056"/>
+                                        </p:tgtEl>
+                                        <p:attrNameLst>
+                                          <p:attrName>ppt_y</p:attrName>
+                                        </p:attrNameLst>
+                                      </p:cBhvr>
+                                      <p:tavLst>
+                                        <p:tav tm="0">
+                                          <p:val>
+                                            <p:strVal val="#ppt_y+.1"/>
+                                          </p:val>
+                                        </p:tav>
+                                        <p:tav tm="100000">
+                                          <p:val>
+                                            <p:strVal val="#ppt_y"/>
+                                          </p:val>
+                                        </p:tav>
+                                      </p:tavLst>
+                                    </p:anim>
+                                  </p:childTnLst>
+                                </p:cTn>
+                              </p:par>
+                              <p:par>
+                                <p:cTn id="73" presetID="42" presetClass="entr" presetSubtype="0" fill="hold" nodeType="withEffect">
+                                  <p:stCondLst>
+                                    <p:cond delay="0"/>
+                                  </p:stCondLst>
+                                  <p:childTnLst>
+                                    <p:set>
+                                      <p:cBhvr>
+                                        <p:cTn id="74" dur="1" fill="hold">
+                                          <p:stCondLst>
+                                            <p:cond delay="0"/>
+                                          </p:stCondLst>
+                                        </p:cTn>
+                                        <p:tgtEl>
+                                          <p:spTgt spid="2">
+                                            <p:txEl>
+                                              <p:pRg st="6" end="6"/>
+                                            </p:txEl>
+                                          </p:spTgt>
+                                        </p:tgtEl>
+                                        <p:attrNameLst>
+                                          <p:attrName>style.visibility</p:attrName>
+                                        </p:attrNameLst>
+                                      </p:cBhvr>
+                                      <p:to>
+                                        <p:strVal val="visible"/>
+                                      </p:to>
+                                    </p:set>
+                                    <p:animEffect transition="in" filter="fade">
+                                      <p:cBhvr>
+                                        <p:cTn id="75" dur="1000"/>
+                                        <p:tgtEl>
+                                          <p:spTgt spid="2">
+                                            <p:txEl>
+                                              <p:pRg st="6" end="6"/>
+                                            </p:txEl>
+                                          </p:spTgt>
+                                        </p:tgtEl>
+                                      </p:cBhvr>
+                                    </p:animEffect>
+                                    <p:anim calcmode="lin" valueType="num">
+                                      <p:cBhvr>
+                                        <p:cTn id="76" dur="1000" fill="hold"/>
+                                        <p:tgtEl>
+                                          <p:spTgt spid="2">
+                                            <p:txEl>
+                                              <p:pRg st="6" end="6"/>
+                                            </p:txEl>
+                                          </p:spTgt>
+                                        </p:tgtEl>
+                                        <p:attrNameLst>
+                                          <p:attrName>ppt_x</p:attrName>
+                                        </p:attrNameLst>
+                                      </p:cBhvr>
+                                      <p:tavLst>
+                                        <p:tav tm="0">
+                                          <p:val>
+                                            <p:strVal val="#ppt_x"/>
+                                          </p:val>
+                                        </p:tav>
+                                        <p:tav tm="100000">
+                                          <p:val>
+                                            <p:strVal val="#ppt_x"/>
+                                          </p:val>
+                                        </p:tav>
+                                      </p:tavLst>
+                                    </p:anim>
+                                    <p:anim calcmode="lin" valueType="num">
+                                      <p:cBhvr>
+                                        <p:cTn id="77" dur="1000" fill="hold"/>
+                                        <p:tgtEl>
+                                          <p:spTgt spid="2">
+                                            <p:txEl>
+                                              <p:pRg st="6" end="6"/>
+                                            </p:txEl>
+                                          </p:spTgt>
+                                        </p:tgtEl>
+                                        <p:attrNameLst>
+                                          <p:attrName>ppt_y</p:attrName>
+                                        </p:attrNameLst>
+                                      </p:cBhvr>
+                                      <p:tavLst>
+                                        <p:tav tm="0">
+                                          <p:val>
+                                            <p:strVal val="#ppt_y+.1"/>
+                                          </p:val>
+                                        </p:tav>
+                                        <p:tav tm="100000">
+                                          <p:val>
+                                            <p:strVal val="#ppt_y"/>
+                                          </p:val>
+                                        </p:tav>
+                                      </p:tavLst>
+                                    </p:anim>
+                                  </p:childTnLst>
+                                </p:cTn>
+                              </p:par>
+                              <p:par>
+                                <p:cTn id="78" presetID="42" presetClass="entr" presetSubtype="0" fill="hold" nodeType="withEffect">
+                                  <p:stCondLst>
+                                    <p:cond delay="0"/>
+                                  </p:stCondLst>
+                                  <p:childTnLst>
+                                    <p:set>
+                                      <p:cBhvr>
+                                        <p:cTn id="79" dur="1" fill="hold">
+                                          <p:stCondLst>
+                                            <p:cond delay="0"/>
+                                          </p:stCondLst>
+                                        </p:cTn>
+                                        <p:tgtEl>
+                                          <p:spTgt spid="2">
+                                            <p:txEl>
+                                              <p:pRg st="8" end="8"/>
+                                            </p:txEl>
+                                          </p:spTgt>
+                                        </p:tgtEl>
+                                        <p:attrNameLst>
+                                          <p:attrName>style.visibility</p:attrName>
+                                        </p:attrNameLst>
+                                      </p:cBhvr>
+                                      <p:to>
+                                        <p:strVal val="visible"/>
+                                      </p:to>
+                                    </p:set>
+                                    <p:animEffect transition="in" filter="fade">
+                                      <p:cBhvr>
+                                        <p:cTn id="80" dur="1000"/>
+                                        <p:tgtEl>
+                                          <p:spTgt spid="2">
+                                            <p:txEl>
+                                              <p:pRg st="8" end="8"/>
+                                            </p:txEl>
+                                          </p:spTgt>
+                                        </p:tgtEl>
+                                      </p:cBhvr>
+                                    </p:animEffect>
+                                    <p:anim calcmode="lin" valueType="num">
+                                      <p:cBhvr>
+                                        <p:cTn id="81" dur="1000" fill="hold"/>
+                                        <p:tgtEl>
+                                          <p:spTgt spid="2">
+                                            <p:txEl>
+                                              <p:pRg st="8" end="8"/>
+                                            </p:txEl>
+                                          </p:spTgt>
+                                        </p:tgtEl>
+                                        <p:attrNameLst>
+                                          <p:attrName>ppt_x</p:attrName>
+                                        </p:attrNameLst>
+                                      </p:cBhvr>
+                                      <p:tavLst>
+                                        <p:tav tm="0">
+                                          <p:val>
+                                            <p:strVal val="#ppt_x"/>
+                                          </p:val>
+                                        </p:tav>
+                                        <p:tav tm="100000">
+                                          <p:val>
+                                            <p:strVal val="#ppt_x"/>
+                                          </p:val>
+                                        </p:tav>
+                                      </p:tavLst>
+                                    </p:anim>
+                                    <p:anim calcmode="lin" valueType="num">
+                                      <p:cBhvr>
+                                        <p:cTn id="82" dur="1000" fill="hold"/>
+                                        <p:tgtEl>
+                                          <p:spTgt spid="2">
+                                            <p:txEl>
+                                              <p:pRg st="8" end="8"/>
+                                            </p:txEl>
+                                          </p:spTgt>
+                                        </p:tgtEl>
+                                        <p:attrNameLst>
+                                          <p:attrName>ppt_y</p:attrName>
+                                        </p:attrNameLst>
+                                      </p:cBhvr>
+                                      <p:tavLst>
+                                        <p:tav tm="0">
+                                          <p:val>
+                                            <p:strVal val="#ppt_y+.1"/>
+                                          </p:val>
+                                        </p:tav>
+                                        <p:tav tm="100000">
+                                          <p:val>
+                                            <p:strVal val="#ppt_y"/>
+                                          </p:val>
+                                        </p:tav>
+                                      </p:tavLst>
+                                    </p:anim>
+                                  </p:childTnLst>
+                                </p:cTn>
+                              </p:par>
+                            </p:childTnLst>
+                          </p:cTn>
+                        </p:par>
+                      </p:childTnLst>
+                    </p:cTn>
+                  </p:par>
+                  <p:par>
+                    <p:cTn id="83" fill="hold">
+                      <p:stCondLst>
+                        <p:cond delay="indefinite"/>
+                      </p:stCondLst>
+                      <p:childTnLst>
+                        <p:par>
+                          <p:cTn id="84" fill="hold">
+                            <p:stCondLst>
+                              <p:cond delay="0"/>
+                            </p:stCondLst>
+                            <p:childTnLst>
+                              <p:par>
+                                <p:cTn id="85" presetID="2" presetClass="exit" presetSubtype="4" fill="hold" nodeType="clickEffect">
+                                  <p:stCondLst>
+                                    <p:cond delay="0"/>
+                                  </p:stCondLst>
+                                  <p:childTnLst>
+                                    <p:anim calcmode="lin" valueType="num">
+                                      <p:cBhvr additive="base">
+                                        <p:cTn id="86" dur="500"/>
+                                        <p:tgtEl>
+                                          <p:spTgt spid="2056"/>
+                                        </p:tgtEl>
+                                        <p:attrNameLst>
+                                          <p:attrName>ppt_x</p:attrName>
+                                        </p:attrNameLst>
+                                      </p:cBhvr>
+                                      <p:tavLst>
+                                        <p:tav tm="0">
+                                          <p:val>
+                                            <p:strVal val="ppt_x"/>
+                                          </p:val>
+                                        </p:tav>
+                                        <p:tav tm="100000">
+                                          <p:val>
+                                            <p:strVal val="ppt_x"/>
+                                          </p:val>
+                                        </p:tav>
+                                      </p:tavLst>
+                                    </p:anim>
+                                    <p:anim calcmode="lin" valueType="num">
+                                      <p:cBhvr additive="base">
+                                        <p:cTn id="87" dur="500"/>
+                                        <p:tgtEl>
+                                          <p:spTgt spid="2056"/>
+                                        </p:tgtEl>
+                                        <p:attrNameLst>
+                                          <p:attrName>ppt_y</p:attrName>
+                                        </p:attrNameLst>
+                                      </p:cBhvr>
+                                      <p:tavLst>
+                                        <p:tav tm="0">
+                                          <p:val>
+                                            <p:strVal val="ppt_y"/>
+                                          </p:val>
+                                        </p:tav>
+                                        <p:tav tm="100000">
+                                          <p:val>
+                                            <p:strVal val="1+ppt_h/2"/>
+                                          </p:val>
+                                        </p:tav>
+                                      </p:tavLst>
+                                    </p:anim>
+                                    <p:set>
+                                      <p:cBhvr>
+                                        <p:cTn id="88" dur="1" fill="hold">
+                                          <p:stCondLst>
+                                            <p:cond delay="499"/>
+                                          </p:stCondLst>
+                                        </p:cTn>
+                                        <p:tgtEl>
+                                          <p:spTgt spid="2056"/>
+                                        </p:tgtEl>
+                                        <p:attrNameLst>
+                                          <p:attrName>style.visibility</p:attrName>
+                                        </p:attrNameLst>
+                                      </p:cBhvr>
+                                      <p:to>
+                                        <p:strVal val="hidden"/>
+                                      </p:to>
+                                    </p:set>
+                                  </p:childTnLst>
+                                </p:cTn>
+                              </p:par>
+                            </p:childTnLst>
+                          </p:cTn>
+                        </p:par>
+                        <p:par>
+                          <p:cTn id="89" fill="hold">
+                            <p:stCondLst>
+                              <p:cond delay="500"/>
+                            </p:stCondLst>
+                            <p:childTnLst>
+                              <p:par>
+                                <p:cTn id="90" presetID="42" presetClass="entr" presetSubtype="0" fill="hold" nodeType="afterEffect">
+                                  <p:stCondLst>
+                                    <p:cond delay="0"/>
+                                  </p:stCondLst>
+                                  <p:childTnLst>
+                                    <p:set>
+                                      <p:cBhvr>
+                                        <p:cTn id="91" dur="1" fill="hold">
+                                          <p:stCondLst>
+                                            <p:cond delay="0"/>
+                                          </p:stCondLst>
+                                        </p:cTn>
+                                        <p:tgtEl>
+                                          <p:spTgt spid="2058"/>
+                                        </p:tgtEl>
+                                        <p:attrNameLst>
+                                          <p:attrName>style.visibility</p:attrName>
+                                        </p:attrNameLst>
+                                      </p:cBhvr>
+                                      <p:to>
+                                        <p:strVal val="visible"/>
+                                      </p:to>
+                                    </p:set>
+                                    <p:animEffect transition="in" filter="fade">
+                                      <p:cBhvr>
+                                        <p:cTn id="92" dur="1000"/>
+                                        <p:tgtEl>
+                                          <p:spTgt spid="2058"/>
+                                        </p:tgtEl>
+                                      </p:cBhvr>
+                                    </p:animEffect>
+                                    <p:anim calcmode="lin" valueType="num">
+                                      <p:cBhvr>
+                                        <p:cTn id="93" dur="1000" fill="hold"/>
+                                        <p:tgtEl>
+                                          <p:spTgt spid="2058"/>
+                                        </p:tgtEl>
+                                        <p:attrNameLst>
+                                          <p:attrName>ppt_x</p:attrName>
+                                        </p:attrNameLst>
+                                      </p:cBhvr>
+                                      <p:tavLst>
+                                        <p:tav tm="0">
+                                          <p:val>
+                                            <p:strVal val="#ppt_x"/>
+                                          </p:val>
+                                        </p:tav>
+                                        <p:tav tm="100000">
+                                          <p:val>
+                                            <p:strVal val="#ppt_x"/>
+                                          </p:val>
+                                        </p:tav>
+                                      </p:tavLst>
+                                    </p:anim>
+                                    <p:anim calcmode="lin" valueType="num">
+                                      <p:cBhvr>
+                                        <p:cTn id="94" dur="1000" fill="hold"/>
+                                        <p:tgtEl>
+                                          <p:spTgt spid="2058"/>
+                                        </p:tgtEl>
+                                        <p:attrNameLst>
+                                          <p:attrName>ppt_y</p:attrName>
+                                        </p:attrNameLst>
+                                      </p:cBhvr>
+                                      <p:tavLst>
+                                        <p:tav tm="0">
+                                          <p:val>
+                                            <p:strVal val="#ppt_y+.1"/>
+                                          </p:val>
+                                        </p:tav>
+                                        <p:tav tm="100000">
+                                          <p:val>
+                                            <p:strVal val="#ppt_y"/>
+                                          </p:val>
+                                        </p:tav>
+                                      </p:tavLst>
+                                    </p:anim>
+                                  </p:childTnLst>
+                                </p:cTn>
+                              </p:par>
+                              <p:par>
+                                <p:cTn id="95" presetID="42" presetClass="entr" presetSubtype="0" fill="hold" nodeType="withEffect">
+                                  <p:stCondLst>
+                                    <p:cond delay="0"/>
+                                  </p:stCondLst>
+                                  <p:childTnLst>
+                                    <p:set>
+                                      <p:cBhvr>
+                                        <p:cTn id="96" dur="1" fill="hold">
+                                          <p:stCondLst>
+                                            <p:cond delay="0"/>
+                                          </p:stCondLst>
+                                        </p:cTn>
+                                        <p:tgtEl>
+                                          <p:spTgt spid="2">
+                                            <p:txEl>
+                                              <p:pRg st="10" end="10"/>
+                                            </p:txEl>
+                                          </p:spTgt>
+                                        </p:tgtEl>
+                                        <p:attrNameLst>
+                                          <p:attrName>style.visibility</p:attrName>
+                                        </p:attrNameLst>
+                                      </p:cBhvr>
+                                      <p:to>
+                                        <p:strVal val="visible"/>
+                                      </p:to>
+                                    </p:set>
+                                    <p:animEffect transition="in" filter="fade">
+                                      <p:cBhvr>
+                                        <p:cTn id="97" dur="1000"/>
+                                        <p:tgtEl>
+                                          <p:spTgt spid="2">
+                                            <p:txEl>
+                                              <p:pRg st="10" end="10"/>
+                                            </p:txEl>
+                                          </p:spTgt>
+                                        </p:tgtEl>
+                                      </p:cBhvr>
+                                    </p:animEffect>
+                                    <p:anim calcmode="lin" valueType="num">
+                                      <p:cBhvr>
+                                        <p:cTn id="98" dur="1000" fill="hold"/>
+                                        <p:tgtEl>
+                                          <p:spTgt spid="2">
+                                            <p:txEl>
+                                              <p:pRg st="10" end="10"/>
+                                            </p:txEl>
+                                          </p:spTgt>
+                                        </p:tgtEl>
+                                        <p:attrNameLst>
+                                          <p:attrName>ppt_x</p:attrName>
+                                        </p:attrNameLst>
+                                      </p:cBhvr>
+                                      <p:tavLst>
+                                        <p:tav tm="0">
+                                          <p:val>
+                                            <p:strVal val="#ppt_x"/>
+                                          </p:val>
+                                        </p:tav>
+                                        <p:tav tm="100000">
+                                          <p:val>
+                                            <p:strVal val="#ppt_x"/>
+                                          </p:val>
+                                        </p:tav>
+                                      </p:tavLst>
+                                    </p:anim>
+                                    <p:anim calcmode="lin" valueType="num">
+                                      <p:cBhvr>
+                                        <p:cTn id="99" dur="1000" fill="hold"/>
+                                        <p:tgtEl>
+                                          <p:spTgt spid="2">
+                                            <p:txEl>
+                                              <p:pRg st="10" end="10"/>
+                                            </p:txEl>
+                                          </p:spTgt>
+                                        </p:tgtEl>
+                                        <p:attrNameLst>
+                                          <p:attrName>ppt_y</p:attrName>
+                                        </p:attrNameLst>
+                                      </p:cBhvr>
+                                      <p:tavLst>
+                                        <p:tav tm="0">
+                                          <p:val>
+                                            <p:strVal val="#ppt_y+.1"/>
+                                          </p:val>
+                                        </p:tav>
+                                        <p:tav tm="100000">
+                                          <p:val>
+                                            <p:strVal val="#ppt_y"/>
+                                          </p:val>
+                                        </p:tav>
+                                      </p:tavLst>
+                                    </p:anim>
+                                  </p:childTnLst>
+                                </p:cTn>
+                              </p:par>
+                            </p:childTnLst>
+                          </p:cTn>
+                        </p:par>
+                      </p:childTnLst>
+                    </p:cTn>
+                  </p:par>
+                </p:childTnLst>
+              </p:cTn>
+              <p:prevCondLst>
+                <p:cond evt="onPrev" delay="0">
+                  <p:tgtEl>
+                    <p:sldTgt/>
+                  </p:tgtEl>
+                </p:cond>
+              </p:prevCondLst>
+              <p:nextCondLst>
+                <p:cond evt="onNext" delay="0">
+                  <p:tgtEl>
+                    <p:sldTgt/>
+                  </p:tgtEl>
+                </p:cond>
+              </p:nextCondLst>
+            </p:seq>
+          </p:childTnLst>
+        </p:cTn>
       </p:par>
     </p:tnLst>
   </p:timing>
@@ -14395,7 +18263,7 @@
           <p:cNvPr id="6" name="Immagine 5">
             <a:extLst>
               <a:ext uri="{FF2B5EF4-FFF2-40B4-BE49-F238E27FC236}">
-                <a16:creationId xmlns:a16="http://schemas.microsoft.com/office/drawing/2014/main" xmlns="" id="{E14E6CC9-5A4E-4844-A1B1-C4700703EC8C}"/>
+                <a16:creationId xmlns="" xmlns:a16="http://schemas.microsoft.com/office/drawing/2014/main" id="{E14E6CC9-5A4E-4844-A1B1-C4700703EC8C}"/>
               </a:ext>
             </a:extLst>
           </p:cNvPr>
